--- a/Week-4/Week4slides.pptx
+++ b/Week-4/Week4slides.pptx
@@ -5,7 +5,7 @@
     <p:sldMasterId id="2147483648" r:id="rId1"/>
   </p:sldMasterIdLst>
   <p:notesMasterIdLst>
-    <p:notesMasterId r:id="rId29"/>
+    <p:notesMasterId r:id="rId18"/>
   </p:notesMasterIdLst>
   <p:sldIdLst>
     <p:sldId id="257" r:id="rId2"/>
@@ -24,17 +24,6 @@
     <p:sldId id="272" r:id="rId15"/>
     <p:sldId id="273" r:id="rId16"/>
     <p:sldId id="274" r:id="rId17"/>
-    <p:sldId id="263" r:id="rId18"/>
-    <p:sldId id="264" r:id="rId19"/>
-    <p:sldId id="276" r:id="rId20"/>
-    <p:sldId id="277" r:id="rId21"/>
-    <p:sldId id="286" r:id="rId22"/>
-    <p:sldId id="285" r:id="rId23"/>
-    <p:sldId id="287" r:id="rId24"/>
-    <p:sldId id="288" r:id="rId25"/>
-    <p:sldId id="289" r:id="rId26"/>
-    <p:sldId id="292" r:id="rId27"/>
-    <p:sldId id="291" r:id="rId28"/>
   </p:sldIdLst>
   <p:sldSz cx="9144000" cy="6858000" type="screen4x3"/>
   <p:notesSz cx="6858000" cy="9144000"/>
@@ -218,7 +207,7 @@
           <a:p>
             <a:fld id="{0CDF7614-3C46-F041-B6A3-57E4BCB15502}" type="datetimeFigureOut">
               <a:rPr lang="en-US" smtClean="0"/>
-              <a:t>2/13/18</a:t>
+              <a:t>2/14/18</a:t>
             </a:fld>
             <a:endParaRPr lang="en-US"/>
           </a:p>
@@ -667,7 +656,7 @@
           <a:p>
             <a:fld id="{61C69A6C-97A9-3D48-9B13-4D8BC4B2C88B}" type="datetimeFigureOut">
               <a:rPr lang="en-US" smtClean="0"/>
-              <a:t>2/8/18</a:t>
+              <a:t>2/14/18</a:t>
             </a:fld>
             <a:endParaRPr lang="en-US"/>
           </a:p>
@@ -837,7 +826,7 @@
           <a:p>
             <a:fld id="{61C69A6C-97A9-3D48-9B13-4D8BC4B2C88B}" type="datetimeFigureOut">
               <a:rPr lang="en-US" smtClean="0"/>
-              <a:t>2/8/18</a:t>
+              <a:t>2/14/18</a:t>
             </a:fld>
             <a:endParaRPr lang="en-US"/>
           </a:p>
@@ -1017,7 +1006,7 @@
           <a:p>
             <a:fld id="{61C69A6C-97A9-3D48-9B13-4D8BC4B2C88B}" type="datetimeFigureOut">
               <a:rPr lang="en-US" smtClean="0"/>
-              <a:t>2/8/18</a:t>
+              <a:t>2/14/18</a:t>
             </a:fld>
             <a:endParaRPr lang="en-US"/>
           </a:p>
@@ -1187,7 +1176,7 @@
           <a:p>
             <a:fld id="{61C69A6C-97A9-3D48-9B13-4D8BC4B2C88B}" type="datetimeFigureOut">
               <a:rPr lang="en-US" smtClean="0"/>
-              <a:t>2/8/18</a:t>
+              <a:t>2/14/18</a:t>
             </a:fld>
             <a:endParaRPr lang="en-US"/>
           </a:p>
@@ -1433,7 +1422,7 @@
           <a:p>
             <a:fld id="{61C69A6C-97A9-3D48-9B13-4D8BC4B2C88B}" type="datetimeFigureOut">
               <a:rPr lang="en-US" smtClean="0"/>
-              <a:t>2/8/18</a:t>
+              <a:t>2/14/18</a:t>
             </a:fld>
             <a:endParaRPr lang="en-US"/>
           </a:p>
@@ -1721,7 +1710,7 @@
           <a:p>
             <a:fld id="{61C69A6C-97A9-3D48-9B13-4D8BC4B2C88B}" type="datetimeFigureOut">
               <a:rPr lang="en-US" smtClean="0"/>
-              <a:t>2/8/18</a:t>
+              <a:t>2/14/18</a:t>
             </a:fld>
             <a:endParaRPr lang="en-US"/>
           </a:p>
@@ -2143,7 +2132,7 @@
           <a:p>
             <a:fld id="{61C69A6C-97A9-3D48-9B13-4D8BC4B2C88B}" type="datetimeFigureOut">
               <a:rPr lang="en-US" smtClean="0"/>
-              <a:t>2/8/18</a:t>
+              <a:t>2/14/18</a:t>
             </a:fld>
             <a:endParaRPr lang="en-US"/>
           </a:p>
@@ -2261,7 +2250,7 @@
           <a:p>
             <a:fld id="{61C69A6C-97A9-3D48-9B13-4D8BC4B2C88B}" type="datetimeFigureOut">
               <a:rPr lang="en-US" smtClean="0"/>
-              <a:t>2/8/18</a:t>
+              <a:t>2/14/18</a:t>
             </a:fld>
             <a:endParaRPr lang="en-US"/>
           </a:p>
@@ -2356,7 +2345,7 @@
           <a:p>
             <a:fld id="{61C69A6C-97A9-3D48-9B13-4D8BC4B2C88B}" type="datetimeFigureOut">
               <a:rPr lang="en-US" smtClean="0"/>
-              <a:t>2/8/18</a:t>
+              <a:t>2/14/18</a:t>
             </a:fld>
             <a:endParaRPr lang="en-US"/>
           </a:p>
@@ -2633,7 +2622,7 @@
           <a:p>
             <a:fld id="{61C69A6C-97A9-3D48-9B13-4D8BC4B2C88B}" type="datetimeFigureOut">
               <a:rPr lang="en-US" smtClean="0"/>
-              <a:t>2/8/18</a:t>
+              <a:t>2/14/18</a:t>
             </a:fld>
             <a:endParaRPr lang="en-US"/>
           </a:p>
@@ -2886,7 +2875,7 @@
           <a:p>
             <a:fld id="{61C69A6C-97A9-3D48-9B13-4D8BC4B2C88B}" type="datetimeFigureOut">
               <a:rPr lang="en-US" smtClean="0"/>
-              <a:t>2/8/18</a:t>
+              <a:t>2/14/18</a:t>
             </a:fld>
             <a:endParaRPr lang="en-US"/>
           </a:p>
@@ -3099,7 +3088,7 @@
           <a:p>
             <a:fld id="{61C69A6C-97A9-3D48-9B13-4D8BC4B2C88B}" type="datetimeFigureOut">
               <a:rPr lang="en-US" smtClean="0"/>
-              <a:t>2/8/18</a:t>
+              <a:t>2/14/18</a:t>
             </a:fld>
             <a:endParaRPr lang="en-US"/>
           </a:p>
@@ -3634,8 +3623,31 @@
                 <a:latin typeface="Rockwell"/>
                 <a:cs typeface="Rockwell"/>
               </a:rPr>
-              <a:t>Week 3</a:t>
-            </a:r>
+              <a:t>Week </a:t>
+            </a:r>
+            <a:r>
+              <a:rPr lang="en-US" sz="2400" b="1" dirty="0" smtClean="0">
+                <a:solidFill>
+                  <a:schemeClr val="tx1">
+                    <a:lumMod val="50000"/>
+                    <a:lumOff val="50000"/>
+                  </a:schemeClr>
+                </a:solidFill>
+                <a:latin typeface="Rockwell"/>
+                <a:cs typeface="Rockwell"/>
+              </a:rPr>
+              <a:t>4</a:t>
+            </a:r>
+            <a:endParaRPr lang="en-US" sz="2400" b="1" dirty="0" smtClean="0">
+              <a:solidFill>
+                <a:schemeClr val="tx1">
+                  <a:lumMod val="50000"/>
+                  <a:lumOff val="50000"/>
+                </a:schemeClr>
+              </a:solidFill>
+              <a:latin typeface="Rockwell"/>
+              <a:cs typeface="Rockwell"/>
+            </a:endParaRPr>
           </a:p>
         </p:txBody>
       </p:sp>
@@ -6546,13 +6558,6 @@
               </a:rPr>
               <a:t>“A”</a:t>
             </a:r>
-            <a:endParaRPr lang="en-US" sz="1400" dirty="0" smtClean="0">
-              <a:solidFill>
-                <a:schemeClr val="tx1"/>
-              </a:solidFill>
-              <a:latin typeface="Consolas"/>
-              <a:cs typeface="Consolas"/>
-            </a:endParaRPr>
           </a:p>
           <a:p>
             <a:pPr algn="ctr"/>
@@ -6566,13 +6571,6 @@
               </a:rPr>
               <a:t>“B”</a:t>
             </a:r>
-            <a:endParaRPr lang="en-US" sz="1400" dirty="0" smtClean="0">
-              <a:solidFill>
-                <a:schemeClr val="tx1"/>
-              </a:solidFill>
-              <a:latin typeface="Consolas"/>
-              <a:cs typeface="Consolas"/>
-            </a:endParaRPr>
           </a:p>
           <a:p>
             <a:pPr algn="ctr"/>
@@ -6586,13 +6584,6 @@
               </a:rPr>
               <a:t>“A”</a:t>
             </a:r>
-            <a:endParaRPr lang="en-US" sz="1400" dirty="0" smtClean="0">
-              <a:solidFill>
-                <a:schemeClr val="tx1"/>
-              </a:solidFill>
-              <a:latin typeface="Consolas"/>
-              <a:cs typeface="Consolas"/>
-            </a:endParaRPr>
           </a:p>
           <a:p>
             <a:pPr algn="ctr"/>
@@ -6606,13 +6597,6 @@
               </a:rPr>
               <a:t>“C”</a:t>
             </a:r>
-            <a:endParaRPr lang="en-US" sz="1400" dirty="0" smtClean="0">
-              <a:solidFill>
-                <a:schemeClr val="tx1"/>
-              </a:solidFill>
-              <a:latin typeface="Consolas"/>
-              <a:cs typeface="Consolas"/>
-            </a:endParaRPr>
           </a:p>
           <a:p>
             <a:pPr algn="ctr"/>
@@ -6665,13 +6649,6 @@
               </a:rPr>
               <a:t>“C”</a:t>
             </a:r>
-            <a:endParaRPr lang="en-US" sz="1400" dirty="0" smtClean="0">
-              <a:solidFill>
-                <a:schemeClr val="tx1"/>
-              </a:solidFill>
-              <a:latin typeface="Consolas"/>
-              <a:cs typeface="Consolas"/>
-            </a:endParaRPr>
           </a:p>
           <a:p>
             <a:pPr algn="ctr"/>
@@ -6685,13 +6662,6 @@
               </a:rPr>
               <a:t>“A”</a:t>
             </a:r>
-            <a:endParaRPr lang="en-US" sz="1400" dirty="0" smtClean="0">
-              <a:solidFill>
-                <a:schemeClr val="tx1"/>
-              </a:solidFill>
-              <a:latin typeface="Consolas"/>
-              <a:cs typeface="Consolas"/>
-            </a:endParaRPr>
           </a:p>
           <a:p>
             <a:pPr algn="ctr"/>
@@ -6705,13 +6675,6 @@
               </a:rPr>
               <a:t>“B”</a:t>
             </a:r>
-            <a:endParaRPr lang="en-US" sz="1400" dirty="0" smtClean="0">
-              <a:solidFill>
-                <a:schemeClr val="tx1"/>
-              </a:solidFill>
-              <a:latin typeface="Consolas"/>
-              <a:cs typeface="Consolas"/>
-            </a:endParaRPr>
           </a:p>
           <a:p>
             <a:pPr algn="ctr"/>
@@ -6725,13 +6688,6 @@
               </a:rPr>
               <a:t>“B”</a:t>
             </a:r>
-            <a:endParaRPr lang="en-US" sz="1400" dirty="0" smtClean="0">
-              <a:solidFill>
-                <a:schemeClr val="tx1"/>
-              </a:solidFill>
-              <a:latin typeface="Consolas"/>
-              <a:cs typeface="Consolas"/>
-            </a:endParaRPr>
           </a:p>
         </p:txBody>
       </p:sp>
@@ -8344,680 +8300,6 @@
 </p:sld>
 </file>
 
-<file path=ppt/slides/slide17.xml><?xml version="1.0" encoding="utf-8"?>
-<p:sld xmlns:a="http://schemas.openxmlformats.org/drawingml/2006/main" xmlns:r="http://schemas.openxmlformats.org/officeDocument/2006/relationships" xmlns:p="http://schemas.openxmlformats.org/presentationml/2006/main">
-  <p:cSld>
-    <p:spTree>
-      <p:nvGrpSpPr>
-        <p:cNvPr id="1" name=""/>
-        <p:cNvGrpSpPr/>
-        <p:nvPr/>
-      </p:nvGrpSpPr>
-      <p:grpSpPr>
-        <a:xfrm>
-          <a:off x="0" y="0"/>
-          <a:ext cx="0" cy="0"/>
-          <a:chOff x="0" y="0"/>
-          <a:chExt cx="0" cy="0"/>
-        </a:xfrm>
-      </p:grpSpPr>
-      <p:sp>
-        <p:nvSpPr>
-          <p:cNvPr id="2" name="Title 1"/>
-          <p:cNvSpPr>
-            <a:spLocks noGrp="1"/>
-          </p:cNvSpPr>
-          <p:nvPr>
-            <p:ph type="title"/>
-          </p:nvPr>
-        </p:nvSpPr>
-        <p:spPr>
-          <a:xfrm>
-            <a:off x="722313" y="4406900"/>
-            <a:ext cx="7772400" cy="1969837"/>
-          </a:xfrm>
-        </p:spPr>
-        <p:txBody>
-          <a:bodyPr>
-            <a:noAutofit/>
-          </a:bodyPr>
-          <a:lstStyle/>
-          <a:p>
-            <a:r>
-              <a:rPr lang="en-US" dirty="0" smtClean="0">
-                <a:solidFill>
-                  <a:schemeClr val="accent3">
-                    <a:lumMod val="75000"/>
-                  </a:schemeClr>
-                </a:solidFill>
-                <a:latin typeface="Rockwell"/>
-                <a:cs typeface="Rockwell"/>
-              </a:rPr>
-              <a:t>Clustering</a:t>
-            </a:r>
-            <a:endParaRPr lang="en-US" dirty="0"/>
-          </a:p>
-        </p:txBody>
-      </p:sp>
-      <p:sp>
-        <p:nvSpPr>
-          <p:cNvPr id="3" name="Text Placeholder 2"/>
-          <p:cNvSpPr>
-            <a:spLocks noGrp="1"/>
-          </p:cNvSpPr>
-          <p:nvPr>
-            <p:ph type="body" idx="1"/>
-          </p:nvPr>
-        </p:nvSpPr>
-        <p:spPr>
-          <a:xfrm>
-            <a:off x="722312" y="2666089"/>
-            <a:ext cx="5627337" cy="1500187"/>
-          </a:xfrm>
-        </p:spPr>
-        <p:txBody>
-          <a:bodyPr>
-            <a:normAutofit/>
-          </a:bodyPr>
-          <a:lstStyle/>
-          <a:p>
-            <a:r>
-              <a:rPr lang="en-US" sz="2400" dirty="0" smtClean="0">
-                <a:latin typeface="Helvetica"/>
-                <a:cs typeface="Helvetica"/>
-              </a:rPr>
-              <a:t>L</a:t>
-            </a:r>
-            <a:endParaRPr lang="en-US" sz="2400" dirty="0">
-              <a:latin typeface="Helvetica"/>
-              <a:cs typeface="Helvetica"/>
-            </a:endParaRPr>
-          </a:p>
-        </p:txBody>
-      </p:sp>
-      <p:sp>
-        <p:nvSpPr>
-          <p:cNvPr id="4" name="Rectangle 3"/>
-          <p:cNvSpPr/>
-          <p:nvPr/>
-        </p:nvSpPr>
-        <p:spPr>
-          <a:xfrm>
-            <a:off x="456110" y="4306459"/>
-            <a:ext cx="4567817" cy="90786"/>
-          </a:xfrm>
-          <a:prstGeom prst="rect">
-            <a:avLst/>
-          </a:prstGeom>
-          <a:solidFill>
-            <a:schemeClr val="bg1">
-              <a:lumMod val="50000"/>
-            </a:schemeClr>
-          </a:solidFill>
-          <a:ln>
-            <a:noFill/>
-          </a:ln>
-          <a:effectLst/>
-        </p:spPr>
-        <p:style>
-          <a:lnRef idx="1">
-            <a:schemeClr val="accent1"/>
-          </a:lnRef>
-          <a:fillRef idx="3">
-            <a:schemeClr val="accent1"/>
-          </a:fillRef>
-          <a:effectRef idx="2">
-            <a:schemeClr val="accent1"/>
-          </a:effectRef>
-          <a:fontRef idx="minor">
-            <a:schemeClr val="lt1"/>
-          </a:fontRef>
-        </p:style>
-        <p:txBody>
-          <a:bodyPr rtlCol="0" anchor="ctr"/>
-          <a:lstStyle/>
-          <a:p>
-            <a:pPr algn="ctr"/>
-            <a:endParaRPr lang="en-US" sz="1200">
-              <a:solidFill>
-                <a:schemeClr val="accent3">
-                  <a:lumMod val="50000"/>
-                </a:schemeClr>
-              </a:solidFill>
-              <a:latin typeface="Helvetica"/>
-              <a:cs typeface="Helvetica"/>
-            </a:endParaRPr>
-          </a:p>
-        </p:txBody>
-      </p:sp>
-      <p:sp>
-        <p:nvSpPr>
-          <p:cNvPr id="5" name="Rectangle 4"/>
-          <p:cNvSpPr/>
-          <p:nvPr/>
-        </p:nvSpPr>
-        <p:spPr>
-          <a:xfrm>
-            <a:off x="0" y="4250701"/>
-            <a:ext cx="4567817" cy="90786"/>
-          </a:xfrm>
-          <a:prstGeom prst="rect">
-            <a:avLst/>
-          </a:prstGeom>
-          <a:solidFill>
-            <a:schemeClr val="accent3">
-              <a:lumMod val="50000"/>
-            </a:schemeClr>
-          </a:solidFill>
-          <a:ln>
-            <a:noFill/>
-          </a:ln>
-          <a:effectLst/>
-        </p:spPr>
-        <p:style>
-          <a:lnRef idx="1">
-            <a:schemeClr val="accent1"/>
-          </a:lnRef>
-          <a:fillRef idx="3">
-            <a:schemeClr val="accent1"/>
-          </a:fillRef>
-          <a:effectRef idx="2">
-            <a:schemeClr val="accent1"/>
-          </a:effectRef>
-          <a:fontRef idx="minor">
-            <a:schemeClr val="lt1"/>
-          </a:fontRef>
-        </p:style>
-        <p:txBody>
-          <a:bodyPr rtlCol="0" anchor="ctr"/>
-          <a:lstStyle/>
-          <a:p>
-            <a:pPr algn="ctr"/>
-            <a:endParaRPr lang="en-US" sz="1200">
-              <a:solidFill>
-                <a:schemeClr val="accent3">
-                  <a:lumMod val="50000"/>
-                </a:schemeClr>
-              </a:solidFill>
-              <a:latin typeface="Helvetica"/>
-              <a:cs typeface="Helvetica"/>
-            </a:endParaRPr>
-          </a:p>
-        </p:txBody>
-      </p:sp>
-    </p:spTree>
-    <p:extLst>
-      <p:ext uri="{BB962C8B-B14F-4D97-AF65-F5344CB8AC3E}">
-        <p14:creationId xmlns:p14="http://schemas.microsoft.com/office/powerpoint/2010/main" val="2235298981"/>
-      </p:ext>
-    </p:extLst>
-  </p:cSld>
-  <p:clrMapOvr>
-    <a:masterClrMapping/>
-  </p:clrMapOvr>
-  <p:timing>
-    <p:tnLst>
-      <p:par>
-        <p:cTn xmlns:p14="http://schemas.microsoft.com/office/powerpoint/2010/main" id="1" dur="indefinite" restart="never" nodeType="tmRoot"/>
-      </p:par>
-    </p:tnLst>
-  </p:timing>
-</p:sld>
-</file>
-
-<file path=ppt/slides/slide18.xml><?xml version="1.0" encoding="utf-8"?>
-<p:sld xmlns:a="http://schemas.openxmlformats.org/drawingml/2006/main" xmlns:r="http://schemas.openxmlformats.org/officeDocument/2006/relationships" xmlns:p="http://schemas.openxmlformats.org/presentationml/2006/main">
-  <p:cSld>
-    <p:spTree>
-      <p:nvGrpSpPr>
-        <p:cNvPr id="1" name=""/>
-        <p:cNvGrpSpPr/>
-        <p:nvPr/>
-      </p:nvGrpSpPr>
-      <p:grpSpPr>
-        <a:xfrm>
-          <a:off x="0" y="0"/>
-          <a:ext cx="0" cy="0"/>
-          <a:chOff x="0" y="0"/>
-          <a:chExt cx="0" cy="0"/>
-        </a:xfrm>
-      </p:grpSpPr>
-      <p:sp>
-        <p:nvSpPr>
-          <p:cNvPr id="7" name="Rectangle 6"/>
-          <p:cNvSpPr/>
-          <p:nvPr/>
-        </p:nvSpPr>
-        <p:spPr>
-          <a:xfrm>
-            <a:off x="1" y="6318886"/>
-            <a:ext cx="9143998" cy="539114"/>
-          </a:xfrm>
-          <a:prstGeom prst="rect">
-            <a:avLst/>
-          </a:prstGeom>
-          <a:solidFill>
-            <a:schemeClr val="accent3">
-              <a:lumMod val="50000"/>
-            </a:schemeClr>
-          </a:solidFill>
-          <a:ln>
-            <a:noFill/>
-          </a:ln>
-          <a:effectLst/>
-        </p:spPr>
-        <p:style>
-          <a:lnRef idx="1">
-            <a:schemeClr val="accent1"/>
-          </a:lnRef>
-          <a:fillRef idx="3">
-            <a:schemeClr val="accent1"/>
-          </a:fillRef>
-          <a:effectRef idx="2">
-            <a:schemeClr val="accent1"/>
-          </a:effectRef>
-          <a:fontRef idx="minor">
-            <a:schemeClr val="lt1"/>
-          </a:fontRef>
-        </p:style>
-        <p:txBody>
-          <a:bodyPr rtlCol="0" anchor="ctr"/>
-          <a:lstStyle/>
-          <a:p>
-            <a:pPr algn="ctr"/>
-            <a:endParaRPr lang="en-US" sz="1200">
-              <a:solidFill>
-                <a:schemeClr val="accent3">
-                  <a:lumMod val="50000"/>
-                </a:schemeClr>
-              </a:solidFill>
-              <a:latin typeface="Helvetica"/>
-              <a:cs typeface="Helvetica"/>
-            </a:endParaRPr>
-          </a:p>
-        </p:txBody>
-      </p:sp>
-      <p:sp>
-        <p:nvSpPr>
-          <p:cNvPr id="9" name="TextBox 8"/>
-          <p:cNvSpPr txBox="1"/>
-          <p:nvPr/>
-        </p:nvSpPr>
-        <p:spPr>
-          <a:xfrm>
-            <a:off x="453017" y="1026910"/>
-            <a:ext cx="8229600" cy="369332"/>
-          </a:xfrm>
-          <a:prstGeom prst="rect">
-            <a:avLst/>
-          </a:prstGeom>
-          <a:noFill/>
-        </p:spPr>
-        <p:txBody>
-          <a:bodyPr wrap="square" rtlCol="0">
-            <a:spAutoFit/>
-          </a:bodyPr>
-          <a:lstStyle/>
-          <a:p>
-            <a:r>
-              <a:rPr lang="en-US" dirty="0" smtClean="0">
-                <a:latin typeface="Helvetica"/>
-                <a:cs typeface="Helvetica"/>
-              </a:rPr>
-              <a:t>This</a:t>
-            </a:r>
-            <a:endParaRPr lang="en-US" dirty="0">
-              <a:latin typeface="Helvetica"/>
-              <a:cs typeface="Helvetica"/>
-            </a:endParaRPr>
-          </a:p>
-        </p:txBody>
-      </p:sp>
-      <p:sp>
-        <p:nvSpPr>
-          <p:cNvPr id="4" name="Title 1"/>
-          <p:cNvSpPr>
-            <a:spLocks noGrp="1"/>
-          </p:cNvSpPr>
-          <p:nvPr>
-            <p:ph type="title"/>
-          </p:nvPr>
-        </p:nvSpPr>
-        <p:spPr>
-          <a:xfrm>
-            <a:off x="92596" y="1"/>
-            <a:ext cx="8955499" cy="767328"/>
-          </a:xfrm>
-        </p:spPr>
-        <p:txBody>
-          <a:bodyPr>
-            <a:normAutofit/>
-          </a:bodyPr>
-          <a:lstStyle/>
-          <a:p>
-            <a:pPr algn="l"/>
-            <a:r>
-              <a:rPr lang="en-US" sz="3600" dirty="0" smtClean="0">
-                <a:solidFill>
-                  <a:schemeClr val="tx1">
-                    <a:lumMod val="65000"/>
-                    <a:lumOff val="35000"/>
-                  </a:schemeClr>
-                </a:solidFill>
-                <a:latin typeface="Rockwell"/>
-                <a:cs typeface="Rockwell"/>
-              </a:rPr>
-              <a:t>T-distributions</a:t>
-            </a:r>
-            <a:endParaRPr lang="en-US" sz="3600" dirty="0">
-              <a:solidFill>
-                <a:schemeClr val="tx1">
-                  <a:lumMod val="65000"/>
-                  <a:lumOff val="35000"/>
-                </a:schemeClr>
-              </a:solidFill>
-              <a:latin typeface="Rockwell"/>
-              <a:cs typeface="Rockwell"/>
-            </a:endParaRPr>
-          </a:p>
-        </p:txBody>
-      </p:sp>
-      <p:sp>
-        <p:nvSpPr>
-          <p:cNvPr id="6" name="Rectangle 5"/>
-          <p:cNvSpPr/>
-          <p:nvPr/>
-        </p:nvSpPr>
-        <p:spPr>
-          <a:xfrm>
-            <a:off x="0" y="723606"/>
-            <a:ext cx="4567817" cy="90786"/>
-          </a:xfrm>
-          <a:prstGeom prst="rect">
-            <a:avLst/>
-          </a:prstGeom>
-          <a:solidFill>
-            <a:schemeClr val="accent3">
-              <a:lumMod val="50000"/>
-            </a:schemeClr>
-          </a:solidFill>
-          <a:ln>
-            <a:noFill/>
-          </a:ln>
-          <a:effectLst/>
-        </p:spPr>
-        <p:style>
-          <a:lnRef idx="1">
-            <a:schemeClr val="accent1"/>
-          </a:lnRef>
-          <a:fillRef idx="3">
-            <a:schemeClr val="accent1"/>
-          </a:fillRef>
-          <a:effectRef idx="2">
-            <a:schemeClr val="accent1"/>
-          </a:effectRef>
-          <a:fontRef idx="minor">
-            <a:schemeClr val="lt1"/>
-          </a:fontRef>
-        </p:style>
-        <p:txBody>
-          <a:bodyPr rtlCol="0" anchor="ctr"/>
-          <a:lstStyle/>
-          <a:p>
-            <a:pPr algn="ctr"/>
-            <a:endParaRPr lang="en-US" sz="1200">
-              <a:solidFill>
-                <a:schemeClr val="accent3">
-                  <a:lumMod val="50000"/>
-                </a:schemeClr>
-              </a:solidFill>
-              <a:latin typeface="Helvetica"/>
-              <a:cs typeface="Helvetica"/>
-            </a:endParaRPr>
-          </a:p>
-        </p:txBody>
-      </p:sp>
-    </p:spTree>
-    <p:extLst>
-      <p:ext uri="{BB962C8B-B14F-4D97-AF65-F5344CB8AC3E}">
-        <p14:creationId xmlns:p14="http://schemas.microsoft.com/office/powerpoint/2010/main" val="504386225"/>
-      </p:ext>
-    </p:extLst>
-  </p:cSld>
-  <p:clrMapOvr>
-    <a:masterClrMapping/>
-  </p:clrMapOvr>
-  <p:timing>
-    <p:tnLst>
-      <p:par>
-        <p:cTn xmlns:p14="http://schemas.microsoft.com/office/powerpoint/2010/main" id="1" dur="indefinite" restart="never" nodeType="tmRoot"/>
-      </p:par>
-    </p:tnLst>
-  </p:timing>
-</p:sld>
-</file>
-
-<file path=ppt/slides/slide19.xml><?xml version="1.0" encoding="utf-8"?>
-<p:sld xmlns:a="http://schemas.openxmlformats.org/drawingml/2006/main" xmlns:r="http://schemas.openxmlformats.org/officeDocument/2006/relationships" xmlns:p="http://schemas.openxmlformats.org/presentationml/2006/main">
-  <p:cSld>
-    <p:spTree>
-      <p:nvGrpSpPr>
-        <p:cNvPr id="1" name=""/>
-        <p:cNvGrpSpPr/>
-        <p:nvPr/>
-      </p:nvGrpSpPr>
-      <p:grpSpPr>
-        <a:xfrm>
-          <a:off x="0" y="0"/>
-          <a:ext cx="0" cy="0"/>
-          <a:chOff x="0" y="0"/>
-          <a:chExt cx="0" cy="0"/>
-        </a:xfrm>
-      </p:grpSpPr>
-      <p:sp>
-        <p:nvSpPr>
-          <p:cNvPr id="2" name="Title 1"/>
-          <p:cNvSpPr>
-            <a:spLocks noGrp="1"/>
-          </p:cNvSpPr>
-          <p:nvPr>
-            <p:ph type="title"/>
-          </p:nvPr>
-        </p:nvSpPr>
-        <p:spPr>
-          <a:xfrm>
-            <a:off x="722313" y="4406900"/>
-            <a:ext cx="7772400" cy="1969837"/>
-          </a:xfrm>
-        </p:spPr>
-        <p:txBody>
-          <a:bodyPr>
-            <a:noAutofit/>
-          </a:bodyPr>
-          <a:lstStyle/>
-          <a:p>
-            <a:r>
-              <a:rPr lang="en-US" dirty="0" smtClean="0">
-                <a:solidFill>
-                  <a:schemeClr val="accent3">
-                    <a:lumMod val="75000"/>
-                  </a:schemeClr>
-                </a:solidFill>
-                <a:latin typeface="Rockwell"/>
-                <a:cs typeface="Rockwell"/>
-              </a:rPr>
-              <a:t>Principal components analysis (PCA)</a:t>
-            </a:r>
-            <a:endParaRPr lang="en-US" dirty="0"/>
-          </a:p>
-        </p:txBody>
-      </p:sp>
-      <p:sp>
-        <p:nvSpPr>
-          <p:cNvPr id="3" name="Text Placeholder 2"/>
-          <p:cNvSpPr>
-            <a:spLocks noGrp="1"/>
-          </p:cNvSpPr>
-          <p:nvPr>
-            <p:ph type="body" idx="1"/>
-          </p:nvPr>
-        </p:nvSpPr>
-        <p:spPr>
-          <a:xfrm>
-            <a:off x="722312" y="2666089"/>
-            <a:ext cx="6897688" cy="1500187"/>
-          </a:xfrm>
-        </p:spPr>
-        <p:txBody>
-          <a:bodyPr>
-            <a:normAutofit/>
-          </a:bodyPr>
-          <a:lstStyle/>
-          <a:p>
-            <a:r>
-              <a:rPr lang="en-US" sz="2400" dirty="0" smtClean="0">
-                <a:latin typeface="Helvetica"/>
-                <a:cs typeface="Helvetica"/>
-              </a:rPr>
-              <a:t>Dimensionality reduction and/or summarization</a:t>
-            </a:r>
-            <a:endParaRPr lang="en-US" sz="2400" dirty="0">
-              <a:latin typeface="Helvetica"/>
-              <a:cs typeface="Helvetica"/>
-            </a:endParaRPr>
-          </a:p>
-        </p:txBody>
-      </p:sp>
-      <p:sp>
-        <p:nvSpPr>
-          <p:cNvPr id="4" name="Rectangle 3"/>
-          <p:cNvSpPr/>
-          <p:nvPr/>
-        </p:nvSpPr>
-        <p:spPr>
-          <a:xfrm>
-            <a:off x="456110" y="4306459"/>
-            <a:ext cx="4567817" cy="90786"/>
-          </a:xfrm>
-          <a:prstGeom prst="rect">
-            <a:avLst/>
-          </a:prstGeom>
-          <a:solidFill>
-            <a:schemeClr val="bg1">
-              <a:lumMod val="50000"/>
-            </a:schemeClr>
-          </a:solidFill>
-          <a:ln>
-            <a:noFill/>
-          </a:ln>
-          <a:effectLst/>
-        </p:spPr>
-        <p:style>
-          <a:lnRef idx="1">
-            <a:schemeClr val="accent1"/>
-          </a:lnRef>
-          <a:fillRef idx="3">
-            <a:schemeClr val="accent1"/>
-          </a:fillRef>
-          <a:effectRef idx="2">
-            <a:schemeClr val="accent1"/>
-          </a:effectRef>
-          <a:fontRef idx="minor">
-            <a:schemeClr val="lt1"/>
-          </a:fontRef>
-        </p:style>
-        <p:txBody>
-          <a:bodyPr rtlCol="0" anchor="ctr"/>
-          <a:lstStyle/>
-          <a:p>
-            <a:pPr algn="ctr"/>
-            <a:endParaRPr lang="en-US" sz="1200">
-              <a:solidFill>
-                <a:schemeClr val="accent3">
-                  <a:lumMod val="50000"/>
-                </a:schemeClr>
-              </a:solidFill>
-              <a:latin typeface="Helvetica"/>
-              <a:cs typeface="Helvetica"/>
-            </a:endParaRPr>
-          </a:p>
-        </p:txBody>
-      </p:sp>
-      <p:sp>
-        <p:nvSpPr>
-          <p:cNvPr id="5" name="Rectangle 4"/>
-          <p:cNvSpPr/>
-          <p:nvPr/>
-        </p:nvSpPr>
-        <p:spPr>
-          <a:xfrm>
-            <a:off x="0" y="4250701"/>
-            <a:ext cx="4567817" cy="90786"/>
-          </a:xfrm>
-          <a:prstGeom prst="rect">
-            <a:avLst/>
-          </a:prstGeom>
-          <a:solidFill>
-            <a:schemeClr val="accent3">
-              <a:lumMod val="50000"/>
-            </a:schemeClr>
-          </a:solidFill>
-          <a:ln>
-            <a:noFill/>
-          </a:ln>
-          <a:effectLst/>
-        </p:spPr>
-        <p:style>
-          <a:lnRef idx="1">
-            <a:schemeClr val="accent1"/>
-          </a:lnRef>
-          <a:fillRef idx="3">
-            <a:schemeClr val="accent1"/>
-          </a:fillRef>
-          <a:effectRef idx="2">
-            <a:schemeClr val="accent1"/>
-          </a:effectRef>
-          <a:fontRef idx="minor">
-            <a:schemeClr val="lt1"/>
-          </a:fontRef>
-        </p:style>
-        <p:txBody>
-          <a:bodyPr rtlCol="0" anchor="ctr"/>
-          <a:lstStyle/>
-          <a:p>
-            <a:pPr algn="ctr"/>
-            <a:endParaRPr lang="en-US" sz="1200">
-              <a:solidFill>
-                <a:schemeClr val="accent3">
-                  <a:lumMod val="50000"/>
-                </a:schemeClr>
-              </a:solidFill>
-              <a:latin typeface="Helvetica"/>
-              <a:cs typeface="Helvetica"/>
-            </a:endParaRPr>
-          </a:p>
-        </p:txBody>
-      </p:sp>
-    </p:spTree>
-    <p:extLst>
-      <p:ext uri="{BB962C8B-B14F-4D97-AF65-F5344CB8AC3E}">
-        <p14:creationId xmlns:p14="http://schemas.microsoft.com/office/powerpoint/2010/main" val="1085940796"/>
-      </p:ext>
-    </p:extLst>
-  </p:cSld>
-  <p:clrMapOvr>
-    <a:masterClrMapping/>
-  </p:clrMapOvr>
-  <p:timing>
-    <p:tnLst>
-      <p:par>
-        <p:cTn xmlns:p14="http://schemas.microsoft.com/office/powerpoint/2010/main" id="1" dur="indefinite" restart="never" nodeType="tmRoot"/>
-      </p:par>
-    </p:tnLst>
-  </p:timing>
-</p:sld>
-</file>
-
 <file path=ppt/slides/slide2.xml><?xml version="1.0" encoding="utf-8"?>
 <p:sld xmlns:a="http://schemas.openxmlformats.org/drawingml/2006/main" xmlns:r="http://schemas.openxmlformats.org/officeDocument/2006/relationships" xmlns:p="http://schemas.openxmlformats.org/presentationml/2006/main">
   <p:cSld>
@@ -9235,8016 +8517,6 @@
         <p:cTn xmlns:p14="http://schemas.microsoft.com/office/powerpoint/2010/main" id="1" dur="indefinite" restart="never" nodeType="tmRoot"/>
       </p:par>
     </p:tnLst>
-  </p:timing>
-</p:sld>
-</file>
-
-<file path=ppt/slides/slide20.xml><?xml version="1.0" encoding="utf-8"?>
-<p:sld xmlns:a="http://schemas.openxmlformats.org/drawingml/2006/main" xmlns:r="http://schemas.openxmlformats.org/officeDocument/2006/relationships" xmlns:p="http://schemas.openxmlformats.org/presentationml/2006/main">
-  <p:cSld>
-    <p:spTree>
-      <p:nvGrpSpPr>
-        <p:cNvPr id="1" name=""/>
-        <p:cNvGrpSpPr/>
-        <p:nvPr/>
-      </p:nvGrpSpPr>
-      <p:grpSpPr>
-        <a:xfrm>
-          <a:off x="0" y="0"/>
-          <a:ext cx="0" cy="0"/>
-          <a:chOff x="0" y="0"/>
-          <a:chExt cx="0" cy="0"/>
-        </a:xfrm>
-      </p:grpSpPr>
-      <p:sp>
-        <p:nvSpPr>
-          <p:cNvPr id="7" name="Rectangle 6"/>
-          <p:cNvSpPr/>
-          <p:nvPr/>
-        </p:nvSpPr>
-        <p:spPr>
-          <a:xfrm>
-            <a:off x="1" y="6318886"/>
-            <a:ext cx="9143998" cy="539114"/>
-          </a:xfrm>
-          <a:prstGeom prst="rect">
-            <a:avLst/>
-          </a:prstGeom>
-          <a:solidFill>
-            <a:schemeClr val="accent3">
-              <a:lumMod val="50000"/>
-            </a:schemeClr>
-          </a:solidFill>
-          <a:ln>
-            <a:noFill/>
-          </a:ln>
-          <a:effectLst/>
-        </p:spPr>
-        <p:style>
-          <a:lnRef idx="1">
-            <a:schemeClr val="accent1"/>
-          </a:lnRef>
-          <a:fillRef idx="3">
-            <a:schemeClr val="accent1"/>
-          </a:fillRef>
-          <a:effectRef idx="2">
-            <a:schemeClr val="accent1"/>
-          </a:effectRef>
-          <a:fontRef idx="minor">
-            <a:schemeClr val="lt1"/>
-          </a:fontRef>
-        </p:style>
-        <p:txBody>
-          <a:bodyPr rtlCol="0" anchor="ctr"/>
-          <a:lstStyle/>
-          <a:p>
-            <a:pPr algn="ctr"/>
-            <a:endParaRPr lang="en-US" sz="1200">
-              <a:solidFill>
-                <a:schemeClr val="accent3">
-                  <a:lumMod val="50000"/>
-                </a:schemeClr>
-              </a:solidFill>
-              <a:latin typeface="Helvetica"/>
-              <a:cs typeface="Helvetica"/>
-            </a:endParaRPr>
-          </a:p>
-        </p:txBody>
-      </p:sp>
-      <p:sp>
-        <p:nvSpPr>
-          <p:cNvPr id="9" name="TextBox 8"/>
-          <p:cNvSpPr txBox="1"/>
-          <p:nvPr/>
-        </p:nvSpPr>
-        <p:spPr>
-          <a:xfrm>
-            <a:off x="749375" y="1344410"/>
-            <a:ext cx="7636883" cy="3785652"/>
-          </a:xfrm>
-          <a:prstGeom prst="rect">
-            <a:avLst/>
-          </a:prstGeom>
-          <a:noFill/>
-        </p:spPr>
-        <p:txBody>
-          <a:bodyPr wrap="square" rtlCol="0">
-            <a:spAutoFit/>
-          </a:bodyPr>
-          <a:lstStyle/>
-          <a:p>
-            <a:r>
-              <a:rPr lang="en-US" sz="2000" dirty="0" smtClean="0">
-                <a:latin typeface="Helvetica"/>
-                <a:cs typeface="Helvetica"/>
-              </a:rPr>
-              <a:t>Regression, along with most of classical statistics, was designed for cases where </a:t>
-            </a:r>
-            <a:r>
-              <a:rPr lang="en-US" sz="2000" i="1" dirty="0" smtClean="0">
-                <a:solidFill>
-                  <a:schemeClr val="accent3"/>
-                </a:solidFill>
-                <a:latin typeface="Times"/>
-                <a:cs typeface="Times"/>
-              </a:rPr>
-              <a:t>n &gt; p</a:t>
-            </a:r>
-            <a:r>
-              <a:rPr lang="en-US" sz="2000" dirty="0" smtClean="0">
-                <a:latin typeface="Helvetica"/>
-                <a:cs typeface="Helvetica"/>
-              </a:rPr>
-              <a:t>. A lot of these methods will have identifiability issues or otherwise break when </a:t>
-            </a:r>
-            <a:r>
-              <a:rPr lang="en-US" sz="2000" i="1" dirty="0" smtClean="0">
-                <a:solidFill>
-                  <a:srgbClr val="9BBB59"/>
-                </a:solidFill>
-                <a:latin typeface="Times"/>
-                <a:cs typeface="Times"/>
-              </a:rPr>
-              <a:t>p &gt;&gt; n</a:t>
-            </a:r>
-            <a:r>
-              <a:rPr lang="en-US" sz="2000" dirty="0" smtClean="0">
-                <a:latin typeface="Helvetica"/>
-                <a:cs typeface="Helvetica"/>
-              </a:rPr>
-              <a:t>.</a:t>
-            </a:r>
-          </a:p>
-          <a:p>
-            <a:endParaRPr lang="en-US" sz="2000" dirty="0" smtClean="0">
-              <a:latin typeface="Helvetica"/>
-              <a:cs typeface="Helvetica"/>
-            </a:endParaRPr>
-          </a:p>
-          <a:p>
-            <a:r>
-              <a:rPr lang="en-US" sz="2000" dirty="0" smtClean="0">
-                <a:latin typeface="Helvetica"/>
-                <a:cs typeface="Helvetica"/>
-              </a:rPr>
-              <a:t>Today’s world produces a </a:t>
-            </a:r>
-            <a:r>
-              <a:rPr lang="en-US" sz="2000" b="1" dirty="0" smtClean="0">
-                <a:latin typeface="Helvetica"/>
-                <a:cs typeface="Helvetica"/>
-              </a:rPr>
-              <a:t>ton</a:t>
-            </a:r>
-            <a:r>
-              <a:rPr lang="en-US" sz="2000" dirty="0" smtClean="0">
-                <a:latin typeface="Helvetica"/>
-                <a:cs typeface="Helvetica"/>
-              </a:rPr>
-              <a:t> of data. Statisticians need to be able to analyze it without throwing away everything we did before 1995.</a:t>
-            </a:r>
-          </a:p>
-          <a:p>
-            <a:endParaRPr lang="en-US" sz="2000" dirty="0" smtClean="0">
-              <a:latin typeface="Helvetica"/>
-              <a:cs typeface="Helvetica"/>
-            </a:endParaRPr>
-          </a:p>
-          <a:p>
-            <a:r>
-              <a:rPr lang="en-US" sz="2000" dirty="0" smtClean="0">
-                <a:latin typeface="Helvetica"/>
-                <a:cs typeface="Helvetica"/>
-              </a:rPr>
-              <a:t>While high-dimensional data can be very useful, it is difficult for humans to conceptualize a 500-dimensional space. Additionally, most real-world conclusions will be relatively simple compared to the datasets used to obtain them.</a:t>
-            </a:r>
-            <a:endParaRPr lang="en-US" sz="2000" dirty="0" smtClean="0">
-              <a:latin typeface="Helvetica"/>
-              <a:cs typeface="Helvetica"/>
-            </a:endParaRPr>
-          </a:p>
-        </p:txBody>
-      </p:sp>
-      <p:sp>
-        <p:nvSpPr>
-          <p:cNvPr id="4" name="Title 1"/>
-          <p:cNvSpPr>
-            <a:spLocks noGrp="1"/>
-          </p:cNvSpPr>
-          <p:nvPr>
-            <p:ph type="title"/>
-          </p:nvPr>
-        </p:nvSpPr>
-        <p:spPr>
-          <a:xfrm>
-            <a:off x="92596" y="1"/>
-            <a:ext cx="8955499" cy="767328"/>
-          </a:xfrm>
-        </p:spPr>
-        <p:txBody>
-          <a:bodyPr>
-            <a:normAutofit/>
-          </a:bodyPr>
-          <a:lstStyle/>
-          <a:p>
-            <a:pPr algn="l"/>
-            <a:r>
-              <a:rPr lang="en-US" sz="3600" dirty="0" smtClean="0">
-                <a:solidFill>
-                  <a:schemeClr val="tx1">
-                    <a:lumMod val="65000"/>
-                    <a:lumOff val="35000"/>
-                  </a:schemeClr>
-                </a:solidFill>
-                <a:latin typeface="Rockwell"/>
-                <a:cs typeface="Rockwell"/>
-              </a:rPr>
-              <a:t>Why?</a:t>
-            </a:r>
-            <a:endParaRPr lang="en-US" sz="3600" dirty="0">
-              <a:solidFill>
-                <a:schemeClr val="tx1">
-                  <a:lumMod val="65000"/>
-                  <a:lumOff val="35000"/>
-                </a:schemeClr>
-              </a:solidFill>
-              <a:latin typeface="Rockwell"/>
-              <a:cs typeface="Rockwell"/>
-            </a:endParaRPr>
-          </a:p>
-        </p:txBody>
-      </p:sp>
-      <p:sp>
-        <p:nvSpPr>
-          <p:cNvPr id="6" name="Rectangle 5"/>
-          <p:cNvSpPr/>
-          <p:nvPr/>
-        </p:nvSpPr>
-        <p:spPr>
-          <a:xfrm>
-            <a:off x="0" y="723606"/>
-            <a:ext cx="4567817" cy="90786"/>
-          </a:xfrm>
-          <a:prstGeom prst="rect">
-            <a:avLst/>
-          </a:prstGeom>
-          <a:solidFill>
-            <a:schemeClr val="accent3">
-              <a:lumMod val="50000"/>
-            </a:schemeClr>
-          </a:solidFill>
-          <a:ln>
-            <a:noFill/>
-          </a:ln>
-          <a:effectLst/>
-        </p:spPr>
-        <p:style>
-          <a:lnRef idx="1">
-            <a:schemeClr val="accent1"/>
-          </a:lnRef>
-          <a:fillRef idx="3">
-            <a:schemeClr val="accent1"/>
-          </a:fillRef>
-          <a:effectRef idx="2">
-            <a:schemeClr val="accent1"/>
-          </a:effectRef>
-          <a:fontRef idx="minor">
-            <a:schemeClr val="lt1"/>
-          </a:fontRef>
-        </p:style>
-        <p:txBody>
-          <a:bodyPr rtlCol="0" anchor="ctr"/>
-          <a:lstStyle/>
-          <a:p>
-            <a:pPr algn="ctr"/>
-            <a:endParaRPr lang="en-US" sz="1200">
-              <a:solidFill>
-                <a:schemeClr val="accent3">
-                  <a:lumMod val="50000"/>
-                </a:schemeClr>
-              </a:solidFill>
-              <a:latin typeface="Helvetica"/>
-              <a:cs typeface="Helvetica"/>
-            </a:endParaRPr>
-          </a:p>
-        </p:txBody>
-      </p:sp>
-    </p:spTree>
-    <p:extLst>
-      <p:ext uri="{BB962C8B-B14F-4D97-AF65-F5344CB8AC3E}">
-        <p14:creationId xmlns:p14="http://schemas.microsoft.com/office/powerpoint/2010/main" val="1027837381"/>
-      </p:ext>
-    </p:extLst>
-  </p:cSld>
-  <p:clrMapOvr>
-    <a:masterClrMapping/>
-  </p:clrMapOvr>
-  <p:timing>
-    <p:tnLst>
-      <p:par>
-        <p:cTn xmlns:p14="http://schemas.microsoft.com/office/powerpoint/2010/main" id="1" dur="indefinite" restart="never" nodeType="tmRoot"/>
-      </p:par>
-    </p:tnLst>
-  </p:timing>
-</p:sld>
-</file>
-
-<file path=ppt/slides/slide21.xml><?xml version="1.0" encoding="utf-8"?>
-<p:sld xmlns:a="http://schemas.openxmlformats.org/drawingml/2006/main" xmlns:r="http://schemas.openxmlformats.org/officeDocument/2006/relationships" xmlns:p="http://schemas.openxmlformats.org/presentationml/2006/main">
-  <p:cSld>
-    <p:spTree>
-      <p:nvGrpSpPr>
-        <p:cNvPr id="1" name=""/>
-        <p:cNvGrpSpPr/>
-        <p:nvPr/>
-      </p:nvGrpSpPr>
-      <p:grpSpPr>
-        <a:xfrm>
-          <a:off x="0" y="0"/>
-          <a:ext cx="0" cy="0"/>
-          <a:chOff x="0" y="0"/>
-          <a:chExt cx="0" cy="0"/>
-        </a:xfrm>
-      </p:grpSpPr>
-      <p:sp>
-        <p:nvSpPr>
-          <p:cNvPr id="7" name="Rectangle 6"/>
-          <p:cNvSpPr/>
-          <p:nvPr/>
-        </p:nvSpPr>
-        <p:spPr>
-          <a:xfrm>
-            <a:off x="1" y="6318886"/>
-            <a:ext cx="9143998" cy="539114"/>
-          </a:xfrm>
-          <a:prstGeom prst="rect">
-            <a:avLst/>
-          </a:prstGeom>
-          <a:solidFill>
-            <a:schemeClr val="accent3">
-              <a:lumMod val="50000"/>
-            </a:schemeClr>
-          </a:solidFill>
-          <a:ln>
-            <a:noFill/>
-          </a:ln>
-          <a:effectLst/>
-        </p:spPr>
-        <p:style>
-          <a:lnRef idx="1">
-            <a:schemeClr val="accent1"/>
-          </a:lnRef>
-          <a:fillRef idx="3">
-            <a:schemeClr val="accent1"/>
-          </a:fillRef>
-          <a:effectRef idx="2">
-            <a:schemeClr val="accent1"/>
-          </a:effectRef>
-          <a:fontRef idx="minor">
-            <a:schemeClr val="lt1"/>
-          </a:fontRef>
-        </p:style>
-        <p:txBody>
-          <a:bodyPr rtlCol="0" anchor="ctr"/>
-          <a:lstStyle/>
-          <a:p>
-            <a:pPr algn="ctr"/>
-            <a:endParaRPr lang="en-US" sz="1200">
-              <a:solidFill>
-                <a:schemeClr val="accent3">
-                  <a:lumMod val="50000"/>
-                </a:schemeClr>
-              </a:solidFill>
-              <a:latin typeface="Helvetica"/>
-              <a:cs typeface="Helvetica"/>
-            </a:endParaRPr>
-          </a:p>
-        </p:txBody>
-      </p:sp>
-      <p:sp>
-        <p:nvSpPr>
-          <p:cNvPr id="4" name="Title 1"/>
-          <p:cNvSpPr>
-            <a:spLocks noGrp="1"/>
-          </p:cNvSpPr>
-          <p:nvPr>
-            <p:ph type="title"/>
-          </p:nvPr>
-        </p:nvSpPr>
-        <p:spPr>
-          <a:xfrm>
-            <a:off x="92596" y="1"/>
-            <a:ext cx="8955499" cy="767328"/>
-          </a:xfrm>
-        </p:spPr>
-        <p:txBody>
-          <a:bodyPr>
-            <a:normAutofit/>
-          </a:bodyPr>
-          <a:lstStyle/>
-          <a:p>
-            <a:pPr algn="l"/>
-            <a:r>
-              <a:rPr lang="en-US" sz="3600" dirty="0" smtClean="0">
-                <a:solidFill>
-                  <a:schemeClr val="tx1">
-                    <a:lumMod val="65000"/>
-                    <a:lumOff val="35000"/>
-                  </a:schemeClr>
-                </a:solidFill>
-                <a:latin typeface="Rockwell"/>
-                <a:cs typeface="Rockwell"/>
-              </a:rPr>
-              <a:t>When?</a:t>
-            </a:r>
-            <a:endParaRPr lang="en-US" sz="3600" dirty="0">
-              <a:solidFill>
-                <a:schemeClr val="tx1">
-                  <a:lumMod val="65000"/>
-                  <a:lumOff val="35000"/>
-                </a:schemeClr>
-              </a:solidFill>
-              <a:latin typeface="Rockwell"/>
-              <a:cs typeface="Rockwell"/>
-            </a:endParaRPr>
-          </a:p>
-        </p:txBody>
-      </p:sp>
-      <p:sp>
-        <p:nvSpPr>
-          <p:cNvPr id="6" name="Rectangle 5"/>
-          <p:cNvSpPr/>
-          <p:nvPr/>
-        </p:nvSpPr>
-        <p:spPr>
-          <a:xfrm>
-            <a:off x="0" y="723606"/>
-            <a:ext cx="4567817" cy="90786"/>
-          </a:xfrm>
-          <a:prstGeom prst="rect">
-            <a:avLst/>
-          </a:prstGeom>
-          <a:solidFill>
-            <a:schemeClr val="accent3">
-              <a:lumMod val="50000"/>
-            </a:schemeClr>
-          </a:solidFill>
-          <a:ln>
-            <a:noFill/>
-          </a:ln>
-          <a:effectLst/>
-        </p:spPr>
-        <p:style>
-          <a:lnRef idx="1">
-            <a:schemeClr val="accent1"/>
-          </a:lnRef>
-          <a:fillRef idx="3">
-            <a:schemeClr val="accent1"/>
-          </a:fillRef>
-          <a:effectRef idx="2">
-            <a:schemeClr val="accent1"/>
-          </a:effectRef>
-          <a:fontRef idx="minor">
-            <a:schemeClr val="lt1"/>
-          </a:fontRef>
-        </p:style>
-        <p:txBody>
-          <a:bodyPr rtlCol="0" anchor="ctr"/>
-          <a:lstStyle/>
-          <a:p>
-            <a:pPr algn="ctr"/>
-            <a:endParaRPr lang="en-US" sz="1200">
-              <a:solidFill>
-                <a:schemeClr val="accent3">
-                  <a:lumMod val="50000"/>
-                </a:schemeClr>
-              </a:solidFill>
-              <a:latin typeface="Helvetica"/>
-              <a:cs typeface="Helvetica"/>
-            </a:endParaRPr>
-          </a:p>
-        </p:txBody>
-      </p:sp>
-      <p:sp>
-        <p:nvSpPr>
-          <p:cNvPr id="8" name="TextBox 7"/>
-          <p:cNvSpPr txBox="1"/>
-          <p:nvPr/>
-        </p:nvSpPr>
-        <p:spPr>
-          <a:xfrm>
-            <a:off x="407120" y="1081661"/>
-            <a:ext cx="8091332" cy="830997"/>
-          </a:xfrm>
-          <a:prstGeom prst="rect">
-            <a:avLst/>
-          </a:prstGeom>
-          <a:noFill/>
-        </p:spPr>
-        <p:txBody>
-          <a:bodyPr wrap="square" rtlCol="0">
-            <a:spAutoFit/>
-          </a:bodyPr>
-          <a:lstStyle/>
-          <a:p>
-            <a:r>
-              <a:rPr lang="en-US" sz="1600" dirty="0" smtClean="0">
-                <a:latin typeface="Helvetica"/>
-                <a:cs typeface="Helvetica"/>
-              </a:rPr>
-              <a:t>As with most statistical techniques, dimensionality reduction is not always appropriate. It will come with certain trade-offs and assumptions and it is our job to determine whether or not these are acceptable.</a:t>
-            </a:r>
-            <a:endParaRPr lang="en-US" sz="1600" dirty="0">
-              <a:latin typeface="Helvetica"/>
-              <a:cs typeface="Helvetica"/>
-            </a:endParaRPr>
-          </a:p>
-        </p:txBody>
-      </p:sp>
-      <p:sp>
-        <p:nvSpPr>
-          <p:cNvPr id="10" name="TextBox 9"/>
-          <p:cNvSpPr txBox="1"/>
-          <p:nvPr/>
-        </p:nvSpPr>
-        <p:spPr>
-          <a:xfrm>
-            <a:off x="2133601" y="2091906"/>
-            <a:ext cx="697840" cy="369332"/>
-          </a:xfrm>
-          <a:prstGeom prst="rect">
-            <a:avLst/>
-          </a:prstGeom>
-          <a:noFill/>
-        </p:spPr>
-        <p:txBody>
-          <a:bodyPr wrap="none" rtlCol="0">
-            <a:spAutoFit/>
-          </a:bodyPr>
-          <a:lstStyle/>
-          <a:p>
-            <a:r>
-              <a:rPr lang="en-US" b="1" dirty="0" smtClean="0">
-                <a:solidFill>
-                  <a:srgbClr val="9BBB59"/>
-                </a:solidFill>
-                <a:latin typeface="Helvetica"/>
-                <a:cs typeface="Helvetica"/>
-              </a:rPr>
-              <a:t>Pros</a:t>
-            </a:r>
-            <a:endParaRPr lang="en-US" b="1" dirty="0">
-              <a:solidFill>
-                <a:srgbClr val="9BBB59"/>
-              </a:solidFill>
-              <a:latin typeface="Helvetica"/>
-              <a:cs typeface="Helvetica"/>
-            </a:endParaRPr>
-          </a:p>
-        </p:txBody>
-      </p:sp>
-      <p:sp>
-        <p:nvSpPr>
-          <p:cNvPr id="11" name="TextBox 10"/>
-          <p:cNvSpPr txBox="1"/>
-          <p:nvPr/>
-        </p:nvSpPr>
-        <p:spPr>
-          <a:xfrm>
-            <a:off x="6378104" y="2096257"/>
-            <a:ext cx="761747" cy="369332"/>
-          </a:xfrm>
-          <a:prstGeom prst="rect">
-            <a:avLst/>
-          </a:prstGeom>
-          <a:noFill/>
-        </p:spPr>
-        <p:txBody>
-          <a:bodyPr wrap="none" rtlCol="0">
-            <a:spAutoFit/>
-          </a:bodyPr>
-          <a:lstStyle/>
-          <a:p>
-            <a:r>
-              <a:rPr lang="en-US" b="1" dirty="0" smtClean="0">
-                <a:solidFill>
-                  <a:srgbClr val="9BBB59"/>
-                </a:solidFill>
-                <a:latin typeface="Helvetica"/>
-                <a:cs typeface="Helvetica"/>
-              </a:rPr>
-              <a:t>Cons</a:t>
-            </a:r>
-            <a:endParaRPr lang="en-US" b="1" dirty="0">
-              <a:solidFill>
-                <a:srgbClr val="9BBB59"/>
-              </a:solidFill>
-              <a:latin typeface="Helvetica"/>
-              <a:cs typeface="Helvetica"/>
-            </a:endParaRPr>
-          </a:p>
-        </p:txBody>
-      </p:sp>
-      <p:sp>
-        <p:nvSpPr>
-          <p:cNvPr id="12" name="TextBox 11"/>
-          <p:cNvSpPr txBox="1"/>
-          <p:nvPr/>
-        </p:nvSpPr>
-        <p:spPr>
-          <a:xfrm>
-            <a:off x="443574" y="2480830"/>
-            <a:ext cx="4009743" cy="2462212"/>
-          </a:xfrm>
-          <a:prstGeom prst="rect">
-            <a:avLst/>
-          </a:prstGeom>
-          <a:noFill/>
-        </p:spPr>
-        <p:txBody>
-          <a:bodyPr wrap="square" rtlCol="0">
-            <a:spAutoFit/>
-          </a:bodyPr>
-          <a:lstStyle/>
-          <a:p>
-            <a:pPr marL="285750" indent="-285750">
-              <a:spcAft>
-                <a:spcPts val="600"/>
-              </a:spcAft>
-              <a:buFont typeface="Arial"/>
-              <a:buChar char="•"/>
-            </a:pPr>
-            <a:r>
-              <a:rPr lang="en-US" sz="1600" dirty="0" smtClean="0">
-                <a:latin typeface="Helvetica"/>
-                <a:cs typeface="Helvetica"/>
-              </a:rPr>
-              <a:t>Allows us to fit complicated, high-dimensional data into a classical statistics framework</a:t>
-            </a:r>
-          </a:p>
-          <a:p>
-            <a:pPr marL="285750" indent="-285750">
-              <a:spcAft>
-                <a:spcPts val="600"/>
-              </a:spcAft>
-              <a:buFont typeface="Arial"/>
-              <a:buChar char="•"/>
-            </a:pPr>
-            <a:r>
-              <a:rPr lang="en-US" sz="1600" dirty="0" smtClean="0">
-                <a:latin typeface="Helvetica"/>
-                <a:cs typeface="Helvetica"/>
-              </a:rPr>
-              <a:t>Provides useful summaries for visualization or quick, “informal inference”</a:t>
-            </a:r>
-          </a:p>
-          <a:p>
-            <a:pPr marL="285750" indent="-285750">
-              <a:spcAft>
-                <a:spcPts val="600"/>
-              </a:spcAft>
-              <a:buFont typeface="Arial"/>
-              <a:buChar char="•"/>
-            </a:pPr>
-            <a:r>
-              <a:rPr lang="en-US" sz="1600" dirty="0" smtClean="0">
-                <a:latin typeface="Helvetica"/>
-                <a:cs typeface="Helvetica"/>
-              </a:rPr>
-              <a:t>Can reduce complexity in multiple ways, such as breaking inconvenient covariance structures</a:t>
-            </a:r>
-            <a:endParaRPr lang="en-US" sz="1600" dirty="0">
-              <a:latin typeface="Helvetica"/>
-              <a:cs typeface="Helvetica"/>
-            </a:endParaRPr>
-          </a:p>
-        </p:txBody>
-      </p:sp>
-      <p:sp>
-        <p:nvSpPr>
-          <p:cNvPr id="13" name="TextBox 12"/>
-          <p:cNvSpPr txBox="1"/>
-          <p:nvPr/>
-        </p:nvSpPr>
-        <p:spPr>
-          <a:xfrm>
-            <a:off x="4716081" y="2497598"/>
-            <a:ext cx="4009743" cy="2292935"/>
-          </a:xfrm>
-          <a:prstGeom prst="rect">
-            <a:avLst/>
-          </a:prstGeom>
-          <a:noFill/>
-        </p:spPr>
-        <p:txBody>
-          <a:bodyPr wrap="square" rtlCol="0">
-            <a:spAutoFit/>
-          </a:bodyPr>
-          <a:lstStyle/>
-          <a:p>
-            <a:pPr marL="285750" indent="-285750">
-              <a:spcAft>
-                <a:spcPts val="600"/>
-              </a:spcAft>
-              <a:buFont typeface="Arial"/>
-              <a:buChar char="•"/>
-            </a:pPr>
-            <a:r>
-              <a:rPr lang="en-US" sz="1600" dirty="0" smtClean="0">
-                <a:latin typeface="Helvetica"/>
-                <a:cs typeface="Helvetica"/>
-              </a:rPr>
-              <a:t>Simpler is not always better</a:t>
-            </a:r>
-          </a:p>
-          <a:p>
-            <a:pPr marL="285750" indent="-285750">
-              <a:spcAft>
-                <a:spcPts val="600"/>
-              </a:spcAft>
-              <a:buFont typeface="Arial"/>
-              <a:buChar char="•"/>
-            </a:pPr>
-            <a:r>
-              <a:rPr lang="en-US" sz="1600" dirty="0" smtClean="0">
-                <a:latin typeface="Helvetica"/>
-                <a:cs typeface="Helvetica"/>
-              </a:rPr>
-              <a:t>Losing data almost always means losing information</a:t>
-            </a:r>
-          </a:p>
-          <a:p>
-            <a:pPr marL="285750" indent="-285750">
-              <a:spcAft>
-                <a:spcPts val="600"/>
-              </a:spcAft>
-              <a:buFont typeface="Arial"/>
-              <a:buChar char="•"/>
-            </a:pPr>
-            <a:r>
-              <a:rPr lang="en-US" sz="1600" dirty="0" smtClean="0">
-                <a:latin typeface="Helvetica"/>
-                <a:cs typeface="Helvetica"/>
-              </a:rPr>
-              <a:t>Must be careful not to accidentally assume the conclusion</a:t>
-            </a:r>
-          </a:p>
-          <a:p>
-            <a:pPr marL="285750" indent="-285750">
-              <a:spcAft>
-                <a:spcPts val="600"/>
-              </a:spcAft>
-              <a:buFont typeface="Arial"/>
-              <a:buChar char="•"/>
-            </a:pPr>
-            <a:r>
-              <a:rPr lang="en-US" sz="1600" dirty="0" smtClean="0">
-                <a:latin typeface="Helvetica"/>
-                <a:cs typeface="Helvetica"/>
-              </a:rPr>
-              <a:t>It can be easy to over-interpret a low-dimensional representation of your data</a:t>
-            </a:r>
-            <a:endParaRPr lang="en-US" sz="1600" dirty="0">
-              <a:latin typeface="Helvetica"/>
-              <a:cs typeface="Helvetica"/>
-            </a:endParaRPr>
-          </a:p>
-        </p:txBody>
-      </p:sp>
-      <p:sp>
-        <p:nvSpPr>
-          <p:cNvPr id="14" name="TextBox 13"/>
-          <p:cNvSpPr txBox="1"/>
-          <p:nvPr/>
-        </p:nvSpPr>
-        <p:spPr>
-          <a:xfrm>
-            <a:off x="373855" y="5153827"/>
-            <a:ext cx="8091332" cy="584776"/>
-          </a:xfrm>
-          <a:prstGeom prst="rect">
-            <a:avLst/>
-          </a:prstGeom>
-          <a:noFill/>
-        </p:spPr>
-        <p:txBody>
-          <a:bodyPr wrap="square" rtlCol="0">
-            <a:spAutoFit/>
-          </a:bodyPr>
-          <a:lstStyle/>
-          <a:p>
-            <a:r>
-              <a:rPr lang="en-US" sz="1600" b="1" dirty="0" smtClean="0">
-                <a:solidFill>
-                  <a:srgbClr val="9BBB59"/>
-                </a:solidFill>
-                <a:latin typeface="Helvetica"/>
-                <a:cs typeface="Helvetica"/>
-              </a:rPr>
-              <a:t>Bottom line:</a:t>
-            </a:r>
-            <a:r>
-              <a:rPr lang="en-US" sz="1600" dirty="0" smtClean="0">
-                <a:latin typeface="Helvetica"/>
-                <a:cs typeface="Helvetica"/>
-              </a:rPr>
-              <a:t> You have to understand the method and the assumptions before drawing conclusions.</a:t>
-            </a:r>
-            <a:endParaRPr lang="en-US" sz="1600" dirty="0">
-              <a:latin typeface="Helvetica"/>
-              <a:cs typeface="Helvetica"/>
-            </a:endParaRPr>
-          </a:p>
-        </p:txBody>
-      </p:sp>
-    </p:spTree>
-    <p:extLst>
-      <p:ext uri="{BB962C8B-B14F-4D97-AF65-F5344CB8AC3E}">
-        <p14:creationId xmlns:p14="http://schemas.microsoft.com/office/powerpoint/2010/main" val="379046085"/>
-      </p:ext>
-    </p:extLst>
-  </p:cSld>
-  <p:clrMapOvr>
-    <a:masterClrMapping/>
-  </p:clrMapOvr>
-  <p:timing>
-    <p:tnLst>
-      <p:par>
-        <p:cTn xmlns:p14="http://schemas.microsoft.com/office/powerpoint/2010/main" id="1" dur="indefinite" restart="never" nodeType="tmRoot">
-          <p:childTnLst>
-            <p:seq concurrent="1" nextAc="seek">
-              <p:cTn id="2" dur="indefinite" nodeType="mainSeq">
-                <p:childTnLst>
-                  <p:par>
-                    <p:cTn id="3" fill="hold">
-                      <p:stCondLst>
-                        <p:cond delay="indefinite"/>
-                      </p:stCondLst>
-                      <p:childTnLst>
-                        <p:par>
-                          <p:cTn id="4" fill="hold">
-                            <p:stCondLst>
-                              <p:cond delay="0"/>
-                            </p:stCondLst>
-                            <p:childTnLst>
-                              <p:par>
-                                <p:cTn id="5" presetID="1" presetClass="entr" presetSubtype="0" fill="hold" grpId="0" nodeType="clickEffect">
-                                  <p:stCondLst>
-                                    <p:cond delay="0"/>
-                                  </p:stCondLst>
-                                  <p:childTnLst>
-                                    <p:set>
-                                      <p:cBhvr>
-                                        <p:cTn id="6" dur="1" fill="hold">
-                                          <p:stCondLst>
-                                            <p:cond delay="0"/>
-                                          </p:stCondLst>
-                                        </p:cTn>
-                                        <p:tgtEl>
-                                          <p:spTgt spid="10"/>
-                                        </p:tgtEl>
-                                        <p:attrNameLst>
-                                          <p:attrName>style.visibility</p:attrName>
-                                        </p:attrNameLst>
-                                      </p:cBhvr>
-                                      <p:to>
-                                        <p:strVal val="visible"/>
-                                      </p:to>
-                                    </p:set>
-                                  </p:childTnLst>
-                                </p:cTn>
-                              </p:par>
-                              <p:par>
-                                <p:cTn id="7" presetID="1" presetClass="entr" presetSubtype="0" fill="hold" grpId="0" nodeType="withEffect">
-                                  <p:stCondLst>
-                                    <p:cond delay="0"/>
-                                  </p:stCondLst>
-                                  <p:childTnLst>
-                                    <p:set>
-                                      <p:cBhvr>
-                                        <p:cTn id="8" dur="1" fill="hold">
-                                          <p:stCondLst>
-                                            <p:cond delay="0"/>
-                                          </p:stCondLst>
-                                        </p:cTn>
-                                        <p:tgtEl>
-                                          <p:spTgt spid="11"/>
-                                        </p:tgtEl>
-                                        <p:attrNameLst>
-                                          <p:attrName>style.visibility</p:attrName>
-                                        </p:attrNameLst>
-                                      </p:cBhvr>
-                                      <p:to>
-                                        <p:strVal val="visible"/>
-                                      </p:to>
-                                    </p:set>
-                                  </p:childTnLst>
-                                </p:cTn>
-                              </p:par>
-                              <p:par>
-                                <p:cTn id="9" presetID="1" presetClass="entr" presetSubtype="0" fill="hold" grpId="0" nodeType="withEffect">
-                                  <p:stCondLst>
-                                    <p:cond delay="0"/>
-                                  </p:stCondLst>
-                                  <p:childTnLst>
-                                    <p:set>
-                                      <p:cBhvr>
-                                        <p:cTn id="10" dur="1" fill="hold">
-                                          <p:stCondLst>
-                                            <p:cond delay="0"/>
-                                          </p:stCondLst>
-                                        </p:cTn>
-                                        <p:tgtEl>
-                                          <p:spTgt spid="12"/>
-                                        </p:tgtEl>
-                                        <p:attrNameLst>
-                                          <p:attrName>style.visibility</p:attrName>
-                                        </p:attrNameLst>
-                                      </p:cBhvr>
-                                      <p:to>
-                                        <p:strVal val="visible"/>
-                                      </p:to>
-                                    </p:set>
-                                  </p:childTnLst>
-                                </p:cTn>
-                              </p:par>
-                              <p:par>
-                                <p:cTn id="11" presetID="1" presetClass="entr" presetSubtype="0" fill="hold" grpId="0" nodeType="withEffect">
-                                  <p:stCondLst>
-                                    <p:cond delay="0"/>
-                                  </p:stCondLst>
-                                  <p:childTnLst>
-                                    <p:set>
-                                      <p:cBhvr>
-                                        <p:cTn id="12" dur="1" fill="hold">
-                                          <p:stCondLst>
-                                            <p:cond delay="0"/>
-                                          </p:stCondLst>
-                                        </p:cTn>
-                                        <p:tgtEl>
-                                          <p:spTgt spid="13"/>
-                                        </p:tgtEl>
-                                        <p:attrNameLst>
-                                          <p:attrName>style.visibility</p:attrName>
-                                        </p:attrNameLst>
-                                      </p:cBhvr>
-                                      <p:to>
-                                        <p:strVal val="visible"/>
-                                      </p:to>
-                                    </p:set>
-                                  </p:childTnLst>
-                                </p:cTn>
-                              </p:par>
-                            </p:childTnLst>
-                          </p:cTn>
-                        </p:par>
-                      </p:childTnLst>
-                    </p:cTn>
-                  </p:par>
-                  <p:par>
-                    <p:cTn id="13" fill="hold">
-                      <p:stCondLst>
-                        <p:cond delay="indefinite"/>
-                      </p:stCondLst>
-                      <p:childTnLst>
-                        <p:par>
-                          <p:cTn id="14" fill="hold">
-                            <p:stCondLst>
-                              <p:cond delay="0"/>
-                            </p:stCondLst>
-                            <p:childTnLst>
-                              <p:par>
-                                <p:cTn id="15" presetID="1" presetClass="entr" presetSubtype="0" fill="hold" grpId="0" nodeType="clickEffect">
-                                  <p:stCondLst>
-                                    <p:cond delay="0"/>
-                                  </p:stCondLst>
-                                  <p:childTnLst>
-                                    <p:set>
-                                      <p:cBhvr>
-                                        <p:cTn id="16" dur="1" fill="hold">
-                                          <p:stCondLst>
-                                            <p:cond delay="0"/>
-                                          </p:stCondLst>
-                                        </p:cTn>
-                                        <p:tgtEl>
-                                          <p:spTgt spid="14"/>
-                                        </p:tgtEl>
-                                        <p:attrNameLst>
-                                          <p:attrName>style.visibility</p:attrName>
-                                        </p:attrNameLst>
-                                      </p:cBhvr>
-                                      <p:to>
-                                        <p:strVal val="visible"/>
-                                      </p:to>
-                                    </p:set>
-                                  </p:childTnLst>
-                                </p:cTn>
-                              </p:par>
-                            </p:childTnLst>
-                          </p:cTn>
-                        </p:par>
-                      </p:childTnLst>
-                    </p:cTn>
-                  </p:par>
-                </p:childTnLst>
-              </p:cTn>
-              <p:prevCondLst>
-                <p:cond evt="onPrev" delay="0">
-                  <p:tgtEl>
-                    <p:sldTgt/>
-                  </p:tgtEl>
-                </p:cond>
-              </p:prevCondLst>
-              <p:nextCondLst>
-                <p:cond evt="onNext" delay="0">
-                  <p:tgtEl>
-                    <p:sldTgt/>
-                  </p:tgtEl>
-                </p:cond>
-              </p:nextCondLst>
-            </p:seq>
-          </p:childTnLst>
-        </p:cTn>
-      </p:par>
-    </p:tnLst>
-    <p:bldLst>
-      <p:bldP spid="10" grpId="0"/>
-      <p:bldP spid="11" grpId="0"/>
-      <p:bldP spid="12" grpId="0"/>
-      <p:bldP spid="13" grpId="0"/>
-      <p:bldP spid="14" grpId="0"/>
-    </p:bldLst>
-  </p:timing>
-</p:sld>
-</file>
-
-<file path=ppt/slides/slide22.xml><?xml version="1.0" encoding="utf-8"?>
-<p:sld xmlns:a="http://schemas.openxmlformats.org/drawingml/2006/main" xmlns:r="http://schemas.openxmlformats.org/officeDocument/2006/relationships" xmlns:p="http://schemas.openxmlformats.org/presentationml/2006/main">
-  <p:cSld>
-    <p:spTree>
-      <p:nvGrpSpPr>
-        <p:cNvPr id="1" name=""/>
-        <p:cNvGrpSpPr/>
-        <p:nvPr/>
-      </p:nvGrpSpPr>
-      <p:grpSpPr>
-        <a:xfrm>
-          <a:off x="0" y="0"/>
-          <a:ext cx="0" cy="0"/>
-          <a:chOff x="0" y="0"/>
-          <a:chExt cx="0" cy="0"/>
-        </a:xfrm>
-      </p:grpSpPr>
-      <p:sp>
-        <p:nvSpPr>
-          <p:cNvPr id="7" name="Rectangle 6"/>
-          <p:cNvSpPr/>
-          <p:nvPr/>
-        </p:nvSpPr>
-        <p:spPr>
-          <a:xfrm>
-            <a:off x="1" y="6318886"/>
-            <a:ext cx="9143998" cy="539114"/>
-          </a:xfrm>
-          <a:prstGeom prst="rect">
-            <a:avLst/>
-          </a:prstGeom>
-          <a:solidFill>
-            <a:schemeClr val="accent3">
-              <a:lumMod val="50000"/>
-            </a:schemeClr>
-          </a:solidFill>
-          <a:ln>
-            <a:noFill/>
-          </a:ln>
-          <a:effectLst/>
-        </p:spPr>
-        <p:style>
-          <a:lnRef idx="1">
-            <a:schemeClr val="accent1"/>
-          </a:lnRef>
-          <a:fillRef idx="3">
-            <a:schemeClr val="accent1"/>
-          </a:fillRef>
-          <a:effectRef idx="2">
-            <a:schemeClr val="accent1"/>
-          </a:effectRef>
-          <a:fontRef idx="minor">
-            <a:schemeClr val="lt1"/>
-          </a:fontRef>
-        </p:style>
-        <p:txBody>
-          <a:bodyPr rtlCol="0" anchor="ctr"/>
-          <a:lstStyle/>
-          <a:p>
-            <a:pPr algn="ctr"/>
-            <a:endParaRPr lang="en-US" sz="1200">
-              <a:solidFill>
-                <a:schemeClr val="accent3">
-                  <a:lumMod val="50000"/>
-                </a:schemeClr>
-              </a:solidFill>
-              <a:latin typeface="Helvetica"/>
-              <a:cs typeface="Helvetica"/>
-            </a:endParaRPr>
-          </a:p>
-        </p:txBody>
-      </p:sp>
-      <p:sp>
-        <p:nvSpPr>
-          <p:cNvPr id="9" name="TextBox 8"/>
-          <p:cNvSpPr txBox="1"/>
-          <p:nvPr/>
-        </p:nvSpPr>
-        <p:spPr>
-          <a:xfrm>
-            <a:off x="453017" y="1026910"/>
-            <a:ext cx="8229600" cy="1200329"/>
-          </a:xfrm>
-          <a:prstGeom prst="rect">
-            <a:avLst/>
-          </a:prstGeom>
-          <a:noFill/>
-        </p:spPr>
-        <p:txBody>
-          <a:bodyPr wrap="square" rtlCol="0">
-            <a:spAutoFit/>
-          </a:bodyPr>
-          <a:lstStyle/>
-          <a:p>
-            <a:r>
-              <a:rPr lang="en-US" dirty="0" smtClean="0">
-                <a:latin typeface="Helvetica"/>
-                <a:cs typeface="Helvetica"/>
-              </a:rPr>
-              <a:t>Consider a setting with many potential covariates (e.g. genes).</a:t>
-            </a:r>
-          </a:p>
-          <a:p>
-            <a:endParaRPr lang="en-US" dirty="0">
-              <a:latin typeface="Helvetica"/>
-              <a:cs typeface="Helvetica"/>
-            </a:endParaRPr>
-          </a:p>
-          <a:p>
-            <a:r>
-              <a:rPr lang="en-US" dirty="0" smtClean="0">
-                <a:latin typeface="Helvetica"/>
-                <a:cs typeface="Helvetica"/>
-              </a:rPr>
-              <a:t>How can we summarize the data in a smaller number of dimensions, while losing as little information as possible?</a:t>
-            </a:r>
-            <a:endParaRPr lang="en-US" dirty="0">
-              <a:latin typeface="Helvetica"/>
-              <a:cs typeface="Helvetica"/>
-            </a:endParaRPr>
-          </a:p>
-        </p:txBody>
-      </p:sp>
-      <p:sp>
-        <p:nvSpPr>
-          <p:cNvPr id="4" name="Title 1"/>
-          <p:cNvSpPr>
-            <a:spLocks noGrp="1"/>
-          </p:cNvSpPr>
-          <p:nvPr>
-            <p:ph type="title"/>
-          </p:nvPr>
-        </p:nvSpPr>
-        <p:spPr>
-          <a:xfrm>
-            <a:off x="92596" y="1"/>
-            <a:ext cx="8955499" cy="767328"/>
-          </a:xfrm>
-        </p:spPr>
-        <p:txBody>
-          <a:bodyPr>
-            <a:normAutofit/>
-          </a:bodyPr>
-          <a:lstStyle/>
-          <a:p>
-            <a:pPr algn="l"/>
-            <a:r>
-              <a:rPr lang="en-US" sz="3600" dirty="0" smtClean="0">
-                <a:solidFill>
-                  <a:schemeClr val="tx1">
-                    <a:lumMod val="65000"/>
-                    <a:lumOff val="35000"/>
-                  </a:schemeClr>
-                </a:solidFill>
-                <a:latin typeface="Rockwell"/>
-                <a:cs typeface="Rockwell"/>
-              </a:rPr>
-              <a:t>Dimensionality Reduction</a:t>
-            </a:r>
-            <a:endParaRPr lang="en-US" sz="3600" dirty="0">
-              <a:solidFill>
-                <a:schemeClr val="tx1">
-                  <a:lumMod val="65000"/>
-                  <a:lumOff val="35000"/>
-                </a:schemeClr>
-              </a:solidFill>
-              <a:latin typeface="Rockwell"/>
-              <a:cs typeface="Rockwell"/>
-            </a:endParaRPr>
-          </a:p>
-        </p:txBody>
-      </p:sp>
-      <p:sp>
-        <p:nvSpPr>
-          <p:cNvPr id="6" name="Rectangle 5"/>
-          <p:cNvSpPr/>
-          <p:nvPr/>
-        </p:nvSpPr>
-        <p:spPr>
-          <a:xfrm>
-            <a:off x="0" y="723606"/>
-            <a:ext cx="4567817" cy="90786"/>
-          </a:xfrm>
-          <a:prstGeom prst="rect">
-            <a:avLst/>
-          </a:prstGeom>
-          <a:solidFill>
-            <a:schemeClr val="accent3">
-              <a:lumMod val="50000"/>
-            </a:schemeClr>
-          </a:solidFill>
-          <a:ln>
-            <a:noFill/>
-          </a:ln>
-          <a:effectLst/>
-        </p:spPr>
-        <p:style>
-          <a:lnRef idx="1">
-            <a:schemeClr val="accent1"/>
-          </a:lnRef>
-          <a:fillRef idx="3">
-            <a:schemeClr val="accent1"/>
-          </a:fillRef>
-          <a:effectRef idx="2">
-            <a:schemeClr val="accent1"/>
-          </a:effectRef>
-          <a:fontRef idx="minor">
-            <a:schemeClr val="lt1"/>
-          </a:fontRef>
-        </p:style>
-        <p:txBody>
-          <a:bodyPr rtlCol="0" anchor="ctr"/>
-          <a:lstStyle/>
-          <a:p>
-            <a:pPr algn="ctr"/>
-            <a:endParaRPr lang="en-US" sz="1200">
-              <a:solidFill>
-                <a:schemeClr val="accent3">
-                  <a:lumMod val="50000"/>
-                </a:schemeClr>
-              </a:solidFill>
-              <a:latin typeface="Helvetica"/>
-              <a:cs typeface="Helvetica"/>
-            </a:endParaRPr>
-          </a:p>
-        </p:txBody>
-      </p:sp>
-      <p:sp>
-        <p:nvSpPr>
-          <p:cNvPr id="8" name="Rectangle 7"/>
-          <p:cNvSpPr/>
-          <p:nvPr/>
-        </p:nvSpPr>
-        <p:spPr>
-          <a:xfrm>
-            <a:off x="2641024" y="2848855"/>
-            <a:ext cx="1538741" cy="2402199"/>
-          </a:xfrm>
-          <a:prstGeom prst="rect">
-            <a:avLst/>
-          </a:prstGeom>
-          <a:solidFill>
-            <a:schemeClr val="accent6"/>
-          </a:solidFill>
-          <a:ln>
-            <a:noFill/>
-          </a:ln>
-          <a:effectLst/>
-        </p:spPr>
-        <p:style>
-          <a:lnRef idx="1">
-            <a:schemeClr val="accent1"/>
-          </a:lnRef>
-          <a:fillRef idx="3">
-            <a:schemeClr val="accent1"/>
-          </a:fillRef>
-          <a:effectRef idx="2">
-            <a:schemeClr val="accent1"/>
-          </a:effectRef>
-          <a:fontRef idx="minor">
-            <a:schemeClr val="lt1"/>
-          </a:fontRef>
-        </p:style>
-        <p:txBody>
-          <a:bodyPr rtlCol="0" anchor="ctr"/>
-          <a:lstStyle/>
-          <a:p>
-            <a:pPr algn="ctr"/>
-            <a:r>
-              <a:rPr lang="en-US" sz="1400" b="1" dirty="0" smtClean="0">
-                <a:solidFill>
-                  <a:schemeClr val="bg1"/>
-                </a:solidFill>
-                <a:latin typeface="Times"/>
-                <a:cs typeface="Times"/>
-              </a:rPr>
-              <a:t>X</a:t>
-            </a:r>
-            <a:endParaRPr lang="en-US" sz="1400" dirty="0">
-              <a:solidFill>
-                <a:schemeClr val="tx1"/>
-              </a:solidFill>
-              <a:latin typeface="Helvetica"/>
-              <a:cs typeface="Helvetica"/>
-            </a:endParaRPr>
-          </a:p>
-        </p:txBody>
-      </p:sp>
-      <p:sp>
-        <p:nvSpPr>
-          <p:cNvPr id="10" name="Rectangle 9"/>
-          <p:cNvSpPr/>
-          <p:nvPr/>
-        </p:nvSpPr>
-        <p:spPr>
-          <a:xfrm>
-            <a:off x="5638800" y="2848855"/>
-            <a:ext cx="762000" cy="2402199"/>
-          </a:xfrm>
-          <a:prstGeom prst="rect">
-            <a:avLst/>
-          </a:prstGeom>
-          <a:solidFill>
-            <a:schemeClr val="accent6">
-              <a:lumMod val="75000"/>
-            </a:schemeClr>
-          </a:solidFill>
-          <a:ln>
-            <a:noFill/>
-          </a:ln>
-          <a:effectLst/>
-        </p:spPr>
-        <p:style>
-          <a:lnRef idx="1">
-            <a:schemeClr val="accent1"/>
-          </a:lnRef>
-          <a:fillRef idx="3">
-            <a:schemeClr val="accent1"/>
-          </a:fillRef>
-          <a:effectRef idx="2">
-            <a:schemeClr val="accent1"/>
-          </a:effectRef>
-          <a:fontRef idx="minor">
-            <a:schemeClr val="lt1"/>
-          </a:fontRef>
-        </p:style>
-        <p:txBody>
-          <a:bodyPr rtlCol="0" anchor="ctr"/>
-          <a:lstStyle/>
-          <a:p>
-            <a:pPr algn="ctr"/>
-            <a:r>
-              <a:rPr lang="en-US" b="1" dirty="0" smtClean="0">
-                <a:solidFill>
-                  <a:schemeClr val="bg1"/>
-                </a:solidFill>
-                <a:latin typeface="Times"/>
-                <a:cs typeface="Times"/>
-              </a:rPr>
-              <a:t>X’</a:t>
-            </a:r>
-            <a:endParaRPr lang="en-US" b="1" dirty="0">
-              <a:solidFill>
-                <a:schemeClr val="bg1"/>
-              </a:solidFill>
-              <a:latin typeface="Times"/>
-              <a:cs typeface="Times"/>
-            </a:endParaRPr>
-          </a:p>
-        </p:txBody>
-      </p:sp>
-      <p:sp>
-        <p:nvSpPr>
-          <p:cNvPr id="11" name="TextBox 10"/>
-          <p:cNvSpPr txBox="1"/>
-          <p:nvPr/>
-        </p:nvSpPr>
-        <p:spPr>
-          <a:xfrm>
-            <a:off x="2335081" y="3860550"/>
-            <a:ext cx="305943" cy="369332"/>
-          </a:xfrm>
-          <a:prstGeom prst="rect">
-            <a:avLst/>
-          </a:prstGeom>
-          <a:noFill/>
-        </p:spPr>
-        <p:txBody>
-          <a:bodyPr wrap="none" rtlCol="0">
-            <a:spAutoFit/>
-          </a:bodyPr>
-          <a:lstStyle/>
-          <a:p>
-            <a:pPr algn="ctr"/>
-            <a:r>
-              <a:rPr lang="en-US" dirty="0" smtClean="0">
-                <a:latin typeface="Times"/>
-                <a:cs typeface="Times"/>
-              </a:rPr>
-              <a:t>n</a:t>
-            </a:r>
-            <a:endParaRPr lang="en-US" dirty="0">
-              <a:latin typeface="Times"/>
-              <a:cs typeface="Times"/>
-            </a:endParaRPr>
-          </a:p>
-        </p:txBody>
-      </p:sp>
-      <p:sp>
-        <p:nvSpPr>
-          <p:cNvPr id="13" name="TextBox 12"/>
-          <p:cNvSpPr txBox="1"/>
-          <p:nvPr/>
-        </p:nvSpPr>
-        <p:spPr>
-          <a:xfrm>
-            <a:off x="3272727" y="5251054"/>
-            <a:ext cx="305943" cy="369332"/>
-          </a:xfrm>
-          <a:prstGeom prst="rect">
-            <a:avLst/>
-          </a:prstGeom>
-          <a:noFill/>
-        </p:spPr>
-        <p:txBody>
-          <a:bodyPr wrap="none" rtlCol="0">
-            <a:spAutoFit/>
-          </a:bodyPr>
-          <a:lstStyle/>
-          <a:p>
-            <a:pPr algn="ctr"/>
-            <a:r>
-              <a:rPr lang="en-US" dirty="0" smtClean="0">
-                <a:latin typeface="Times"/>
-                <a:cs typeface="Times"/>
-              </a:rPr>
-              <a:t>p</a:t>
-            </a:r>
-            <a:endParaRPr lang="en-US" dirty="0">
-              <a:latin typeface="Times"/>
-              <a:cs typeface="Times"/>
-            </a:endParaRPr>
-          </a:p>
-        </p:txBody>
-      </p:sp>
-      <p:sp>
-        <p:nvSpPr>
-          <p:cNvPr id="14" name="TextBox 13"/>
-          <p:cNvSpPr txBox="1"/>
-          <p:nvPr/>
-        </p:nvSpPr>
-        <p:spPr>
-          <a:xfrm>
-            <a:off x="5332857" y="3860550"/>
-            <a:ext cx="305943" cy="369332"/>
-          </a:xfrm>
-          <a:prstGeom prst="rect">
-            <a:avLst/>
-          </a:prstGeom>
-          <a:noFill/>
-        </p:spPr>
-        <p:txBody>
-          <a:bodyPr wrap="none" rtlCol="0">
-            <a:spAutoFit/>
-          </a:bodyPr>
-          <a:lstStyle/>
-          <a:p>
-            <a:pPr algn="ctr"/>
-            <a:r>
-              <a:rPr lang="en-US" dirty="0" smtClean="0">
-                <a:latin typeface="Times"/>
-                <a:cs typeface="Times"/>
-              </a:rPr>
-              <a:t>n</a:t>
-            </a:r>
-            <a:endParaRPr lang="en-US" dirty="0">
-              <a:latin typeface="Times"/>
-              <a:cs typeface="Times"/>
-            </a:endParaRPr>
-          </a:p>
-        </p:txBody>
-      </p:sp>
-      <p:sp>
-        <p:nvSpPr>
-          <p:cNvPr id="15" name="TextBox 14"/>
-          <p:cNvSpPr txBox="1"/>
-          <p:nvPr/>
-        </p:nvSpPr>
-        <p:spPr>
-          <a:xfrm>
-            <a:off x="5667600" y="5251054"/>
-            <a:ext cx="723200" cy="369332"/>
-          </a:xfrm>
-          <a:prstGeom prst="rect">
-            <a:avLst/>
-          </a:prstGeom>
-          <a:noFill/>
-        </p:spPr>
-        <p:txBody>
-          <a:bodyPr wrap="none" rtlCol="0">
-            <a:spAutoFit/>
-          </a:bodyPr>
-          <a:lstStyle/>
-          <a:p>
-            <a:pPr algn="ctr"/>
-            <a:r>
-              <a:rPr lang="en-US" dirty="0" smtClean="0">
-                <a:latin typeface="Times"/>
-                <a:cs typeface="Times"/>
-              </a:rPr>
-              <a:t>2 or 3</a:t>
-            </a:r>
-            <a:endParaRPr lang="en-US" dirty="0">
-              <a:latin typeface="Times"/>
-              <a:cs typeface="Times"/>
-            </a:endParaRPr>
-          </a:p>
-        </p:txBody>
-      </p:sp>
-      <p:cxnSp>
-        <p:nvCxnSpPr>
-          <p:cNvPr id="3" name="Straight Arrow Connector 2"/>
-          <p:cNvCxnSpPr/>
-          <p:nvPr/>
-        </p:nvCxnSpPr>
-        <p:spPr>
-          <a:xfrm>
-            <a:off x="4364617" y="4102100"/>
-            <a:ext cx="863600" cy="0"/>
-          </a:xfrm>
-          <a:prstGeom prst="straightConnector1">
-            <a:avLst/>
-          </a:prstGeom>
-          <a:ln w="57150" cmpd="sng">
-            <a:solidFill>
-              <a:schemeClr val="tx1"/>
-            </a:solidFill>
-            <a:tailEnd type="arrow"/>
-          </a:ln>
-          <a:effectLst/>
-        </p:spPr>
-        <p:style>
-          <a:lnRef idx="2">
-            <a:schemeClr val="accent1"/>
-          </a:lnRef>
-          <a:fillRef idx="0">
-            <a:schemeClr val="accent1"/>
-          </a:fillRef>
-          <a:effectRef idx="1">
-            <a:schemeClr val="accent1"/>
-          </a:effectRef>
-          <a:fontRef idx="minor">
-            <a:schemeClr val="tx1"/>
-          </a:fontRef>
-        </p:style>
-      </p:cxnSp>
-    </p:spTree>
-    <p:extLst>
-      <p:ext uri="{BB962C8B-B14F-4D97-AF65-F5344CB8AC3E}">
-        <p14:creationId xmlns:p14="http://schemas.microsoft.com/office/powerpoint/2010/main" val="177730167"/>
-      </p:ext>
-    </p:extLst>
-  </p:cSld>
-  <p:clrMapOvr>
-    <a:masterClrMapping/>
-  </p:clrMapOvr>
-  <p:timing>
-    <p:tnLst>
-      <p:par>
-        <p:cTn xmlns:p14="http://schemas.microsoft.com/office/powerpoint/2010/main" id="1" dur="indefinite" restart="never" nodeType="tmRoot"/>
-      </p:par>
-    </p:tnLst>
-  </p:timing>
-</p:sld>
-</file>
-
-<file path=ppt/slides/slide23.xml><?xml version="1.0" encoding="utf-8"?>
-<p:sld xmlns:a="http://schemas.openxmlformats.org/drawingml/2006/main" xmlns:r="http://schemas.openxmlformats.org/officeDocument/2006/relationships" xmlns:p="http://schemas.openxmlformats.org/presentationml/2006/main">
-  <p:cSld>
-    <p:spTree>
-      <p:nvGrpSpPr>
-        <p:cNvPr id="1" name=""/>
-        <p:cNvGrpSpPr/>
-        <p:nvPr/>
-      </p:nvGrpSpPr>
-      <p:grpSpPr>
-        <a:xfrm>
-          <a:off x="0" y="0"/>
-          <a:ext cx="0" cy="0"/>
-          <a:chOff x="0" y="0"/>
-          <a:chExt cx="0" cy="0"/>
-        </a:xfrm>
-      </p:grpSpPr>
-      <p:sp>
-        <p:nvSpPr>
-          <p:cNvPr id="7" name="Rectangle 6"/>
-          <p:cNvSpPr/>
-          <p:nvPr/>
-        </p:nvSpPr>
-        <p:spPr>
-          <a:xfrm>
-            <a:off x="1" y="6318886"/>
-            <a:ext cx="9143998" cy="539114"/>
-          </a:xfrm>
-          <a:prstGeom prst="rect">
-            <a:avLst/>
-          </a:prstGeom>
-          <a:solidFill>
-            <a:schemeClr val="accent3">
-              <a:lumMod val="50000"/>
-            </a:schemeClr>
-          </a:solidFill>
-          <a:ln>
-            <a:noFill/>
-          </a:ln>
-          <a:effectLst/>
-        </p:spPr>
-        <p:style>
-          <a:lnRef idx="1">
-            <a:schemeClr val="accent1"/>
-          </a:lnRef>
-          <a:fillRef idx="3">
-            <a:schemeClr val="accent1"/>
-          </a:fillRef>
-          <a:effectRef idx="2">
-            <a:schemeClr val="accent1"/>
-          </a:effectRef>
-          <a:fontRef idx="minor">
-            <a:schemeClr val="lt1"/>
-          </a:fontRef>
-        </p:style>
-        <p:txBody>
-          <a:bodyPr rtlCol="0" anchor="ctr"/>
-          <a:lstStyle/>
-          <a:p>
-            <a:pPr algn="ctr"/>
-            <a:endParaRPr lang="en-US" sz="1200">
-              <a:solidFill>
-                <a:schemeClr val="accent3">
-                  <a:lumMod val="50000"/>
-                </a:schemeClr>
-              </a:solidFill>
-              <a:latin typeface="Helvetica"/>
-              <a:cs typeface="Helvetica"/>
-            </a:endParaRPr>
-          </a:p>
-        </p:txBody>
-      </p:sp>
-      <p:sp>
-        <p:nvSpPr>
-          <p:cNvPr id="9" name="TextBox 8"/>
-          <p:cNvSpPr txBox="1"/>
-          <p:nvPr/>
-        </p:nvSpPr>
-        <p:spPr>
-          <a:xfrm>
-            <a:off x="825499" y="1204710"/>
-            <a:ext cx="7467601" cy="4585871"/>
-          </a:xfrm>
-          <a:prstGeom prst="rect">
-            <a:avLst/>
-          </a:prstGeom>
-          <a:noFill/>
-        </p:spPr>
-        <p:txBody>
-          <a:bodyPr wrap="square" rtlCol="0">
-            <a:spAutoFit/>
-          </a:bodyPr>
-          <a:lstStyle/>
-          <a:p>
-            <a:r>
-              <a:rPr lang="en-US" dirty="0" smtClean="0">
-                <a:latin typeface="Helvetica"/>
-                <a:cs typeface="Helvetica"/>
-              </a:rPr>
-              <a:t>Principal Component Analysis (PCA) is probably the most common method for dimensionality reduction, but it is not always well defined or well understood.</a:t>
-            </a:r>
-          </a:p>
-          <a:p>
-            <a:endParaRPr lang="en-US" sz="2000" dirty="0" smtClean="0">
-              <a:latin typeface="Helvetica"/>
-              <a:cs typeface="Helvetica"/>
-            </a:endParaRPr>
-          </a:p>
-          <a:p>
-            <a:r>
-              <a:rPr lang="en-US" dirty="0" smtClean="0">
-                <a:latin typeface="Helvetica"/>
-                <a:cs typeface="Helvetica"/>
-              </a:rPr>
-              <a:t>PCA creates a new set of variables called </a:t>
-            </a:r>
-            <a:r>
-              <a:rPr lang="en-US" b="1" dirty="0" smtClean="0">
-                <a:solidFill>
-                  <a:srgbClr val="9BBB59"/>
-                </a:solidFill>
-                <a:latin typeface="Helvetica"/>
-                <a:cs typeface="Helvetica"/>
-              </a:rPr>
-              <a:t>principal components</a:t>
-            </a:r>
-            <a:r>
-              <a:rPr lang="en-US" dirty="0" smtClean="0">
-                <a:solidFill>
-                  <a:srgbClr val="4F81BD"/>
-                </a:solidFill>
-                <a:latin typeface="Helvetica"/>
-                <a:cs typeface="Helvetica"/>
-              </a:rPr>
-              <a:t> </a:t>
-            </a:r>
-            <a:r>
-              <a:rPr lang="en-US" dirty="0" smtClean="0">
-                <a:latin typeface="Helvetica"/>
-                <a:cs typeface="Helvetica"/>
-              </a:rPr>
-              <a:t>that are linear combinations of the variables in the original data set. The principal components are orthogonal and have successively maximal variance.</a:t>
-            </a:r>
-          </a:p>
-          <a:p>
-            <a:endParaRPr lang="en-US" sz="2000" b="1" dirty="0" smtClean="0">
-              <a:latin typeface="Helvetica"/>
-              <a:cs typeface="Helvetica"/>
-            </a:endParaRPr>
-          </a:p>
-          <a:p>
-            <a:r>
-              <a:rPr lang="en-US" dirty="0" smtClean="0">
-                <a:latin typeface="Helvetica"/>
-                <a:cs typeface="Helvetica"/>
-              </a:rPr>
-              <a:t>This approach links the ideas of </a:t>
-            </a:r>
-            <a:r>
-              <a:rPr lang="en-US" b="1" dirty="0" smtClean="0">
-                <a:solidFill>
-                  <a:srgbClr val="9BBB59"/>
-                </a:solidFill>
-                <a:latin typeface="Helvetica"/>
-                <a:cs typeface="Helvetica"/>
-              </a:rPr>
-              <a:t>variance</a:t>
-            </a:r>
-            <a:r>
-              <a:rPr lang="en-US" dirty="0" smtClean="0">
-                <a:solidFill>
-                  <a:srgbClr val="9BBB59"/>
-                </a:solidFill>
-                <a:latin typeface="Helvetica"/>
-                <a:cs typeface="Helvetica"/>
-              </a:rPr>
-              <a:t> </a:t>
-            </a:r>
-            <a:r>
-              <a:rPr lang="en-US" dirty="0" smtClean="0">
-                <a:latin typeface="Helvetica"/>
-                <a:cs typeface="Helvetica"/>
-              </a:rPr>
-              <a:t>and </a:t>
-            </a:r>
-            <a:r>
-              <a:rPr lang="en-US" b="1" dirty="0" smtClean="0">
-                <a:solidFill>
-                  <a:srgbClr val="9BBB59"/>
-                </a:solidFill>
-                <a:latin typeface="Helvetica"/>
-                <a:cs typeface="Helvetica"/>
-              </a:rPr>
-              <a:t>information</a:t>
-            </a:r>
-            <a:r>
-              <a:rPr lang="en-US" dirty="0" smtClean="0">
-                <a:latin typeface="Helvetica"/>
-                <a:cs typeface="Helvetica"/>
-              </a:rPr>
-              <a:t>. PCA attempts to preserve as much structure in the data as possible by spreading it out as much as possible.</a:t>
-            </a:r>
-          </a:p>
-          <a:p>
-            <a:endParaRPr lang="en-US" b="1" dirty="0" smtClean="0">
-              <a:latin typeface="Helvetica"/>
-              <a:cs typeface="Helvetica"/>
-            </a:endParaRPr>
-          </a:p>
-          <a:p>
-            <a:r>
-              <a:rPr lang="en-US" dirty="0" smtClean="0">
-                <a:latin typeface="Helvetica"/>
-                <a:cs typeface="Helvetica"/>
-              </a:rPr>
-              <a:t>PCA, like correlation, is deterministic but can be motivated from a modeling standpoint. It will always return something, you have to decide whether or not it is useful.</a:t>
-            </a:r>
-            <a:endParaRPr lang="en-US" dirty="0" smtClean="0">
-              <a:latin typeface="Helvetica"/>
-              <a:cs typeface="Helvetica"/>
-            </a:endParaRPr>
-          </a:p>
-        </p:txBody>
-      </p:sp>
-      <p:sp>
-        <p:nvSpPr>
-          <p:cNvPr id="4" name="Title 1"/>
-          <p:cNvSpPr>
-            <a:spLocks noGrp="1"/>
-          </p:cNvSpPr>
-          <p:nvPr>
-            <p:ph type="title"/>
-          </p:nvPr>
-        </p:nvSpPr>
-        <p:spPr>
-          <a:xfrm>
-            <a:off x="92596" y="1"/>
-            <a:ext cx="8955499" cy="767328"/>
-          </a:xfrm>
-        </p:spPr>
-        <p:txBody>
-          <a:bodyPr>
-            <a:normAutofit/>
-          </a:bodyPr>
-          <a:lstStyle/>
-          <a:p>
-            <a:pPr algn="l"/>
-            <a:r>
-              <a:rPr lang="en-US" sz="3600" dirty="0" smtClean="0">
-                <a:solidFill>
-                  <a:schemeClr val="tx1">
-                    <a:lumMod val="65000"/>
-                    <a:lumOff val="35000"/>
-                  </a:schemeClr>
-                </a:solidFill>
-                <a:latin typeface="Rockwell"/>
-                <a:cs typeface="Rockwell"/>
-              </a:rPr>
-              <a:t>Principal Components Analysis</a:t>
-            </a:r>
-            <a:endParaRPr lang="en-US" sz="3600" dirty="0">
-              <a:solidFill>
-                <a:schemeClr val="tx1">
-                  <a:lumMod val="65000"/>
-                  <a:lumOff val="35000"/>
-                </a:schemeClr>
-              </a:solidFill>
-              <a:latin typeface="Rockwell"/>
-              <a:cs typeface="Rockwell"/>
-            </a:endParaRPr>
-          </a:p>
-        </p:txBody>
-      </p:sp>
-      <p:sp>
-        <p:nvSpPr>
-          <p:cNvPr id="6" name="Rectangle 5"/>
-          <p:cNvSpPr/>
-          <p:nvPr/>
-        </p:nvSpPr>
-        <p:spPr>
-          <a:xfrm>
-            <a:off x="0" y="723606"/>
-            <a:ext cx="4567817" cy="90786"/>
-          </a:xfrm>
-          <a:prstGeom prst="rect">
-            <a:avLst/>
-          </a:prstGeom>
-          <a:solidFill>
-            <a:schemeClr val="accent3">
-              <a:lumMod val="50000"/>
-            </a:schemeClr>
-          </a:solidFill>
-          <a:ln>
-            <a:noFill/>
-          </a:ln>
-          <a:effectLst/>
-        </p:spPr>
-        <p:style>
-          <a:lnRef idx="1">
-            <a:schemeClr val="accent1"/>
-          </a:lnRef>
-          <a:fillRef idx="3">
-            <a:schemeClr val="accent1"/>
-          </a:fillRef>
-          <a:effectRef idx="2">
-            <a:schemeClr val="accent1"/>
-          </a:effectRef>
-          <a:fontRef idx="minor">
-            <a:schemeClr val="lt1"/>
-          </a:fontRef>
-        </p:style>
-        <p:txBody>
-          <a:bodyPr rtlCol="0" anchor="ctr"/>
-          <a:lstStyle/>
-          <a:p>
-            <a:pPr algn="ctr"/>
-            <a:endParaRPr lang="en-US" sz="1200">
-              <a:solidFill>
-                <a:schemeClr val="accent3">
-                  <a:lumMod val="50000"/>
-                </a:schemeClr>
-              </a:solidFill>
-              <a:latin typeface="Helvetica"/>
-              <a:cs typeface="Helvetica"/>
-            </a:endParaRPr>
-          </a:p>
-        </p:txBody>
-      </p:sp>
-    </p:spTree>
-    <p:extLst>
-      <p:ext uri="{BB962C8B-B14F-4D97-AF65-F5344CB8AC3E}">
-        <p14:creationId xmlns:p14="http://schemas.microsoft.com/office/powerpoint/2010/main" val="4010798819"/>
-      </p:ext>
-    </p:extLst>
-  </p:cSld>
-  <p:clrMapOvr>
-    <a:masterClrMapping/>
-  </p:clrMapOvr>
-  <p:timing>
-    <p:tnLst>
-      <p:par>
-        <p:cTn xmlns:p14="http://schemas.microsoft.com/office/powerpoint/2010/main" id="1" dur="indefinite" restart="never" nodeType="tmRoot"/>
-      </p:par>
-    </p:tnLst>
-  </p:timing>
-</p:sld>
-</file>
-
-<file path=ppt/slides/slide24.xml><?xml version="1.0" encoding="utf-8"?>
-<p:sld xmlns:a="http://schemas.openxmlformats.org/drawingml/2006/main" xmlns:r="http://schemas.openxmlformats.org/officeDocument/2006/relationships" xmlns:p="http://schemas.openxmlformats.org/presentationml/2006/main">
-  <p:cSld>
-    <p:spTree>
-      <p:nvGrpSpPr>
-        <p:cNvPr id="1" name=""/>
-        <p:cNvGrpSpPr/>
-        <p:nvPr/>
-      </p:nvGrpSpPr>
-      <p:grpSpPr>
-        <a:xfrm>
-          <a:off x="0" y="0"/>
-          <a:ext cx="0" cy="0"/>
-          <a:chOff x="0" y="0"/>
-          <a:chExt cx="0" cy="0"/>
-        </a:xfrm>
-      </p:grpSpPr>
-      <p:sp>
-        <p:nvSpPr>
-          <p:cNvPr id="7" name="Rectangle 6"/>
-          <p:cNvSpPr/>
-          <p:nvPr/>
-        </p:nvSpPr>
-        <p:spPr>
-          <a:xfrm>
-            <a:off x="1" y="6318886"/>
-            <a:ext cx="9143998" cy="539114"/>
-          </a:xfrm>
-          <a:prstGeom prst="rect">
-            <a:avLst/>
-          </a:prstGeom>
-          <a:solidFill>
-            <a:schemeClr val="accent3">
-              <a:lumMod val="50000"/>
-            </a:schemeClr>
-          </a:solidFill>
-          <a:ln>
-            <a:noFill/>
-          </a:ln>
-          <a:effectLst/>
-        </p:spPr>
-        <p:style>
-          <a:lnRef idx="1">
-            <a:schemeClr val="accent1"/>
-          </a:lnRef>
-          <a:fillRef idx="3">
-            <a:schemeClr val="accent1"/>
-          </a:fillRef>
-          <a:effectRef idx="2">
-            <a:schemeClr val="accent1"/>
-          </a:effectRef>
-          <a:fontRef idx="minor">
-            <a:schemeClr val="lt1"/>
-          </a:fontRef>
-        </p:style>
-        <p:txBody>
-          <a:bodyPr rtlCol="0" anchor="ctr"/>
-          <a:lstStyle/>
-          <a:p>
-            <a:pPr algn="ctr"/>
-            <a:endParaRPr lang="en-US" sz="1200">
-              <a:solidFill>
-                <a:schemeClr val="accent3">
-                  <a:lumMod val="50000"/>
-                </a:schemeClr>
-              </a:solidFill>
-              <a:latin typeface="Helvetica"/>
-              <a:cs typeface="Helvetica"/>
-            </a:endParaRPr>
-          </a:p>
-        </p:txBody>
-      </p:sp>
-      <p:sp>
-        <p:nvSpPr>
-          <p:cNvPr id="4" name="Title 1"/>
-          <p:cNvSpPr>
-            <a:spLocks noGrp="1"/>
-          </p:cNvSpPr>
-          <p:nvPr>
-            <p:ph type="title"/>
-          </p:nvPr>
-        </p:nvSpPr>
-        <p:spPr>
-          <a:xfrm>
-            <a:off x="92596" y="1"/>
-            <a:ext cx="8955499" cy="767328"/>
-          </a:xfrm>
-        </p:spPr>
-        <p:txBody>
-          <a:bodyPr>
-            <a:normAutofit/>
-          </a:bodyPr>
-          <a:lstStyle/>
-          <a:p>
-            <a:pPr algn="l"/>
-            <a:r>
-              <a:rPr lang="en-US" sz="3600" dirty="0" smtClean="0">
-                <a:solidFill>
-                  <a:schemeClr val="tx1">
-                    <a:lumMod val="65000"/>
-                    <a:lumOff val="35000"/>
-                  </a:schemeClr>
-                </a:solidFill>
-                <a:latin typeface="Rockwell"/>
-                <a:cs typeface="Rockwell"/>
-              </a:rPr>
-              <a:t>Principal Components Analysis</a:t>
-            </a:r>
-            <a:endParaRPr lang="en-US" sz="3600" dirty="0">
-              <a:solidFill>
-                <a:schemeClr val="tx1">
-                  <a:lumMod val="65000"/>
-                  <a:lumOff val="35000"/>
-                </a:schemeClr>
-              </a:solidFill>
-              <a:latin typeface="Rockwell"/>
-              <a:cs typeface="Rockwell"/>
-            </a:endParaRPr>
-          </a:p>
-        </p:txBody>
-      </p:sp>
-      <p:sp>
-        <p:nvSpPr>
-          <p:cNvPr id="6" name="Rectangle 5"/>
-          <p:cNvSpPr/>
-          <p:nvPr/>
-        </p:nvSpPr>
-        <p:spPr>
-          <a:xfrm>
-            <a:off x="0" y="723606"/>
-            <a:ext cx="4567817" cy="90786"/>
-          </a:xfrm>
-          <a:prstGeom prst="rect">
-            <a:avLst/>
-          </a:prstGeom>
-          <a:solidFill>
-            <a:schemeClr val="accent3">
-              <a:lumMod val="50000"/>
-            </a:schemeClr>
-          </a:solidFill>
-          <a:ln>
-            <a:noFill/>
-          </a:ln>
-          <a:effectLst/>
-        </p:spPr>
-        <p:style>
-          <a:lnRef idx="1">
-            <a:schemeClr val="accent1"/>
-          </a:lnRef>
-          <a:fillRef idx="3">
-            <a:schemeClr val="accent1"/>
-          </a:fillRef>
-          <a:effectRef idx="2">
-            <a:schemeClr val="accent1"/>
-          </a:effectRef>
-          <a:fontRef idx="minor">
-            <a:schemeClr val="lt1"/>
-          </a:fontRef>
-        </p:style>
-        <p:txBody>
-          <a:bodyPr rtlCol="0" anchor="ctr"/>
-          <a:lstStyle/>
-          <a:p>
-            <a:pPr algn="ctr"/>
-            <a:endParaRPr lang="en-US" sz="1200">
-              <a:solidFill>
-                <a:schemeClr val="accent3">
-                  <a:lumMod val="50000"/>
-                </a:schemeClr>
-              </a:solidFill>
-              <a:latin typeface="Helvetica"/>
-              <a:cs typeface="Helvetica"/>
-            </a:endParaRPr>
-          </a:p>
-        </p:txBody>
-      </p:sp>
-      <p:pic>
-        <p:nvPicPr>
-          <p:cNvPr id="8" name="Picture 7" descr="surfboard.jpg"/>
-          <p:cNvPicPr>
-            <a:picLocks noChangeAspect="1"/>
-          </p:cNvPicPr>
-          <p:nvPr/>
-        </p:nvPicPr>
-        <p:blipFill>
-          <a:blip r:embed="rId2">
-            <a:extLst>
-              <a:ext uri="{28A0092B-C50C-407E-A947-70E740481C1C}">
-                <a14:useLocalDpi xmlns:a14="http://schemas.microsoft.com/office/drawing/2010/main" val="0"/>
-              </a:ext>
-            </a:extLst>
-          </a:blip>
-          <a:stretch>
-            <a:fillRect/>
-          </a:stretch>
-        </p:blipFill>
-        <p:spPr>
-          <a:xfrm>
-            <a:off x="4589623" y="1482125"/>
-            <a:ext cx="3790264" cy="4680977"/>
-          </a:xfrm>
-          <a:prstGeom prst="rect">
-            <a:avLst/>
-          </a:prstGeom>
-        </p:spPr>
-      </p:pic>
-      <p:sp>
-        <p:nvSpPr>
-          <p:cNvPr id="10" name="TextBox 9"/>
-          <p:cNvSpPr txBox="1"/>
-          <p:nvPr/>
-        </p:nvSpPr>
-        <p:spPr>
-          <a:xfrm>
-            <a:off x="307491" y="1447712"/>
-            <a:ext cx="4016914" cy="1723549"/>
-          </a:xfrm>
-          <a:prstGeom prst="rect">
-            <a:avLst/>
-          </a:prstGeom>
-          <a:noFill/>
-        </p:spPr>
-        <p:txBody>
-          <a:bodyPr wrap="square" rtlCol="0">
-            <a:spAutoFit/>
-          </a:bodyPr>
-          <a:lstStyle/>
-          <a:p>
-            <a:pPr marL="285750" indent="-285750">
-              <a:spcAft>
-                <a:spcPts val="600"/>
-              </a:spcAft>
-              <a:buFont typeface="Arial"/>
-              <a:buChar char="•"/>
-            </a:pPr>
-            <a:r>
-              <a:rPr lang="en-US" sz="2400" dirty="0" smtClean="0">
-                <a:latin typeface="Helvetica"/>
-                <a:cs typeface="Helvetica"/>
-              </a:rPr>
-              <a:t>Find direction of maximal variance</a:t>
-            </a:r>
-          </a:p>
-          <a:p>
-            <a:pPr marL="285750" indent="-285750">
-              <a:spcAft>
-                <a:spcPts val="600"/>
-              </a:spcAft>
-              <a:buFont typeface="Arial"/>
-              <a:buChar char="•"/>
-            </a:pPr>
-            <a:r>
-              <a:rPr lang="en-US" sz="2400" dirty="0" smtClean="0">
-                <a:latin typeface="Helvetica"/>
-                <a:cs typeface="Helvetica"/>
-              </a:rPr>
-              <a:t>Collapse that dimension</a:t>
-            </a:r>
-          </a:p>
-          <a:p>
-            <a:pPr marL="285750" indent="-285750">
-              <a:spcAft>
-                <a:spcPts val="600"/>
-              </a:spcAft>
-              <a:buFont typeface="Arial"/>
-              <a:buChar char="•"/>
-            </a:pPr>
-            <a:r>
-              <a:rPr lang="en-US" sz="2400" dirty="0" smtClean="0">
-                <a:latin typeface="Helvetica"/>
-                <a:cs typeface="Helvetica"/>
-              </a:rPr>
-              <a:t>Repeat</a:t>
-            </a:r>
-            <a:endParaRPr lang="en-US" sz="2400" dirty="0">
-              <a:latin typeface="Helvetica"/>
-              <a:cs typeface="Helvetica"/>
-            </a:endParaRPr>
-          </a:p>
-        </p:txBody>
-      </p:sp>
-      <p:sp>
-        <p:nvSpPr>
-          <p:cNvPr id="11" name="TextBox 10"/>
-          <p:cNvSpPr txBox="1"/>
-          <p:nvPr/>
-        </p:nvSpPr>
-        <p:spPr>
-          <a:xfrm>
-            <a:off x="307491" y="4153139"/>
-            <a:ext cx="4016914" cy="1200328"/>
-          </a:xfrm>
-          <a:prstGeom prst="rect">
-            <a:avLst/>
-          </a:prstGeom>
-          <a:noFill/>
-        </p:spPr>
-        <p:txBody>
-          <a:bodyPr wrap="square" rtlCol="0">
-            <a:spAutoFit/>
-          </a:bodyPr>
-          <a:lstStyle/>
-          <a:p>
-            <a:pPr>
-              <a:spcAft>
-                <a:spcPts val="600"/>
-              </a:spcAft>
-            </a:pPr>
-            <a:r>
-              <a:rPr lang="en-US" sz="2400" b="1" dirty="0" smtClean="0">
-                <a:latin typeface="Helvetica"/>
-                <a:cs typeface="Helvetica"/>
-              </a:rPr>
-              <a:t>What are the principal components of a surfboard?</a:t>
-            </a:r>
-            <a:endParaRPr lang="en-US" sz="2400" b="1" dirty="0">
-              <a:latin typeface="Helvetica"/>
-              <a:cs typeface="Helvetica"/>
-            </a:endParaRPr>
-          </a:p>
-        </p:txBody>
-      </p:sp>
-      <p:cxnSp>
-        <p:nvCxnSpPr>
-          <p:cNvPr id="12" name="Straight Arrow Connector 11"/>
-          <p:cNvCxnSpPr/>
-          <p:nvPr/>
-        </p:nvCxnSpPr>
-        <p:spPr>
-          <a:xfrm>
-            <a:off x="5654992" y="1706558"/>
-            <a:ext cx="15121" cy="4354045"/>
-          </a:xfrm>
-          <a:prstGeom prst="straightConnector1">
-            <a:avLst/>
-          </a:prstGeom>
-          <a:ln w="76200">
-            <a:solidFill>
-              <a:srgbClr val="0000FF"/>
-            </a:solidFill>
-            <a:headEnd type="triangle" w="lg" len="med"/>
-            <a:tailEnd type="triangle" w="lg" len="med"/>
-          </a:ln>
-          <a:effectLst/>
-        </p:spPr>
-        <p:style>
-          <a:lnRef idx="2">
-            <a:schemeClr val="accent1"/>
-          </a:lnRef>
-          <a:fillRef idx="0">
-            <a:schemeClr val="accent1"/>
-          </a:fillRef>
-          <a:effectRef idx="1">
-            <a:schemeClr val="accent1"/>
-          </a:effectRef>
-          <a:fontRef idx="minor">
-            <a:schemeClr val="tx1"/>
-          </a:fontRef>
-        </p:style>
-      </p:cxnSp>
-      <p:sp>
-        <p:nvSpPr>
-          <p:cNvPr id="13" name="TextBox 12"/>
-          <p:cNvSpPr txBox="1"/>
-          <p:nvPr/>
-        </p:nvSpPr>
-        <p:spPr>
-          <a:xfrm>
-            <a:off x="4968947" y="6057276"/>
-            <a:ext cx="3677686" cy="261610"/>
-          </a:xfrm>
-          <a:prstGeom prst="rect">
-            <a:avLst/>
-          </a:prstGeom>
-          <a:noFill/>
-        </p:spPr>
-        <p:txBody>
-          <a:bodyPr wrap="square" rtlCol="0">
-            <a:spAutoFit/>
-          </a:bodyPr>
-          <a:lstStyle/>
-          <a:p>
-            <a:r>
-              <a:rPr lang="en-US" sz="1100" dirty="0" smtClean="0"/>
-              <a:t>Source: Global Surf Industries, </a:t>
-            </a:r>
-            <a:r>
-              <a:rPr lang="en-US" sz="1100" dirty="0" err="1" smtClean="0"/>
-              <a:t>www.surfindustries.com</a:t>
-            </a:r>
-            <a:r>
-              <a:rPr lang="en-US" sz="1100" dirty="0" smtClean="0"/>
-              <a:t>/</a:t>
-            </a:r>
-            <a:endParaRPr lang="en-US" sz="1100" dirty="0"/>
-          </a:p>
-        </p:txBody>
-      </p:sp>
-      <p:sp>
-        <p:nvSpPr>
-          <p:cNvPr id="14" name="TextBox 13"/>
-          <p:cNvSpPr txBox="1"/>
-          <p:nvPr/>
-        </p:nvSpPr>
-        <p:spPr>
-          <a:xfrm>
-            <a:off x="5263298" y="1139067"/>
-            <a:ext cx="783388" cy="461665"/>
-          </a:xfrm>
-          <a:prstGeom prst="rect">
-            <a:avLst/>
-          </a:prstGeom>
-          <a:noFill/>
-        </p:spPr>
-        <p:txBody>
-          <a:bodyPr wrap="none" rtlCol="0">
-            <a:spAutoFit/>
-          </a:bodyPr>
-          <a:lstStyle/>
-          <a:p>
-            <a:r>
-              <a:rPr lang="en-US" sz="2400" b="1" dirty="0" smtClean="0">
-                <a:solidFill>
-                  <a:srgbClr val="0000FF"/>
-                </a:solidFill>
-                <a:latin typeface="Helvetica"/>
-                <a:cs typeface="Helvetica"/>
-              </a:rPr>
-              <a:t>PC1</a:t>
-            </a:r>
-            <a:endParaRPr lang="en-US" b="1" dirty="0">
-              <a:solidFill>
-                <a:srgbClr val="0000FF"/>
-              </a:solidFill>
-              <a:latin typeface="Helvetica"/>
-              <a:cs typeface="Helvetica"/>
-            </a:endParaRPr>
-          </a:p>
-        </p:txBody>
-      </p:sp>
-      <p:cxnSp>
-        <p:nvCxnSpPr>
-          <p:cNvPr id="15" name="Straight Arrow Connector 14"/>
-          <p:cNvCxnSpPr/>
-          <p:nvPr/>
-        </p:nvCxnSpPr>
-        <p:spPr>
-          <a:xfrm flipH="1">
-            <a:off x="6320285" y="3596341"/>
-            <a:ext cx="1254984" cy="0"/>
-          </a:xfrm>
-          <a:prstGeom prst="straightConnector1">
-            <a:avLst/>
-          </a:prstGeom>
-          <a:ln w="76200">
-            <a:solidFill>
-              <a:srgbClr val="FF0000"/>
-            </a:solidFill>
-            <a:headEnd type="triangle" w="lg" len="med"/>
-            <a:tailEnd type="triangle" w="lg" len="med"/>
-          </a:ln>
-          <a:effectLst/>
-        </p:spPr>
-        <p:style>
-          <a:lnRef idx="2">
-            <a:schemeClr val="accent1"/>
-          </a:lnRef>
-          <a:fillRef idx="0">
-            <a:schemeClr val="accent1"/>
-          </a:fillRef>
-          <a:effectRef idx="1">
-            <a:schemeClr val="accent1"/>
-          </a:effectRef>
-          <a:fontRef idx="minor">
-            <a:schemeClr val="tx1"/>
-          </a:fontRef>
-        </p:style>
-      </p:cxnSp>
-      <p:sp>
-        <p:nvSpPr>
-          <p:cNvPr id="16" name="TextBox 15"/>
-          <p:cNvSpPr txBox="1"/>
-          <p:nvPr/>
-        </p:nvSpPr>
-        <p:spPr>
-          <a:xfrm>
-            <a:off x="6552735" y="1139067"/>
-            <a:ext cx="783388" cy="461665"/>
-          </a:xfrm>
-          <a:prstGeom prst="rect">
-            <a:avLst/>
-          </a:prstGeom>
-          <a:noFill/>
-        </p:spPr>
-        <p:txBody>
-          <a:bodyPr wrap="none" rtlCol="0">
-            <a:spAutoFit/>
-          </a:bodyPr>
-          <a:lstStyle/>
-          <a:p>
-            <a:r>
-              <a:rPr lang="en-US" sz="2400" b="1" dirty="0" smtClean="0">
-                <a:solidFill>
-                  <a:srgbClr val="FF0000"/>
-                </a:solidFill>
-                <a:latin typeface="Helvetica"/>
-                <a:cs typeface="Helvetica"/>
-              </a:rPr>
-              <a:t>PC2</a:t>
-            </a:r>
-            <a:endParaRPr lang="en-US" b="1" dirty="0">
-              <a:solidFill>
-                <a:srgbClr val="FF0000"/>
-              </a:solidFill>
-              <a:latin typeface="Helvetica"/>
-              <a:cs typeface="Helvetica"/>
-            </a:endParaRPr>
-          </a:p>
-        </p:txBody>
-      </p:sp>
-      <p:cxnSp>
-        <p:nvCxnSpPr>
-          <p:cNvPr id="17" name="Straight Arrow Connector 16"/>
-          <p:cNvCxnSpPr/>
-          <p:nvPr/>
-        </p:nvCxnSpPr>
-        <p:spPr>
-          <a:xfrm flipH="1">
-            <a:off x="7575269" y="3596341"/>
-            <a:ext cx="627492" cy="0"/>
-          </a:xfrm>
-          <a:prstGeom prst="straightConnector1">
-            <a:avLst/>
-          </a:prstGeom>
-          <a:ln w="76200">
-            <a:solidFill>
-              <a:srgbClr val="660066"/>
-            </a:solidFill>
-            <a:headEnd type="triangle" w="lg" len="med"/>
-            <a:tailEnd type="triangle" w="lg" len="med"/>
-          </a:ln>
-          <a:effectLst/>
-        </p:spPr>
-        <p:style>
-          <a:lnRef idx="2">
-            <a:schemeClr val="accent1"/>
-          </a:lnRef>
-          <a:fillRef idx="0">
-            <a:schemeClr val="accent1"/>
-          </a:fillRef>
-          <a:effectRef idx="1">
-            <a:schemeClr val="accent1"/>
-          </a:effectRef>
-          <a:fontRef idx="minor">
-            <a:schemeClr val="tx1"/>
-          </a:fontRef>
-        </p:style>
-      </p:cxnSp>
-      <p:sp>
-        <p:nvSpPr>
-          <p:cNvPr id="18" name="TextBox 17"/>
-          <p:cNvSpPr txBox="1"/>
-          <p:nvPr/>
-        </p:nvSpPr>
-        <p:spPr>
-          <a:xfrm>
-            <a:off x="7436809" y="1139067"/>
-            <a:ext cx="783388" cy="461665"/>
-          </a:xfrm>
-          <a:prstGeom prst="rect">
-            <a:avLst/>
-          </a:prstGeom>
-          <a:noFill/>
-        </p:spPr>
-        <p:txBody>
-          <a:bodyPr wrap="none" rtlCol="0">
-            <a:spAutoFit/>
-          </a:bodyPr>
-          <a:lstStyle/>
-          <a:p>
-            <a:r>
-              <a:rPr lang="en-US" sz="2400" b="1" dirty="0" smtClean="0">
-                <a:solidFill>
-                  <a:srgbClr val="660066"/>
-                </a:solidFill>
-                <a:latin typeface="Helvetica"/>
-                <a:cs typeface="Helvetica"/>
-              </a:rPr>
-              <a:t>PC3</a:t>
-            </a:r>
-            <a:endParaRPr lang="en-US" b="1" dirty="0">
-              <a:solidFill>
-                <a:srgbClr val="660066"/>
-              </a:solidFill>
-              <a:latin typeface="Helvetica"/>
-              <a:cs typeface="Helvetica"/>
-            </a:endParaRPr>
-          </a:p>
-        </p:txBody>
-      </p:sp>
-    </p:spTree>
-    <p:extLst>
-      <p:ext uri="{BB962C8B-B14F-4D97-AF65-F5344CB8AC3E}">
-        <p14:creationId xmlns:p14="http://schemas.microsoft.com/office/powerpoint/2010/main" val="4589508"/>
-      </p:ext>
-    </p:extLst>
-  </p:cSld>
-  <p:clrMapOvr>
-    <a:masterClrMapping/>
-  </p:clrMapOvr>
-  <p:timing>
-    <p:tnLst>
-      <p:par>
-        <p:cTn xmlns:p14="http://schemas.microsoft.com/office/powerpoint/2010/main" id="1" dur="indefinite" restart="never" nodeType="tmRoot">
-          <p:childTnLst>
-            <p:seq concurrent="1" nextAc="seek">
-              <p:cTn id="2" dur="indefinite" nodeType="mainSeq">
-                <p:childTnLst>
-                  <p:par>
-                    <p:cTn id="3" fill="hold">
-                      <p:stCondLst>
-                        <p:cond delay="indefinite"/>
-                      </p:stCondLst>
-                      <p:childTnLst>
-                        <p:par>
-                          <p:cTn id="4" fill="hold">
-                            <p:stCondLst>
-                              <p:cond delay="0"/>
-                            </p:stCondLst>
-                            <p:childTnLst>
-                              <p:par>
-                                <p:cTn id="5" presetID="1" presetClass="entr" presetSubtype="0" fill="hold" grpId="0" nodeType="clickEffect">
-                                  <p:stCondLst>
-                                    <p:cond delay="0"/>
-                                  </p:stCondLst>
-                                  <p:childTnLst>
-                                    <p:set>
-                                      <p:cBhvr>
-                                        <p:cTn id="6" dur="1" fill="hold">
-                                          <p:stCondLst>
-                                            <p:cond delay="0"/>
-                                          </p:stCondLst>
-                                        </p:cTn>
-                                        <p:tgtEl>
-                                          <p:spTgt spid="11"/>
-                                        </p:tgtEl>
-                                        <p:attrNameLst>
-                                          <p:attrName>style.visibility</p:attrName>
-                                        </p:attrNameLst>
-                                      </p:cBhvr>
-                                      <p:to>
-                                        <p:strVal val="visible"/>
-                                      </p:to>
-                                    </p:set>
-                                  </p:childTnLst>
-                                </p:cTn>
-                              </p:par>
-                              <p:par>
-                                <p:cTn id="7" presetID="1" presetClass="entr" presetSubtype="0" fill="hold" grpId="0" nodeType="withEffect">
-                                  <p:stCondLst>
-                                    <p:cond delay="0"/>
-                                  </p:stCondLst>
-                                  <p:childTnLst>
-                                    <p:set>
-                                      <p:cBhvr>
-                                        <p:cTn id="8" dur="1" fill="hold">
-                                          <p:stCondLst>
-                                            <p:cond delay="0"/>
-                                          </p:stCondLst>
-                                        </p:cTn>
-                                        <p:tgtEl>
-                                          <p:spTgt spid="13"/>
-                                        </p:tgtEl>
-                                        <p:attrNameLst>
-                                          <p:attrName>style.visibility</p:attrName>
-                                        </p:attrNameLst>
-                                      </p:cBhvr>
-                                      <p:to>
-                                        <p:strVal val="visible"/>
-                                      </p:to>
-                                    </p:set>
-                                  </p:childTnLst>
-                                </p:cTn>
-                              </p:par>
-                              <p:par>
-                                <p:cTn id="9" presetID="1" presetClass="entr" presetSubtype="0" fill="hold" nodeType="withEffect">
-                                  <p:stCondLst>
-                                    <p:cond delay="0"/>
-                                  </p:stCondLst>
-                                  <p:childTnLst>
-                                    <p:set>
-                                      <p:cBhvr>
-                                        <p:cTn id="10" dur="1" fill="hold">
-                                          <p:stCondLst>
-                                            <p:cond delay="0"/>
-                                          </p:stCondLst>
-                                        </p:cTn>
-                                        <p:tgtEl>
-                                          <p:spTgt spid="8"/>
-                                        </p:tgtEl>
-                                        <p:attrNameLst>
-                                          <p:attrName>style.visibility</p:attrName>
-                                        </p:attrNameLst>
-                                      </p:cBhvr>
-                                      <p:to>
-                                        <p:strVal val="visible"/>
-                                      </p:to>
-                                    </p:set>
-                                  </p:childTnLst>
-                                </p:cTn>
-                              </p:par>
-                            </p:childTnLst>
-                          </p:cTn>
-                        </p:par>
-                      </p:childTnLst>
-                    </p:cTn>
-                  </p:par>
-                  <p:par>
-                    <p:cTn id="11" fill="hold">
-                      <p:stCondLst>
-                        <p:cond delay="indefinite"/>
-                      </p:stCondLst>
-                      <p:childTnLst>
-                        <p:par>
-                          <p:cTn id="12" fill="hold">
-                            <p:stCondLst>
-                              <p:cond delay="0"/>
-                            </p:stCondLst>
-                            <p:childTnLst>
-                              <p:par>
-                                <p:cTn id="13" presetID="1" presetClass="entr" presetSubtype="0" fill="hold" grpId="0" nodeType="clickEffect">
-                                  <p:stCondLst>
-                                    <p:cond delay="0"/>
-                                  </p:stCondLst>
-                                  <p:childTnLst>
-                                    <p:set>
-                                      <p:cBhvr>
-                                        <p:cTn id="14" dur="1" fill="hold">
-                                          <p:stCondLst>
-                                            <p:cond delay="0"/>
-                                          </p:stCondLst>
-                                        </p:cTn>
-                                        <p:tgtEl>
-                                          <p:spTgt spid="14"/>
-                                        </p:tgtEl>
-                                        <p:attrNameLst>
-                                          <p:attrName>style.visibility</p:attrName>
-                                        </p:attrNameLst>
-                                      </p:cBhvr>
-                                      <p:to>
-                                        <p:strVal val="visible"/>
-                                      </p:to>
-                                    </p:set>
-                                  </p:childTnLst>
-                                </p:cTn>
-                              </p:par>
-                              <p:par>
-                                <p:cTn id="15" presetID="1" presetClass="entr" presetSubtype="0" fill="hold" nodeType="withEffect">
-                                  <p:stCondLst>
-                                    <p:cond delay="0"/>
-                                  </p:stCondLst>
-                                  <p:childTnLst>
-                                    <p:set>
-                                      <p:cBhvr>
-                                        <p:cTn id="16" dur="1" fill="hold">
-                                          <p:stCondLst>
-                                            <p:cond delay="0"/>
-                                          </p:stCondLst>
-                                        </p:cTn>
-                                        <p:tgtEl>
-                                          <p:spTgt spid="12"/>
-                                        </p:tgtEl>
-                                        <p:attrNameLst>
-                                          <p:attrName>style.visibility</p:attrName>
-                                        </p:attrNameLst>
-                                      </p:cBhvr>
-                                      <p:to>
-                                        <p:strVal val="visible"/>
-                                      </p:to>
-                                    </p:set>
-                                  </p:childTnLst>
-                                </p:cTn>
-                              </p:par>
-                            </p:childTnLst>
-                          </p:cTn>
-                        </p:par>
-                      </p:childTnLst>
-                    </p:cTn>
-                  </p:par>
-                  <p:par>
-                    <p:cTn id="17" fill="hold">
-                      <p:stCondLst>
-                        <p:cond delay="indefinite"/>
-                      </p:stCondLst>
-                      <p:childTnLst>
-                        <p:par>
-                          <p:cTn id="18" fill="hold">
-                            <p:stCondLst>
-                              <p:cond delay="0"/>
-                            </p:stCondLst>
-                            <p:childTnLst>
-                              <p:par>
-                                <p:cTn id="19" presetID="1" presetClass="entr" presetSubtype="0" fill="hold" nodeType="clickEffect">
-                                  <p:stCondLst>
-                                    <p:cond delay="0"/>
-                                  </p:stCondLst>
-                                  <p:childTnLst>
-                                    <p:set>
-                                      <p:cBhvr>
-                                        <p:cTn id="20" dur="1" fill="hold">
-                                          <p:stCondLst>
-                                            <p:cond delay="0"/>
-                                          </p:stCondLst>
-                                        </p:cTn>
-                                        <p:tgtEl>
-                                          <p:spTgt spid="15"/>
-                                        </p:tgtEl>
-                                        <p:attrNameLst>
-                                          <p:attrName>style.visibility</p:attrName>
-                                        </p:attrNameLst>
-                                      </p:cBhvr>
-                                      <p:to>
-                                        <p:strVal val="visible"/>
-                                      </p:to>
-                                    </p:set>
-                                  </p:childTnLst>
-                                </p:cTn>
-                              </p:par>
-                              <p:par>
-                                <p:cTn id="21" presetID="1" presetClass="entr" presetSubtype="0" fill="hold" grpId="0" nodeType="withEffect">
-                                  <p:stCondLst>
-                                    <p:cond delay="0"/>
-                                  </p:stCondLst>
-                                  <p:childTnLst>
-                                    <p:set>
-                                      <p:cBhvr>
-                                        <p:cTn id="22" dur="1" fill="hold">
-                                          <p:stCondLst>
-                                            <p:cond delay="0"/>
-                                          </p:stCondLst>
-                                        </p:cTn>
-                                        <p:tgtEl>
-                                          <p:spTgt spid="16"/>
-                                        </p:tgtEl>
-                                        <p:attrNameLst>
-                                          <p:attrName>style.visibility</p:attrName>
-                                        </p:attrNameLst>
-                                      </p:cBhvr>
-                                      <p:to>
-                                        <p:strVal val="visible"/>
-                                      </p:to>
-                                    </p:set>
-                                  </p:childTnLst>
-                                </p:cTn>
-                              </p:par>
-                            </p:childTnLst>
-                          </p:cTn>
-                        </p:par>
-                      </p:childTnLst>
-                    </p:cTn>
-                  </p:par>
-                  <p:par>
-                    <p:cTn id="23" fill="hold">
-                      <p:stCondLst>
-                        <p:cond delay="indefinite"/>
-                      </p:stCondLst>
-                      <p:childTnLst>
-                        <p:par>
-                          <p:cTn id="24" fill="hold">
-                            <p:stCondLst>
-                              <p:cond delay="0"/>
-                            </p:stCondLst>
-                            <p:childTnLst>
-                              <p:par>
-                                <p:cTn id="25" presetID="1" presetClass="entr" presetSubtype="0" fill="hold" grpId="0" nodeType="clickEffect">
-                                  <p:stCondLst>
-                                    <p:cond delay="0"/>
-                                  </p:stCondLst>
-                                  <p:childTnLst>
-                                    <p:set>
-                                      <p:cBhvr>
-                                        <p:cTn id="26" dur="1" fill="hold">
-                                          <p:stCondLst>
-                                            <p:cond delay="0"/>
-                                          </p:stCondLst>
-                                        </p:cTn>
-                                        <p:tgtEl>
-                                          <p:spTgt spid="18"/>
-                                        </p:tgtEl>
-                                        <p:attrNameLst>
-                                          <p:attrName>style.visibility</p:attrName>
-                                        </p:attrNameLst>
-                                      </p:cBhvr>
-                                      <p:to>
-                                        <p:strVal val="visible"/>
-                                      </p:to>
-                                    </p:set>
-                                  </p:childTnLst>
-                                </p:cTn>
-                              </p:par>
-                              <p:par>
-                                <p:cTn id="27" presetID="1" presetClass="entr" presetSubtype="0" fill="hold" nodeType="withEffect">
-                                  <p:stCondLst>
-                                    <p:cond delay="0"/>
-                                  </p:stCondLst>
-                                  <p:childTnLst>
-                                    <p:set>
-                                      <p:cBhvr>
-                                        <p:cTn id="28" dur="1" fill="hold">
-                                          <p:stCondLst>
-                                            <p:cond delay="0"/>
-                                          </p:stCondLst>
-                                        </p:cTn>
-                                        <p:tgtEl>
-                                          <p:spTgt spid="17"/>
-                                        </p:tgtEl>
-                                        <p:attrNameLst>
-                                          <p:attrName>style.visibility</p:attrName>
-                                        </p:attrNameLst>
-                                      </p:cBhvr>
-                                      <p:to>
-                                        <p:strVal val="visible"/>
-                                      </p:to>
-                                    </p:set>
-                                  </p:childTnLst>
-                                </p:cTn>
-                              </p:par>
-                            </p:childTnLst>
-                          </p:cTn>
-                        </p:par>
-                      </p:childTnLst>
-                    </p:cTn>
-                  </p:par>
-                </p:childTnLst>
-              </p:cTn>
-              <p:prevCondLst>
-                <p:cond evt="onPrev" delay="0">
-                  <p:tgtEl>
-                    <p:sldTgt/>
-                  </p:tgtEl>
-                </p:cond>
-              </p:prevCondLst>
-              <p:nextCondLst>
-                <p:cond evt="onNext" delay="0">
-                  <p:tgtEl>
-                    <p:sldTgt/>
-                  </p:tgtEl>
-                </p:cond>
-              </p:nextCondLst>
-            </p:seq>
-          </p:childTnLst>
-        </p:cTn>
-      </p:par>
-    </p:tnLst>
-    <p:bldLst>
-      <p:bldP spid="11" grpId="0"/>
-      <p:bldP spid="13" grpId="0"/>
-      <p:bldP spid="14" grpId="0"/>
-      <p:bldP spid="16" grpId="0"/>
-      <p:bldP spid="18" grpId="0"/>
-    </p:bldLst>
-  </p:timing>
-</p:sld>
-</file>
-
-<file path=ppt/slides/slide25.xml><?xml version="1.0" encoding="utf-8"?>
-<p:sld xmlns:a="http://schemas.openxmlformats.org/drawingml/2006/main" xmlns:r="http://schemas.openxmlformats.org/officeDocument/2006/relationships" xmlns:p="http://schemas.openxmlformats.org/presentationml/2006/main">
-  <p:cSld>
-    <p:spTree>
-      <p:nvGrpSpPr>
-        <p:cNvPr id="1" name=""/>
-        <p:cNvGrpSpPr/>
-        <p:nvPr/>
-      </p:nvGrpSpPr>
-      <p:grpSpPr>
-        <a:xfrm>
-          <a:off x="0" y="0"/>
-          <a:ext cx="0" cy="0"/>
-          <a:chOff x="0" y="0"/>
-          <a:chExt cx="0" cy="0"/>
-        </a:xfrm>
-      </p:grpSpPr>
-      <p:sp>
-        <p:nvSpPr>
-          <p:cNvPr id="7" name="Rectangle 6"/>
-          <p:cNvSpPr/>
-          <p:nvPr/>
-        </p:nvSpPr>
-        <p:spPr>
-          <a:xfrm>
-            <a:off x="1" y="6318886"/>
-            <a:ext cx="9143998" cy="539114"/>
-          </a:xfrm>
-          <a:prstGeom prst="rect">
-            <a:avLst/>
-          </a:prstGeom>
-          <a:solidFill>
-            <a:schemeClr val="accent3">
-              <a:lumMod val="50000"/>
-            </a:schemeClr>
-          </a:solidFill>
-          <a:ln>
-            <a:noFill/>
-          </a:ln>
-          <a:effectLst/>
-        </p:spPr>
-        <p:style>
-          <a:lnRef idx="1">
-            <a:schemeClr val="accent1"/>
-          </a:lnRef>
-          <a:fillRef idx="3">
-            <a:schemeClr val="accent1"/>
-          </a:fillRef>
-          <a:effectRef idx="2">
-            <a:schemeClr val="accent1"/>
-          </a:effectRef>
-          <a:fontRef idx="minor">
-            <a:schemeClr val="lt1"/>
-          </a:fontRef>
-        </p:style>
-        <p:txBody>
-          <a:bodyPr rtlCol="0" anchor="ctr"/>
-          <a:lstStyle/>
-          <a:p>
-            <a:pPr algn="ctr"/>
-            <a:endParaRPr lang="en-US" sz="1200">
-              <a:solidFill>
-                <a:schemeClr val="accent3">
-                  <a:lumMod val="50000"/>
-                </a:schemeClr>
-              </a:solidFill>
-              <a:latin typeface="Helvetica"/>
-              <a:cs typeface="Helvetica"/>
-            </a:endParaRPr>
-          </a:p>
-        </p:txBody>
-      </p:sp>
-      <p:sp>
-        <p:nvSpPr>
-          <p:cNvPr id="4" name="Title 1"/>
-          <p:cNvSpPr>
-            <a:spLocks noGrp="1"/>
-          </p:cNvSpPr>
-          <p:nvPr>
-            <p:ph type="title"/>
-          </p:nvPr>
-        </p:nvSpPr>
-        <p:spPr>
-          <a:xfrm>
-            <a:off x="92596" y="1"/>
-            <a:ext cx="8955499" cy="767328"/>
-          </a:xfrm>
-        </p:spPr>
-        <p:txBody>
-          <a:bodyPr>
-            <a:normAutofit/>
-          </a:bodyPr>
-          <a:lstStyle/>
-          <a:p>
-            <a:pPr algn="l"/>
-            <a:r>
-              <a:rPr lang="en-US" sz="3600" dirty="0" smtClean="0">
-                <a:solidFill>
-                  <a:schemeClr val="tx1">
-                    <a:lumMod val="65000"/>
-                    <a:lumOff val="35000"/>
-                  </a:schemeClr>
-                </a:solidFill>
-                <a:latin typeface="Rockwell"/>
-                <a:cs typeface="Rockwell"/>
-              </a:rPr>
-              <a:t>PCA as a Least Squares Estimator</a:t>
-            </a:r>
-            <a:endParaRPr lang="en-US" sz="3600" dirty="0">
-              <a:solidFill>
-                <a:schemeClr val="tx1">
-                  <a:lumMod val="65000"/>
-                  <a:lumOff val="35000"/>
-                </a:schemeClr>
-              </a:solidFill>
-              <a:latin typeface="Rockwell"/>
-              <a:cs typeface="Rockwell"/>
-            </a:endParaRPr>
-          </a:p>
-        </p:txBody>
-      </p:sp>
-      <p:sp>
-        <p:nvSpPr>
-          <p:cNvPr id="6" name="Rectangle 5"/>
-          <p:cNvSpPr/>
-          <p:nvPr/>
-        </p:nvSpPr>
-        <p:spPr>
-          <a:xfrm>
-            <a:off x="0" y="723606"/>
-            <a:ext cx="4567817" cy="90786"/>
-          </a:xfrm>
-          <a:prstGeom prst="rect">
-            <a:avLst/>
-          </a:prstGeom>
-          <a:solidFill>
-            <a:schemeClr val="accent3">
-              <a:lumMod val="50000"/>
-            </a:schemeClr>
-          </a:solidFill>
-          <a:ln>
-            <a:noFill/>
-          </a:ln>
-          <a:effectLst/>
-        </p:spPr>
-        <p:style>
-          <a:lnRef idx="1">
-            <a:schemeClr val="accent1"/>
-          </a:lnRef>
-          <a:fillRef idx="3">
-            <a:schemeClr val="accent1"/>
-          </a:fillRef>
-          <a:effectRef idx="2">
-            <a:schemeClr val="accent1"/>
-          </a:effectRef>
-          <a:fontRef idx="minor">
-            <a:schemeClr val="lt1"/>
-          </a:fontRef>
-        </p:style>
-        <p:txBody>
-          <a:bodyPr rtlCol="0" anchor="ctr"/>
-          <a:lstStyle/>
-          <a:p>
-            <a:pPr algn="ctr"/>
-            <a:endParaRPr lang="en-US" sz="1200">
-              <a:solidFill>
-                <a:schemeClr val="accent3">
-                  <a:lumMod val="50000"/>
-                </a:schemeClr>
-              </a:solidFill>
-              <a:latin typeface="Helvetica"/>
-              <a:cs typeface="Helvetica"/>
-            </a:endParaRPr>
-          </a:p>
-        </p:txBody>
-      </p:sp>
-      <p:pic>
-        <p:nvPicPr>
-          <p:cNvPr id="19" name="Picture 18" descr="scatter_1.pdf"/>
-          <p:cNvPicPr>
-            <a:picLocks noChangeAspect="1"/>
-          </p:cNvPicPr>
-          <p:nvPr/>
-        </p:nvPicPr>
-        <p:blipFill>
-          <a:blip r:embed="rId2">
-            <a:extLst>
-              <a:ext uri="{28A0092B-C50C-407E-A947-70E740481C1C}">
-                <a14:useLocalDpi xmlns:a14="http://schemas.microsoft.com/office/drawing/2010/main" val="0"/>
-              </a:ext>
-            </a:extLst>
-          </a:blip>
-          <a:stretch>
-            <a:fillRect/>
-          </a:stretch>
-        </p:blipFill>
-        <p:spPr>
-          <a:xfrm>
-            <a:off x="2133601" y="1050925"/>
-            <a:ext cx="5175250" cy="5175250"/>
-          </a:xfrm>
-          <a:prstGeom prst="rect">
-            <a:avLst/>
-          </a:prstGeom>
-        </p:spPr>
-      </p:pic>
-      <p:pic>
-        <p:nvPicPr>
-          <p:cNvPr id="20" name="Picture 19" descr="scatter_2.pdf"/>
-          <p:cNvPicPr>
-            <a:picLocks noChangeAspect="1"/>
-          </p:cNvPicPr>
-          <p:nvPr/>
-        </p:nvPicPr>
-        <p:blipFill>
-          <a:blip r:embed="rId3">
-            <a:extLst>
-              <a:ext uri="{28A0092B-C50C-407E-A947-70E740481C1C}">
-                <a14:useLocalDpi xmlns:a14="http://schemas.microsoft.com/office/drawing/2010/main" val="0"/>
-              </a:ext>
-            </a:extLst>
-          </a:blip>
-          <a:stretch>
-            <a:fillRect/>
-          </a:stretch>
-        </p:blipFill>
-        <p:spPr>
-          <a:xfrm>
-            <a:off x="2133601" y="1050925"/>
-            <a:ext cx="5175250" cy="5175250"/>
-          </a:xfrm>
-          <a:prstGeom prst="rect">
-            <a:avLst/>
-          </a:prstGeom>
-        </p:spPr>
-      </p:pic>
-      <p:pic>
-        <p:nvPicPr>
-          <p:cNvPr id="21" name="Picture 20" descr="scatter_3.pdf"/>
-          <p:cNvPicPr>
-            <a:picLocks noChangeAspect="1"/>
-          </p:cNvPicPr>
-          <p:nvPr/>
-        </p:nvPicPr>
-        <p:blipFill>
-          <a:blip r:embed="rId4">
-            <a:extLst>
-              <a:ext uri="{28A0092B-C50C-407E-A947-70E740481C1C}">
-                <a14:useLocalDpi xmlns:a14="http://schemas.microsoft.com/office/drawing/2010/main" val="0"/>
-              </a:ext>
-            </a:extLst>
-          </a:blip>
-          <a:stretch>
-            <a:fillRect/>
-          </a:stretch>
-        </p:blipFill>
-        <p:spPr>
-          <a:xfrm>
-            <a:off x="2133601" y="1050925"/>
-            <a:ext cx="5173978" cy="5173978"/>
-          </a:xfrm>
-          <a:prstGeom prst="rect">
-            <a:avLst/>
-          </a:prstGeom>
-        </p:spPr>
-      </p:pic>
-      <p:pic>
-        <p:nvPicPr>
-          <p:cNvPr id="22" name="Picture 21" descr="scatter_6.pdf"/>
-          <p:cNvPicPr>
-            <a:picLocks noChangeAspect="1"/>
-          </p:cNvPicPr>
-          <p:nvPr/>
-        </p:nvPicPr>
-        <p:blipFill>
-          <a:blip r:embed="rId5">
-            <a:extLst>
-              <a:ext uri="{28A0092B-C50C-407E-A947-70E740481C1C}">
-                <a14:useLocalDpi xmlns:a14="http://schemas.microsoft.com/office/drawing/2010/main" val="0"/>
-              </a:ext>
-            </a:extLst>
-          </a:blip>
-          <a:stretch>
-            <a:fillRect/>
-          </a:stretch>
-        </p:blipFill>
-        <p:spPr>
-          <a:xfrm>
-            <a:off x="2133601" y="1050925"/>
-            <a:ext cx="5173978" cy="5173978"/>
-          </a:xfrm>
-          <a:prstGeom prst="rect">
-            <a:avLst/>
-          </a:prstGeom>
-        </p:spPr>
-      </p:pic>
-      <p:pic>
-        <p:nvPicPr>
-          <p:cNvPr id="23" name="Picture 22" descr="scatter_4.pdf"/>
-          <p:cNvPicPr>
-            <a:picLocks noChangeAspect="1"/>
-          </p:cNvPicPr>
-          <p:nvPr/>
-        </p:nvPicPr>
-        <p:blipFill>
-          <a:blip r:embed="rId6">
-            <a:extLst>
-              <a:ext uri="{28A0092B-C50C-407E-A947-70E740481C1C}">
-                <a14:useLocalDpi xmlns:a14="http://schemas.microsoft.com/office/drawing/2010/main" val="0"/>
-              </a:ext>
-            </a:extLst>
-          </a:blip>
-          <a:stretch>
-            <a:fillRect/>
-          </a:stretch>
-        </p:blipFill>
-        <p:spPr>
-          <a:xfrm>
-            <a:off x="2132329" y="1049653"/>
-            <a:ext cx="5175250" cy="5175250"/>
-          </a:xfrm>
-          <a:prstGeom prst="rect">
-            <a:avLst/>
-          </a:prstGeom>
-        </p:spPr>
-      </p:pic>
-      <p:pic>
-        <p:nvPicPr>
-          <p:cNvPr id="24" name="Picture 23" descr="scatter_5.pdf"/>
-          <p:cNvPicPr>
-            <a:picLocks noChangeAspect="1"/>
-          </p:cNvPicPr>
-          <p:nvPr/>
-        </p:nvPicPr>
-        <p:blipFill>
-          <a:blip r:embed="rId7">
-            <a:extLst>
-              <a:ext uri="{28A0092B-C50C-407E-A947-70E740481C1C}">
-                <a14:useLocalDpi xmlns:a14="http://schemas.microsoft.com/office/drawing/2010/main" val="0"/>
-              </a:ext>
-            </a:extLst>
-          </a:blip>
-          <a:stretch>
-            <a:fillRect/>
-          </a:stretch>
-        </p:blipFill>
-        <p:spPr>
-          <a:xfrm>
-            <a:off x="2132329" y="1049653"/>
-            <a:ext cx="5173978" cy="5173978"/>
-          </a:xfrm>
-          <a:prstGeom prst="rect">
-            <a:avLst/>
-          </a:prstGeom>
-        </p:spPr>
-      </p:pic>
-    </p:spTree>
-    <p:extLst>
-      <p:ext uri="{BB962C8B-B14F-4D97-AF65-F5344CB8AC3E}">
-        <p14:creationId xmlns:p14="http://schemas.microsoft.com/office/powerpoint/2010/main" val="247373021"/>
-      </p:ext>
-    </p:extLst>
-  </p:cSld>
-  <p:clrMapOvr>
-    <a:masterClrMapping/>
-  </p:clrMapOvr>
-  <p:timing>
-    <p:tnLst>
-      <p:par>
-        <p:cTn xmlns:p14="http://schemas.microsoft.com/office/powerpoint/2010/main" id="1" dur="indefinite" restart="never" nodeType="tmRoot">
-          <p:childTnLst>
-            <p:seq concurrent="1" nextAc="seek">
-              <p:cTn id="2" dur="indefinite" nodeType="mainSeq">
-                <p:childTnLst>
-                  <p:par>
-                    <p:cTn id="3" fill="hold">
-                      <p:stCondLst>
-                        <p:cond delay="indefinite"/>
-                      </p:stCondLst>
-                      <p:childTnLst>
-                        <p:par>
-                          <p:cTn id="4" fill="hold">
-                            <p:stCondLst>
-                              <p:cond delay="0"/>
-                            </p:stCondLst>
-                            <p:childTnLst>
-                              <p:par>
-                                <p:cTn id="5" presetID="1" presetClass="entr" presetSubtype="0" fill="hold" nodeType="clickEffect">
-                                  <p:stCondLst>
-                                    <p:cond delay="0"/>
-                                  </p:stCondLst>
-                                  <p:childTnLst>
-                                    <p:set>
-                                      <p:cBhvr>
-                                        <p:cTn id="6" dur="1" fill="hold">
-                                          <p:stCondLst>
-                                            <p:cond delay="0"/>
-                                          </p:stCondLst>
-                                        </p:cTn>
-                                        <p:tgtEl>
-                                          <p:spTgt spid="20"/>
-                                        </p:tgtEl>
-                                        <p:attrNameLst>
-                                          <p:attrName>style.visibility</p:attrName>
-                                        </p:attrNameLst>
-                                      </p:cBhvr>
-                                      <p:to>
-                                        <p:strVal val="visible"/>
-                                      </p:to>
-                                    </p:set>
-                                  </p:childTnLst>
-                                </p:cTn>
-                              </p:par>
-                              <p:par>
-                                <p:cTn id="7" presetID="1" presetClass="exit" presetSubtype="0" fill="hold" nodeType="withEffect">
-                                  <p:stCondLst>
-                                    <p:cond delay="0"/>
-                                  </p:stCondLst>
-                                  <p:childTnLst>
-                                    <p:set>
-                                      <p:cBhvr>
-                                        <p:cTn id="8" dur="1" fill="hold">
-                                          <p:stCondLst>
-                                            <p:cond delay="0"/>
-                                          </p:stCondLst>
-                                        </p:cTn>
-                                        <p:tgtEl>
-                                          <p:spTgt spid="19"/>
-                                        </p:tgtEl>
-                                        <p:attrNameLst>
-                                          <p:attrName>style.visibility</p:attrName>
-                                        </p:attrNameLst>
-                                      </p:cBhvr>
-                                      <p:to>
-                                        <p:strVal val="hidden"/>
-                                      </p:to>
-                                    </p:set>
-                                  </p:childTnLst>
-                                </p:cTn>
-                              </p:par>
-                            </p:childTnLst>
-                          </p:cTn>
-                        </p:par>
-                      </p:childTnLst>
-                    </p:cTn>
-                  </p:par>
-                  <p:par>
-                    <p:cTn id="9" fill="hold">
-                      <p:stCondLst>
-                        <p:cond delay="indefinite"/>
-                      </p:stCondLst>
-                      <p:childTnLst>
-                        <p:par>
-                          <p:cTn id="10" fill="hold">
-                            <p:stCondLst>
-                              <p:cond delay="0"/>
-                            </p:stCondLst>
-                            <p:childTnLst>
-                              <p:par>
-                                <p:cTn id="11" presetID="1" presetClass="entr" presetSubtype="0" fill="hold" nodeType="clickEffect">
-                                  <p:stCondLst>
-                                    <p:cond delay="0"/>
-                                  </p:stCondLst>
-                                  <p:childTnLst>
-                                    <p:set>
-                                      <p:cBhvr>
-                                        <p:cTn id="12" dur="1" fill="hold">
-                                          <p:stCondLst>
-                                            <p:cond delay="0"/>
-                                          </p:stCondLst>
-                                        </p:cTn>
-                                        <p:tgtEl>
-                                          <p:spTgt spid="21"/>
-                                        </p:tgtEl>
-                                        <p:attrNameLst>
-                                          <p:attrName>style.visibility</p:attrName>
-                                        </p:attrNameLst>
-                                      </p:cBhvr>
-                                      <p:to>
-                                        <p:strVal val="visible"/>
-                                      </p:to>
-                                    </p:set>
-                                  </p:childTnLst>
-                                </p:cTn>
-                              </p:par>
-                              <p:par>
-                                <p:cTn id="13" presetID="1" presetClass="exit" presetSubtype="0" fill="hold" nodeType="withEffect">
-                                  <p:stCondLst>
-                                    <p:cond delay="0"/>
-                                  </p:stCondLst>
-                                  <p:childTnLst>
-                                    <p:set>
-                                      <p:cBhvr>
-                                        <p:cTn id="14" dur="1" fill="hold">
-                                          <p:stCondLst>
-                                            <p:cond delay="0"/>
-                                          </p:stCondLst>
-                                        </p:cTn>
-                                        <p:tgtEl>
-                                          <p:spTgt spid="20"/>
-                                        </p:tgtEl>
-                                        <p:attrNameLst>
-                                          <p:attrName>style.visibility</p:attrName>
-                                        </p:attrNameLst>
-                                      </p:cBhvr>
-                                      <p:to>
-                                        <p:strVal val="hidden"/>
-                                      </p:to>
-                                    </p:set>
-                                  </p:childTnLst>
-                                </p:cTn>
-                              </p:par>
-                            </p:childTnLst>
-                          </p:cTn>
-                        </p:par>
-                      </p:childTnLst>
-                    </p:cTn>
-                  </p:par>
-                  <p:par>
-                    <p:cTn id="15" fill="hold">
-                      <p:stCondLst>
-                        <p:cond delay="indefinite"/>
-                      </p:stCondLst>
-                      <p:childTnLst>
-                        <p:par>
-                          <p:cTn id="16" fill="hold">
-                            <p:stCondLst>
-                              <p:cond delay="0"/>
-                            </p:stCondLst>
-                            <p:childTnLst>
-                              <p:par>
-                                <p:cTn id="17" presetID="1" presetClass="entr" presetSubtype="0" fill="hold" nodeType="clickEffect">
-                                  <p:stCondLst>
-                                    <p:cond delay="0"/>
-                                  </p:stCondLst>
-                                  <p:childTnLst>
-                                    <p:set>
-                                      <p:cBhvr>
-                                        <p:cTn id="18" dur="1" fill="hold">
-                                          <p:stCondLst>
-                                            <p:cond delay="0"/>
-                                          </p:stCondLst>
-                                        </p:cTn>
-                                        <p:tgtEl>
-                                          <p:spTgt spid="22"/>
-                                        </p:tgtEl>
-                                        <p:attrNameLst>
-                                          <p:attrName>style.visibility</p:attrName>
-                                        </p:attrNameLst>
-                                      </p:cBhvr>
-                                      <p:to>
-                                        <p:strVal val="visible"/>
-                                      </p:to>
-                                    </p:set>
-                                  </p:childTnLst>
-                                </p:cTn>
-                              </p:par>
-                              <p:par>
-                                <p:cTn id="19" presetID="1" presetClass="exit" presetSubtype="0" fill="hold" nodeType="withEffect">
-                                  <p:stCondLst>
-                                    <p:cond delay="0"/>
-                                  </p:stCondLst>
-                                  <p:childTnLst>
-                                    <p:set>
-                                      <p:cBhvr>
-                                        <p:cTn id="20" dur="1" fill="hold">
-                                          <p:stCondLst>
-                                            <p:cond delay="0"/>
-                                          </p:stCondLst>
-                                        </p:cTn>
-                                        <p:tgtEl>
-                                          <p:spTgt spid="21"/>
-                                        </p:tgtEl>
-                                        <p:attrNameLst>
-                                          <p:attrName>style.visibility</p:attrName>
-                                        </p:attrNameLst>
-                                      </p:cBhvr>
-                                      <p:to>
-                                        <p:strVal val="hidden"/>
-                                      </p:to>
-                                    </p:set>
-                                  </p:childTnLst>
-                                </p:cTn>
-                              </p:par>
-                            </p:childTnLst>
-                          </p:cTn>
-                        </p:par>
-                      </p:childTnLst>
-                    </p:cTn>
-                  </p:par>
-                  <p:par>
-                    <p:cTn id="21" fill="hold">
-                      <p:stCondLst>
-                        <p:cond delay="indefinite"/>
-                      </p:stCondLst>
-                      <p:childTnLst>
-                        <p:par>
-                          <p:cTn id="22" fill="hold">
-                            <p:stCondLst>
-                              <p:cond delay="0"/>
-                            </p:stCondLst>
-                            <p:childTnLst>
-                              <p:par>
-                                <p:cTn id="23" presetID="1" presetClass="entr" presetSubtype="0" fill="hold" nodeType="clickEffect">
-                                  <p:stCondLst>
-                                    <p:cond delay="0"/>
-                                  </p:stCondLst>
-                                  <p:childTnLst>
-                                    <p:set>
-                                      <p:cBhvr>
-                                        <p:cTn id="24" dur="1" fill="hold">
-                                          <p:stCondLst>
-                                            <p:cond delay="0"/>
-                                          </p:stCondLst>
-                                        </p:cTn>
-                                        <p:tgtEl>
-                                          <p:spTgt spid="23"/>
-                                        </p:tgtEl>
-                                        <p:attrNameLst>
-                                          <p:attrName>style.visibility</p:attrName>
-                                        </p:attrNameLst>
-                                      </p:cBhvr>
-                                      <p:to>
-                                        <p:strVal val="visible"/>
-                                      </p:to>
-                                    </p:set>
-                                  </p:childTnLst>
-                                </p:cTn>
-                              </p:par>
-                              <p:par>
-                                <p:cTn id="25" presetID="1" presetClass="exit" presetSubtype="0" fill="hold" nodeType="withEffect">
-                                  <p:stCondLst>
-                                    <p:cond delay="0"/>
-                                  </p:stCondLst>
-                                  <p:childTnLst>
-                                    <p:set>
-                                      <p:cBhvr>
-                                        <p:cTn id="26" dur="1" fill="hold">
-                                          <p:stCondLst>
-                                            <p:cond delay="0"/>
-                                          </p:stCondLst>
-                                        </p:cTn>
-                                        <p:tgtEl>
-                                          <p:spTgt spid="22"/>
-                                        </p:tgtEl>
-                                        <p:attrNameLst>
-                                          <p:attrName>style.visibility</p:attrName>
-                                        </p:attrNameLst>
-                                      </p:cBhvr>
-                                      <p:to>
-                                        <p:strVal val="hidden"/>
-                                      </p:to>
-                                    </p:set>
-                                  </p:childTnLst>
-                                </p:cTn>
-                              </p:par>
-                            </p:childTnLst>
-                          </p:cTn>
-                        </p:par>
-                      </p:childTnLst>
-                    </p:cTn>
-                  </p:par>
-                  <p:par>
-                    <p:cTn id="27" fill="hold">
-                      <p:stCondLst>
-                        <p:cond delay="indefinite"/>
-                      </p:stCondLst>
-                      <p:childTnLst>
-                        <p:par>
-                          <p:cTn id="28" fill="hold">
-                            <p:stCondLst>
-                              <p:cond delay="0"/>
-                            </p:stCondLst>
-                            <p:childTnLst>
-                              <p:par>
-                                <p:cTn id="29" presetID="1" presetClass="entr" presetSubtype="0" fill="hold" nodeType="clickEffect">
-                                  <p:stCondLst>
-                                    <p:cond delay="0"/>
-                                  </p:stCondLst>
-                                  <p:childTnLst>
-                                    <p:set>
-                                      <p:cBhvr>
-                                        <p:cTn id="30" dur="1" fill="hold">
-                                          <p:stCondLst>
-                                            <p:cond delay="0"/>
-                                          </p:stCondLst>
-                                        </p:cTn>
-                                        <p:tgtEl>
-                                          <p:spTgt spid="24"/>
-                                        </p:tgtEl>
-                                        <p:attrNameLst>
-                                          <p:attrName>style.visibility</p:attrName>
-                                        </p:attrNameLst>
-                                      </p:cBhvr>
-                                      <p:to>
-                                        <p:strVal val="visible"/>
-                                      </p:to>
-                                    </p:set>
-                                  </p:childTnLst>
-                                </p:cTn>
-                              </p:par>
-                              <p:par>
-                                <p:cTn id="31" presetID="1" presetClass="exit" presetSubtype="0" fill="hold" nodeType="withEffect">
-                                  <p:stCondLst>
-                                    <p:cond delay="0"/>
-                                  </p:stCondLst>
-                                  <p:childTnLst>
-                                    <p:set>
-                                      <p:cBhvr>
-                                        <p:cTn id="32" dur="1" fill="hold">
-                                          <p:stCondLst>
-                                            <p:cond delay="0"/>
-                                          </p:stCondLst>
-                                        </p:cTn>
-                                        <p:tgtEl>
-                                          <p:spTgt spid="23"/>
-                                        </p:tgtEl>
-                                        <p:attrNameLst>
-                                          <p:attrName>style.visibility</p:attrName>
-                                        </p:attrNameLst>
-                                      </p:cBhvr>
-                                      <p:to>
-                                        <p:strVal val="hidden"/>
-                                      </p:to>
-                                    </p:set>
-                                  </p:childTnLst>
-                                </p:cTn>
-                              </p:par>
-                            </p:childTnLst>
-                          </p:cTn>
-                        </p:par>
-                      </p:childTnLst>
-                    </p:cTn>
-                  </p:par>
-                </p:childTnLst>
-              </p:cTn>
-              <p:prevCondLst>
-                <p:cond evt="onPrev" delay="0">
-                  <p:tgtEl>
-                    <p:sldTgt/>
-                  </p:tgtEl>
-                </p:cond>
-              </p:prevCondLst>
-              <p:nextCondLst>
-                <p:cond evt="onNext" delay="0">
-                  <p:tgtEl>
-                    <p:sldTgt/>
-                  </p:tgtEl>
-                </p:cond>
-              </p:nextCondLst>
-            </p:seq>
-          </p:childTnLst>
-        </p:cTn>
-      </p:par>
-    </p:tnLst>
-  </p:timing>
-</p:sld>
-</file>
-
-<file path=ppt/slides/slide26.xml><?xml version="1.0" encoding="utf-8"?>
-<p:sld xmlns:a="http://schemas.openxmlformats.org/drawingml/2006/main" xmlns:r="http://schemas.openxmlformats.org/officeDocument/2006/relationships" xmlns:p="http://schemas.openxmlformats.org/presentationml/2006/main">
-  <p:cSld>
-    <p:spTree>
-      <p:nvGrpSpPr>
-        <p:cNvPr id="1" name=""/>
-        <p:cNvGrpSpPr/>
-        <p:nvPr/>
-      </p:nvGrpSpPr>
-      <p:grpSpPr>
-        <a:xfrm>
-          <a:off x="0" y="0"/>
-          <a:ext cx="0" cy="0"/>
-          <a:chOff x="0" y="0"/>
-          <a:chExt cx="0" cy="0"/>
-        </a:xfrm>
-      </p:grpSpPr>
-      <p:sp>
-        <p:nvSpPr>
-          <p:cNvPr id="7" name="Rectangle 6"/>
-          <p:cNvSpPr/>
-          <p:nvPr/>
-        </p:nvSpPr>
-        <p:spPr>
-          <a:xfrm>
-            <a:off x="1" y="6318886"/>
-            <a:ext cx="9143998" cy="539114"/>
-          </a:xfrm>
-          <a:prstGeom prst="rect">
-            <a:avLst/>
-          </a:prstGeom>
-          <a:solidFill>
-            <a:schemeClr val="accent3">
-              <a:lumMod val="50000"/>
-            </a:schemeClr>
-          </a:solidFill>
-          <a:ln>
-            <a:noFill/>
-          </a:ln>
-          <a:effectLst/>
-        </p:spPr>
-        <p:style>
-          <a:lnRef idx="1">
-            <a:schemeClr val="accent1"/>
-          </a:lnRef>
-          <a:fillRef idx="3">
-            <a:schemeClr val="accent1"/>
-          </a:fillRef>
-          <a:effectRef idx="2">
-            <a:schemeClr val="accent1"/>
-          </a:effectRef>
-          <a:fontRef idx="minor">
-            <a:schemeClr val="lt1"/>
-          </a:fontRef>
-        </p:style>
-        <p:txBody>
-          <a:bodyPr rtlCol="0" anchor="ctr"/>
-          <a:lstStyle/>
-          <a:p>
-            <a:pPr algn="ctr"/>
-            <a:endParaRPr lang="en-US" sz="1200">
-              <a:solidFill>
-                <a:schemeClr val="accent3">
-                  <a:lumMod val="50000"/>
-                </a:schemeClr>
-              </a:solidFill>
-              <a:latin typeface="Helvetica"/>
-              <a:cs typeface="Helvetica"/>
-            </a:endParaRPr>
-          </a:p>
-        </p:txBody>
-      </p:sp>
-      <p:sp>
-        <p:nvSpPr>
-          <p:cNvPr id="6" name="Rectangle 5"/>
-          <p:cNvSpPr/>
-          <p:nvPr/>
-        </p:nvSpPr>
-        <p:spPr>
-          <a:xfrm>
-            <a:off x="0" y="723606"/>
-            <a:ext cx="4567817" cy="90786"/>
-          </a:xfrm>
-          <a:prstGeom prst="rect">
-            <a:avLst/>
-          </a:prstGeom>
-          <a:solidFill>
-            <a:schemeClr val="accent3">
-              <a:lumMod val="50000"/>
-            </a:schemeClr>
-          </a:solidFill>
-          <a:ln>
-            <a:noFill/>
-          </a:ln>
-          <a:effectLst/>
-        </p:spPr>
-        <p:style>
-          <a:lnRef idx="1">
-            <a:schemeClr val="accent1"/>
-          </a:lnRef>
-          <a:fillRef idx="3">
-            <a:schemeClr val="accent1"/>
-          </a:fillRef>
-          <a:effectRef idx="2">
-            <a:schemeClr val="accent1"/>
-          </a:effectRef>
-          <a:fontRef idx="minor">
-            <a:schemeClr val="lt1"/>
-          </a:fontRef>
-        </p:style>
-        <p:txBody>
-          <a:bodyPr rtlCol="0" anchor="ctr"/>
-          <a:lstStyle/>
-          <a:p>
-            <a:pPr algn="ctr"/>
-            <a:endParaRPr lang="en-US" sz="1200">
-              <a:solidFill>
-                <a:schemeClr val="accent3">
-                  <a:lumMod val="50000"/>
-                </a:schemeClr>
-              </a:solidFill>
-              <a:latin typeface="Helvetica"/>
-              <a:cs typeface="Helvetica"/>
-            </a:endParaRPr>
-          </a:p>
-        </p:txBody>
-      </p:sp>
-      <p:cxnSp>
-        <p:nvCxnSpPr>
-          <p:cNvPr id="11" name="Straight Connector 10"/>
-          <p:cNvCxnSpPr>
-            <a:endCxn id="34" idx="4"/>
-          </p:cNvCxnSpPr>
-          <p:nvPr/>
-        </p:nvCxnSpPr>
-        <p:spPr>
-          <a:xfrm flipH="1">
-            <a:off x="3168950" y="4649832"/>
-            <a:ext cx="146986" cy="1225298"/>
-          </a:xfrm>
-          <a:prstGeom prst="line">
-            <a:avLst/>
-          </a:prstGeom>
-          <a:ln w="50800">
-            <a:solidFill>
-              <a:schemeClr val="tx1"/>
-            </a:solidFill>
-          </a:ln>
-          <a:effectLst/>
-        </p:spPr>
-        <p:style>
-          <a:lnRef idx="2">
-            <a:schemeClr val="accent1"/>
-          </a:lnRef>
-          <a:fillRef idx="0">
-            <a:schemeClr val="accent1"/>
-          </a:fillRef>
-          <a:effectRef idx="1">
-            <a:schemeClr val="accent1"/>
-          </a:effectRef>
-          <a:fontRef idx="minor">
-            <a:schemeClr val="tx1"/>
-          </a:fontRef>
-        </p:style>
-      </p:cxnSp>
-      <p:grpSp>
-        <p:nvGrpSpPr>
-          <p:cNvPr id="13" name="Group 12"/>
-          <p:cNvGrpSpPr/>
-          <p:nvPr/>
-        </p:nvGrpSpPr>
-        <p:grpSpPr>
-          <a:xfrm>
-            <a:off x="2683930" y="3732760"/>
-            <a:ext cx="3493735" cy="2142370"/>
-            <a:chOff x="2683930" y="4177260"/>
-            <a:chExt cx="3493735" cy="2142370"/>
-          </a:xfrm>
-        </p:grpSpPr>
-        <p:sp>
-          <p:nvSpPr>
-            <p:cNvPr id="14" name="Oval 13"/>
-            <p:cNvSpPr/>
-            <p:nvPr/>
-          </p:nvSpPr>
-          <p:spPr>
-            <a:xfrm>
-              <a:off x="5994785" y="4483155"/>
-              <a:ext cx="182880" cy="182880"/>
-            </a:xfrm>
-            <a:prstGeom prst="ellipse">
-              <a:avLst/>
-            </a:prstGeom>
-            <a:solidFill>
-              <a:schemeClr val="bg1">
-                <a:lumMod val="85000"/>
-              </a:schemeClr>
-            </a:solidFill>
-            <a:ln>
-              <a:solidFill>
-                <a:schemeClr val="tx1"/>
-              </a:solidFill>
-            </a:ln>
-            <a:effectLst/>
-          </p:spPr>
-          <p:style>
-            <a:lnRef idx="1">
-              <a:schemeClr val="accent1"/>
-            </a:lnRef>
-            <a:fillRef idx="3">
-              <a:schemeClr val="accent1"/>
-            </a:fillRef>
-            <a:effectRef idx="2">
-              <a:schemeClr val="accent1"/>
-            </a:effectRef>
-            <a:fontRef idx="minor">
-              <a:schemeClr val="lt1"/>
-            </a:fontRef>
-          </p:style>
-          <p:txBody>
-            <a:bodyPr rtlCol="0" anchor="ctr"/>
-            <a:lstStyle/>
-            <a:p>
-              <a:pPr algn="ctr"/>
-              <a:endParaRPr lang="en-US">
-                <a:latin typeface="Helvetica"/>
-                <a:cs typeface="Helvetica"/>
-              </a:endParaRPr>
-            </a:p>
-          </p:txBody>
-        </p:sp>
-        <p:sp>
-          <p:nvSpPr>
-            <p:cNvPr id="15" name="Oval 14"/>
-            <p:cNvSpPr/>
-            <p:nvPr/>
-          </p:nvSpPr>
-          <p:spPr>
-            <a:xfrm>
-              <a:off x="3774825" y="5364253"/>
-              <a:ext cx="182880" cy="182880"/>
-            </a:xfrm>
-            <a:prstGeom prst="ellipse">
-              <a:avLst/>
-            </a:prstGeom>
-            <a:solidFill>
-              <a:schemeClr val="bg1">
-                <a:lumMod val="85000"/>
-              </a:schemeClr>
-            </a:solidFill>
-            <a:ln>
-              <a:solidFill>
-                <a:schemeClr val="tx1"/>
-              </a:solidFill>
-            </a:ln>
-            <a:effectLst/>
-          </p:spPr>
-          <p:style>
-            <a:lnRef idx="1">
-              <a:schemeClr val="accent1"/>
-            </a:lnRef>
-            <a:fillRef idx="3">
-              <a:schemeClr val="accent1"/>
-            </a:fillRef>
-            <a:effectRef idx="2">
-              <a:schemeClr val="accent1"/>
-            </a:effectRef>
-            <a:fontRef idx="minor">
-              <a:schemeClr val="lt1"/>
-            </a:fontRef>
-          </p:style>
-          <p:txBody>
-            <a:bodyPr rtlCol="0" anchor="ctr"/>
-            <a:lstStyle/>
-            <a:p>
-              <a:pPr algn="ctr"/>
-              <a:endParaRPr lang="en-US">
-                <a:latin typeface="Helvetica"/>
-                <a:cs typeface="Helvetica"/>
-              </a:endParaRPr>
-            </a:p>
-          </p:txBody>
-        </p:sp>
-        <p:sp>
-          <p:nvSpPr>
-            <p:cNvPr id="16" name="Oval 15"/>
-            <p:cNvSpPr/>
-            <p:nvPr/>
-          </p:nvSpPr>
-          <p:spPr>
-            <a:xfrm>
-              <a:off x="3405853" y="5892002"/>
-              <a:ext cx="182880" cy="182880"/>
-            </a:xfrm>
-            <a:prstGeom prst="ellipse">
-              <a:avLst/>
-            </a:prstGeom>
-            <a:solidFill>
-              <a:schemeClr val="bg1">
-                <a:lumMod val="85000"/>
-              </a:schemeClr>
-            </a:solidFill>
-            <a:ln>
-              <a:solidFill>
-                <a:schemeClr val="tx1"/>
-              </a:solidFill>
-            </a:ln>
-            <a:effectLst/>
-          </p:spPr>
-          <p:style>
-            <a:lnRef idx="1">
-              <a:schemeClr val="accent1"/>
-            </a:lnRef>
-            <a:fillRef idx="3">
-              <a:schemeClr val="accent1"/>
-            </a:fillRef>
-            <a:effectRef idx="2">
-              <a:schemeClr val="accent1"/>
-            </a:effectRef>
-            <a:fontRef idx="minor">
-              <a:schemeClr val="lt1"/>
-            </a:fontRef>
-          </p:style>
-          <p:txBody>
-            <a:bodyPr rtlCol="0" anchor="ctr"/>
-            <a:lstStyle/>
-            <a:p>
-              <a:pPr algn="ctr"/>
-              <a:endParaRPr lang="en-US">
-                <a:latin typeface="Helvetica"/>
-                <a:cs typeface="Helvetica"/>
-              </a:endParaRPr>
-            </a:p>
-          </p:txBody>
-        </p:sp>
-        <p:sp>
-          <p:nvSpPr>
-            <p:cNvPr id="17" name="Oval 16"/>
-            <p:cNvSpPr/>
-            <p:nvPr/>
-          </p:nvSpPr>
-          <p:spPr>
-            <a:xfrm>
-              <a:off x="4855721" y="5675599"/>
-              <a:ext cx="182880" cy="182880"/>
-            </a:xfrm>
-            <a:prstGeom prst="ellipse">
-              <a:avLst/>
-            </a:prstGeom>
-            <a:solidFill>
-              <a:schemeClr val="bg1">
-                <a:lumMod val="85000"/>
-              </a:schemeClr>
-            </a:solidFill>
-            <a:ln>
-              <a:solidFill>
-                <a:schemeClr val="tx1"/>
-              </a:solidFill>
-            </a:ln>
-            <a:effectLst/>
-          </p:spPr>
-          <p:style>
-            <a:lnRef idx="1">
-              <a:schemeClr val="accent1"/>
-            </a:lnRef>
-            <a:fillRef idx="3">
-              <a:schemeClr val="accent1"/>
-            </a:fillRef>
-            <a:effectRef idx="2">
-              <a:schemeClr val="accent1"/>
-            </a:effectRef>
-            <a:fontRef idx="minor">
-              <a:schemeClr val="lt1"/>
-            </a:fontRef>
-          </p:style>
-          <p:txBody>
-            <a:bodyPr rtlCol="0" anchor="ctr"/>
-            <a:lstStyle/>
-            <a:p>
-              <a:pPr algn="ctr"/>
-              <a:endParaRPr lang="en-US">
-                <a:latin typeface="Helvetica"/>
-                <a:cs typeface="Helvetica"/>
-              </a:endParaRPr>
-            </a:p>
-          </p:txBody>
-        </p:sp>
-        <p:sp>
-          <p:nvSpPr>
-            <p:cNvPr id="18" name="Oval 17"/>
-            <p:cNvSpPr/>
-            <p:nvPr/>
-          </p:nvSpPr>
-          <p:spPr>
-            <a:xfrm>
-              <a:off x="5155283" y="5364253"/>
-              <a:ext cx="182880" cy="182880"/>
-            </a:xfrm>
-            <a:prstGeom prst="ellipse">
-              <a:avLst/>
-            </a:prstGeom>
-            <a:solidFill>
-              <a:schemeClr val="bg1">
-                <a:lumMod val="85000"/>
-              </a:schemeClr>
-            </a:solidFill>
-            <a:ln>
-              <a:solidFill>
-                <a:schemeClr val="tx1"/>
-              </a:solidFill>
-            </a:ln>
-            <a:effectLst/>
-          </p:spPr>
-          <p:style>
-            <a:lnRef idx="1">
-              <a:schemeClr val="accent1"/>
-            </a:lnRef>
-            <a:fillRef idx="3">
-              <a:schemeClr val="accent1"/>
-            </a:fillRef>
-            <a:effectRef idx="2">
-              <a:schemeClr val="accent1"/>
-            </a:effectRef>
-            <a:fontRef idx="minor">
-              <a:schemeClr val="lt1"/>
-            </a:fontRef>
-          </p:style>
-          <p:txBody>
-            <a:bodyPr rtlCol="0" anchor="ctr"/>
-            <a:lstStyle/>
-            <a:p>
-              <a:pPr algn="ctr"/>
-              <a:endParaRPr lang="en-US">
-                <a:latin typeface="Helvetica"/>
-                <a:cs typeface="Helvetica"/>
-              </a:endParaRPr>
-            </a:p>
-          </p:txBody>
-        </p:sp>
-        <p:sp>
-          <p:nvSpPr>
-            <p:cNvPr id="25" name="Oval 24"/>
-            <p:cNvSpPr/>
-            <p:nvPr/>
-          </p:nvSpPr>
-          <p:spPr>
-            <a:xfrm>
-              <a:off x="3987445" y="6076465"/>
-              <a:ext cx="182880" cy="182880"/>
-            </a:xfrm>
-            <a:prstGeom prst="ellipse">
-              <a:avLst/>
-            </a:prstGeom>
-            <a:solidFill>
-              <a:schemeClr val="bg1">
-                <a:lumMod val="85000"/>
-              </a:schemeClr>
-            </a:solidFill>
-            <a:ln>
-              <a:solidFill>
-                <a:schemeClr val="tx1"/>
-              </a:solidFill>
-            </a:ln>
-            <a:effectLst/>
-          </p:spPr>
-          <p:style>
-            <a:lnRef idx="1">
-              <a:schemeClr val="accent1"/>
-            </a:lnRef>
-            <a:fillRef idx="3">
-              <a:schemeClr val="accent1"/>
-            </a:fillRef>
-            <a:effectRef idx="2">
-              <a:schemeClr val="accent1"/>
-            </a:effectRef>
-            <a:fontRef idx="minor">
-              <a:schemeClr val="lt1"/>
-            </a:fontRef>
-          </p:style>
-          <p:txBody>
-            <a:bodyPr rtlCol="0" anchor="ctr"/>
-            <a:lstStyle/>
-            <a:p>
-              <a:pPr algn="ctr"/>
-              <a:endParaRPr lang="en-US">
-                <a:latin typeface="Helvetica"/>
-                <a:cs typeface="Helvetica"/>
-              </a:endParaRPr>
-            </a:p>
-          </p:txBody>
-        </p:sp>
-        <p:sp>
-          <p:nvSpPr>
-            <p:cNvPr id="26" name="Oval 25"/>
-            <p:cNvSpPr/>
-            <p:nvPr/>
-          </p:nvSpPr>
-          <p:spPr>
-            <a:xfrm>
-              <a:off x="4708226" y="5333773"/>
-              <a:ext cx="182880" cy="182880"/>
-            </a:xfrm>
-            <a:prstGeom prst="ellipse">
-              <a:avLst/>
-            </a:prstGeom>
-            <a:solidFill>
-              <a:schemeClr val="bg1">
-                <a:lumMod val="85000"/>
-              </a:schemeClr>
-            </a:solidFill>
-            <a:ln>
-              <a:solidFill>
-                <a:schemeClr val="tx1"/>
-              </a:solidFill>
-            </a:ln>
-            <a:effectLst/>
-          </p:spPr>
-          <p:style>
-            <a:lnRef idx="1">
-              <a:schemeClr val="accent1"/>
-            </a:lnRef>
-            <a:fillRef idx="3">
-              <a:schemeClr val="accent1"/>
-            </a:fillRef>
-            <a:effectRef idx="2">
-              <a:schemeClr val="accent1"/>
-            </a:effectRef>
-            <a:fontRef idx="minor">
-              <a:schemeClr val="lt1"/>
-            </a:fontRef>
-          </p:style>
-          <p:txBody>
-            <a:bodyPr rtlCol="0" anchor="ctr"/>
-            <a:lstStyle/>
-            <a:p>
-              <a:pPr algn="ctr"/>
-              <a:endParaRPr lang="en-US">
-                <a:latin typeface="Helvetica"/>
-                <a:cs typeface="Helvetica"/>
-              </a:endParaRPr>
-            </a:p>
-          </p:txBody>
-        </p:sp>
-        <p:sp>
-          <p:nvSpPr>
-            <p:cNvPr id="27" name="Oval 26"/>
-            <p:cNvSpPr/>
-            <p:nvPr/>
-          </p:nvSpPr>
-          <p:spPr>
-            <a:xfrm>
-              <a:off x="4891106" y="4541630"/>
-              <a:ext cx="182880" cy="182880"/>
-            </a:xfrm>
-            <a:prstGeom prst="ellipse">
-              <a:avLst/>
-            </a:prstGeom>
-            <a:solidFill>
-              <a:schemeClr val="bg1">
-                <a:lumMod val="85000"/>
-              </a:schemeClr>
-            </a:solidFill>
-            <a:ln>
-              <a:solidFill>
-                <a:schemeClr val="tx1"/>
-              </a:solidFill>
-            </a:ln>
-            <a:effectLst/>
-          </p:spPr>
-          <p:style>
-            <a:lnRef idx="1">
-              <a:schemeClr val="accent1"/>
-            </a:lnRef>
-            <a:fillRef idx="3">
-              <a:schemeClr val="accent1"/>
-            </a:fillRef>
-            <a:effectRef idx="2">
-              <a:schemeClr val="accent1"/>
-            </a:effectRef>
-            <a:fontRef idx="minor">
-              <a:schemeClr val="lt1"/>
-            </a:fontRef>
-          </p:style>
-          <p:txBody>
-            <a:bodyPr rtlCol="0" anchor="ctr"/>
-            <a:lstStyle/>
-            <a:p>
-              <a:pPr algn="ctr"/>
-              <a:endParaRPr lang="en-US">
-                <a:latin typeface="Helvetica"/>
-                <a:cs typeface="Helvetica"/>
-              </a:endParaRPr>
-            </a:p>
-          </p:txBody>
-        </p:sp>
-        <p:sp>
-          <p:nvSpPr>
-            <p:cNvPr id="28" name="Oval 27"/>
-            <p:cNvSpPr/>
-            <p:nvPr/>
-          </p:nvSpPr>
-          <p:spPr>
-            <a:xfrm>
-              <a:off x="5246723" y="4757475"/>
-              <a:ext cx="182880" cy="182880"/>
-            </a:xfrm>
-            <a:prstGeom prst="ellipse">
-              <a:avLst/>
-            </a:prstGeom>
-            <a:solidFill>
-              <a:schemeClr val="bg1">
-                <a:lumMod val="85000"/>
-              </a:schemeClr>
-            </a:solidFill>
-            <a:ln>
-              <a:solidFill>
-                <a:schemeClr val="tx1"/>
-              </a:solidFill>
-            </a:ln>
-            <a:effectLst/>
-          </p:spPr>
-          <p:style>
-            <a:lnRef idx="1">
-              <a:schemeClr val="accent1"/>
-            </a:lnRef>
-            <a:fillRef idx="3">
-              <a:schemeClr val="accent1"/>
-            </a:fillRef>
-            <a:effectRef idx="2">
-              <a:schemeClr val="accent1"/>
-            </a:effectRef>
-            <a:fontRef idx="minor">
-              <a:schemeClr val="lt1"/>
-            </a:fontRef>
-          </p:style>
-          <p:txBody>
-            <a:bodyPr rtlCol="0" anchor="ctr"/>
-            <a:lstStyle/>
-            <a:p>
-              <a:pPr algn="ctr"/>
-              <a:endParaRPr lang="en-US">
-                <a:latin typeface="Helvetica"/>
-                <a:cs typeface="Helvetica"/>
-              </a:endParaRPr>
-            </a:p>
-          </p:txBody>
-        </p:sp>
-        <p:sp>
-          <p:nvSpPr>
-            <p:cNvPr id="29" name="Oval 28"/>
-            <p:cNvSpPr/>
-            <p:nvPr/>
-          </p:nvSpPr>
-          <p:spPr>
-            <a:xfrm>
-              <a:off x="5413694" y="4177260"/>
-              <a:ext cx="182880" cy="182880"/>
-            </a:xfrm>
-            <a:prstGeom prst="ellipse">
-              <a:avLst/>
-            </a:prstGeom>
-            <a:solidFill>
-              <a:schemeClr val="bg1">
-                <a:lumMod val="85000"/>
-              </a:schemeClr>
-            </a:solidFill>
-            <a:ln>
-              <a:solidFill>
-                <a:schemeClr val="tx1"/>
-              </a:solidFill>
-            </a:ln>
-            <a:effectLst/>
-          </p:spPr>
-          <p:style>
-            <a:lnRef idx="1">
-              <a:schemeClr val="accent1"/>
-            </a:lnRef>
-            <a:fillRef idx="3">
-              <a:schemeClr val="accent1"/>
-            </a:fillRef>
-            <a:effectRef idx="2">
-              <a:schemeClr val="accent1"/>
-            </a:effectRef>
-            <a:fontRef idx="minor">
-              <a:schemeClr val="lt1"/>
-            </a:fontRef>
-          </p:style>
-          <p:txBody>
-            <a:bodyPr rtlCol="0" anchor="ctr"/>
-            <a:lstStyle/>
-            <a:p>
-              <a:pPr algn="ctr"/>
-              <a:endParaRPr lang="en-US">
-                <a:latin typeface="Helvetica"/>
-                <a:cs typeface="Helvetica"/>
-              </a:endParaRPr>
-            </a:p>
-          </p:txBody>
-        </p:sp>
-        <p:sp>
-          <p:nvSpPr>
-            <p:cNvPr id="30" name="Oval 29"/>
-            <p:cNvSpPr/>
-            <p:nvPr/>
-          </p:nvSpPr>
-          <p:spPr>
-            <a:xfrm>
-              <a:off x="4373459" y="5703484"/>
-              <a:ext cx="182880" cy="182880"/>
-            </a:xfrm>
-            <a:prstGeom prst="ellipse">
-              <a:avLst/>
-            </a:prstGeom>
-            <a:solidFill>
-              <a:schemeClr val="bg1">
-                <a:lumMod val="85000"/>
-              </a:schemeClr>
-            </a:solidFill>
-            <a:ln>
-              <a:solidFill>
-                <a:schemeClr val="tx1"/>
-              </a:solidFill>
-            </a:ln>
-            <a:effectLst/>
-          </p:spPr>
-          <p:style>
-            <a:lnRef idx="1">
-              <a:schemeClr val="accent1"/>
-            </a:lnRef>
-            <a:fillRef idx="3">
-              <a:schemeClr val="accent1"/>
-            </a:fillRef>
-            <a:effectRef idx="2">
-              <a:schemeClr val="accent1"/>
-            </a:effectRef>
-            <a:fontRef idx="minor">
-              <a:schemeClr val="lt1"/>
-            </a:fontRef>
-          </p:style>
-          <p:txBody>
-            <a:bodyPr rtlCol="0" anchor="ctr"/>
-            <a:lstStyle/>
-            <a:p>
-              <a:pPr algn="ctr"/>
-              <a:endParaRPr lang="en-US">
-                <a:latin typeface="Helvetica"/>
-                <a:cs typeface="Helvetica"/>
-              </a:endParaRPr>
-            </a:p>
-          </p:txBody>
-        </p:sp>
-        <p:sp>
-          <p:nvSpPr>
-            <p:cNvPr id="31" name="Oval 30"/>
-            <p:cNvSpPr/>
-            <p:nvPr/>
-          </p:nvSpPr>
-          <p:spPr>
-            <a:xfrm>
-              <a:off x="4458756" y="4650473"/>
-              <a:ext cx="182880" cy="182880"/>
-            </a:xfrm>
-            <a:prstGeom prst="ellipse">
-              <a:avLst/>
-            </a:prstGeom>
-            <a:solidFill>
-              <a:schemeClr val="bg1">
-                <a:lumMod val="85000"/>
-              </a:schemeClr>
-            </a:solidFill>
-            <a:ln>
-              <a:solidFill>
-                <a:schemeClr val="tx1"/>
-              </a:solidFill>
-            </a:ln>
-            <a:effectLst/>
-          </p:spPr>
-          <p:style>
-            <a:lnRef idx="1">
-              <a:schemeClr val="accent1"/>
-            </a:lnRef>
-            <a:fillRef idx="3">
-              <a:schemeClr val="accent1"/>
-            </a:fillRef>
-            <a:effectRef idx="2">
-              <a:schemeClr val="accent1"/>
-            </a:effectRef>
-            <a:fontRef idx="minor">
-              <a:schemeClr val="lt1"/>
-            </a:fontRef>
-          </p:style>
-          <p:txBody>
-            <a:bodyPr rtlCol="0" anchor="ctr"/>
-            <a:lstStyle/>
-            <a:p>
-              <a:pPr algn="ctr"/>
-              <a:endParaRPr lang="en-US">
-                <a:latin typeface="Helvetica"/>
-                <a:cs typeface="Helvetica"/>
-              </a:endParaRPr>
-            </a:p>
-          </p:txBody>
-        </p:sp>
-        <p:sp>
-          <p:nvSpPr>
-            <p:cNvPr id="32" name="Oval 31"/>
-            <p:cNvSpPr/>
-            <p:nvPr/>
-          </p:nvSpPr>
-          <p:spPr>
-            <a:xfrm>
-              <a:off x="2683930" y="5896407"/>
-              <a:ext cx="182880" cy="182880"/>
-            </a:xfrm>
-            <a:prstGeom prst="ellipse">
-              <a:avLst/>
-            </a:prstGeom>
-            <a:solidFill>
-              <a:schemeClr val="bg1">
-                <a:lumMod val="85000"/>
-              </a:schemeClr>
-            </a:solidFill>
-            <a:ln>
-              <a:solidFill>
-                <a:schemeClr val="tx1"/>
-              </a:solidFill>
-            </a:ln>
-            <a:effectLst/>
-          </p:spPr>
-          <p:style>
-            <a:lnRef idx="1">
-              <a:schemeClr val="accent1"/>
-            </a:lnRef>
-            <a:fillRef idx="3">
-              <a:schemeClr val="accent1"/>
-            </a:fillRef>
-            <a:effectRef idx="2">
-              <a:schemeClr val="accent1"/>
-            </a:effectRef>
-            <a:fontRef idx="minor">
-              <a:schemeClr val="lt1"/>
-            </a:fontRef>
-          </p:style>
-          <p:txBody>
-            <a:bodyPr rtlCol="0" anchor="ctr"/>
-            <a:lstStyle/>
-            <a:p>
-              <a:pPr algn="ctr"/>
-              <a:endParaRPr lang="en-US">
-                <a:latin typeface="Helvetica"/>
-                <a:cs typeface="Helvetica"/>
-              </a:endParaRPr>
-            </a:p>
-          </p:txBody>
-        </p:sp>
-        <p:sp>
-          <p:nvSpPr>
-            <p:cNvPr id="33" name="Oval 32"/>
-            <p:cNvSpPr/>
-            <p:nvPr/>
-          </p:nvSpPr>
-          <p:spPr>
-            <a:xfrm>
-              <a:off x="4007646" y="4790096"/>
-              <a:ext cx="182880" cy="182880"/>
-            </a:xfrm>
-            <a:prstGeom prst="ellipse">
-              <a:avLst/>
-            </a:prstGeom>
-            <a:solidFill>
-              <a:schemeClr val="bg1">
-                <a:lumMod val="85000"/>
-              </a:schemeClr>
-            </a:solidFill>
-            <a:ln>
-              <a:solidFill>
-                <a:schemeClr val="tx1"/>
-              </a:solidFill>
-            </a:ln>
-            <a:effectLst/>
-          </p:spPr>
-          <p:style>
-            <a:lnRef idx="1">
-              <a:schemeClr val="accent1"/>
-            </a:lnRef>
-            <a:fillRef idx="3">
-              <a:schemeClr val="accent1"/>
-            </a:fillRef>
-            <a:effectRef idx="2">
-              <a:schemeClr val="accent1"/>
-            </a:effectRef>
-            <a:fontRef idx="minor">
-              <a:schemeClr val="lt1"/>
-            </a:fontRef>
-          </p:style>
-          <p:txBody>
-            <a:bodyPr rtlCol="0" anchor="ctr"/>
-            <a:lstStyle/>
-            <a:p>
-              <a:pPr algn="ctr"/>
-              <a:endParaRPr lang="en-US">
-                <a:latin typeface="Helvetica"/>
-                <a:cs typeface="Helvetica"/>
-              </a:endParaRPr>
-            </a:p>
-          </p:txBody>
-        </p:sp>
-        <p:sp>
-          <p:nvSpPr>
-            <p:cNvPr id="34" name="Oval 33"/>
-            <p:cNvSpPr/>
-            <p:nvPr/>
-          </p:nvSpPr>
-          <p:spPr>
-            <a:xfrm>
-              <a:off x="3077510" y="6136750"/>
-              <a:ext cx="182880" cy="182880"/>
-            </a:xfrm>
-            <a:prstGeom prst="ellipse">
-              <a:avLst/>
-            </a:prstGeom>
-            <a:solidFill>
-              <a:schemeClr val="bg1">
-                <a:lumMod val="85000"/>
-              </a:schemeClr>
-            </a:solidFill>
-            <a:ln>
-              <a:solidFill>
-                <a:schemeClr val="tx1"/>
-              </a:solidFill>
-            </a:ln>
-            <a:effectLst/>
-          </p:spPr>
-          <p:style>
-            <a:lnRef idx="1">
-              <a:schemeClr val="accent1"/>
-            </a:lnRef>
-            <a:fillRef idx="3">
-              <a:schemeClr val="accent1"/>
-            </a:fillRef>
-            <a:effectRef idx="2">
-              <a:schemeClr val="accent1"/>
-            </a:effectRef>
-            <a:fontRef idx="minor">
-              <a:schemeClr val="lt1"/>
-            </a:fontRef>
-          </p:style>
-          <p:txBody>
-            <a:bodyPr rtlCol="0" anchor="ctr"/>
-            <a:lstStyle/>
-            <a:p>
-              <a:pPr algn="ctr"/>
-              <a:endParaRPr lang="en-US">
-                <a:latin typeface="Helvetica"/>
-                <a:cs typeface="Helvetica"/>
-              </a:endParaRPr>
-            </a:p>
-          </p:txBody>
-        </p:sp>
-        <p:sp>
-          <p:nvSpPr>
-            <p:cNvPr id="35" name="Oval 34"/>
-            <p:cNvSpPr/>
-            <p:nvPr/>
-          </p:nvSpPr>
-          <p:spPr>
-            <a:xfrm>
-              <a:off x="2992844" y="5520150"/>
-              <a:ext cx="182880" cy="182880"/>
-            </a:xfrm>
-            <a:prstGeom prst="ellipse">
-              <a:avLst/>
-            </a:prstGeom>
-            <a:solidFill>
-              <a:schemeClr val="bg1">
-                <a:lumMod val="85000"/>
-              </a:schemeClr>
-            </a:solidFill>
-            <a:ln>
-              <a:solidFill>
-                <a:schemeClr val="tx1"/>
-              </a:solidFill>
-            </a:ln>
-            <a:effectLst/>
-          </p:spPr>
-          <p:style>
-            <a:lnRef idx="1">
-              <a:schemeClr val="accent1"/>
-            </a:lnRef>
-            <a:fillRef idx="3">
-              <a:schemeClr val="accent1"/>
-            </a:fillRef>
-            <a:effectRef idx="2">
-              <a:schemeClr val="accent1"/>
-            </a:effectRef>
-            <a:fontRef idx="minor">
-              <a:schemeClr val="lt1"/>
-            </a:fontRef>
-          </p:style>
-          <p:txBody>
-            <a:bodyPr rtlCol="0" anchor="ctr"/>
-            <a:lstStyle/>
-            <a:p>
-              <a:pPr algn="ctr"/>
-              <a:endParaRPr lang="en-US">
-                <a:latin typeface="Helvetica"/>
-                <a:cs typeface="Helvetica"/>
-              </a:endParaRPr>
-            </a:p>
-          </p:txBody>
-        </p:sp>
-        <p:sp>
-          <p:nvSpPr>
-            <p:cNvPr id="36" name="Oval 35"/>
-            <p:cNvSpPr/>
-            <p:nvPr/>
-          </p:nvSpPr>
-          <p:spPr>
-            <a:xfrm>
-              <a:off x="3497293" y="5077288"/>
-              <a:ext cx="182880" cy="182880"/>
-            </a:xfrm>
-            <a:prstGeom prst="ellipse">
-              <a:avLst/>
-            </a:prstGeom>
-            <a:solidFill>
-              <a:schemeClr val="bg1">
-                <a:lumMod val="85000"/>
-              </a:schemeClr>
-            </a:solidFill>
-            <a:ln>
-              <a:solidFill>
-                <a:schemeClr val="tx1"/>
-              </a:solidFill>
-            </a:ln>
-            <a:effectLst/>
-          </p:spPr>
-          <p:style>
-            <a:lnRef idx="1">
-              <a:schemeClr val="accent1"/>
-            </a:lnRef>
-            <a:fillRef idx="3">
-              <a:schemeClr val="accent1"/>
-            </a:fillRef>
-            <a:effectRef idx="2">
-              <a:schemeClr val="accent1"/>
-            </a:effectRef>
-            <a:fontRef idx="minor">
-              <a:schemeClr val="lt1"/>
-            </a:fontRef>
-          </p:style>
-          <p:txBody>
-            <a:bodyPr rtlCol="0" anchor="ctr"/>
-            <a:lstStyle/>
-            <a:p>
-              <a:pPr algn="ctr"/>
-              <a:endParaRPr lang="en-US">
-                <a:latin typeface="Helvetica"/>
-                <a:cs typeface="Helvetica"/>
-              </a:endParaRPr>
-            </a:p>
-          </p:txBody>
-        </p:sp>
-        <p:sp>
-          <p:nvSpPr>
-            <p:cNvPr id="37" name="Oval 36"/>
-            <p:cNvSpPr/>
-            <p:nvPr/>
-          </p:nvSpPr>
-          <p:spPr>
-            <a:xfrm>
-              <a:off x="5599571" y="5094332"/>
-              <a:ext cx="182880" cy="182880"/>
-            </a:xfrm>
-            <a:prstGeom prst="ellipse">
-              <a:avLst/>
-            </a:prstGeom>
-            <a:solidFill>
-              <a:schemeClr val="bg1">
-                <a:lumMod val="85000"/>
-              </a:schemeClr>
-            </a:solidFill>
-            <a:ln>
-              <a:solidFill>
-                <a:schemeClr val="tx1"/>
-              </a:solidFill>
-            </a:ln>
-            <a:effectLst/>
-          </p:spPr>
-          <p:style>
-            <a:lnRef idx="1">
-              <a:schemeClr val="accent1"/>
-            </a:lnRef>
-            <a:fillRef idx="3">
-              <a:schemeClr val="accent1"/>
-            </a:fillRef>
-            <a:effectRef idx="2">
-              <a:schemeClr val="accent1"/>
-            </a:effectRef>
-            <a:fontRef idx="minor">
-              <a:schemeClr val="lt1"/>
-            </a:fontRef>
-          </p:style>
-          <p:txBody>
-            <a:bodyPr rtlCol="0" anchor="ctr"/>
-            <a:lstStyle/>
-            <a:p>
-              <a:pPr algn="ctr"/>
-              <a:endParaRPr lang="en-US">
-                <a:latin typeface="Helvetica"/>
-                <a:cs typeface="Helvetica"/>
-              </a:endParaRPr>
-            </a:p>
-          </p:txBody>
-        </p:sp>
-      </p:grpSp>
-      <p:cxnSp>
-        <p:nvCxnSpPr>
-          <p:cNvPr id="38" name="Straight Connector 37"/>
-          <p:cNvCxnSpPr/>
-          <p:nvPr/>
-        </p:nvCxnSpPr>
-        <p:spPr>
-          <a:xfrm>
-            <a:off x="2338462" y="4553300"/>
-            <a:ext cx="4295770" cy="460002"/>
-          </a:xfrm>
-          <a:prstGeom prst="line">
-            <a:avLst/>
-          </a:prstGeom>
-          <a:ln w="50800">
-            <a:solidFill>
-              <a:srgbClr val="FF0000"/>
-            </a:solidFill>
-          </a:ln>
-          <a:effectLst/>
-        </p:spPr>
-        <p:style>
-          <a:lnRef idx="2">
-            <a:schemeClr val="accent1"/>
-          </a:lnRef>
-          <a:fillRef idx="0">
-            <a:schemeClr val="accent1"/>
-          </a:fillRef>
-          <a:effectRef idx="1">
-            <a:schemeClr val="accent1"/>
-          </a:effectRef>
-          <a:fontRef idx="minor">
-            <a:schemeClr val="tx1"/>
-          </a:fontRef>
-        </p:style>
-      </p:cxnSp>
-      <p:sp>
-        <p:nvSpPr>
-          <p:cNvPr id="39" name="Oval 38"/>
-          <p:cNvSpPr/>
-          <p:nvPr/>
-        </p:nvSpPr>
-        <p:spPr>
-          <a:xfrm>
-            <a:off x="4415792" y="4693631"/>
-            <a:ext cx="182880" cy="182880"/>
-          </a:xfrm>
-          <a:prstGeom prst="ellipse">
-            <a:avLst/>
-          </a:prstGeom>
-          <a:solidFill>
-            <a:schemeClr val="tx1"/>
-          </a:solidFill>
-          <a:ln>
-            <a:solidFill>
-              <a:schemeClr val="tx1"/>
-            </a:solidFill>
-          </a:ln>
-          <a:effectLst/>
-        </p:spPr>
-        <p:style>
-          <a:lnRef idx="1">
-            <a:schemeClr val="accent1"/>
-          </a:lnRef>
-          <a:fillRef idx="3">
-            <a:schemeClr val="accent1"/>
-          </a:fillRef>
-          <a:effectRef idx="2">
-            <a:schemeClr val="accent1"/>
-          </a:effectRef>
-          <a:fontRef idx="minor">
-            <a:schemeClr val="lt1"/>
-          </a:fontRef>
-        </p:style>
-        <p:txBody>
-          <a:bodyPr rtlCol="0" anchor="ctr"/>
-          <a:lstStyle/>
-          <a:p>
-            <a:pPr algn="ctr"/>
-            <a:endParaRPr lang="en-US">
-              <a:latin typeface="Helvetica"/>
-              <a:cs typeface="Helvetica"/>
-            </a:endParaRPr>
-          </a:p>
-        </p:txBody>
-      </p:sp>
-      <p:graphicFrame>
-        <p:nvGraphicFramePr>
-          <p:cNvPr id="40" name="Object 39"/>
-          <p:cNvGraphicFramePr>
-            <a:graphicFrameLocks noChangeAspect="1"/>
-          </p:cNvGraphicFramePr>
-          <p:nvPr>
-            <p:extLst>
-              <p:ext uri="{D42A27DB-BD31-4B8C-83A1-F6EECF244321}">
-                <p14:modId xmlns:p14="http://schemas.microsoft.com/office/powerpoint/2010/main" val="851307894"/>
-              </p:ext>
-            </p:extLst>
-          </p:nvPr>
-        </p:nvGraphicFramePr>
-        <p:xfrm>
-          <a:off x="4598672" y="4403333"/>
-          <a:ext cx="298521" cy="351746"/>
-        </p:xfrm>
-        <a:graphic>
-          <a:graphicData uri="http://schemas.openxmlformats.org/presentationml/2006/ole">
-            <mc:AlternateContent xmlns:mc="http://schemas.openxmlformats.org/markup-compatibility/2006">
-              <mc:Choice xmlns:v="urn:schemas-microsoft-com:vml" Requires="v">
-                <p:oleObj spid="_x0000_s1055" name="Equation" r:id="rId3" imgW="139700" imgH="165100" progId="Equation.3">
-                  <p:embed/>
-                </p:oleObj>
-              </mc:Choice>
-              <mc:Fallback>
-                <p:oleObj name="Equation" r:id="rId3" imgW="139700" imgH="165100" progId="Equation.3">
-                  <p:embed/>
-                  <p:pic>
-                    <p:nvPicPr>
-                      <p:cNvPr id="0" name=""/>
-                      <p:cNvPicPr/>
-                      <p:nvPr/>
-                    </p:nvPicPr>
-                    <p:blipFill>
-                      <a:blip r:embed="rId4"/>
-                      <a:stretch>
-                        <a:fillRect/>
-                      </a:stretch>
-                    </p:blipFill>
-                    <p:spPr>
-                      <a:xfrm>
-                        <a:off x="4598672" y="4403333"/>
-                        <a:ext cx="298521" cy="351746"/>
-                      </a:xfrm>
-                      <a:prstGeom prst="rect">
-                        <a:avLst/>
-                      </a:prstGeom>
-                    </p:spPr>
-                  </p:pic>
-                </p:oleObj>
-              </mc:Fallback>
-            </mc:AlternateContent>
-          </a:graphicData>
-        </a:graphic>
-      </p:graphicFrame>
-      <p:cxnSp>
-        <p:nvCxnSpPr>
-          <p:cNvPr id="41" name="Straight Connector 40"/>
-          <p:cNvCxnSpPr>
-            <a:stCxn id="34" idx="7"/>
-          </p:cNvCxnSpPr>
-          <p:nvPr/>
-        </p:nvCxnSpPr>
-        <p:spPr>
-          <a:xfrm flipV="1">
-            <a:off x="3233608" y="4774089"/>
-            <a:ext cx="1264372" cy="944943"/>
-          </a:xfrm>
-          <a:prstGeom prst="line">
-            <a:avLst/>
-          </a:prstGeom>
-          <a:ln w="50800">
-            <a:solidFill>
-              <a:schemeClr val="tx1"/>
-            </a:solidFill>
-          </a:ln>
-          <a:effectLst/>
-        </p:spPr>
-        <p:style>
-          <a:lnRef idx="2">
-            <a:schemeClr val="accent1"/>
-          </a:lnRef>
-          <a:fillRef idx="0">
-            <a:schemeClr val="accent1"/>
-          </a:fillRef>
-          <a:effectRef idx="1">
-            <a:schemeClr val="accent1"/>
-          </a:effectRef>
-          <a:fontRef idx="minor">
-            <a:schemeClr val="tx1"/>
-          </a:fontRef>
-        </p:style>
-      </p:cxnSp>
-      <p:sp>
-        <p:nvSpPr>
-          <p:cNvPr id="42" name="Oval 41"/>
-          <p:cNvSpPr/>
-          <p:nvPr/>
-        </p:nvSpPr>
-        <p:spPr>
-          <a:xfrm>
-            <a:off x="3077510" y="5693366"/>
-            <a:ext cx="182880" cy="182880"/>
-          </a:xfrm>
-          <a:prstGeom prst="ellipse">
-            <a:avLst/>
-          </a:prstGeom>
-          <a:noFill/>
-          <a:ln w="38100" cmpd="sng">
-            <a:solidFill>
-              <a:schemeClr val="tx1"/>
-            </a:solidFill>
-          </a:ln>
-          <a:effectLst/>
-        </p:spPr>
-        <p:style>
-          <a:lnRef idx="1">
-            <a:schemeClr val="accent1"/>
-          </a:lnRef>
-          <a:fillRef idx="3">
-            <a:schemeClr val="accent1"/>
-          </a:fillRef>
-          <a:effectRef idx="2">
-            <a:schemeClr val="accent1"/>
-          </a:effectRef>
-          <a:fontRef idx="minor">
-            <a:schemeClr val="lt1"/>
-          </a:fontRef>
-        </p:style>
-        <p:txBody>
-          <a:bodyPr rtlCol="0" anchor="ctr"/>
-          <a:lstStyle/>
-          <a:p>
-            <a:pPr algn="ctr"/>
-            <a:endParaRPr lang="en-US">
-              <a:latin typeface="Helvetica"/>
-              <a:cs typeface="Helvetica"/>
-            </a:endParaRPr>
-          </a:p>
-        </p:txBody>
-      </p:sp>
-      <p:graphicFrame>
-        <p:nvGraphicFramePr>
-          <p:cNvPr id="43" name="Object 42"/>
-          <p:cNvGraphicFramePr>
-            <a:graphicFrameLocks noChangeAspect="1"/>
-          </p:cNvGraphicFramePr>
-          <p:nvPr>
-            <p:extLst>
-              <p:ext uri="{D42A27DB-BD31-4B8C-83A1-F6EECF244321}">
-                <p14:modId xmlns:p14="http://schemas.microsoft.com/office/powerpoint/2010/main" val="3924487796"/>
-              </p:ext>
-            </p:extLst>
-          </p:nvPr>
-        </p:nvGraphicFramePr>
-        <p:xfrm>
-          <a:off x="2726263" y="5588000"/>
-          <a:ext cx="325437" cy="460375"/>
-        </p:xfrm>
-        <a:graphic>
-          <a:graphicData uri="http://schemas.openxmlformats.org/presentationml/2006/ole">
-            <mc:AlternateContent xmlns:mc="http://schemas.openxmlformats.org/markup-compatibility/2006">
-              <mc:Choice xmlns:v="urn:schemas-microsoft-com:vml" Requires="v">
-                <p:oleObj spid="_x0000_s1056" name="Equation" r:id="rId5" imgW="152400" imgH="215900" progId="Equation.3">
-                  <p:embed/>
-                </p:oleObj>
-              </mc:Choice>
-              <mc:Fallback>
-                <p:oleObj name="Equation" r:id="rId5" imgW="152400" imgH="215900" progId="Equation.3">
-                  <p:embed/>
-                  <p:pic>
-                    <p:nvPicPr>
-                      <p:cNvPr id="0" name=""/>
-                      <p:cNvPicPr/>
-                      <p:nvPr/>
-                    </p:nvPicPr>
-                    <p:blipFill>
-                      <a:blip r:embed="rId6"/>
-                      <a:stretch>
-                        <a:fillRect/>
-                      </a:stretch>
-                    </p:blipFill>
-                    <p:spPr>
-                      <a:xfrm>
-                        <a:off x="2726263" y="5588000"/>
-                        <a:ext cx="325437" cy="460375"/>
-                      </a:xfrm>
-                      <a:prstGeom prst="rect">
-                        <a:avLst/>
-                      </a:prstGeom>
-                    </p:spPr>
-                  </p:pic>
-                </p:oleObj>
-              </mc:Fallback>
-            </mc:AlternateContent>
-          </a:graphicData>
-        </a:graphic>
-      </p:graphicFrame>
-      <p:graphicFrame>
-        <p:nvGraphicFramePr>
-          <p:cNvPr id="52" name="Object 51"/>
-          <p:cNvGraphicFramePr>
-            <a:graphicFrameLocks noChangeAspect="1"/>
-          </p:cNvGraphicFramePr>
-          <p:nvPr>
-            <p:extLst>
-              <p:ext uri="{D42A27DB-BD31-4B8C-83A1-F6EECF244321}">
-                <p14:modId xmlns:p14="http://schemas.microsoft.com/office/powerpoint/2010/main" val="2249018917"/>
-              </p:ext>
-            </p:extLst>
-          </p:nvPr>
-        </p:nvGraphicFramePr>
-        <p:xfrm>
-          <a:off x="1955508" y="4312975"/>
-          <a:ext cx="226363" cy="329844"/>
-        </p:xfrm>
-        <a:graphic>
-          <a:graphicData uri="http://schemas.openxmlformats.org/presentationml/2006/ole">
-            <mc:AlternateContent xmlns:mc="http://schemas.openxmlformats.org/markup-compatibility/2006">
-              <mc:Choice xmlns:v="urn:schemas-microsoft-com:vml" Requires="v">
-                <p:oleObj spid="_x0000_s1057" name="Equation" r:id="rId7" imgW="114300" imgH="165100" progId="Equation.3">
-                  <p:embed/>
-                </p:oleObj>
-              </mc:Choice>
-              <mc:Fallback>
-                <p:oleObj name="Equation" r:id="rId7" imgW="114300" imgH="165100" progId="Equation.3">
-                  <p:embed/>
-                  <p:pic>
-                    <p:nvPicPr>
-                      <p:cNvPr id="0" name=""/>
-                      <p:cNvPicPr/>
-                      <p:nvPr/>
-                    </p:nvPicPr>
-                    <p:blipFill>
-                      <a:blip r:embed="rId8"/>
-                      <a:stretch>
-                        <a:fillRect/>
-                      </a:stretch>
-                    </p:blipFill>
-                    <p:spPr>
-                      <a:xfrm>
-                        <a:off x="1955508" y="4312975"/>
-                        <a:ext cx="226363" cy="329844"/>
-                      </a:xfrm>
-                      <a:prstGeom prst="rect">
-                        <a:avLst/>
-                      </a:prstGeom>
-                    </p:spPr>
-                  </p:pic>
-                </p:oleObj>
-              </mc:Fallback>
-            </mc:AlternateContent>
-          </a:graphicData>
-        </a:graphic>
-      </p:graphicFrame>
-      <p:sp>
-        <p:nvSpPr>
-          <p:cNvPr id="53" name="Oval 52"/>
-          <p:cNvSpPr/>
-          <p:nvPr/>
-        </p:nvSpPr>
-        <p:spPr>
-          <a:xfrm>
-            <a:off x="3247719" y="4586310"/>
-            <a:ext cx="137160" cy="137160"/>
-          </a:xfrm>
-          <a:prstGeom prst="ellipse">
-            <a:avLst/>
-          </a:prstGeom>
-          <a:solidFill>
-            <a:schemeClr val="tx1"/>
-          </a:solidFill>
-          <a:ln>
-            <a:solidFill>
-              <a:schemeClr val="tx1"/>
-            </a:solidFill>
-          </a:ln>
-          <a:effectLst/>
-        </p:spPr>
-        <p:style>
-          <a:lnRef idx="1">
-            <a:schemeClr val="accent1"/>
-          </a:lnRef>
-          <a:fillRef idx="3">
-            <a:schemeClr val="accent1"/>
-          </a:fillRef>
-          <a:effectRef idx="2">
-            <a:schemeClr val="accent1"/>
-          </a:effectRef>
-          <a:fontRef idx="minor">
-            <a:schemeClr val="lt1"/>
-          </a:fontRef>
-        </p:style>
-        <p:txBody>
-          <a:bodyPr rtlCol="0" anchor="ctr"/>
-          <a:lstStyle/>
-          <a:p>
-            <a:pPr algn="ctr"/>
-            <a:endParaRPr lang="en-US">
-              <a:latin typeface="Helvetica"/>
-              <a:cs typeface="Helvetica"/>
-            </a:endParaRPr>
-          </a:p>
-        </p:txBody>
-      </p:sp>
-      <p:graphicFrame>
-        <p:nvGraphicFramePr>
-          <p:cNvPr id="54" name="Object 53"/>
-          <p:cNvGraphicFramePr>
-            <a:graphicFrameLocks noChangeAspect="1"/>
-          </p:cNvGraphicFramePr>
-          <p:nvPr>
-            <p:extLst>
-              <p:ext uri="{D42A27DB-BD31-4B8C-83A1-F6EECF244321}">
-                <p14:modId xmlns:p14="http://schemas.microsoft.com/office/powerpoint/2010/main" val="1894960189"/>
-              </p:ext>
-            </p:extLst>
-          </p:nvPr>
-        </p:nvGraphicFramePr>
-        <p:xfrm>
-          <a:off x="3194932" y="4191000"/>
-          <a:ext cx="271462" cy="379413"/>
-        </p:xfrm>
-        <a:graphic>
-          <a:graphicData uri="http://schemas.openxmlformats.org/presentationml/2006/ole">
-            <mc:AlternateContent xmlns:mc="http://schemas.openxmlformats.org/markup-compatibility/2006">
-              <mc:Choice xmlns:v="urn:schemas-microsoft-com:vml" Requires="v">
-                <p:oleObj spid="_x0000_s1058" name="Equation" r:id="rId9" imgW="127000" imgH="177800" progId="Equation.3">
-                  <p:embed/>
-                </p:oleObj>
-              </mc:Choice>
-              <mc:Fallback>
-                <p:oleObj name="Equation" r:id="rId9" imgW="127000" imgH="177800" progId="Equation.3">
-                  <p:embed/>
-                  <p:pic>
-                    <p:nvPicPr>
-                      <p:cNvPr id="0" name=""/>
-                      <p:cNvPicPr/>
-                      <p:nvPr/>
-                    </p:nvPicPr>
-                    <p:blipFill>
-                      <a:blip r:embed="rId10"/>
-                      <a:stretch>
-                        <a:fillRect/>
-                      </a:stretch>
-                    </p:blipFill>
-                    <p:spPr>
-                      <a:xfrm>
-                        <a:off x="3194932" y="4191000"/>
-                        <a:ext cx="271462" cy="379413"/>
-                      </a:xfrm>
-                      <a:prstGeom prst="rect">
-                        <a:avLst/>
-                      </a:prstGeom>
-                    </p:spPr>
-                  </p:pic>
-                </p:oleObj>
-              </mc:Fallback>
-            </mc:AlternateContent>
-          </a:graphicData>
-        </a:graphic>
-      </p:graphicFrame>
-      <p:cxnSp>
-        <p:nvCxnSpPr>
-          <p:cNvPr id="55" name="Straight Connector 54"/>
-          <p:cNvCxnSpPr>
-            <a:stCxn id="53" idx="2"/>
-            <a:endCxn id="39" idx="6"/>
-          </p:cNvCxnSpPr>
-          <p:nvPr/>
-        </p:nvCxnSpPr>
-        <p:spPr>
-          <a:xfrm>
-            <a:off x="3247719" y="4654890"/>
-            <a:ext cx="1350953" cy="130181"/>
-          </a:xfrm>
-          <a:prstGeom prst="line">
-            <a:avLst/>
-          </a:prstGeom>
-          <a:ln w="50800">
-            <a:solidFill>
-              <a:schemeClr val="tx1"/>
-            </a:solidFill>
-          </a:ln>
-          <a:effectLst/>
-        </p:spPr>
-        <p:style>
-          <a:lnRef idx="2">
-            <a:schemeClr val="accent1"/>
-          </a:lnRef>
-          <a:fillRef idx="0">
-            <a:schemeClr val="accent1"/>
-          </a:fillRef>
-          <a:effectRef idx="1">
-            <a:schemeClr val="accent1"/>
-          </a:effectRef>
-          <a:fontRef idx="minor">
-            <a:schemeClr val="tx1"/>
-          </a:fontRef>
-        </p:style>
-      </p:cxnSp>
-      <p:sp>
-        <p:nvSpPr>
-          <p:cNvPr id="56" name="TextBox 55"/>
-          <p:cNvSpPr txBox="1"/>
-          <p:nvPr/>
-        </p:nvSpPr>
-        <p:spPr>
-          <a:xfrm>
-            <a:off x="347336" y="2213373"/>
-            <a:ext cx="8401553" cy="923330"/>
-          </a:xfrm>
-          <a:prstGeom prst="rect">
-            <a:avLst/>
-          </a:prstGeom>
-          <a:noFill/>
-        </p:spPr>
-        <p:txBody>
-          <a:bodyPr wrap="square" rtlCol="0">
-            <a:spAutoFit/>
-          </a:bodyPr>
-          <a:lstStyle/>
-          <a:p>
-            <a:r>
-              <a:rPr lang="en-US" dirty="0" smtClean="0">
-                <a:latin typeface="Helvetica"/>
-                <a:cs typeface="Helvetica"/>
-              </a:rPr>
-              <a:t>Therefore, given a dataset                    </a:t>
-            </a:r>
-            <a:r>
-              <a:rPr lang="en-US" dirty="0" smtClean="0">
-                <a:latin typeface="Helvetica"/>
-                <a:cs typeface="Helvetica"/>
-              </a:rPr>
-              <a:t> with </a:t>
-            </a:r>
-            <a:r>
-              <a:rPr lang="en-US" dirty="0" smtClean="0">
-                <a:latin typeface="Helvetica"/>
-                <a:cs typeface="Helvetica"/>
-              </a:rPr>
-              <a:t>center (mean)    , for any line through the center,   , and orthogonal projections onto that line,                     </a:t>
-            </a:r>
-            <a:r>
-              <a:rPr lang="en-US" dirty="0" smtClean="0">
-                <a:latin typeface="Helvetica"/>
-                <a:cs typeface="Helvetica"/>
-              </a:rPr>
-              <a:t>, </a:t>
-            </a:r>
-            <a:r>
-              <a:rPr lang="en-US" dirty="0" smtClean="0">
-                <a:latin typeface="Helvetica"/>
-                <a:cs typeface="Helvetica"/>
-              </a:rPr>
-              <a:t>we </a:t>
-            </a:r>
-            <a:r>
-              <a:rPr lang="en-US" dirty="0" smtClean="0">
-                <a:latin typeface="Helvetica"/>
-                <a:cs typeface="Helvetica"/>
-              </a:rPr>
-              <a:t>have:</a:t>
-            </a:r>
-            <a:endParaRPr lang="en-US" b="1" dirty="0">
-              <a:latin typeface="Helvetica"/>
-              <a:cs typeface="Helvetica"/>
-            </a:endParaRPr>
-          </a:p>
-        </p:txBody>
-      </p:sp>
-      <p:graphicFrame>
-        <p:nvGraphicFramePr>
-          <p:cNvPr id="57" name="Object 56"/>
-          <p:cNvGraphicFramePr>
-            <a:graphicFrameLocks noChangeAspect="1"/>
-          </p:cNvGraphicFramePr>
-          <p:nvPr>
-            <p:extLst>
-              <p:ext uri="{D42A27DB-BD31-4B8C-83A1-F6EECF244321}">
-                <p14:modId xmlns:p14="http://schemas.microsoft.com/office/powerpoint/2010/main" val="2810558934"/>
-              </p:ext>
-            </p:extLst>
-          </p:nvPr>
-        </p:nvGraphicFramePr>
-        <p:xfrm>
-          <a:off x="3141014" y="2241595"/>
-          <a:ext cx="1263776" cy="353114"/>
-        </p:xfrm>
-        <a:graphic>
-          <a:graphicData uri="http://schemas.openxmlformats.org/presentationml/2006/ole">
-            <mc:AlternateContent xmlns:mc="http://schemas.openxmlformats.org/markup-compatibility/2006">
-              <mc:Choice xmlns:v="urn:schemas-microsoft-com:vml" Requires="v">
-                <p:oleObj spid="_x0000_s1059" name="Equation" r:id="rId11" imgW="863600" imgH="241300" progId="Equation.3">
-                  <p:embed/>
-                </p:oleObj>
-              </mc:Choice>
-              <mc:Fallback>
-                <p:oleObj name="Equation" r:id="rId11" imgW="863600" imgH="241300" progId="Equation.3">
-                  <p:embed/>
-                  <p:pic>
-                    <p:nvPicPr>
-                      <p:cNvPr id="0" name=""/>
-                      <p:cNvPicPr/>
-                      <p:nvPr/>
-                    </p:nvPicPr>
-                    <p:blipFill>
-                      <a:blip r:embed="rId12"/>
-                      <a:stretch>
-                        <a:fillRect/>
-                      </a:stretch>
-                    </p:blipFill>
-                    <p:spPr>
-                      <a:xfrm>
-                        <a:off x="3141014" y="2241595"/>
-                        <a:ext cx="1263776" cy="353114"/>
-                      </a:xfrm>
-                      <a:prstGeom prst="rect">
-                        <a:avLst/>
-                      </a:prstGeom>
-                    </p:spPr>
-                  </p:pic>
-                </p:oleObj>
-              </mc:Fallback>
-            </mc:AlternateContent>
-          </a:graphicData>
-        </a:graphic>
-      </p:graphicFrame>
-      <p:graphicFrame>
-        <p:nvGraphicFramePr>
-          <p:cNvPr id="58" name="Object 57"/>
-          <p:cNvGraphicFramePr>
-            <a:graphicFrameLocks noChangeAspect="1"/>
-          </p:cNvGraphicFramePr>
-          <p:nvPr>
-            <p:extLst>
-              <p:ext uri="{D42A27DB-BD31-4B8C-83A1-F6EECF244321}">
-                <p14:modId xmlns:p14="http://schemas.microsoft.com/office/powerpoint/2010/main" val="2692699415"/>
-              </p:ext>
-            </p:extLst>
-          </p:nvPr>
-        </p:nvGraphicFramePr>
-        <p:xfrm>
-          <a:off x="6428339" y="2292852"/>
-          <a:ext cx="204787" cy="241300"/>
-        </p:xfrm>
-        <a:graphic>
-          <a:graphicData uri="http://schemas.openxmlformats.org/presentationml/2006/ole">
-            <mc:AlternateContent xmlns:mc="http://schemas.openxmlformats.org/markup-compatibility/2006">
-              <mc:Choice xmlns:v="urn:schemas-microsoft-com:vml" Requires="v">
-                <p:oleObj spid="_x0000_s1060" name="Equation" r:id="rId13" imgW="139700" imgH="165100" progId="Equation.3">
-                  <p:embed/>
-                </p:oleObj>
-              </mc:Choice>
-              <mc:Fallback>
-                <p:oleObj name="Equation" r:id="rId13" imgW="139700" imgH="165100" progId="Equation.3">
-                  <p:embed/>
-                  <p:pic>
-                    <p:nvPicPr>
-                      <p:cNvPr id="0" name=""/>
-                      <p:cNvPicPr/>
-                      <p:nvPr/>
-                    </p:nvPicPr>
-                    <p:blipFill>
-                      <a:blip r:embed="rId14"/>
-                      <a:stretch>
-                        <a:fillRect/>
-                      </a:stretch>
-                    </p:blipFill>
-                    <p:spPr>
-                      <a:xfrm>
-                        <a:off x="6428339" y="2292852"/>
-                        <a:ext cx="204787" cy="241300"/>
-                      </a:xfrm>
-                      <a:prstGeom prst="rect">
-                        <a:avLst/>
-                      </a:prstGeom>
-                    </p:spPr>
-                  </p:pic>
-                </p:oleObj>
-              </mc:Fallback>
-            </mc:AlternateContent>
-          </a:graphicData>
-        </a:graphic>
-      </p:graphicFrame>
-      <p:graphicFrame>
-        <p:nvGraphicFramePr>
-          <p:cNvPr id="59" name="Object 58"/>
-          <p:cNvGraphicFramePr>
-            <a:graphicFrameLocks noChangeAspect="1"/>
-          </p:cNvGraphicFramePr>
-          <p:nvPr>
-            <p:extLst>
-              <p:ext uri="{D42A27DB-BD31-4B8C-83A1-F6EECF244321}">
-                <p14:modId xmlns:p14="http://schemas.microsoft.com/office/powerpoint/2010/main" val="691224779"/>
-              </p:ext>
-            </p:extLst>
-          </p:nvPr>
-        </p:nvGraphicFramePr>
-        <p:xfrm>
-          <a:off x="2376852" y="2508240"/>
-          <a:ext cx="192781" cy="280910"/>
-        </p:xfrm>
-        <a:graphic>
-          <a:graphicData uri="http://schemas.openxmlformats.org/presentationml/2006/ole">
-            <mc:AlternateContent xmlns:mc="http://schemas.openxmlformats.org/markup-compatibility/2006">
-              <mc:Choice xmlns:v="urn:schemas-microsoft-com:vml" Requires="v">
-                <p:oleObj spid="_x0000_s1061" name="Equation" r:id="rId15" imgW="114300" imgH="165100" progId="Equation.3">
-                  <p:embed/>
-                </p:oleObj>
-              </mc:Choice>
-              <mc:Fallback>
-                <p:oleObj name="Equation" r:id="rId15" imgW="114300" imgH="165100" progId="Equation.3">
-                  <p:embed/>
-                  <p:pic>
-                    <p:nvPicPr>
-                      <p:cNvPr id="0" name=""/>
-                      <p:cNvPicPr/>
-                      <p:nvPr/>
-                    </p:nvPicPr>
-                    <p:blipFill>
-                      <a:blip r:embed="rId8"/>
-                      <a:stretch>
-                        <a:fillRect/>
-                      </a:stretch>
-                    </p:blipFill>
-                    <p:spPr>
-                      <a:xfrm>
-                        <a:off x="2376852" y="2508240"/>
-                        <a:ext cx="192781" cy="280910"/>
-                      </a:xfrm>
-                      <a:prstGeom prst="rect">
-                        <a:avLst/>
-                      </a:prstGeom>
-                    </p:spPr>
-                  </p:pic>
-                </p:oleObj>
-              </mc:Fallback>
-            </mc:AlternateContent>
-          </a:graphicData>
-        </a:graphic>
-      </p:graphicFrame>
-      <p:graphicFrame>
-        <p:nvGraphicFramePr>
-          <p:cNvPr id="60" name="Object 59"/>
-          <p:cNvGraphicFramePr>
-            <a:graphicFrameLocks noChangeAspect="1"/>
-          </p:cNvGraphicFramePr>
-          <p:nvPr>
-            <p:extLst>
-              <p:ext uri="{D42A27DB-BD31-4B8C-83A1-F6EECF244321}">
-                <p14:modId xmlns:p14="http://schemas.microsoft.com/office/powerpoint/2010/main" val="56379273"/>
-              </p:ext>
-            </p:extLst>
-          </p:nvPr>
-        </p:nvGraphicFramePr>
-        <p:xfrm>
-          <a:off x="6880650" y="2499536"/>
-          <a:ext cx="1263776" cy="353114"/>
-        </p:xfrm>
-        <a:graphic>
-          <a:graphicData uri="http://schemas.openxmlformats.org/presentationml/2006/ole">
-            <mc:AlternateContent xmlns:mc="http://schemas.openxmlformats.org/markup-compatibility/2006">
-              <mc:Choice xmlns:v="urn:schemas-microsoft-com:vml" Requires="v">
-                <p:oleObj spid="_x0000_s1062" name="Equation" r:id="rId16" imgW="863600" imgH="241300" progId="Equation.3">
-                  <p:embed/>
-                </p:oleObj>
-              </mc:Choice>
-              <mc:Fallback>
-                <p:oleObj name="Equation" r:id="rId16" imgW="863600" imgH="241300" progId="Equation.3">
-                  <p:embed/>
-                  <p:pic>
-                    <p:nvPicPr>
-                      <p:cNvPr id="0" name=""/>
-                      <p:cNvPicPr/>
-                      <p:nvPr/>
-                    </p:nvPicPr>
-                    <p:blipFill>
-                      <a:blip r:embed="rId17"/>
-                      <a:stretch>
-                        <a:fillRect/>
-                      </a:stretch>
-                    </p:blipFill>
-                    <p:spPr>
-                      <a:xfrm>
-                        <a:off x="6880650" y="2499536"/>
-                        <a:ext cx="1263776" cy="353114"/>
-                      </a:xfrm>
-                      <a:prstGeom prst="rect">
-                        <a:avLst/>
-                      </a:prstGeom>
-                    </p:spPr>
-                  </p:pic>
-                </p:oleObj>
-              </mc:Fallback>
-            </mc:AlternateContent>
-          </a:graphicData>
-        </a:graphic>
-      </p:graphicFrame>
-      <p:sp>
-        <p:nvSpPr>
-          <p:cNvPr id="61" name="TextBox 60"/>
-          <p:cNvSpPr txBox="1"/>
-          <p:nvPr/>
-        </p:nvSpPr>
-        <p:spPr>
-          <a:xfrm>
-            <a:off x="347336" y="1305799"/>
-            <a:ext cx="7393827" cy="646331"/>
-          </a:xfrm>
-          <a:prstGeom prst="rect">
-            <a:avLst/>
-          </a:prstGeom>
-          <a:noFill/>
-        </p:spPr>
-        <p:txBody>
-          <a:bodyPr wrap="square" rtlCol="0">
-            <a:spAutoFit/>
-          </a:bodyPr>
-          <a:lstStyle/>
-          <a:p>
-            <a:r>
-              <a:rPr lang="en-US" dirty="0" smtClean="0">
-                <a:latin typeface="Helvetica"/>
-                <a:cs typeface="Helvetica"/>
-              </a:rPr>
-              <a:t>Recall that if </a:t>
-            </a:r>
-            <a:r>
-              <a:rPr lang="en-US" i="1" dirty="0" smtClean="0">
-                <a:latin typeface="Times"/>
-                <a:cs typeface="Times"/>
-              </a:rPr>
-              <a:t>a</a:t>
-            </a:r>
-            <a:r>
-              <a:rPr lang="en-US" dirty="0" smtClean="0">
-                <a:latin typeface="Helvetica"/>
-                <a:cs typeface="Helvetica"/>
-              </a:rPr>
-              <a:t> and </a:t>
-            </a:r>
-            <a:r>
-              <a:rPr lang="en-US" i="1" dirty="0" smtClean="0">
-                <a:latin typeface="Times"/>
-                <a:cs typeface="Times"/>
-              </a:rPr>
-              <a:t>b</a:t>
-            </a:r>
-            <a:r>
-              <a:rPr lang="en-US" dirty="0" smtClean="0">
-                <a:latin typeface="Helvetica"/>
-                <a:cs typeface="Helvetica"/>
-              </a:rPr>
-              <a:t> are the legs of a right triangle with hypotenuse </a:t>
-            </a:r>
-            <a:r>
-              <a:rPr lang="en-US" i="1" dirty="0" smtClean="0">
-                <a:latin typeface="Times"/>
-                <a:cs typeface="Times"/>
-              </a:rPr>
-              <a:t>c</a:t>
-            </a:r>
-            <a:r>
-              <a:rPr lang="en-US" dirty="0" smtClean="0">
-                <a:latin typeface="Helvetica"/>
-                <a:cs typeface="Helvetica"/>
-              </a:rPr>
-              <a:t>, then</a:t>
-            </a:r>
-            <a:endParaRPr lang="en-US" b="1" dirty="0">
-              <a:latin typeface="Helvetica"/>
-              <a:cs typeface="Helvetica"/>
-            </a:endParaRPr>
-          </a:p>
-        </p:txBody>
-      </p:sp>
-      <p:graphicFrame>
-        <p:nvGraphicFramePr>
-          <p:cNvPr id="62" name="Object 61"/>
-          <p:cNvGraphicFramePr>
-            <a:graphicFrameLocks noChangeAspect="1"/>
-          </p:cNvGraphicFramePr>
-          <p:nvPr>
-            <p:extLst>
-              <p:ext uri="{D42A27DB-BD31-4B8C-83A1-F6EECF244321}">
-                <p14:modId xmlns:p14="http://schemas.microsoft.com/office/powerpoint/2010/main" val="2848183655"/>
-              </p:ext>
-            </p:extLst>
-          </p:nvPr>
-        </p:nvGraphicFramePr>
-        <p:xfrm>
-          <a:off x="4070703" y="1760201"/>
-          <a:ext cx="1124160" cy="314697"/>
-        </p:xfrm>
-        <a:graphic>
-          <a:graphicData uri="http://schemas.openxmlformats.org/presentationml/2006/ole">
-            <mc:AlternateContent xmlns:mc="http://schemas.openxmlformats.org/markup-compatibility/2006">
-              <mc:Choice xmlns:v="urn:schemas-microsoft-com:vml" Requires="v">
-                <p:oleObj spid="_x0000_s1063" name="Equation" r:id="rId18" imgW="723900" imgH="203200" progId="Equation.3">
-                  <p:embed/>
-                </p:oleObj>
-              </mc:Choice>
-              <mc:Fallback>
-                <p:oleObj name="Equation" r:id="rId18" imgW="723900" imgH="203200" progId="Equation.3">
-                  <p:embed/>
-                  <p:pic>
-                    <p:nvPicPr>
-                      <p:cNvPr id="0" name=""/>
-                      <p:cNvPicPr/>
-                      <p:nvPr/>
-                    </p:nvPicPr>
-                    <p:blipFill>
-                      <a:blip r:embed="rId19"/>
-                      <a:stretch>
-                        <a:fillRect/>
-                      </a:stretch>
-                    </p:blipFill>
-                    <p:spPr>
-                      <a:xfrm>
-                        <a:off x="4070703" y="1760201"/>
-                        <a:ext cx="1124160" cy="314697"/>
-                      </a:xfrm>
-                      <a:prstGeom prst="rect">
-                        <a:avLst/>
-                      </a:prstGeom>
-                    </p:spPr>
-                  </p:pic>
-                </p:oleObj>
-              </mc:Fallback>
-            </mc:AlternateContent>
-          </a:graphicData>
-        </a:graphic>
-      </p:graphicFrame>
-      <p:graphicFrame>
-        <p:nvGraphicFramePr>
-          <p:cNvPr id="63" name="Object 62"/>
-          <p:cNvGraphicFramePr>
-            <a:graphicFrameLocks noChangeAspect="1"/>
-          </p:cNvGraphicFramePr>
-          <p:nvPr>
-            <p:extLst>
-              <p:ext uri="{D42A27DB-BD31-4B8C-83A1-F6EECF244321}">
-                <p14:modId xmlns:p14="http://schemas.microsoft.com/office/powerpoint/2010/main" val="3820341151"/>
-              </p:ext>
-            </p:extLst>
-          </p:nvPr>
-        </p:nvGraphicFramePr>
-        <p:xfrm>
-          <a:off x="3315936" y="2974590"/>
-          <a:ext cx="2655887" cy="407987"/>
-        </p:xfrm>
-        <a:graphic>
-          <a:graphicData uri="http://schemas.openxmlformats.org/presentationml/2006/ole">
-            <mc:AlternateContent xmlns:mc="http://schemas.openxmlformats.org/markup-compatibility/2006">
-              <mc:Choice xmlns:v="urn:schemas-microsoft-com:vml" Requires="v">
-                <p:oleObj spid="_x0000_s1064" name="Equation" r:id="rId20" imgW="1803400" imgH="279400" progId="Equation.3">
-                  <p:embed/>
-                </p:oleObj>
-              </mc:Choice>
-              <mc:Fallback>
-                <p:oleObj name="Equation" r:id="rId20" imgW="1803400" imgH="279400" progId="Equation.3">
-                  <p:embed/>
-                  <p:pic>
-                    <p:nvPicPr>
-                      <p:cNvPr id="0" name=""/>
-                      <p:cNvPicPr/>
-                      <p:nvPr/>
-                    </p:nvPicPr>
-                    <p:blipFill>
-                      <a:blip r:embed="rId21"/>
-                      <a:stretch>
-                        <a:fillRect/>
-                      </a:stretch>
-                    </p:blipFill>
-                    <p:spPr>
-                      <a:xfrm>
-                        <a:off x="3315936" y="2974590"/>
-                        <a:ext cx="2655887" cy="407987"/>
-                      </a:xfrm>
-                      <a:prstGeom prst="rect">
-                        <a:avLst/>
-                      </a:prstGeom>
-                    </p:spPr>
-                  </p:pic>
-                </p:oleObj>
-              </mc:Fallback>
-            </mc:AlternateContent>
-          </a:graphicData>
-        </a:graphic>
-      </p:graphicFrame>
-      <p:sp>
-        <p:nvSpPr>
-          <p:cNvPr id="64" name="TextBox 63"/>
-          <p:cNvSpPr txBox="1"/>
-          <p:nvPr/>
-        </p:nvSpPr>
-        <p:spPr>
-          <a:xfrm>
-            <a:off x="347336" y="3490146"/>
-            <a:ext cx="8401553" cy="369332"/>
-          </a:xfrm>
-          <a:prstGeom prst="rect">
-            <a:avLst/>
-          </a:prstGeom>
-          <a:noFill/>
-        </p:spPr>
-        <p:txBody>
-          <a:bodyPr wrap="square" rtlCol="0">
-            <a:spAutoFit/>
-          </a:bodyPr>
-          <a:lstStyle/>
-          <a:p>
-            <a:r>
-              <a:rPr lang="en-US" dirty="0" smtClean="0">
-                <a:latin typeface="Helvetica"/>
-                <a:cs typeface="Helvetica"/>
-              </a:rPr>
-              <a:t>for all </a:t>
-            </a:r>
-            <a:r>
-              <a:rPr lang="en-US" i="1" dirty="0" err="1" smtClean="0">
-                <a:latin typeface="Times"/>
-                <a:cs typeface="Times"/>
-              </a:rPr>
-              <a:t>i</a:t>
-            </a:r>
-            <a:r>
-              <a:rPr lang="en-US" i="1" dirty="0" smtClean="0">
-                <a:latin typeface="Times"/>
-                <a:cs typeface="Times"/>
-              </a:rPr>
-              <a:t> = 1, …, n</a:t>
-            </a:r>
-            <a:r>
-              <a:rPr lang="en-US" dirty="0" smtClean="0">
-                <a:latin typeface="Helvetica"/>
-                <a:cs typeface="Helvetica"/>
-              </a:rPr>
-              <a:t>.</a:t>
-            </a:r>
-          </a:p>
-        </p:txBody>
-      </p:sp>
-      <p:sp>
-        <p:nvSpPr>
-          <p:cNvPr id="65" name="Title 1"/>
-          <p:cNvSpPr txBox="1">
-            <a:spLocks/>
-          </p:cNvSpPr>
-          <p:nvPr/>
-        </p:nvSpPr>
-        <p:spPr>
-          <a:xfrm>
-            <a:off x="92596" y="1"/>
-            <a:ext cx="8955499" cy="767328"/>
-          </a:xfrm>
-          <a:prstGeom prst="rect">
-            <a:avLst/>
-          </a:prstGeom>
-        </p:spPr>
-        <p:txBody>
-          <a:bodyPr vert="horz" lIns="91440" tIns="45720" rIns="91440" bIns="45720" rtlCol="0" anchor="ctr">
-            <a:normAutofit/>
-          </a:bodyPr>
-          <a:lstStyle>
-            <a:lvl1pPr algn="ctr" defTabSz="457200" rtl="0" eaLnBrk="1" latinLnBrk="0" hangingPunct="1">
-              <a:spcBef>
-                <a:spcPct val="0"/>
-              </a:spcBef>
-              <a:buNone/>
-              <a:defRPr sz="4400" kern="1200">
-                <a:solidFill>
-                  <a:schemeClr val="tx1"/>
-                </a:solidFill>
-                <a:latin typeface="+mj-lt"/>
-                <a:ea typeface="+mj-ea"/>
-                <a:cs typeface="+mj-cs"/>
-              </a:defRPr>
-            </a:lvl1pPr>
-          </a:lstStyle>
-          <a:p>
-            <a:pPr algn="l"/>
-            <a:r>
-              <a:rPr lang="en-US" sz="3600" smtClean="0">
-                <a:solidFill>
-                  <a:schemeClr val="tx1">
-                    <a:lumMod val="65000"/>
-                    <a:lumOff val="35000"/>
-                  </a:schemeClr>
-                </a:solidFill>
-                <a:latin typeface="Rockwell"/>
-                <a:cs typeface="Rockwell"/>
-              </a:rPr>
-              <a:t>PCA-thagorean Theorem</a:t>
-            </a:r>
-            <a:endParaRPr lang="en-US" sz="3600" dirty="0">
-              <a:solidFill>
-                <a:schemeClr val="tx1">
-                  <a:lumMod val="65000"/>
-                  <a:lumOff val="35000"/>
-                </a:schemeClr>
-              </a:solidFill>
-              <a:latin typeface="Rockwell"/>
-              <a:cs typeface="Rockwell"/>
-            </a:endParaRPr>
-          </a:p>
-        </p:txBody>
-      </p:sp>
-    </p:spTree>
-    <p:extLst>
-      <p:ext uri="{BB962C8B-B14F-4D97-AF65-F5344CB8AC3E}">
-        <p14:creationId xmlns:p14="http://schemas.microsoft.com/office/powerpoint/2010/main" val="3175677195"/>
-      </p:ext>
-    </p:extLst>
-  </p:cSld>
-  <p:clrMapOvr>
-    <a:masterClrMapping/>
-  </p:clrMapOvr>
-  <p:timing>
-    <p:tnLst>
-      <p:par>
-        <p:cTn xmlns:p14="http://schemas.microsoft.com/office/powerpoint/2010/main" id="1" dur="indefinite" restart="never" nodeType="tmRoot">
-          <p:childTnLst>
-            <p:seq concurrent="1" nextAc="seek">
-              <p:cTn id="2" dur="indefinite" nodeType="mainSeq">
-                <p:childTnLst>
-                  <p:par>
-                    <p:cTn id="3" fill="hold">
-                      <p:stCondLst>
-                        <p:cond delay="indefinite"/>
-                      </p:stCondLst>
-                      <p:childTnLst>
-                        <p:par>
-                          <p:cTn id="4" fill="hold">
-                            <p:stCondLst>
-                              <p:cond delay="0"/>
-                            </p:stCondLst>
-                            <p:childTnLst>
-                              <p:par>
-                                <p:cTn id="5" presetID="1" presetClass="entr" presetSubtype="0" fill="hold" grpId="0" nodeType="clickEffect">
-                                  <p:stCondLst>
-                                    <p:cond delay="0"/>
-                                  </p:stCondLst>
-                                  <p:childTnLst>
-                                    <p:set>
-                                      <p:cBhvr>
-                                        <p:cTn id="6" dur="1" fill="hold">
-                                          <p:stCondLst>
-                                            <p:cond delay="0"/>
-                                          </p:stCondLst>
-                                        </p:cTn>
-                                        <p:tgtEl>
-                                          <p:spTgt spid="56"/>
-                                        </p:tgtEl>
-                                        <p:attrNameLst>
-                                          <p:attrName>style.visibility</p:attrName>
-                                        </p:attrNameLst>
-                                      </p:cBhvr>
-                                      <p:to>
-                                        <p:strVal val="visible"/>
-                                      </p:to>
-                                    </p:set>
-                                  </p:childTnLst>
-                                </p:cTn>
-                              </p:par>
-                              <p:par>
-                                <p:cTn id="7" presetID="1" presetClass="entr" presetSubtype="0" fill="hold" nodeType="withEffect">
-                                  <p:stCondLst>
-                                    <p:cond delay="0"/>
-                                  </p:stCondLst>
-                                  <p:childTnLst>
-                                    <p:set>
-                                      <p:cBhvr>
-                                        <p:cTn id="8" dur="1" fill="hold">
-                                          <p:stCondLst>
-                                            <p:cond delay="0"/>
-                                          </p:stCondLst>
-                                        </p:cTn>
-                                        <p:tgtEl>
-                                          <p:spTgt spid="57"/>
-                                        </p:tgtEl>
-                                        <p:attrNameLst>
-                                          <p:attrName>style.visibility</p:attrName>
-                                        </p:attrNameLst>
-                                      </p:cBhvr>
-                                      <p:to>
-                                        <p:strVal val="visible"/>
-                                      </p:to>
-                                    </p:set>
-                                  </p:childTnLst>
-                                </p:cTn>
-                              </p:par>
-                              <p:par>
-                                <p:cTn id="9" presetID="1" presetClass="entr" presetSubtype="0" fill="hold" nodeType="withEffect">
-                                  <p:stCondLst>
-                                    <p:cond delay="0"/>
-                                  </p:stCondLst>
-                                  <p:childTnLst>
-                                    <p:set>
-                                      <p:cBhvr>
-                                        <p:cTn id="10" dur="1" fill="hold">
-                                          <p:stCondLst>
-                                            <p:cond delay="0"/>
-                                          </p:stCondLst>
-                                        </p:cTn>
-                                        <p:tgtEl>
-                                          <p:spTgt spid="58"/>
-                                        </p:tgtEl>
-                                        <p:attrNameLst>
-                                          <p:attrName>style.visibility</p:attrName>
-                                        </p:attrNameLst>
-                                      </p:cBhvr>
-                                      <p:to>
-                                        <p:strVal val="visible"/>
-                                      </p:to>
-                                    </p:set>
-                                  </p:childTnLst>
-                                </p:cTn>
-                              </p:par>
-                              <p:par>
-                                <p:cTn id="11" presetID="1" presetClass="entr" presetSubtype="0" fill="hold" nodeType="withEffect">
-                                  <p:stCondLst>
-                                    <p:cond delay="0"/>
-                                  </p:stCondLst>
-                                  <p:childTnLst>
-                                    <p:set>
-                                      <p:cBhvr>
-                                        <p:cTn id="12" dur="1" fill="hold">
-                                          <p:stCondLst>
-                                            <p:cond delay="0"/>
-                                          </p:stCondLst>
-                                        </p:cTn>
-                                        <p:tgtEl>
-                                          <p:spTgt spid="59"/>
-                                        </p:tgtEl>
-                                        <p:attrNameLst>
-                                          <p:attrName>style.visibility</p:attrName>
-                                        </p:attrNameLst>
-                                      </p:cBhvr>
-                                      <p:to>
-                                        <p:strVal val="visible"/>
-                                      </p:to>
-                                    </p:set>
-                                  </p:childTnLst>
-                                </p:cTn>
-                              </p:par>
-                              <p:par>
-                                <p:cTn id="13" presetID="1" presetClass="entr" presetSubtype="0" fill="hold" nodeType="withEffect">
-                                  <p:stCondLst>
-                                    <p:cond delay="0"/>
-                                  </p:stCondLst>
-                                  <p:childTnLst>
-                                    <p:set>
-                                      <p:cBhvr>
-                                        <p:cTn id="14" dur="1" fill="hold">
-                                          <p:stCondLst>
-                                            <p:cond delay="0"/>
-                                          </p:stCondLst>
-                                        </p:cTn>
-                                        <p:tgtEl>
-                                          <p:spTgt spid="60"/>
-                                        </p:tgtEl>
-                                        <p:attrNameLst>
-                                          <p:attrName>style.visibility</p:attrName>
-                                        </p:attrNameLst>
-                                      </p:cBhvr>
-                                      <p:to>
-                                        <p:strVal val="visible"/>
-                                      </p:to>
-                                    </p:set>
-                                  </p:childTnLst>
-                                </p:cTn>
-                              </p:par>
-                              <p:par>
-                                <p:cTn id="15" presetID="1" presetClass="entr" presetSubtype="0" fill="hold" nodeType="withEffect">
-                                  <p:stCondLst>
-                                    <p:cond delay="0"/>
-                                  </p:stCondLst>
-                                  <p:childTnLst>
-                                    <p:set>
-                                      <p:cBhvr>
-                                        <p:cTn id="16" dur="1" fill="hold">
-                                          <p:stCondLst>
-                                            <p:cond delay="0"/>
-                                          </p:stCondLst>
-                                        </p:cTn>
-                                        <p:tgtEl>
-                                          <p:spTgt spid="63"/>
-                                        </p:tgtEl>
-                                        <p:attrNameLst>
-                                          <p:attrName>style.visibility</p:attrName>
-                                        </p:attrNameLst>
-                                      </p:cBhvr>
-                                      <p:to>
-                                        <p:strVal val="visible"/>
-                                      </p:to>
-                                    </p:set>
-                                  </p:childTnLst>
-                                </p:cTn>
-                              </p:par>
-                              <p:par>
-                                <p:cTn id="17" presetID="1" presetClass="entr" presetSubtype="0" fill="hold" grpId="0" nodeType="withEffect">
-                                  <p:stCondLst>
-                                    <p:cond delay="0"/>
-                                  </p:stCondLst>
-                                  <p:childTnLst>
-                                    <p:set>
-                                      <p:cBhvr>
-                                        <p:cTn id="18" dur="1" fill="hold">
-                                          <p:stCondLst>
-                                            <p:cond delay="0"/>
-                                          </p:stCondLst>
-                                        </p:cTn>
-                                        <p:tgtEl>
-                                          <p:spTgt spid="64"/>
-                                        </p:tgtEl>
-                                        <p:attrNameLst>
-                                          <p:attrName>style.visibility</p:attrName>
-                                        </p:attrNameLst>
-                                      </p:cBhvr>
-                                      <p:to>
-                                        <p:strVal val="visible"/>
-                                      </p:to>
-                                    </p:set>
-                                  </p:childTnLst>
-                                </p:cTn>
-                              </p:par>
-                            </p:childTnLst>
-                          </p:cTn>
-                        </p:par>
-                      </p:childTnLst>
-                    </p:cTn>
-                  </p:par>
-                  <p:par>
-                    <p:cTn id="19" fill="hold">
-                      <p:stCondLst>
-                        <p:cond delay="indefinite"/>
-                      </p:stCondLst>
-                      <p:childTnLst>
-                        <p:par>
-                          <p:cTn id="20" fill="hold">
-                            <p:stCondLst>
-                              <p:cond delay="0"/>
-                            </p:stCondLst>
-                            <p:childTnLst>
-                              <p:par>
-                                <p:cTn id="21" presetID="1" presetClass="entr" presetSubtype="0" fill="hold" grpId="0" nodeType="clickEffect">
-                                  <p:stCondLst>
-                                    <p:cond delay="0"/>
-                                  </p:stCondLst>
-                                  <p:childTnLst>
-                                    <p:set>
-                                      <p:cBhvr>
-                                        <p:cTn id="22" dur="1" fill="hold">
-                                          <p:stCondLst>
-                                            <p:cond delay="0"/>
-                                          </p:stCondLst>
-                                        </p:cTn>
-                                        <p:tgtEl>
-                                          <p:spTgt spid="39"/>
-                                        </p:tgtEl>
-                                        <p:attrNameLst>
-                                          <p:attrName>style.visibility</p:attrName>
-                                        </p:attrNameLst>
-                                      </p:cBhvr>
-                                      <p:to>
-                                        <p:strVal val="visible"/>
-                                      </p:to>
-                                    </p:set>
-                                  </p:childTnLst>
-                                </p:cTn>
-                              </p:par>
-                              <p:par>
-                                <p:cTn id="23" presetID="1" presetClass="entr" presetSubtype="0" fill="hold" nodeType="withEffect">
-                                  <p:stCondLst>
-                                    <p:cond delay="0"/>
-                                  </p:stCondLst>
-                                  <p:childTnLst>
-                                    <p:set>
-                                      <p:cBhvr>
-                                        <p:cTn id="24" dur="1" fill="hold">
-                                          <p:stCondLst>
-                                            <p:cond delay="0"/>
-                                          </p:stCondLst>
-                                        </p:cTn>
-                                        <p:tgtEl>
-                                          <p:spTgt spid="40"/>
-                                        </p:tgtEl>
-                                        <p:attrNameLst>
-                                          <p:attrName>style.visibility</p:attrName>
-                                        </p:attrNameLst>
-                                      </p:cBhvr>
-                                      <p:to>
-                                        <p:strVal val="visible"/>
-                                      </p:to>
-                                    </p:set>
-                                  </p:childTnLst>
-                                </p:cTn>
-                              </p:par>
-                              <p:par>
-                                <p:cTn id="25" presetID="1" presetClass="entr" presetSubtype="0" fill="hold" nodeType="withEffect">
-                                  <p:stCondLst>
-                                    <p:cond delay="0"/>
-                                  </p:stCondLst>
-                                  <p:childTnLst>
-                                    <p:set>
-                                      <p:cBhvr>
-                                        <p:cTn id="26" dur="1" fill="hold">
-                                          <p:stCondLst>
-                                            <p:cond delay="0"/>
-                                          </p:stCondLst>
-                                        </p:cTn>
-                                        <p:tgtEl>
-                                          <p:spTgt spid="13"/>
-                                        </p:tgtEl>
-                                        <p:attrNameLst>
-                                          <p:attrName>style.visibility</p:attrName>
-                                        </p:attrNameLst>
-                                      </p:cBhvr>
-                                      <p:to>
-                                        <p:strVal val="visible"/>
-                                      </p:to>
-                                    </p:set>
-                                  </p:childTnLst>
-                                </p:cTn>
-                              </p:par>
-                            </p:childTnLst>
-                          </p:cTn>
-                        </p:par>
-                      </p:childTnLst>
-                    </p:cTn>
-                  </p:par>
-                  <p:par>
-                    <p:cTn id="27" fill="hold">
-                      <p:stCondLst>
-                        <p:cond delay="indefinite"/>
-                      </p:stCondLst>
-                      <p:childTnLst>
-                        <p:par>
-                          <p:cTn id="28" fill="hold">
-                            <p:stCondLst>
-                              <p:cond delay="0"/>
-                            </p:stCondLst>
-                            <p:childTnLst>
-                              <p:par>
-                                <p:cTn id="29" presetID="1" presetClass="entr" presetSubtype="0" fill="hold" nodeType="clickEffect">
-                                  <p:stCondLst>
-                                    <p:cond delay="0"/>
-                                  </p:stCondLst>
-                                  <p:childTnLst>
-                                    <p:set>
-                                      <p:cBhvr>
-                                        <p:cTn id="30" dur="1" fill="hold">
-                                          <p:stCondLst>
-                                            <p:cond delay="0"/>
-                                          </p:stCondLst>
-                                        </p:cTn>
-                                        <p:tgtEl>
-                                          <p:spTgt spid="43"/>
-                                        </p:tgtEl>
-                                        <p:attrNameLst>
-                                          <p:attrName>style.visibility</p:attrName>
-                                        </p:attrNameLst>
-                                      </p:cBhvr>
-                                      <p:to>
-                                        <p:strVal val="visible"/>
-                                      </p:to>
-                                    </p:set>
-                                  </p:childTnLst>
-                                </p:cTn>
-                              </p:par>
-                              <p:par>
-                                <p:cTn id="31" presetID="1" presetClass="entr" presetSubtype="0" fill="hold" grpId="0" nodeType="withEffect">
-                                  <p:stCondLst>
-                                    <p:cond delay="0"/>
-                                  </p:stCondLst>
-                                  <p:childTnLst>
-                                    <p:set>
-                                      <p:cBhvr>
-                                        <p:cTn id="32" dur="1" fill="hold">
-                                          <p:stCondLst>
-                                            <p:cond delay="0"/>
-                                          </p:stCondLst>
-                                        </p:cTn>
-                                        <p:tgtEl>
-                                          <p:spTgt spid="42"/>
-                                        </p:tgtEl>
-                                        <p:attrNameLst>
-                                          <p:attrName>style.visibility</p:attrName>
-                                        </p:attrNameLst>
-                                      </p:cBhvr>
-                                      <p:to>
-                                        <p:strVal val="visible"/>
-                                      </p:to>
-                                    </p:set>
-                                  </p:childTnLst>
-                                </p:cTn>
-                              </p:par>
-                              <p:par>
-                                <p:cTn id="33" presetID="1" presetClass="entr" presetSubtype="0" fill="hold" nodeType="withEffect">
-                                  <p:stCondLst>
-                                    <p:cond delay="0"/>
-                                  </p:stCondLst>
-                                  <p:childTnLst>
-                                    <p:set>
-                                      <p:cBhvr>
-                                        <p:cTn id="34" dur="1" fill="hold">
-                                          <p:stCondLst>
-                                            <p:cond delay="0"/>
-                                          </p:stCondLst>
-                                        </p:cTn>
-                                        <p:tgtEl>
-                                          <p:spTgt spid="41"/>
-                                        </p:tgtEl>
-                                        <p:attrNameLst>
-                                          <p:attrName>style.visibility</p:attrName>
-                                        </p:attrNameLst>
-                                      </p:cBhvr>
-                                      <p:to>
-                                        <p:strVal val="visible"/>
-                                      </p:to>
-                                    </p:set>
-                                  </p:childTnLst>
-                                </p:cTn>
-                              </p:par>
-                            </p:childTnLst>
-                          </p:cTn>
-                        </p:par>
-                      </p:childTnLst>
-                    </p:cTn>
-                  </p:par>
-                  <p:par>
-                    <p:cTn id="35" fill="hold">
-                      <p:stCondLst>
-                        <p:cond delay="indefinite"/>
-                      </p:stCondLst>
-                      <p:childTnLst>
-                        <p:par>
-                          <p:cTn id="36" fill="hold">
-                            <p:stCondLst>
-                              <p:cond delay="0"/>
-                            </p:stCondLst>
-                            <p:childTnLst>
-                              <p:par>
-                                <p:cTn id="37" presetID="1" presetClass="entr" presetSubtype="0" fill="hold" nodeType="clickEffect">
-                                  <p:stCondLst>
-                                    <p:cond delay="0"/>
-                                  </p:stCondLst>
-                                  <p:childTnLst>
-                                    <p:set>
-                                      <p:cBhvr>
-                                        <p:cTn id="38" dur="1" fill="hold">
-                                          <p:stCondLst>
-                                            <p:cond delay="0"/>
-                                          </p:stCondLst>
-                                        </p:cTn>
-                                        <p:tgtEl>
-                                          <p:spTgt spid="52"/>
-                                        </p:tgtEl>
-                                        <p:attrNameLst>
-                                          <p:attrName>style.visibility</p:attrName>
-                                        </p:attrNameLst>
-                                      </p:cBhvr>
-                                      <p:to>
-                                        <p:strVal val="visible"/>
-                                      </p:to>
-                                    </p:set>
-                                  </p:childTnLst>
-                                </p:cTn>
-                              </p:par>
-                              <p:par>
-                                <p:cTn id="39" presetID="1" presetClass="entr" presetSubtype="0" fill="hold" nodeType="withEffect">
-                                  <p:stCondLst>
-                                    <p:cond delay="0"/>
-                                  </p:stCondLst>
-                                  <p:childTnLst>
-                                    <p:set>
-                                      <p:cBhvr>
-                                        <p:cTn id="40" dur="1" fill="hold">
-                                          <p:stCondLst>
-                                            <p:cond delay="0"/>
-                                          </p:stCondLst>
-                                        </p:cTn>
-                                        <p:tgtEl>
-                                          <p:spTgt spid="38"/>
-                                        </p:tgtEl>
-                                        <p:attrNameLst>
-                                          <p:attrName>style.visibility</p:attrName>
-                                        </p:attrNameLst>
-                                      </p:cBhvr>
-                                      <p:to>
-                                        <p:strVal val="visible"/>
-                                      </p:to>
-                                    </p:set>
-                                  </p:childTnLst>
-                                </p:cTn>
-                              </p:par>
-                            </p:childTnLst>
-                          </p:cTn>
-                        </p:par>
-                      </p:childTnLst>
-                    </p:cTn>
-                  </p:par>
-                  <p:par>
-                    <p:cTn id="41" fill="hold">
-                      <p:stCondLst>
-                        <p:cond delay="indefinite"/>
-                      </p:stCondLst>
-                      <p:childTnLst>
-                        <p:par>
-                          <p:cTn id="42" fill="hold">
-                            <p:stCondLst>
-                              <p:cond delay="0"/>
-                            </p:stCondLst>
-                            <p:childTnLst>
-                              <p:par>
-                                <p:cTn id="43" presetID="1" presetClass="entr" presetSubtype="0" fill="hold" grpId="0" nodeType="clickEffect">
-                                  <p:stCondLst>
-                                    <p:cond delay="0"/>
-                                  </p:stCondLst>
-                                  <p:childTnLst>
-                                    <p:set>
-                                      <p:cBhvr>
-                                        <p:cTn id="44" dur="1" fill="hold">
-                                          <p:stCondLst>
-                                            <p:cond delay="0"/>
-                                          </p:stCondLst>
-                                        </p:cTn>
-                                        <p:tgtEl>
-                                          <p:spTgt spid="53"/>
-                                        </p:tgtEl>
-                                        <p:attrNameLst>
-                                          <p:attrName>style.visibility</p:attrName>
-                                        </p:attrNameLst>
-                                      </p:cBhvr>
-                                      <p:to>
-                                        <p:strVal val="visible"/>
-                                      </p:to>
-                                    </p:set>
-                                  </p:childTnLst>
-                                </p:cTn>
-                              </p:par>
-                              <p:par>
-                                <p:cTn id="45" presetID="1" presetClass="entr" presetSubtype="0" fill="hold" nodeType="withEffect">
-                                  <p:stCondLst>
-                                    <p:cond delay="0"/>
-                                  </p:stCondLst>
-                                  <p:childTnLst>
-                                    <p:set>
-                                      <p:cBhvr>
-                                        <p:cTn id="46" dur="1" fill="hold">
-                                          <p:stCondLst>
-                                            <p:cond delay="0"/>
-                                          </p:stCondLst>
-                                        </p:cTn>
-                                        <p:tgtEl>
-                                          <p:spTgt spid="54"/>
-                                        </p:tgtEl>
-                                        <p:attrNameLst>
-                                          <p:attrName>style.visibility</p:attrName>
-                                        </p:attrNameLst>
-                                      </p:cBhvr>
-                                      <p:to>
-                                        <p:strVal val="visible"/>
-                                      </p:to>
-                                    </p:set>
-                                  </p:childTnLst>
-                                </p:cTn>
-                              </p:par>
-                              <p:par>
-                                <p:cTn id="47" presetID="1" presetClass="entr" presetSubtype="0" fill="hold" nodeType="withEffect">
-                                  <p:stCondLst>
-                                    <p:cond delay="0"/>
-                                  </p:stCondLst>
-                                  <p:childTnLst>
-                                    <p:set>
-                                      <p:cBhvr>
-                                        <p:cTn id="48" dur="1" fill="hold">
-                                          <p:stCondLst>
-                                            <p:cond delay="0"/>
-                                          </p:stCondLst>
-                                        </p:cTn>
-                                        <p:tgtEl>
-                                          <p:spTgt spid="55"/>
-                                        </p:tgtEl>
-                                        <p:attrNameLst>
-                                          <p:attrName>style.visibility</p:attrName>
-                                        </p:attrNameLst>
-                                      </p:cBhvr>
-                                      <p:to>
-                                        <p:strVal val="visible"/>
-                                      </p:to>
-                                    </p:set>
-                                  </p:childTnLst>
-                                </p:cTn>
-                              </p:par>
-                              <p:par>
-                                <p:cTn id="49" presetID="1" presetClass="entr" presetSubtype="0" fill="hold" nodeType="withEffect">
-                                  <p:stCondLst>
-                                    <p:cond delay="0"/>
-                                  </p:stCondLst>
-                                  <p:childTnLst>
-                                    <p:set>
-                                      <p:cBhvr>
-                                        <p:cTn id="50" dur="1" fill="hold">
-                                          <p:stCondLst>
-                                            <p:cond delay="0"/>
-                                          </p:stCondLst>
-                                        </p:cTn>
-                                        <p:tgtEl>
-                                          <p:spTgt spid="11"/>
-                                        </p:tgtEl>
-                                        <p:attrNameLst>
-                                          <p:attrName>style.visibility</p:attrName>
-                                        </p:attrNameLst>
-                                      </p:cBhvr>
-                                      <p:to>
-                                        <p:strVal val="visible"/>
-                                      </p:to>
-                                    </p:set>
-                                  </p:childTnLst>
-                                </p:cTn>
-                              </p:par>
-                            </p:childTnLst>
-                          </p:cTn>
-                        </p:par>
-                      </p:childTnLst>
-                    </p:cTn>
-                  </p:par>
-                </p:childTnLst>
-              </p:cTn>
-              <p:prevCondLst>
-                <p:cond evt="onPrev" delay="0">
-                  <p:tgtEl>
-                    <p:sldTgt/>
-                  </p:tgtEl>
-                </p:cond>
-              </p:prevCondLst>
-              <p:nextCondLst>
-                <p:cond evt="onNext" delay="0">
-                  <p:tgtEl>
-                    <p:sldTgt/>
-                  </p:tgtEl>
-                </p:cond>
-              </p:nextCondLst>
-            </p:seq>
-          </p:childTnLst>
-        </p:cTn>
-      </p:par>
-    </p:tnLst>
-    <p:bldLst>
-      <p:bldP spid="39" grpId="0" animBg="1"/>
-      <p:bldP spid="42" grpId="0" animBg="1"/>
-      <p:bldP spid="53" grpId="0" animBg="1"/>
-      <p:bldP spid="56" grpId="0"/>
-      <p:bldP spid="64" grpId="0"/>
-    </p:bldLst>
-  </p:timing>
-</p:sld>
-</file>
-
-<file path=ppt/slides/slide27.xml><?xml version="1.0" encoding="utf-8"?>
-<p:sld xmlns:a="http://schemas.openxmlformats.org/drawingml/2006/main" xmlns:r="http://schemas.openxmlformats.org/officeDocument/2006/relationships" xmlns:p="http://schemas.openxmlformats.org/presentationml/2006/main">
-  <p:cSld>
-    <p:spTree>
-      <p:nvGrpSpPr>
-        <p:cNvPr id="1" name=""/>
-        <p:cNvGrpSpPr/>
-        <p:nvPr/>
-      </p:nvGrpSpPr>
-      <p:grpSpPr>
-        <a:xfrm>
-          <a:off x="0" y="0"/>
-          <a:ext cx="0" cy="0"/>
-          <a:chOff x="0" y="0"/>
-          <a:chExt cx="0" cy="0"/>
-        </a:xfrm>
-      </p:grpSpPr>
-      <p:sp>
-        <p:nvSpPr>
-          <p:cNvPr id="7" name="Rectangle 6"/>
-          <p:cNvSpPr/>
-          <p:nvPr/>
-        </p:nvSpPr>
-        <p:spPr>
-          <a:xfrm>
-            <a:off x="1" y="6318886"/>
-            <a:ext cx="9143998" cy="539114"/>
-          </a:xfrm>
-          <a:prstGeom prst="rect">
-            <a:avLst/>
-          </a:prstGeom>
-          <a:solidFill>
-            <a:schemeClr val="accent3">
-              <a:lumMod val="50000"/>
-            </a:schemeClr>
-          </a:solidFill>
-          <a:ln>
-            <a:noFill/>
-          </a:ln>
-          <a:effectLst/>
-        </p:spPr>
-        <p:style>
-          <a:lnRef idx="1">
-            <a:schemeClr val="accent1"/>
-          </a:lnRef>
-          <a:fillRef idx="3">
-            <a:schemeClr val="accent1"/>
-          </a:fillRef>
-          <a:effectRef idx="2">
-            <a:schemeClr val="accent1"/>
-          </a:effectRef>
-          <a:fontRef idx="minor">
-            <a:schemeClr val="lt1"/>
-          </a:fontRef>
-        </p:style>
-        <p:txBody>
-          <a:bodyPr rtlCol="0" anchor="ctr"/>
-          <a:lstStyle/>
-          <a:p>
-            <a:pPr algn="ctr"/>
-            <a:endParaRPr lang="en-US" sz="1200">
-              <a:solidFill>
-                <a:schemeClr val="accent3">
-                  <a:lumMod val="50000"/>
-                </a:schemeClr>
-              </a:solidFill>
-              <a:latin typeface="Helvetica"/>
-              <a:cs typeface="Helvetica"/>
-            </a:endParaRPr>
-          </a:p>
-        </p:txBody>
-      </p:sp>
-      <p:sp>
-        <p:nvSpPr>
-          <p:cNvPr id="4" name="Title 1"/>
-          <p:cNvSpPr>
-            <a:spLocks noGrp="1"/>
-          </p:cNvSpPr>
-          <p:nvPr>
-            <p:ph type="title"/>
-          </p:nvPr>
-        </p:nvSpPr>
-        <p:spPr>
-          <a:xfrm>
-            <a:off x="92596" y="1"/>
-            <a:ext cx="8955499" cy="767328"/>
-          </a:xfrm>
-        </p:spPr>
-        <p:txBody>
-          <a:bodyPr>
-            <a:normAutofit/>
-          </a:bodyPr>
-          <a:lstStyle/>
-          <a:p>
-            <a:pPr algn="l"/>
-            <a:r>
-              <a:rPr lang="en-US" sz="3600" dirty="0" smtClean="0">
-                <a:solidFill>
-                  <a:schemeClr val="tx1">
-                    <a:lumMod val="65000"/>
-                    <a:lumOff val="35000"/>
-                  </a:schemeClr>
-                </a:solidFill>
-                <a:latin typeface="Rockwell"/>
-                <a:cs typeface="Rockwell"/>
-              </a:rPr>
-              <a:t>PCA-</a:t>
-            </a:r>
-            <a:r>
-              <a:rPr lang="en-US" sz="3600" dirty="0" err="1" smtClean="0">
-                <a:solidFill>
-                  <a:schemeClr val="tx1">
-                    <a:lumMod val="65000"/>
-                    <a:lumOff val="35000"/>
-                  </a:schemeClr>
-                </a:solidFill>
-                <a:latin typeface="Rockwell"/>
-                <a:cs typeface="Rockwell"/>
-              </a:rPr>
-              <a:t>thagorean</a:t>
-            </a:r>
-            <a:r>
-              <a:rPr lang="en-US" sz="3600" dirty="0" smtClean="0">
-                <a:solidFill>
-                  <a:schemeClr val="tx1">
-                    <a:lumMod val="65000"/>
-                    <a:lumOff val="35000"/>
-                  </a:schemeClr>
-                </a:solidFill>
-                <a:latin typeface="Rockwell"/>
-                <a:cs typeface="Rockwell"/>
-              </a:rPr>
-              <a:t> Theorem</a:t>
-            </a:r>
-            <a:endParaRPr lang="en-US" sz="3600" dirty="0">
-              <a:solidFill>
-                <a:schemeClr val="tx1">
-                  <a:lumMod val="65000"/>
-                  <a:lumOff val="35000"/>
-                </a:schemeClr>
-              </a:solidFill>
-              <a:latin typeface="Rockwell"/>
-              <a:cs typeface="Rockwell"/>
-            </a:endParaRPr>
-          </a:p>
-        </p:txBody>
-      </p:sp>
-      <p:sp>
-        <p:nvSpPr>
-          <p:cNvPr id="6" name="Rectangle 5"/>
-          <p:cNvSpPr/>
-          <p:nvPr/>
-        </p:nvSpPr>
-        <p:spPr>
-          <a:xfrm>
-            <a:off x="0" y="723606"/>
-            <a:ext cx="4567817" cy="90786"/>
-          </a:xfrm>
-          <a:prstGeom prst="rect">
-            <a:avLst/>
-          </a:prstGeom>
-          <a:solidFill>
-            <a:schemeClr val="accent3">
-              <a:lumMod val="50000"/>
-            </a:schemeClr>
-          </a:solidFill>
-          <a:ln>
-            <a:noFill/>
-          </a:ln>
-          <a:effectLst/>
-        </p:spPr>
-        <p:style>
-          <a:lnRef idx="1">
-            <a:schemeClr val="accent1"/>
-          </a:lnRef>
-          <a:fillRef idx="3">
-            <a:schemeClr val="accent1"/>
-          </a:fillRef>
-          <a:effectRef idx="2">
-            <a:schemeClr val="accent1"/>
-          </a:effectRef>
-          <a:fontRef idx="minor">
-            <a:schemeClr val="lt1"/>
-          </a:fontRef>
-        </p:style>
-        <p:txBody>
-          <a:bodyPr rtlCol="0" anchor="ctr"/>
-          <a:lstStyle/>
-          <a:p>
-            <a:pPr algn="ctr"/>
-            <a:endParaRPr lang="en-US" sz="1200">
-              <a:solidFill>
-                <a:schemeClr val="accent3">
-                  <a:lumMod val="50000"/>
-                </a:schemeClr>
-              </a:solidFill>
-              <a:latin typeface="Helvetica"/>
-              <a:cs typeface="Helvetica"/>
-            </a:endParaRPr>
-          </a:p>
-        </p:txBody>
-      </p:sp>
-      <p:sp>
-        <p:nvSpPr>
-          <p:cNvPr id="56" name="TextBox 55"/>
-          <p:cNvSpPr txBox="1"/>
-          <p:nvPr/>
-        </p:nvSpPr>
-        <p:spPr>
-          <a:xfrm>
-            <a:off x="347336" y="2213373"/>
-            <a:ext cx="8401553" cy="923330"/>
-          </a:xfrm>
-          <a:prstGeom prst="rect">
-            <a:avLst/>
-          </a:prstGeom>
-          <a:noFill/>
-        </p:spPr>
-        <p:txBody>
-          <a:bodyPr wrap="square" rtlCol="0">
-            <a:spAutoFit/>
-          </a:bodyPr>
-          <a:lstStyle/>
-          <a:p>
-            <a:r>
-              <a:rPr lang="en-US" dirty="0" smtClean="0">
-                <a:latin typeface="Helvetica"/>
-                <a:cs typeface="Helvetica"/>
-              </a:rPr>
-              <a:t>Therefore, given a dataset                    </a:t>
-            </a:r>
-            <a:r>
-              <a:rPr lang="en-US" dirty="0" smtClean="0">
-                <a:latin typeface="Helvetica"/>
-                <a:cs typeface="Helvetica"/>
-              </a:rPr>
-              <a:t> with </a:t>
-            </a:r>
-            <a:r>
-              <a:rPr lang="en-US" dirty="0" smtClean="0">
-                <a:latin typeface="Helvetica"/>
-                <a:cs typeface="Helvetica"/>
-              </a:rPr>
-              <a:t>center (mean)    , for any line through the center,   , and orthogonal projections onto that line,                     </a:t>
-            </a:r>
-            <a:r>
-              <a:rPr lang="en-US" dirty="0" smtClean="0">
-                <a:latin typeface="Helvetica"/>
-                <a:cs typeface="Helvetica"/>
-              </a:rPr>
-              <a:t>, </a:t>
-            </a:r>
-            <a:r>
-              <a:rPr lang="en-US" dirty="0" smtClean="0">
-                <a:latin typeface="Helvetica"/>
-                <a:cs typeface="Helvetica"/>
-              </a:rPr>
-              <a:t>we </a:t>
-            </a:r>
-            <a:r>
-              <a:rPr lang="en-US" dirty="0" smtClean="0">
-                <a:latin typeface="Helvetica"/>
-                <a:cs typeface="Helvetica"/>
-              </a:rPr>
-              <a:t>have:</a:t>
-            </a:r>
-            <a:endParaRPr lang="en-US" b="1" dirty="0">
-              <a:latin typeface="Helvetica"/>
-              <a:cs typeface="Helvetica"/>
-            </a:endParaRPr>
-          </a:p>
-        </p:txBody>
-      </p:sp>
-      <p:graphicFrame>
-        <p:nvGraphicFramePr>
-          <p:cNvPr id="57" name="Object 56"/>
-          <p:cNvGraphicFramePr>
-            <a:graphicFrameLocks noChangeAspect="1"/>
-          </p:cNvGraphicFramePr>
-          <p:nvPr>
-            <p:extLst>
-              <p:ext uri="{D42A27DB-BD31-4B8C-83A1-F6EECF244321}">
-                <p14:modId xmlns:p14="http://schemas.microsoft.com/office/powerpoint/2010/main" val="1333432888"/>
-              </p:ext>
-            </p:extLst>
-          </p:nvPr>
-        </p:nvGraphicFramePr>
-        <p:xfrm>
-          <a:off x="3128314" y="2241595"/>
-          <a:ext cx="1263776" cy="353114"/>
-        </p:xfrm>
-        <a:graphic>
-          <a:graphicData uri="http://schemas.openxmlformats.org/presentationml/2006/ole">
-            <mc:AlternateContent xmlns:mc="http://schemas.openxmlformats.org/markup-compatibility/2006">
-              <mc:Choice xmlns:v="urn:schemas-microsoft-com:vml" Requires="v">
-                <p:oleObj spid="_x0000_s4132" name="Equation" r:id="rId3" imgW="863600" imgH="241300" progId="Equation.3">
-                  <p:embed/>
-                </p:oleObj>
-              </mc:Choice>
-              <mc:Fallback>
-                <p:oleObj name="Equation" r:id="rId3" imgW="863600" imgH="241300" progId="Equation.3">
-                  <p:embed/>
-                  <p:pic>
-                    <p:nvPicPr>
-                      <p:cNvPr id="0" name=""/>
-                      <p:cNvPicPr/>
-                      <p:nvPr/>
-                    </p:nvPicPr>
-                    <p:blipFill>
-                      <a:blip r:embed="rId4"/>
-                      <a:stretch>
-                        <a:fillRect/>
-                      </a:stretch>
-                    </p:blipFill>
-                    <p:spPr>
-                      <a:xfrm>
-                        <a:off x="3128314" y="2241595"/>
-                        <a:ext cx="1263776" cy="353114"/>
-                      </a:xfrm>
-                      <a:prstGeom prst="rect">
-                        <a:avLst/>
-                      </a:prstGeom>
-                    </p:spPr>
-                  </p:pic>
-                </p:oleObj>
-              </mc:Fallback>
-            </mc:AlternateContent>
-          </a:graphicData>
-        </a:graphic>
-      </p:graphicFrame>
-      <p:graphicFrame>
-        <p:nvGraphicFramePr>
-          <p:cNvPr id="58" name="Object 57"/>
-          <p:cNvGraphicFramePr>
-            <a:graphicFrameLocks noChangeAspect="1"/>
-          </p:cNvGraphicFramePr>
-          <p:nvPr>
-            <p:extLst>
-              <p:ext uri="{D42A27DB-BD31-4B8C-83A1-F6EECF244321}">
-                <p14:modId xmlns:p14="http://schemas.microsoft.com/office/powerpoint/2010/main" val="3101883102"/>
-              </p:ext>
-            </p:extLst>
-          </p:nvPr>
-        </p:nvGraphicFramePr>
-        <p:xfrm>
-          <a:off x="6428339" y="2292852"/>
-          <a:ext cx="204787" cy="241300"/>
-        </p:xfrm>
-        <a:graphic>
-          <a:graphicData uri="http://schemas.openxmlformats.org/presentationml/2006/ole">
-            <mc:AlternateContent xmlns:mc="http://schemas.openxmlformats.org/markup-compatibility/2006">
-              <mc:Choice xmlns:v="urn:schemas-microsoft-com:vml" Requires="v">
-                <p:oleObj spid="_x0000_s4133" name="Equation" r:id="rId5" imgW="139700" imgH="165100" progId="Equation.3">
-                  <p:embed/>
-                </p:oleObj>
-              </mc:Choice>
-              <mc:Fallback>
-                <p:oleObj name="Equation" r:id="rId5" imgW="139700" imgH="165100" progId="Equation.3">
-                  <p:embed/>
-                  <p:pic>
-                    <p:nvPicPr>
-                      <p:cNvPr id="0" name=""/>
-                      <p:cNvPicPr/>
-                      <p:nvPr/>
-                    </p:nvPicPr>
-                    <p:blipFill>
-                      <a:blip r:embed="rId6"/>
-                      <a:stretch>
-                        <a:fillRect/>
-                      </a:stretch>
-                    </p:blipFill>
-                    <p:spPr>
-                      <a:xfrm>
-                        <a:off x="6428339" y="2292852"/>
-                        <a:ext cx="204787" cy="241300"/>
-                      </a:xfrm>
-                      <a:prstGeom prst="rect">
-                        <a:avLst/>
-                      </a:prstGeom>
-                    </p:spPr>
-                  </p:pic>
-                </p:oleObj>
-              </mc:Fallback>
-            </mc:AlternateContent>
-          </a:graphicData>
-        </a:graphic>
-      </p:graphicFrame>
-      <p:graphicFrame>
-        <p:nvGraphicFramePr>
-          <p:cNvPr id="59" name="Object 58"/>
-          <p:cNvGraphicFramePr>
-            <a:graphicFrameLocks noChangeAspect="1"/>
-          </p:cNvGraphicFramePr>
-          <p:nvPr>
-            <p:extLst>
-              <p:ext uri="{D42A27DB-BD31-4B8C-83A1-F6EECF244321}">
-                <p14:modId xmlns:p14="http://schemas.microsoft.com/office/powerpoint/2010/main" val="1251226661"/>
-              </p:ext>
-            </p:extLst>
-          </p:nvPr>
-        </p:nvGraphicFramePr>
-        <p:xfrm>
-          <a:off x="2376852" y="2508240"/>
-          <a:ext cx="192781" cy="280910"/>
-        </p:xfrm>
-        <a:graphic>
-          <a:graphicData uri="http://schemas.openxmlformats.org/presentationml/2006/ole">
-            <mc:AlternateContent xmlns:mc="http://schemas.openxmlformats.org/markup-compatibility/2006">
-              <mc:Choice xmlns:v="urn:schemas-microsoft-com:vml" Requires="v">
-                <p:oleObj spid="_x0000_s4134" name="Equation" r:id="rId7" imgW="114300" imgH="165100" progId="Equation.3">
-                  <p:embed/>
-                </p:oleObj>
-              </mc:Choice>
-              <mc:Fallback>
-                <p:oleObj name="Equation" r:id="rId7" imgW="114300" imgH="165100" progId="Equation.3">
-                  <p:embed/>
-                  <p:pic>
-                    <p:nvPicPr>
-                      <p:cNvPr id="0" name=""/>
-                      <p:cNvPicPr/>
-                      <p:nvPr/>
-                    </p:nvPicPr>
-                    <p:blipFill>
-                      <a:blip r:embed="rId8"/>
-                      <a:stretch>
-                        <a:fillRect/>
-                      </a:stretch>
-                    </p:blipFill>
-                    <p:spPr>
-                      <a:xfrm>
-                        <a:off x="2376852" y="2508240"/>
-                        <a:ext cx="192781" cy="280910"/>
-                      </a:xfrm>
-                      <a:prstGeom prst="rect">
-                        <a:avLst/>
-                      </a:prstGeom>
-                    </p:spPr>
-                  </p:pic>
-                </p:oleObj>
-              </mc:Fallback>
-            </mc:AlternateContent>
-          </a:graphicData>
-        </a:graphic>
-      </p:graphicFrame>
-      <p:graphicFrame>
-        <p:nvGraphicFramePr>
-          <p:cNvPr id="60" name="Object 59"/>
-          <p:cNvGraphicFramePr>
-            <a:graphicFrameLocks noChangeAspect="1"/>
-          </p:cNvGraphicFramePr>
-          <p:nvPr>
-            <p:extLst>
-              <p:ext uri="{D42A27DB-BD31-4B8C-83A1-F6EECF244321}">
-                <p14:modId xmlns:p14="http://schemas.microsoft.com/office/powerpoint/2010/main" val="1597118842"/>
-              </p:ext>
-            </p:extLst>
-          </p:nvPr>
-        </p:nvGraphicFramePr>
-        <p:xfrm>
-          <a:off x="6880650" y="2499536"/>
-          <a:ext cx="1263776" cy="353114"/>
-        </p:xfrm>
-        <a:graphic>
-          <a:graphicData uri="http://schemas.openxmlformats.org/presentationml/2006/ole">
-            <mc:AlternateContent xmlns:mc="http://schemas.openxmlformats.org/markup-compatibility/2006">
-              <mc:Choice xmlns:v="urn:schemas-microsoft-com:vml" Requires="v">
-                <p:oleObj spid="_x0000_s4135" name="Equation" r:id="rId9" imgW="863600" imgH="241300" progId="Equation.3">
-                  <p:embed/>
-                </p:oleObj>
-              </mc:Choice>
-              <mc:Fallback>
-                <p:oleObj name="Equation" r:id="rId9" imgW="863600" imgH="241300" progId="Equation.3">
-                  <p:embed/>
-                  <p:pic>
-                    <p:nvPicPr>
-                      <p:cNvPr id="0" name=""/>
-                      <p:cNvPicPr/>
-                      <p:nvPr/>
-                    </p:nvPicPr>
-                    <p:blipFill>
-                      <a:blip r:embed="rId10"/>
-                      <a:stretch>
-                        <a:fillRect/>
-                      </a:stretch>
-                    </p:blipFill>
-                    <p:spPr>
-                      <a:xfrm>
-                        <a:off x="6880650" y="2499536"/>
-                        <a:ext cx="1263776" cy="353114"/>
-                      </a:xfrm>
-                      <a:prstGeom prst="rect">
-                        <a:avLst/>
-                      </a:prstGeom>
-                    </p:spPr>
-                  </p:pic>
-                </p:oleObj>
-              </mc:Fallback>
-            </mc:AlternateContent>
-          </a:graphicData>
-        </a:graphic>
-      </p:graphicFrame>
-      <p:sp>
-        <p:nvSpPr>
-          <p:cNvPr id="61" name="TextBox 60"/>
-          <p:cNvSpPr txBox="1"/>
-          <p:nvPr/>
-        </p:nvSpPr>
-        <p:spPr>
-          <a:xfrm>
-            <a:off x="347336" y="1305799"/>
-            <a:ext cx="7393827" cy="646331"/>
-          </a:xfrm>
-          <a:prstGeom prst="rect">
-            <a:avLst/>
-          </a:prstGeom>
-          <a:noFill/>
-        </p:spPr>
-        <p:txBody>
-          <a:bodyPr wrap="square" rtlCol="0">
-            <a:spAutoFit/>
-          </a:bodyPr>
-          <a:lstStyle/>
-          <a:p>
-            <a:r>
-              <a:rPr lang="en-US" dirty="0" smtClean="0">
-                <a:latin typeface="Helvetica"/>
-                <a:cs typeface="Helvetica"/>
-              </a:rPr>
-              <a:t>Recall that if </a:t>
-            </a:r>
-            <a:r>
-              <a:rPr lang="en-US" i="1" dirty="0" smtClean="0">
-                <a:latin typeface="Times"/>
-                <a:cs typeface="Times"/>
-              </a:rPr>
-              <a:t>a</a:t>
-            </a:r>
-            <a:r>
-              <a:rPr lang="en-US" dirty="0" smtClean="0">
-                <a:latin typeface="Helvetica"/>
-                <a:cs typeface="Helvetica"/>
-              </a:rPr>
-              <a:t> and </a:t>
-            </a:r>
-            <a:r>
-              <a:rPr lang="en-US" i="1" dirty="0" smtClean="0">
-                <a:latin typeface="Times"/>
-                <a:cs typeface="Times"/>
-              </a:rPr>
-              <a:t>b</a:t>
-            </a:r>
-            <a:r>
-              <a:rPr lang="en-US" dirty="0" smtClean="0">
-                <a:latin typeface="Helvetica"/>
-                <a:cs typeface="Helvetica"/>
-              </a:rPr>
-              <a:t> are the legs of a right triangle with hypotenuse </a:t>
-            </a:r>
-            <a:r>
-              <a:rPr lang="en-US" i="1" dirty="0" smtClean="0">
-                <a:latin typeface="Times"/>
-                <a:cs typeface="Times"/>
-              </a:rPr>
-              <a:t>c</a:t>
-            </a:r>
-            <a:r>
-              <a:rPr lang="en-US" dirty="0" smtClean="0">
-                <a:latin typeface="Helvetica"/>
-                <a:cs typeface="Helvetica"/>
-              </a:rPr>
-              <a:t>, then</a:t>
-            </a:r>
-            <a:endParaRPr lang="en-US" b="1" dirty="0">
-              <a:latin typeface="Helvetica"/>
-              <a:cs typeface="Helvetica"/>
-            </a:endParaRPr>
-          </a:p>
-        </p:txBody>
-      </p:sp>
-      <p:graphicFrame>
-        <p:nvGraphicFramePr>
-          <p:cNvPr id="62" name="Object 61"/>
-          <p:cNvGraphicFramePr>
-            <a:graphicFrameLocks noChangeAspect="1"/>
-          </p:cNvGraphicFramePr>
-          <p:nvPr>
-            <p:extLst>
-              <p:ext uri="{D42A27DB-BD31-4B8C-83A1-F6EECF244321}">
-                <p14:modId xmlns:p14="http://schemas.microsoft.com/office/powerpoint/2010/main" val="685724519"/>
-              </p:ext>
-            </p:extLst>
-          </p:nvPr>
-        </p:nvGraphicFramePr>
-        <p:xfrm>
-          <a:off x="4070703" y="1760201"/>
-          <a:ext cx="1124160" cy="314697"/>
-        </p:xfrm>
-        <a:graphic>
-          <a:graphicData uri="http://schemas.openxmlformats.org/presentationml/2006/ole">
-            <mc:AlternateContent xmlns:mc="http://schemas.openxmlformats.org/markup-compatibility/2006">
-              <mc:Choice xmlns:v="urn:schemas-microsoft-com:vml" Requires="v">
-                <p:oleObj spid="_x0000_s4136" name="Equation" r:id="rId11" imgW="723900" imgH="203200" progId="Equation.3">
-                  <p:embed/>
-                </p:oleObj>
-              </mc:Choice>
-              <mc:Fallback>
-                <p:oleObj name="Equation" r:id="rId11" imgW="723900" imgH="203200" progId="Equation.3">
-                  <p:embed/>
-                  <p:pic>
-                    <p:nvPicPr>
-                      <p:cNvPr id="0" name=""/>
-                      <p:cNvPicPr/>
-                      <p:nvPr/>
-                    </p:nvPicPr>
-                    <p:blipFill>
-                      <a:blip r:embed="rId12"/>
-                      <a:stretch>
-                        <a:fillRect/>
-                      </a:stretch>
-                    </p:blipFill>
-                    <p:spPr>
-                      <a:xfrm>
-                        <a:off x="4070703" y="1760201"/>
-                        <a:ext cx="1124160" cy="314697"/>
-                      </a:xfrm>
-                      <a:prstGeom prst="rect">
-                        <a:avLst/>
-                      </a:prstGeom>
-                    </p:spPr>
-                  </p:pic>
-                </p:oleObj>
-              </mc:Fallback>
-            </mc:AlternateContent>
-          </a:graphicData>
-        </a:graphic>
-      </p:graphicFrame>
-      <p:graphicFrame>
-        <p:nvGraphicFramePr>
-          <p:cNvPr id="63" name="Object 62"/>
-          <p:cNvGraphicFramePr>
-            <a:graphicFrameLocks noChangeAspect="1"/>
-          </p:cNvGraphicFramePr>
-          <p:nvPr>
-            <p:extLst>
-              <p:ext uri="{D42A27DB-BD31-4B8C-83A1-F6EECF244321}">
-                <p14:modId xmlns:p14="http://schemas.microsoft.com/office/powerpoint/2010/main" val="3354412675"/>
-              </p:ext>
-            </p:extLst>
-          </p:nvPr>
-        </p:nvGraphicFramePr>
-        <p:xfrm>
-          <a:off x="3315936" y="2974590"/>
-          <a:ext cx="2655887" cy="407987"/>
-        </p:xfrm>
-        <a:graphic>
-          <a:graphicData uri="http://schemas.openxmlformats.org/presentationml/2006/ole">
-            <mc:AlternateContent xmlns:mc="http://schemas.openxmlformats.org/markup-compatibility/2006">
-              <mc:Choice xmlns:v="urn:schemas-microsoft-com:vml" Requires="v">
-                <p:oleObj spid="_x0000_s4137" name="Equation" r:id="rId13" imgW="1803400" imgH="279400" progId="Equation.3">
-                  <p:embed/>
-                </p:oleObj>
-              </mc:Choice>
-              <mc:Fallback>
-                <p:oleObj name="Equation" r:id="rId13" imgW="1803400" imgH="279400" progId="Equation.3">
-                  <p:embed/>
-                  <p:pic>
-                    <p:nvPicPr>
-                      <p:cNvPr id="0" name=""/>
-                      <p:cNvPicPr/>
-                      <p:nvPr/>
-                    </p:nvPicPr>
-                    <p:blipFill>
-                      <a:blip r:embed="rId14"/>
-                      <a:stretch>
-                        <a:fillRect/>
-                      </a:stretch>
-                    </p:blipFill>
-                    <p:spPr>
-                      <a:xfrm>
-                        <a:off x="3315936" y="2974590"/>
-                        <a:ext cx="2655887" cy="407987"/>
-                      </a:xfrm>
-                      <a:prstGeom prst="rect">
-                        <a:avLst/>
-                      </a:prstGeom>
-                    </p:spPr>
-                  </p:pic>
-                </p:oleObj>
-              </mc:Fallback>
-            </mc:AlternateContent>
-          </a:graphicData>
-        </a:graphic>
-      </p:graphicFrame>
-      <p:sp>
-        <p:nvSpPr>
-          <p:cNvPr id="64" name="TextBox 63"/>
-          <p:cNvSpPr txBox="1"/>
-          <p:nvPr/>
-        </p:nvSpPr>
-        <p:spPr>
-          <a:xfrm>
-            <a:off x="347336" y="3490146"/>
-            <a:ext cx="8401553" cy="369332"/>
-          </a:xfrm>
-          <a:prstGeom prst="rect">
-            <a:avLst/>
-          </a:prstGeom>
-          <a:noFill/>
-        </p:spPr>
-        <p:txBody>
-          <a:bodyPr wrap="square" rtlCol="0">
-            <a:spAutoFit/>
-          </a:bodyPr>
-          <a:lstStyle/>
-          <a:p>
-            <a:r>
-              <a:rPr lang="en-US" dirty="0" smtClean="0">
-                <a:latin typeface="Helvetica"/>
-                <a:cs typeface="Helvetica"/>
-              </a:rPr>
-              <a:t>for all </a:t>
-            </a:r>
-            <a:r>
-              <a:rPr lang="en-US" i="1" dirty="0" err="1" smtClean="0">
-                <a:latin typeface="Times"/>
-                <a:cs typeface="Times"/>
-              </a:rPr>
-              <a:t>i</a:t>
-            </a:r>
-            <a:r>
-              <a:rPr lang="en-US" i="1" dirty="0" smtClean="0">
-                <a:latin typeface="Times"/>
-                <a:cs typeface="Times"/>
-              </a:rPr>
-              <a:t> = 1, …, n</a:t>
-            </a:r>
-            <a:r>
-              <a:rPr lang="en-US" dirty="0" smtClean="0">
-                <a:latin typeface="Helvetica"/>
-                <a:cs typeface="Helvetica"/>
-              </a:rPr>
-              <a:t>.</a:t>
-            </a:r>
-          </a:p>
-        </p:txBody>
-      </p:sp>
-      <p:graphicFrame>
-        <p:nvGraphicFramePr>
-          <p:cNvPr id="65" name="Object 64"/>
-          <p:cNvGraphicFramePr>
-            <a:graphicFrameLocks noChangeAspect="1"/>
-          </p:cNvGraphicFramePr>
-          <p:nvPr>
-            <p:extLst>
-              <p:ext uri="{D42A27DB-BD31-4B8C-83A1-F6EECF244321}">
-                <p14:modId xmlns:p14="http://schemas.microsoft.com/office/powerpoint/2010/main" val="963455904"/>
-              </p:ext>
-            </p:extLst>
-          </p:nvPr>
-        </p:nvGraphicFramePr>
-        <p:xfrm>
-          <a:off x="2922588" y="4424538"/>
-          <a:ext cx="3403600" cy="666750"/>
-        </p:xfrm>
-        <a:graphic>
-          <a:graphicData uri="http://schemas.openxmlformats.org/presentationml/2006/ole">
-            <mc:AlternateContent xmlns:mc="http://schemas.openxmlformats.org/markup-compatibility/2006">
-              <mc:Choice xmlns:v="urn:schemas-microsoft-com:vml" Requires="v">
-                <p:oleObj spid="_x0000_s4138" name="Equation" r:id="rId15" imgW="2311400" imgH="457200" progId="Equation.3">
-                  <p:embed/>
-                </p:oleObj>
-              </mc:Choice>
-              <mc:Fallback>
-                <p:oleObj name="Equation" r:id="rId15" imgW="2311400" imgH="457200" progId="Equation.3">
-                  <p:embed/>
-                  <p:pic>
-                    <p:nvPicPr>
-                      <p:cNvPr id="0" name=""/>
-                      <p:cNvPicPr/>
-                      <p:nvPr/>
-                    </p:nvPicPr>
-                    <p:blipFill>
-                      <a:blip r:embed="rId16"/>
-                      <a:stretch>
-                        <a:fillRect/>
-                      </a:stretch>
-                    </p:blipFill>
-                    <p:spPr>
-                      <a:xfrm>
-                        <a:off x="2922588" y="4424538"/>
-                        <a:ext cx="3403600" cy="666750"/>
-                      </a:xfrm>
-                      <a:prstGeom prst="rect">
-                        <a:avLst/>
-                      </a:prstGeom>
-                    </p:spPr>
-                  </p:pic>
-                </p:oleObj>
-              </mc:Fallback>
-            </mc:AlternateContent>
-          </a:graphicData>
-        </a:graphic>
-      </p:graphicFrame>
-      <p:sp>
-        <p:nvSpPr>
-          <p:cNvPr id="66" name="TextBox 65"/>
-          <p:cNvSpPr txBox="1"/>
-          <p:nvPr/>
-        </p:nvSpPr>
-        <p:spPr>
-          <a:xfrm>
-            <a:off x="347336" y="3859478"/>
-            <a:ext cx="4726925" cy="369332"/>
-          </a:xfrm>
-          <a:prstGeom prst="rect">
-            <a:avLst/>
-          </a:prstGeom>
-          <a:noFill/>
-        </p:spPr>
-        <p:txBody>
-          <a:bodyPr wrap="none" rtlCol="0">
-            <a:spAutoFit/>
-          </a:bodyPr>
-          <a:lstStyle/>
-          <a:p>
-            <a:r>
-              <a:rPr lang="en-US" dirty="0" smtClean="0">
-                <a:latin typeface="Helvetica"/>
-                <a:cs typeface="Helvetica"/>
-              </a:rPr>
-              <a:t>Summing these equations over all </a:t>
-            </a:r>
-            <a:r>
-              <a:rPr lang="en-US" i="1" dirty="0" err="1" smtClean="0">
-                <a:latin typeface="Helvetica"/>
-                <a:cs typeface="Helvetica"/>
-              </a:rPr>
-              <a:t>i</a:t>
-            </a:r>
-            <a:r>
-              <a:rPr lang="en-US" dirty="0" smtClean="0">
-                <a:latin typeface="Helvetica"/>
-                <a:cs typeface="Helvetica"/>
-              </a:rPr>
-              <a:t>, you get:</a:t>
-            </a:r>
-          </a:p>
-        </p:txBody>
-      </p:sp>
-      <p:sp>
-        <p:nvSpPr>
-          <p:cNvPr id="67" name="Rounded Rectangle 66"/>
-          <p:cNvSpPr/>
-          <p:nvPr/>
-        </p:nvSpPr>
-        <p:spPr>
-          <a:xfrm>
-            <a:off x="2922588" y="4452760"/>
-            <a:ext cx="993466" cy="666750"/>
-          </a:xfrm>
-          <a:prstGeom prst="roundRect">
-            <a:avLst/>
-          </a:prstGeom>
-          <a:noFill/>
-          <a:ln w="25400">
-            <a:solidFill>
-              <a:schemeClr val="tx1">
-                <a:lumMod val="50000"/>
-                <a:lumOff val="50000"/>
-              </a:schemeClr>
-            </a:solidFill>
-          </a:ln>
-          <a:effectLst/>
-        </p:spPr>
-        <p:style>
-          <a:lnRef idx="1">
-            <a:schemeClr val="accent1"/>
-          </a:lnRef>
-          <a:fillRef idx="3">
-            <a:schemeClr val="accent1"/>
-          </a:fillRef>
-          <a:effectRef idx="2">
-            <a:schemeClr val="accent1"/>
-          </a:effectRef>
-          <a:fontRef idx="minor">
-            <a:schemeClr val="lt1"/>
-          </a:fontRef>
-        </p:style>
-        <p:txBody>
-          <a:bodyPr rtlCol="0" anchor="ctr"/>
-          <a:lstStyle/>
-          <a:p>
-            <a:pPr algn="ctr"/>
-            <a:endParaRPr lang="en-US">
-              <a:latin typeface="Helvetica"/>
-              <a:cs typeface="Helvetica"/>
-            </a:endParaRPr>
-          </a:p>
-        </p:txBody>
-      </p:sp>
-      <p:sp>
-        <p:nvSpPr>
-          <p:cNvPr id="68" name="TextBox 67"/>
-          <p:cNvSpPr txBox="1"/>
-          <p:nvPr/>
-        </p:nvSpPr>
-        <p:spPr>
-          <a:xfrm>
-            <a:off x="3076222" y="5166076"/>
-            <a:ext cx="720570" cy="338554"/>
-          </a:xfrm>
-          <a:prstGeom prst="rect">
-            <a:avLst/>
-          </a:prstGeom>
-          <a:noFill/>
-        </p:spPr>
-        <p:txBody>
-          <a:bodyPr wrap="none" rtlCol="0">
-            <a:spAutoFit/>
-          </a:bodyPr>
-          <a:lstStyle/>
-          <a:p>
-            <a:r>
-              <a:rPr lang="en-US" sz="1600" b="1" dirty="0" smtClean="0">
-                <a:solidFill>
-                  <a:schemeClr val="tx1">
-                    <a:lumMod val="50000"/>
-                    <a:lumOff val="50000"/>
-                  </a:schemeClr>
-                </a:solidFill>
-                <a:latin typeface="Helvetica"/>
-                <a:cs typeface="Helvetica"/>
-              </a:rPr>
-              <a:t>Fixed</a:t>
-            </a:r>
-            <a:endParaRPr lang="en-US" sz="1600" b="1" dirty="0">
-              <a:solidFill>
-                <a:schemeClr val="tx1">
-                  <a:lumMod val="50000"/>
-                  <a:lumOff val="50000"/>
-                </a:schemeClr>
-              </a:solidFill>
-              <a:latin typeface="Helvetica"/>
-              <a:cs typeface="Helvetica"/>
-            </a:endParaRPr>
-          </a:p>
-        </p:txBody>
-      </p:sp>
-      <p:sp>
-        <p:nvSpPr>
-          <p:cNvPr id="69" name="Rounded Rectangle 68"/>
-          <p:cNvSpPr/>
-          <p:nvPr/>
-        </p:nvSpPr>
-        <p:spPr>
-          <a:xfrm>
-            <a:off x="4127147" y="4441887"/>
-            <a:ext cx="993466" cy="666750"/>
-          </a:xfrm>
-          <a:prstGeom prst="roundRect">
-            <a:avLst/>
-          </a:prstGeom>
-          <a:noFill/>
-          <a:ln w="25400">
-            <a:solidFill>
-              <a:srgbClr val="FF0000"/>
-            </a:solidFill>
-          </a:ln>
-          <a:effectLst/>
-        </p:spPr>
-        <p:style>
-          <a:lnRef idx="1">
-            <a:schemeClr val="accent1"/>
-          </a:lnRef>
-          <a:fillRef idx="3">
-            <a:schemeClr val="accent1"/>
-          </a:fillRef>
-          <a:effectRef idx="2">
-            <a:schemeClr val="accent1"/>
-          </a:effectRef>
-          <a:fontRef idx="minor">
-            <a:schemeClr val="lt1"/>
-          </a:fontRef>
-        </p:style>
-        <p:txBody>
-          <a:bodyPr rtlCol="0" anchor="ctr"/>
-          <a:lstStyle/>
-          <a:p>
-            <a:pPr algn="ctr"/>
-            <a:endParaRPr lang="en-US">
-              <a:solidFill>
-                <a:srgbClr val="FF0000"/>
-              </a:solidFill>
-              <a:latin typeface="Helvetica"/>
-              <a:cs typeface="Helvetica"/>
-            </a:endParaRPr>
-          </a:p>
-        </p:txBody>
-      </p:sp>
-      <p:sp>
-        <p:nvSpPr>
-          <p:cNvPr id="70" name="TextBox 69"/>
-          <p:cNvSpPr txBox="1"/>
-          <p:nvPr/>
-        </p:nvSpPr>
-        <p:spPr>
-          <a:xfrm>
-            <a:off x="4127148" y="5166076"/>
-            <a:ext cx="993466" cy="584776"/>
-          </a:xfrm>
-          <a:prstGeom prst="rect">
-            <a:avLst/>
-          </a:prstGeom>
-          <a:noFill/>
-        </p:spPr>
-        <p:txBody>
-          <a:bodyPr wrap="square" rtlCol="0">
-            <a:spAutoFit/>
-          </a:bodyPr>
-          <a:lstStyle/>
-          <a:p>
-            <a:pPr algn="ctr"/>
-            <a:r>
-              <a:rPr lang="en-US" sz="1600" b="1" dirty="0" smtClean="0">
-                <a:solidFill>
-                  <a:srgbClr val="FF0000"/>
-                </a:solidFill>
-                <a:latin typeface="Helvetica"/>
-                <a:cs typeface="Helvetica"/>
-              </a:rPr>
-              <a:t>Squared Error</a:t>
-            </a:r>
-            <a:endParaRPr lang="en-US" sz="1600" b="1" dirty="0">
-              <a:solidFill>
-                <a:srgbClr val="FF0000"/>
-              </a:solidFill>
-              <a:latin typeface="Helvetica"/>
-              <a:cs typeface="Helvetica"/>
-            </a:endParaRPr>
-          </a:p>
-        </p:txBody>
-      </p:sp>
-      <p:sp>
-        <p:nvSpPr>
-          <p:cNvPr id="71" name="Rounded Rectangle 70"/>
-          <p:cNvSpPr/>
-          <p:nvPr/>
-        </p:nvSpPr>
-        <p:spPr>
-          <a:xfrm>
-            <a:off x="5294561" y="4441887"/>
-            <a:ext cx="993466" cy="666750"/>
-          </a:xfrm>
-          <a:prstGeom prst="roundRect">
-            <a:avLst/>
-          </a:prstGeom>
-          <a:noFill/>
-          <a:ln w="25400">
-            <a:solidFill>
-              <a:srgbClr val="008000"/>
-            </a:solidFill>
-          </a:ln>
-          <a:effectLst/>
-        </p:spPr>
-        <p:style>
-          <a:lnRef idx="1">
-            <a:schemeClr val="accent1"/>
-          </a:lnRef>
-          <a:fillRef idx="3">
-            <a:schemeClr val="accent1"/>
-          </a:fillRef>
-          <a:effectRef idx="2">
-            <a:schemeClr val="accent1"/>
-          </a:effectRef>
-          <a:fontRef idx="minor">
-            <a:schemeClr val="lt1"/>
-          </a:fontRef>
-        </p:style>
-        <p:txBody>
-          <a:bodyPr rtlCol="0" anchor="ctr"/>
-          <a:lstStyle/>
-          <a:p>
-            <a:pPr algn="ctr"/>
-            <a:endParaRPr lang="en-US">
-              <a:solidFill>
-                <a:srgbClr val="FF0000"/>
-              </a:solidFill>
-              <a:latin typeface="Helvetica"/>
-              <a:cs typeface="Helvetica"/>
-            </a:endParaRPr>
-          </a:p>
-        </p:txBody>
-      </p:sp>
-      <p:sp>
-        <p:nvSpPr>
-          <p:cNvPr id="72" name="TextBox 71"/>
-          <p:cNvSpPr txBox="1"/>
-          <p:nvPr/>
-        </p:nvSpPr>
-        <p:spPr>
-          <a:xfrm>
-            <a:off x="5234375" y="5166076"/>
-            <a:ext cx="1131324" cy="584776"/>
-          </a:xfrm>
-          <a:prstGeom prst="rect">
-            <a:avLst/>
-          </a:prstGeom>
-          <a:noFill/>
-        </p:spPr>
-        <p:txBody>
-          <a:bodyPr wrap="square" rtlCol="0">
-            <a:spAutoFit/>
-          </a:bodyPr>
-          <a:lstStyle/>
-          <a:p>
-            <a:pPr algn="ctr"/>
-            <a:r>
-              <a:rPr lang="en-US" sz="1600" b="1" dirty="0" smtClean="0">
-                <a:solidFill>
-                  <a:srgbClr val="008000"/>
-                </a:solidFill>
-                <a:latin typeface="Helvetica"/>
-                <a:cs typeface="Helvetica"/>
-              </a:rPr>
-              <a:t>1-D Variance</a:t>
-            </a:r>
-            <a:endParaRPr lang="en-US" sz="1600" b="1" dirty="0">
-              <a:solidFill>
-                <a:srgbClr val="008000"/>
-              </a:solidFill>
-              <a:latin typeface="Helvetica"/>
-              <a:cs typeface="Helvetica"/>
-            </a:endParaRPr>
-          </a:p>
-        </p:txBody>
-      </p:sp>
-    </p:spTree>
-    <p:extLst>
-      <p:ext uri="{BB962C8B-B14F-4D97-AF65-F5344CB8AC3E}">
-        <p14:creationId xmlns:p14="http://schemas.microsoft.com/office/powerpoint/2010/main" val="3204757664"/>
-      </p:ext>
-    </p:extLst>
-  </p:cSld>
-  <p:clrMapOvr>
-    <a:masterClrMapping/>
-  </p:clrMapOvr>
-  <p:timing>
-    <p:tnLst>
-      <p:par>
-        <p:cTn xmlns:p14="http://schemas.microsoft.com/office/powerpoint/2010/main" id="1" dur="indefinite" restart="never" nodeType="tmRoot">
-          <p:childTnLst>
-            <p:seq concurrent="1" nextAc="seek">
-              <p:cTn id="2" dur="indefinite" nodeType="mainSeq">
-                <p:childTnLst>
-                  <p:par>
-                    <p:cTn id="3" fill="hold">
-                      <p:stCondLst>
-                        <p:cond delay="indefinite"/>
-                      </p:stCondLst>
-                      <p:childTnLst>
-                        <p:par>
-                          <p:cTn id="4" fill="hold">
-                            <p:stCondLst>
-                              <p:cond delay="0"/>
-                            </p:stCondLst>
-                            <p:childTnLst>
-                              <p:par>
-                                <p:cTn id="5" presetID="1" presetClass="entr" presetSubtype="0" fill="hold" nodeType="clickEffect">
-                                  <p:stCondLst>
-                                    <p:cond delay="0"/>
-                                  </p:stCondLst>
-                                  <p:childTnLst>
-                                    <p:set>
-                                      <p:cBhvr>
-                                        <p:cTn id="6" dur="1" fill="hold">
-                                          <p:stCondLst>
-                                            <p:cond delay="0"/>
-                                          </p:stCondLst>
-                                        </p:cTn>
-                                        <p:tgtEl>
-                                          <p:spTgt spid="65"/>
-                                        </p:tgtEl>
-                                        <p:attrNameLst>
-                                          <p:attrName>style.visibility</p:attrName>
-                                        </p:attrNameLst>
-                                      </p:cBhvr>
-                                      <p:to>
-                                        <p:strVal val="visible"/>
-                                      </p:to>
-                                    </p:set>
-                                  </p:childTnLst>
-                                </p:cTn>
-                              </p:par>
-                              <p:par>
-                                <p:cTn id="7" presetID="1" presetClass="entr" presetSubtype="0" fill="hold" grpId="0" nodeType="withEffect">
-                                  <p:stCondLst>
-                                    <p:cond delay="0"/>
-                                  </p:stCondLst>
-                                  <p:childTnLst>
-                                    <p:set>
-                                      <p:cBhvr>
-                                        <p:cTn id="8" dur="1" fill="hold">
-                                          <p:stCondLst>
-                                            <p:cond delay="0"/>
-                                          </p:stCondLst>
-                                        </p:cTn>
-                                        <p:tgtEl>
-                                          <p:spTgt spid="66"/>
-                                        </p:tgtEl>
-                                        <p:attrNameLst>
-                                          <p:attrName>style.visibility</p:attrName>
-                                        </p:attrNameLst>
-                                      </p:cBhvr>
-                                      <p:to>
-                                        <p:strVal val="visible"/>
-                                      </p:to>
-                                    </p:set>
-                                  </p:childTnLst>
-                                </p:cTn>
-                              </p:par>
-                            </p:childTnLst>
-                          </p:cTn>
-                        </p:par>
-                      </p:childTnLst>
-                    </p:cTn>
-                  </p:par>
-                  <p:par>
-                    <p:cTn id="9" fill="hold">
-                      <p:stCondLst>
-                        <p:cond delay="indefinite"/>
-                      </p:stCondLst>
-                      <p:childTnLst>
-                        <p:par>
-                          <p:cTn id="10" fill="hold">
-                            <p:stCondLst>
-                              <p:cond delay="0"/>
-                            </p:stCondLst>
-                            <p:childTnLst>
-                              <p:par>
-                                <p:cTn id="11" presetID="1" presetClass="entr" presetSubtype="0" fill="hold" grpId="0" nodeType="clickEffect">
-                                  <p:stCondLst>
-                                    <p:cond delay="0"/>
-                                  </p:stCondLst>
-                                  <p:childTnLst>
-                                    <p:set>
-                                      <p:cBhvr>
-                                        <p:cTn id="12" dur="1" fill="hold">
-                                          <p:stCondLst>
-                                            <p:cond delay="0"/>
-                                          </p:stCondLst>
-                                        </p:cTn>
-                                        <p:tgtEl>
-                                          <p:spTgt spid="67"/>
-                                        </p:tgtEl>
-                                        <p:attrNameLst>
-                                          <p:attrName>style.visibility</p:attrName>
-                                        </p:attrNameLst>
-                                      </p:cBhvr>
-                                      <p:to>
-                                        <p:strVal val="visible"/>
-                                      </p:to>
-                                    </p:set>
-                                  </p:childTnLst>
-                                </p:cTn>
-                              </p:par>
-                              <p:par>
-                                <p:cTn id="13" presetID="1" presetClass="entr" presetSubtype="0" fill="hold" grpId="0" nodeType="withEffect">
-                                  <p:stCondLst>
-                                    <p:cond delay="0"/>
-                                  </p:stCondLst>
-                                  <p:childTnLst>
-                                    <p:set>
-                                      <p:cBhvr>
-                                        <p:cTn id="14" dur="1" fill="hold">
-                                          <p:stCondLst>
-                                            <p:cond delay="0"/>
-                                          </p:stCondLst>
-                                        </p:cTn>
-                                        <p:tgtEl>
-                                          <p:spTgt spid="68"/>
-                                        </p:tgtEl>
-                                        <p:attrNameLst>
-                                          <p:attrName>style.visibility</p:attrName>
-                                        </p:attrNameLst>
-                                      </p:cBhvr>
-                                      <p:to>
-                                        <p:strVal val="visible"/>
-                                      </p:to>
-                                    </p:set>
-                                  </p:childTnLst>
-                                </p:cTn>
-                              </p:par>
-                            </p:childTnLst>
-                          </p:cTn>
-                        </p:par>
-                      </p:childTnLst>
-                    </p:cTn>
-                  </p:par>
-                  <p:par>
-                    <p:cTn id="15" fill="hold">
-                      <p:stCondLst>
-                        <p:cond delay="indefinite"/>
-                      </p:stCondLst>
-                      <p:childTnLst>
-                        <p:par>
-                          <p:cTn id="16" fill="hold">
-                            <p:stCondLst>
-                              <p:cond delay="0"/>
-                            </p:stCondLst>
-                            <p:childTnLst>
-                              <p:par>
-                                <p:cTn id="17" presetID="1" presetClass="entr" presetSubtype="0" fill="hold" grpId="0" nodeType="clickEffect">
-                                  <p:stCondLst>
-                                    <p:cond delay="0"/>
-                                  </p:stCondLst>
-                                  <p:childTnLst>
-                                    <p:set>
-                                      <p:cBhvr>
-                                        <p:cTn id="18" dur="1" fill="hold">
-                                          <p:stCondLst>
-                                            <p:cond delay="0"/>
-                                          </p:stCondLst>
-                                        </p:cTn>
-                                        <p:tgtEl>
-                                          <p:spTgt spid="70"/>
-                                        </p:tgtEl>
-                                        <p:attrNameLst>
-                                          <p:attrName>style.visibility</p:attrName>
-                                        </p:attrNameLst>
-                                      </p:cBhvr>
-                                      <p:to>
-                                        <p:strVal val="visible"/>
-                                      </p:to>
-                                    </p:set>
-                                  </p:childTnLst>
-                                </p:cTn>
-                              </p:par>
-                              <p:par>
-                                <p:cTn id="19" presetID="1" presetClass="entr" presetSubtype="0" fill="hold" grpId="0" nodeType="withEffect">
-                                  <p:stCondLst>
-                                    <p:cond delay="0"/>
-                                  </p:stCondLst>
-                                  <p:childTnLst>
-                                    <p:set>
-                                      <p:cBhvr>
-                                        <p:cTn id="20" dur="1" fill="hold">
-                                          <p:stCondLst>
-                                            <p:cond delay="0"/>
-                                          </p:stCondLst>
-                                        </p:cTn>
-                                        <p:tgtEl>
-                                          <p:spTgt spid="69"/>
-                                        </p:tgtEl>
-                                        <p:attrNameLst>
-                                          <p:attrName>style.visibility</p:attrName>
-                                        </p:attrNameLst>
-                                      </p:cBhvr>
-                                      <p:to>
-                                        <p:strVal val="visible"/>
-                                      </p:to>
-                                    </p:set>
-                                  </p:childTnLst>
-                                </p:cTn>
-                              </p:par>
-                            </p:childTnLst>
-                          </p:cTn>
-                        </p:par>
-                      </p:childTnLst>
-                    </p:cTn>
-                  </p:par>
-                  <p:par>
-                    <p:cTn id="21" fill="hold">
-                      <p:stCondLst>
-                        <p:cond delay="indefinite"/>
-                      </p:stCondLst>
-                      <p:childTnLst>
-                        <p:par>
-                          <p:cTn id="22" fill="hold">
-                            <p:stCondLst>
-                              <p:cond delay="0"/>
-                            </p:stCondLst>
-                            <p:childTnLst>
-                              <p:par>
-                                <p:cTn id="23" presetID="1" presetClass="entr" presetSubtype="0" fill="hold" grpId="0" nodeType="clickEffect">
-                                  <p:stCondLst>
-                                    <p:cond delay="0"/>
-                                  </p:stCondLst>
-                                  <p:childTnLst>
-                                    <p:set>
-                                      <p:cBhvr>
-                                        <p:cTn id="24" dur="1" fill="hold">
-                                          <p:stCondLst>
-                                            <p:cond delay="0"/>
-                                          </p:stCondLst>
-                                        </p:cTn>
-                                        <p:tgtEl>
-                                          <p:spTgt spid="72"/>
-                                        </p:tgtEl>
-                                        <p:attrNameLst>
-                                          <p:attrName>style.visibility</p:attrName>
-                                        </p:attrNameLst>
-                                      </p:cBhvr>
-                                      <p:to>
-                                        <p:strVal val="visible"/>
-                                      </p:to>
-                                    </p:set>
-                                  </p:childTnLst>
-                                </p:cTn>
-                              </p:par>
-                              <p:par>
-                                <p:cTn id="25" presetID="1" presetClass="entr" presetSubtype="0" fill="hold" grpId="0" nodeType="withEffect">
-                                  <p:stCondLst>
-                                    <p:cond delay="0"/>
-                                  </p:stCondLst>
-                                  <p:childTnLst>
-                                    <p:set>
-                                      <p:cBhvr>
-                                        <p:cTn id="26" dur="1" fill="hold">
-                                          <p:stCondLst>
-                                            <p:cond delay="0"/>
-                                          </p:stCondLst>
-                                        </p:cTn>
-                                        <p:tgtEl>
-                                          <p:spTgt spid="71"/>
-                                        </p:tgtEl>
-                                        <p:attrNameLst>
-                                          <p:attrName>style.visibility</p:attrName>
-                                        </p:attrNameLst>
-                                      </p:cBhvr>
-                                      <p:to>
-                                        <p:strVal val="visible"/>
-                                      </p:to>
-                                    </p:set>
-                                  </p:childTnLst>
-                                </p:cTn>
-                              </p:par>
-                            </p:childTnLst>
-                          </p:cTn>
-                        </p:par>
-                      </p:childTnLst>
-                    </p:cTn>
-                  </p:par>
-                </p:childTnLst>
-              </p:cTn>
-              <p:prevCondLst>
-                <p:cond evt="onPrev" delay="0">
-                  <p:tgtEl>
-                    <p:sldTgt/>
-                  </p:tgtEl>
-                </p:cond>
-              </p:prevCondLst>
-              <p:nextCondLst>
-                <p:cond evt="onNext" delay="0">
-                  <p:tgtEl>
-                    <p:sldTgt/>
-                  </p:tgtEl>
-                </p:cond>
-              </p:nextCondLst>
-            </p:seq>
-          </p:childTnLst>
-        </p:cTn>
-      </p:par>
-    </p:tnLst>
-    <p:bldLst>
-      <p:bldP spid="66" grpId="0"/>
-      <p:bldP spid="67" grpId="0" animBg="1"/>
-      <p:bldP spid="68" grpId="0"/>
-      <p:bldP spid="69" grpId="0" animBg="1"/>
-      <p:bldP spid="70" grpId="0"/>
-      <p:bldP spid="71" grpId="0" animBg="1"/>
-      <p:bldP spid="72" grpId="0"/>
-    </p:bldLst>
   </p:timing>
 </p:sld>
 </file>
@@ -18856,17 +10128,7 @@
                 <a:latin typeface="Consolas"/>
                 <a:cs typeface="Consolas"/>
               </a:rPr>
-              <a:t>&gt; fit &lt;- </a:t>
-            </a:r>
-            <a:r>
-              <a:rPr lang="en-US" sz="1600" dirty="0" smtClean="0">
-                <a:solidFill>
-                  <a:schemeClr val="bg1"/>
-                </a:solidFill>
-                <a:latin typeface="Consolas"/>
-                <a:cs typeface="Consolas"/>
-              </a:rPr>
-              <a:t>lm(expression ~ </a:t>
+              <a:t>&gt; fit &lt;- lm(expression ~ </a:t>
             </a:r>
             <a:r>
               <a:rPr lang="en-US" sz="1600" dirty="0" err="1" smtClean="0">

--- a/Week-4/Week4slides.pptx
+++ b/Week-4/Week4slides.pptx
@@ -207,7 +207,7 @@
           <a:p>
             <a:fld id="{0CDF7614-3C46-F041-B6A3-57E4BCB15502}" type="datetimeFigureOut">
               <a:rPr lang="en-US" smtClean="0"/>
-              <a:t>2/14/18</a:t>
+              <a:t>2/23/18</a:t>
             </a:fld>
             <a:endParaRPr lang="en-US"/>
           </a:p>
@@ -656,7 +656,7 @@
           <a:p>
             <a:fld id="{61C69A6C-97A9-3D48-9B13-4D8BC4B2C88B}" type="datetimeFigureOut">
               <a:rPr lang="en-US" smtClean="0"/>
-              <a:t>2/14/18</a:t>
+              <a:t>2/23/18</a:t>
             </a:fld>
             <a:endParaRPr lang="en-US"/>
           </a:p>
@@ -826,7 +826,7 @@
           <a:p>
             <a:fld id="{61C69A6C-97A9-3D48-9B13-4D8BC4B2C88B}" type="datetimeFigureOut">
               <a:rPr lang="en-US" smtClean="0"/>
-              <a:t>2/14/18</a:t>
+              <a:t>2/23/18</a:t>
             </a:fld>
             <a:endParaRPr lang="en-US"/>
           </a:p>
@@ -1006,7 +1006,7 @@
           <a:p>
             <a:fld id="{61C69A6C-97A9-3D48-9B13-4D8BC4B2C88B}" type="datetimeFigureOut">
               <a:rPr lang="en-US" smtClean="0"/>
-              <a:t>2/14/18</a:t>
+              <a:t>2/23/18</a:t>
             </a:fld>
             <a:endParaRPr lang="en-US"/>
           </a:p>
@@ -1176,7 +1176,7 @@
           <a:p>
             <a:fld id="{61C69A6C-97A9-3D48-9B13-4D8BC4B2C88B}" type="datetimeFigureOut">
               <a:rPr lang="en-US" smtClean="0"/>
-              <a:t>2/14/18</a:t>
+              <a:t>2/23/18</a:t>
             </a:fld>
             <a:endParaRPr lang="en-US"/>
           </a:p>
@@ -1422,7 +1422,7 @@
           <a:p>
             <a:fld id="{61C69A6C-97A9-3D48-9B13-4D8BC4B2C88B}" type="datetimeFigureOut">
               <a:rPr lang="en-US" smtClean="0"/>
-              <a:t>2/14/18</a:t>
+              <a:t>2/23/18</a:t>
             </a:fld>
             <a:endParaRPr lang="en-US"/>
           </a:p>
@@ -1710,7 +1710,7 @@
           <a:p>
             <a:fld id="{61C69A6C-97A9-3D48-9B13-4D8BC4B2C88B}" type="datetimeFigureOut">
               <a:rPr lang="en-US" smtClean="0"/>
-              <a:t>2/14/18</a:t>
+              <a:t>2/23/18</a:t>
             </a:fld>
             <a:endParaRPr lang="en-US"/>
           </a:p>
@@ -2132,7 +2132,7 @@
           <a:p>
             <a:fld id="{61C69A6C-97A9-3D48-9B13-4D8BC4B2C88B}" type="datetimeFigureOut">
               <a:rPr lang="en-US" smtClean="0"/>
-              <a:t>2/14/18</a:t>
+              <a:t>2/23/18</a:t>
             </a:fld>
             <a:endParaRPr lang="en-US"/>
           </a:p>
@@ -2250,7 +2250,7 @@
           <a:p>
             <a:fld id="{61C69A6C-97A9-3D48-9B13-4D8BC4B2C88B}" type="datetimeFigureOut">
               <a:rPr lang="en-US" smtClean="0"/>
-              <a:t>2/14/18</a:t>
+              <a:t>2/23/18</a:t>
             </a:fld>
             <a:endParaRPr lang="en-US"/>
           </a:p>
@@ -2345,7 +2345,7 @@
           <a:p>
             <a:fld id="{61C69A6C-97A9-3D48-9B13-4D8BC4B2C88B}" type="datetimeFigureOut">
               <a:rPr lang="en-US" smtClean="0"/>
-              <a:t>2/14/18</a:t>
+              <a:t>2/23/18</a:t>
             </a:fld>
             <a:endParaRPr lang="en-US"/>
           </a:p>
@@ -2622,7 +2622,7 @@
           <a:p>
             <a:fld id="{61C69A6C-97A9-3D48-9B13-4D8BC4B2C88B}" type="datetimeFigureOut">
               <a:rPr lang="en-US" smtClean="0"/>
-              <a:t>2/14/18</a:t>
+              <a:t>2/23/18</a:t>
             </a:fld>
             <a:endParaRPr lang="en-US"/>
           </a:p>
@@ -2875,7 +2875,7 @@
           <a:p>
             <a:fld id="{61C69A6C-97A9-3D48-9B13-4D8BC4B2C88B}" type="datetimeFigureOut">
               <a:rPr lang="en-US" smtClean="0"/>
-              <a:t>2/14/18</a:t>
+              <a:t>2/23/18</a:t>
             </a:fld>
             <a:endParaRPr lang="en-US"/>
           </a:p>
@@ -3088,7 +3088,7 @@
           <a:p>
             <a:fld id="{61C69A6C-97A9-3D48-9B13-4D8BC4B2C88B}" type="datetimeFigureOut">
               <a:rPr lang="en-US" smtClean="0"/>
-              <a:t>2/14/18</a:t>
+              <a:t>2/23/18</a:t>
             </a:fld>
             <a:endParaRPr lang="en-US"/>
           </a:p>
@@ -3623,31 +3623,8 @@
                 <a:latin typeface="Rockwell"/>
                 <a:cs typeface="Rockwell"/>
               </a:rPr>
-              <a:t>Week </a:t>
-            </a:r>
-            <a:r>
-              <a:rPr lang="en-US" sz="2400" b="1" dirty="0" smtClean="0">
-                <a:solidFill>
-                  <a:schemeClr val="tx1">
-                    <a:lumMod val="50000"/>
-                    <a:lumOff val="50000"/>
-                  </a:schemeClr>
-                </a:solidFill>
-                <a:latin typeface="Rockwell"/>
-                <a:cs typeface="Rockwell"/>
-              </a:rPr>
-              <a:t>4</a:t>
-            </a:r>
-            <a:endParaRPr lang="en-US" sz="2400" b="1" dirty="0" smtClean="0">
-              <a:solidFill>
-                <a:schemeClr val="tx1">
-                  <a:lumMod val="50000"/>
-                  <a:lumOff val="50000"/>
-                </a:schemeClr>
-              </a:solidFill>
-              <a:latin typeface="Rockwell"/>
-              <a:cs typeface="Rockwell"/>
-            </a:endParaRPr>
+              <a:t>Week 4</a:t>
+            </a:r>
           </a:p>
         </p:txBody>
       </p:sp>
@@ -4523,6 +4500,233 @@
           </a:prstGeom>
         </p:spPr>
       </p:pic>
+      <p:sp>
+        <p:nvSpPr>
+          <p:cNvPr id="11" name="Rectangle 10"/>
+          <p:cNvSpPr/>
+          <p:nvPr/>
+        </p:nvSpPr>
+        <p:spPr>
+          <a:xfrm>
+            <a:off x="3139571" y="6332355"/>
+            <a:ext cx="1428245" cy="539114"/>
+          </a:xfrm>
+          <a:prstGeom prst="rect">
+            <a:avLst/>
+          </a:prstGeom>
+          <a:solidFill>
+            <a:schemeClr val="accent3">
+              <a:lumMod val="50000"/>
+            </a:schemeClr>
+          </a:solidFill>
+          <a:ln>
+            <a:solidFill>
+              <a:srgbClr val="000000"/>
+            </a:solidFill>
+          </a:ln>
+          <a:effectLst/>
+        </p:spPr>
+        <p:style>
+          <a:lnRef idx="1">
+            <a:schemeClr val="accent1"/>
+          </a:lnRef>
+          <a:fillRef idx="3">
+            <a:schemeClr val="accent1"/>
+          </a:fillRef>
+          <a:effectRef idx="2">
+            <a:schemeClr val="accent1"/>
+          </a:effectRef>
+          <a:fontRef idx="minor">
+            <a:schemeClr val="lt1"/>
+          </a:fontRef>
+        </p:style>
+        <p:txBody>
+          <a:bodyPr rtlCol="0" anchor="ctr"/>
+          <a:lstStyle/>
+          <a:p>
+            <a:pPr algn="ctr"/>
+            <a:r>
+              <a:rPr lang="en-US" sz="1400" dirty="0" smtClean="0">
+                <a:solidFill>
+                  <a:srgbClr val="FFFFFF"/>
+                </a:solidFill>
+                <a:latin typeface="Rockwell"/>
+                <a:cs typeface="Rockwell"/>
+              </a:rPr>
+              <a:t>Multiple Linear Regression</a:t>
+            </a:r>
+            <a:endParaRPr lang="en-US" sz="1400" dirty="0">
+              <a:solidFill>
+                <a:srgbClr val="FFFFFF"/>
+              </a:solidFill>
+              <a:latin typeface="Rockwell"/>
+              <a:cs typeface="Rockwell"/>
+            </a:endParaRPr>
+          </a:p>
+        </p:txBody>
+      </p:sp>
+      <p:sp>
+        <p:nvSpPr>
+          <p:cNvPr id="15" name="Rectangle 14"/>
+          <p:cNvSpPr/>
+          <p:nvPr/>
+        </p:nvSpPr>
+        <p:spPr>
+          <a:xfrm>
+            <a:off x="4567817" y="6332355"/>
+            <a:ext cx="1428245" cy="539114"/>
+          </a:xfrm>
+          <a:prstGeom prst="rect">
+            <a:avLst/>
+          </a:prstGeom>
+          <a:solidFill>
+            <a:schemeClr val="accent3">
+              <a:lumMod val="60000"/>
+              <a:lumOff val="40000"/>
+            </a:schemeClr>
+          </a:solidFill>
+          <a:ln>
+            <a:solidFill>
+              <a:schemeClr val="tx1"/>
+            </a:solidFill>
+          </a:ln>
+          <a:effectLst/>
+        </p:spPr>
+        <p:style>
+          <a:lnRef idx="1">
+            <a:schemeClr val="accent1"/>
+          </a:lnRef>
+          <a:fillRef idx="3">
+            <a:schemeClr val="accent1"/>
+          </a:fillRef>
+          <a:effectRef idx="2">
+            <a:schemeClr val="accent1"/>
+          </a:effectRef>
+          <a:fontRef idx="minor">
+            <a:schemeClr val="lt1"/>
+          </a:fontRef>
+        </p:style>
+        <p:txBody>
+          <a:bodyPr rtlCol="0" anchor="ctr"/>
+          <a:lstStyle/>
+          <a:p>
+            <a:pPr algn="ctr"/>
+            <a:r>
+              <a:rPr lang="en-US" sz="1400" dirty="0" smtClean="0">
+                <a:solidFill>
+                  <a:srgbClr val="FFFFFF"/>
+                </a:solidFill>
+                <a:latin typeface="Rockwell"/>
+                <a:cs typeface="Rockwell"/>
+              </a:rPr>
+              <a:t>ANOVA</a:t>
+            </a:r>
+            <a:endParaRPr lang="en-US" sz="1400" dirty="0">
+              <a:solidFill>
+                <a:srgbClr val="FFFFFF"/>
+              </a:solidFill>
+              <a:latin typeface="Rockwell"/>
+              <a:cs typeface="Rockwell"/>
+            </a:endParaRPr>
+          </a:p>
+        </p:txBody>
+      </p:sp>
+      <p:sp>
+        <p:nvSpPr>
+          <p:cNvPr id="16" name="TextBox 15"/>
+          <p:cNvSpPr txBox="1"/>
+          <p:nvPr/>
+        </p:nvSpPr>
+        <p:spPr>
+          <a:xfrm>
+            <a:off x="1" y="6435277"/>
+            <a:ext cx="1014934" cy="307777"/>
+          </a:xfrm>
+          <a:prstGeom prst="rect">
+            <a:avLst/>
+          </a:prstGeom>
+          <a:noFill/>
+        </p:spPr>
+        <p:txBody>
+          <a:bodyPr wrap="none" rtlCol="0" anchor="ctr">
+            <a:spAutoFit/>
+          </a:bodyPr>
+          <a:lstStyle/>
+          <a:p>
+            <a:r>
+              <a:rPr lang="en-US" sz="1400" dirty="0" smtClean="0">
+                <a:solidFill>
+                  <a:schemeClr val="bg1">
+                    <a:lumMod val="85000"/>
+                  </a:schemeClr>
+                </a:solidFill>
+                <a:latin typeface="Rockwell"/>
+                <a:cs typeface="Rockwell"/>
+              </a:rPr>
+              <a:t>MCB 293S</a:t>
+            </a:r>
+          </a:p>
+        </p:txBody>
+      </p:sp>
+      <p:sp>
+        <p:nvSpPr>
+          <p:cNvPr id="17" name="TextBox 16"/>
+          <p:cNvSpPr txBox="1"/>
+          <p:nvPr/>
+        </p:nvSpPr>
+        <p:spPr>
+          <a:xfrm>
+            <a:off x="8344983" y="6435277"/>
+            <a:ext cx="799017" cy="307777"/>
+          </a:xfrm>
+          <a:prstGeom prst="rect">
+            <a:avLst/>
+          </a:prstGeom>
+          <a:noFill/>
+        </p:spPr>
+        <p:txBody>
+          <a:bodyPr wrap="none" rtlCol="0" anchor="ctr">
+            <a:spAutoFit/>
+          </a:bodyPr>
+          <a:lstStyle/>
+          <a:p>
+            <a:pPr algn="r"/>
+            <a:r>
+              <a:rPr lang="en-US" sz="1400" dirty="0" smtClean="0">
+                <a:solidFill>
+                  <a:schemeClr val="bg1">
+                    <a:lumMod val="85000"/>
+                  </a:schemeClr>
+                </a:solidFill>
+                <a:latin typeface="Rockwell"/>
+                <a:cs typeface="Rockwell"/>
+              </a:rPr>
+              <a:t>Week </a:t>
+            </a:r>
+            <a:r>
+              <a:rPr lang="en-US" sz="1400" dirty="0" smtClean="0">
+                <a:solidFill>
+                  <a:schemeClr val="bg1">
+                    <a:lumMod val="85000"/>
+                  </a:schemeClr>
+                </a:solidFill>
+                <a:latin typeface="Rockwell"/>
+                <a:cs typeface="Rockwell"/>
+              </a:rPr>
+              <a:t>4</a:t>
+            </a:r>
+            <a:endParaRPr lang="en-US" sz="1400" dirty="0" smtClean="0">
+              <a:solidFill>
+                <a:schemeClr val="bg1">
+                  <a:lumMod val="85000"/>
+                </a:schemeClr>
+              </a:solidFill>
+              <a:latin typeface="Rockwell"/>
+              <a:cs typeface="Rockwell"/>
+            </a:endParaRPr>
+          </a:p>
+        </p:txBody>
+      </p:sp>
     </p:spTree>
     <p:extLst>
       <p:ext uri="{BB962C8B-B14F-4D97-AF65-F5344CB8AC3E}">
@@ -5154,6 +5358,233 @@
           </a:prstGeom>
         </p:spPr>
       </p:pic>
+      <p:sp>
+        <p:nvSpPr>
+          <p:cNvPr id="15" name="Rectangle 14"/>
+          <p:cNvSpPr/>
+          <p:nvPr/>
+        </p:nvSpPr>
+        <p:spPr>
+          <a:xfrm>
+            <a:off x="3139571" y="6332355"/>
+            <a:ext cx="1428245" cy="539114"/>
+          </a:xfrm>
+          <a:prstGeom prst="rect">
+            <a:avLst/>
+          </a:prstGeom>
+          <a:solidFill>
+            <a:schemeClr val="accent3">
+              <a:lumMod val="50000"/>
+            </a:schemeClr>
+          </a:solidFill>
+          <a:ln>
+            <a:solidFill>
+              <a:srgbClr val="000000"/>
+            </a:solidFill>
+          </a:ln>
+          <a:effectLst/>
+        </p:spPr>
+        <p:style>
+          <a:lnRef idx="1">
+            <a:schemeClr val="accent1"/>
+          </a:lnRef>
+          <a:fillRef idx="3">
+            <a:schemeClr val="accent1"/>
+          </a:fillRef>
+          <a:effectRef idx="2">
+            <a:schemeClr val="accent1"/>
+          </a:effectRef>
+          <a:fontRef idx="minor">
+            <a:schemeClr val="lt1"/>
+          </a:fontRef>
+        </p:style>
+        <p:txBody>
+          <a:bodyPr rtlCol="0" anchor="ctr"/>
+          <a:lstStyle/>
+          <a:p>
+            <a:pPr algn="ctr"/>
+            <a:r>
+              <a:rPr lang="en-US" sz="1400" dirty="0" smtClean="0">
+                <a:solidFill>
+                  <a:srgbClr val="FFFFFF"/>
+                </a:solidFill>
+                <a:latin typeface="Rockwell"/>
+                <a:cs typeface="Rockwell"/>
+              </a:rPr>
+              <a:t>Multiple Linear Regression</a:t>
+            </a:r>
+            <a:endParaRPr lang="en-US" sz="1400" dirty="0">
+              <a:solidFill>
+                <a:srgbClr val="FFFFFF"/>
+              </a:solidFill>
+              <a:latin typeface="Rockwell"/>
+              <a:cs typeface="Rockwell"/>
+            </a:endParaRPr>
+          </a:p>
+        </p:txBody>
+      </p:sp>
+      <p:sp>
+        <p:nvSpPr>
+          <p:cNvPr id="16" name="Rectangle 15"/>
+          <p:cNvSpPr/>
+          <p:nvPr/>
+        </p:nvSpPr>
+        <p:spPr>
+          <a:xfrm>
+            <a:off x="4567817" y="6332355"/>
+            <a:ext cx="1428245" cy="539114"/>
+          </a:xfrm>
+          <a:prstGeom prst="rect">
+            <a:avLst/>
+          </a:prstGeom>
+          <a:solidFill>
+            <a:schemeClr val="accent3">
+              <a:lumMod val="60000"/>
+              <a:lumOff val="40000"/>
+            </a:schemeClr>
+          </a:solidFill>
+          <a:ln>
+            <a:solidFill>
+              <a:schemeClr val="tx1"/>
+            </a:solidFill>
+          </a:ln>
+          <a:effectLst/>
+        </p:spPr>
+        <p:style>
+          <a:lnRef idx="1">
+            <a:schemeClr val="accent1"/>
+          </a:lnRef>
+          <a:fillRef idx="3">
+            <a:schemeClr val="accent1"/>
+          </a:fillRef>
+          <a:effectRef idx="2">
+            <a:schemeClr val="accent1"/>
+          </a:effectRef>
+          <a:fontRef idx="minor">
+            <a:schemeClr val="lt1"/>
+          </a:fontRef>
+        </p:style>
+        <p:txBody>
+          <a:bodyPr rtlCol="0" anchor="ctr"/>
+          <a:lstStyle/>
+          <a:p>
+            <a:pPr algn="ctr"/>
+            <a:r>
+              <a:rPr lang="en-US" sz="1400" dirty="0" smtClean="0">
+                <a:solidFill>
+                  <a:srgbClr val="FFFFFF"/>
+                </a:solidFill>
+                <a:latin typeface="Rockwell"/>
+                <a:cs typeface="Rockwell"/>
+              </a:rPr>
+              <a:t>ANOVA</a:t>
+            </a:r>
+            <a:endParaRPr lang="en-US" sz="1400" dirty="0">
+              <a:solidFill>
+                <a:srgbClr val="FFFFFF"/>
+              </a:solidFill>
+              <a:latin typeface="Rockwell"/>
+              <a:cs typeface="Rockwell"/>
+            </a:endParaRPr>
+          </a:p>
+        </p:txBody>
+      </p:sp>
+      <p:sp>
+        <p:nvSpPr>
+          <p:cNvPr id="17" name="TextBox 16"/>
+          <p:cNvSpPr txBox="1"/>
+          <p:nvPr/>
+        </p:nvSpPr>
+        <p:spPr>
+          <a:xfrm>
+            <a:off x="1" y="6435277"/>
+            <a:ext cx="1014934" cy="307777"/>
+          </a:xfrm>
+          <a:prstGeom prst="rect">
+            <a:avLst/>
+          </a:prstGeom>
+          <a:noFill/>
+        </p:spPr>
+        <p:txBody>
+          <a:bodyPr wrap="none" rtlCol="0" anchor="ctr">
+            <a:spAutoFit/>
+          </a:bodyPr>
+          <a:lstStyle/>
+          <a:p>
+            <a:r>
+              <a:rPr lang="en-US" sz="1400" dirty="0" smtClean="0">
+                <a:solidFill>
+                  <a:schemeClr val="bg1">
+                    <a:lumMod val="85000"/>
+                  </a:schemeClr>
+                </a:solidFill>
+                <a:latin typeface="Rockwell"/>
+                <a:cs typeface="Rockwell"/>
+              </a:rPr>
+              <a:t>MCB 293S</a:t>
+            </a:r>
+          </a:p>
+        </p:txBody>
+      </p:sp>
+      <p:sp>
+        <p:nvSpPr>
+          <p:cNvPr id="18" name="TextBox 17"/>
+          <p:cNvSpPr txBox="1"/>
+          <p:nvPr/>
+        </p:nvSpPr>
+        <p:spPr>
+          <a:xfrm>
+            <a:off x="8344983" y="6435277"/>
+            <a:ext cx="799017" cy="307777"/>
+          </a:xfrm>
+          <a:prstGeom prst="rect">
+            <a:avLst/>
+          </a:prstGeom>
+          <a:noFill/>
+        </p:spPr>
+        <p:txBody>
+          <a:bodyPr wrap="none" rtlCol="0" anchor="ctr">
+            <a:spAutoFit/>
+          </a:bodyPr>
+          <a:lstStyle/>
+          <a:p>
+            <a:pPr algn="r"/>
+            <a:r>
+              <a:rPr lang="en-US" sz="1400" dirty="0" smtClean="0">
+                <a:solidFill>
+                  <a:schemeClr val="bg1">
+                    <a:lumMod val="85000"/>
+                  </a:schemeClr>
+                </a:solidFill>
+                <a:latin typeface="Rockwell"/>
+                <a:cs typeface="Rockwell"/>
+              </a:rPr>
+              <a:t>Week </a:t>
+            </a:r>
+            <a:r>
+              <a:rPr lang="en-US" sz="1400" dirty="0" smtClean="0">
+                <a:solidFill>
+                  <a:schemeClr val="bg1">
+                    <a:lumMod val="85000"/>
+                  </a:schemeClr>
+                </a:solidFill>
+                <a:latin typeface="Rockwell"/>
+                <a:cs typeface="Rockwell"/>
+              </a:rPr>
+              <a:t>4</a:t>
+            </a:r>
+            <a:endParaRPr lang="en-US" sz="1400" dirty="0" smtClean="0">
+              <a:solidFill>
+                <a:schemeClr val="bg1">
+                  <a:lumMod val="85000"/>
+                </a:schemeClr>
+              </a:solidFill>
+              <a:latin typeface="Rockwell"/>
+              <a:cs typeface="Rockwell"/>
+            </a:endParaRPr>
+          </a:p>
+        </p:txBody>
+      </p:sp>
     </p:spTree>
     <p:extLst>
       <p:ext uri="{BB962C8B-B14F-4D97-AF65-F5344CB8AC3E}">
@@ -5744,6 +6175,233 @@
           </a:fontRef>
         </p:style>
       </p:cxnSp>
+      <p:sp>
+        <p:nvSpPr>
+          <p:cNvPr id="14" name="Rectangle 13"/>
+          <p:cNvSpPr/>
+          <p:nvPr/>
+        </p:nvSpPr>
+        <p:spPr>
+          <a:xfrm>
+            <a:off x="3139571" y="6332355"/>
+            <a:ext cx="1428245" cy="539114"/>
+          </a:xfrm>
+          <a:prstGeom prst="rect">
+            <a:avLst/>
+          </a:prstGeom>
+          <a:solidFill>
+            <a:schemeClr val="accent3">
+              <a:lumMod val="50000"/>
+            </a:schemeClr>
+          </a:solidFill>
+          <a:ln>
+            <a:solidFill>
+              <a:srgbClr val="000000"/>
+            </a:solidFill>
+          </a:ln>
+          <a:effectLst/>
+        </p:spPr>
+        <p:style>
+          <a:lnRef idx="1">
+            <a:schemeClr val="accent1"/>
+          </a:lnRef>
+          <a:fillRef idx="3">
+            <a:schemeClr val="accent1"/>
+          </a:fillRef>
+          <a:effectRef idx="2">
+            <a:schemeClr val="accent1"/>
+          </a:effectRef>
+          <a:fontRef idx="minor">
+            <a:schemeClr val="lt1"/>
+          </a:fontRef>
+        </p:style>
+        <p:txBody>
+          <a:bodyPr rtlCol="0" anchor="ctr"/>
+          <a:lstStyle/>
+          <a:p>
+            <a:pPr algn="ctr"/>
+            <a:r>
+              <a:rPr lang="en-US" sz="1400" dirty="0" smtClean="0">
+                <a:solidFill>
+                  <a:srgbClr val="FFFFFF"/>
+                </a:solidFill>
+                <a:latin typeface="Rockwell"/>
+                <a:cs typeface="Rockwell"/>
+              </a:rPr>
+              <a:t>Multiple Linear Regression</a:t>
+            </a:r>
+            <a:endParaRPr lang="en-US" sz="1400" dirty="0">
+              <a:solidFill>
+                <a:srgbClr val="FFFFFF"/>
+              </a:solidFill>
+              <a:latin typeface="Rockwell"/>
+              <a:cs typeface="Rockwell"/>
+            </a:endParaRPr>
+          </a:p>
+        </p:txBody>
+      </p:sp>
+      <p:sp>
+        <p:nvSpPr>
+          <p:cNvPr id="15" name="Rectangle 14"/>
+          <p:cNvSpPr/>
+          <p:nvPr/>
+        </p:nvSpPr>
+        <p:spPr>
+          <a:xfrm>
+            <a:off x="4567817" y="6332355"/>
+            <a:ext cx="1428245" cy="539114"/>
+          </a:xfrm>
+          <a:prstGeom prst="rect">
+            <a:avLst/>
+          </a:prstGeom>
+          <a:solidFill>
+            <a:schemeClr val="accent3">
+              <a:lumMod val="60000"/>
+              <a:lumOff val="40000"/>
+            </a:schemeClr>
+          </a:solidFill>
+          <a:ln>
+            <a:solidFill>
+              <a:schemeClr val="tx1"/>
+            </a:solidFill>
+          </a:ln>
+          <a:effectLst/>
+        </p:spPr>
+        <p:style>
+          <a:lnRef idx="1">
+            <a:schemeClr val="accent1"/>
+          </a:lnRef>
+          <a:fillRef idx="3">
+            <a:schemeClr val="accent1"/>
+          </a:fillRef>
+          <a:effectRef idx="2">
+            <a:schemeClr val="accent1"/>
+          </a:effectRef>
+          <a:fontRef idx="minor">
+            <a:schemeClr val="lt1"/>
+          </a:fontRef>
+        </p:style>
+        <p:txBody>
+          <a:bodyPr rtlCol="0" anchor="ctr"/>
+          <a:lstStyle/>
+          <a:p>
+            <a:pPr algn="ctr"/>
+            <a:r>
+              <a:rPr lang="en-US" sz="1400" dirty="0" smtClean="0">
+                <a:solidFill>
+                  <a:srgbClr val="FFFFFF"/>
+                </a:solidFill>
+                <a:latin typeface="Rockwell"/>
+                <a:cs typeface="Rockwell"/>
+              </a:rPr>
+              <a:t>ANOVA</a:t>
+            </a:r>
+            <a:endParaRPr lang="en-US" sz="1400" dirty="0">
+              <a:solidFill>
+                <a:srgbClr val="FFFFFF"/>
+              </a:solidFill>
+              <a:latin typeface="Rockwell"/>
+              <a:cs typeface="Rockwell"/>
+            </a:endParaRPr>
+          </a:p>
+        </p:txBody>
+      </p:sp>
+      <p:sp>
+        <p:nvSpPr>
+          <p:cNvPr id="16" name="TextBox 15"/>
+          <p:cNvSpPr txBox="1"/>
+          <p:nvPr/>
+        </p:nvSpPr>
+        <p:spPr>
+          <a:xfrm>
+            <a:off x="1" y="6435277"/>
+            <a:ext cx="1014934" cy="307777"/>
+          </a:xfrm>
+          <a:prstGeom prst="rect">
+            <a:avLst/>
+          </a:prstGeom>
+          <a:noFill/>
+        </p:spPr>
+        <p:txBody>
+          <a:bodyPr wrap="none" rtlCol="0" anchor="ctr">
+            <a:spAutoFit/>
+          </a:bodyPr>
+          <a:lstStyle/>
+          <a:p>
+            <a:r>
+              <a:rPr lang="en-US" sz="1400" dirty="0" smtClean="0">
+                <a:solidFill>
+                  <a:schemeClr val="bg1">
+                    <a:lumMod val="85000"/>
+                  </a:schemeClr>
+                </a:solidFill>
+                <a:latin typeface="Rockwell"/>
+                <a:cs typeface="Rockwell"/>
+              </a:rPr>
+              <a:t>MCB 293S</a:t>
+            </a:r>
+          </a:p>
+        </p:txBody>
+      </p:sp>
+      <p:sp>
+        <p:nvSpPr>
+          <p:cNvPr id="17" name="TextBox 16"/>
+          <p:cNvSpPr txBox="1"/>
+          <p:nvPr/>
+        </p:nvSpPr>
+        <p:spPr>
+          <a:xfrm>
+            <a:off x="8344983" y="6435277"/>
+            <a:ext cx="799017" cy="307777"/>
+          </a:xfrm>
+          <a:prstGeom prst="rect">
+            <a:avLst/>
+          </a:prstGeom>
+          <a:noFill/>
+        </p:spPr>
+        <p:txBody>
+          <a:bodyPr wrap="none" rtlCol="0" anchor="ctr">
+            <a:spAutoFit/>
+          </a:bodyPr>
+          <a:lstStyle/>
+          <a:p>
+            <a:pPr algn="r"/>
+            <a:r>
+              <a:rPr lang="en-US" sz="1400" dirty="0" smtClean="0">
+                <a:solidFill>
+                  <a:schemeClr val="bg1">
+                    <a:lumMod val="85000"/>
+                  </a:schemeClr>
+                </a:solidFill>
+                <a:latin typeface="Rockwell"/>
+                <a:cs typeface="Rockwell"/>
+              </a:rPr>
+              <a:t>Week </a:t>
+            </a:r>
+            <a:r>
+              <a:rPr lang="en-US" sz="1400" dirty="0" smtClean="0">
+                <a:solidFill>
+                  <a:schemeClr val="bg1">
+                    <a:lumMod val="85000"/>
+                  </a:schemeClr>
+                </a:solidFill>
+                <a:latin typeface="Rockwell"/>
+                <a:cs typeface="Rockwell"/>
+              </a:rPr>
+              <a:t>4</a:t>
+            </a:r>
+            <a:endParaRPr lang="en-US" sz="1400" dirty="0" smtClean="0">
+              <a:solidFill>
+                <a:schemeClr val="bg1">
+                  <a:lumMod val="85000"/>
+                </a:schemeClr>
+              </a:solidFill>
+              <a:latin typeface="Rockwell"/>
+              <a:cs typeface="Rockwell"/>
+            </a:endParaRPr>
+          </a:p>
+        </p:txBody>
+      </p:sp>
     </p:spTree>
     <p:extLst>
       <p:ext uri="{BB962C8B-B14F-4D97-AF65-F5344CB8AC3E}">
@@ -6915,6 +7573,233 @@
             <a:endParaRPr lang="en-US" dirty="0">
               <a:latin typeface="Consolas"/>
               <a:cs typeface="Consolas"/>
+            </a:endParaRPr>
+          </a:p>
+        </p:txBody>
+      </p:sp>
+      <p:sp>
+        <p:nvSpPr>
+          <p:cNvPr id="20" name="Rectangle 19"/>
+          <p:cNvSpPr/>
+          <p:nvPr/>
+        </p:nvSpPr>
+        <p:spPr>
+          <a:xfrm>
+            <a:off x="3139571" y="6332355"/>
+            <a:ext cx="1428245" cy="539114"/>
+          </a:xfrm>
+          <a:prstGeom prst="rect">
+            <a:avLst/>
+          </a:prstGeom>
+          <a:solidFill>
+            <a:schemeClr val="accent3">
+              <a:lumMod val="50000"/>
+            </a:schemeClr>
+          </a:solidFill>
+          <a:ln>
+            <a:solidFill>
+              <a:srgbClr val="000000"/>
+            </a:solidFill>
+          </a:ln>
+          <a:effectLst/>
+        </p:spPr>
+        <p:style>
+          <a:lnRef idx="1">
+            <a:schemeClr val="accent1"/>
+          </a:lnRef>
+          <a:fillRef idx="3">
+            <a:schemeClr val="accent1"/>
+          </a:fillRef>
+          <a:effectRef idx="2">
+            <a:schemeClr val="accent1"/>
+          </a:effectRef>
+          <a:fontRef idx="minor">
+            <a:schemeClr val="lt1"/>
+          </a:fontRef>
+        </p:style>
+        <p:txBody>
+          <a:bodyPr rtlCol="0" anchor="ctr"/>
+          <a:lstStyle/>
+          <a:p>
+            <a:pPr algn="ctr"/>
+            <a:r>
+              <a:rPr lang="en-US" sz="1400" dirty="0" smtClean="0">
+                <a:solidFill>
+                  <a:srgbClr val="FFFFFF"/>
+                </a:solidFill>
+                <a:latin typeface="Rockwell"/>
+                <a:cs typeface="Rockwell"/>
+              </a:rPr>
+              <a:t>Multiple Linear Regression</a:t>
+            </a:r>
+            <a:endParaRPr lang="en-US" sz="1400" dirty="0">
+              <a:solidFill>
+                <a:srgbClr val="FFFFFF"/>
+              </a:solidFill>
+              <a:latin typeface="Rockwell"/>
+              <a:cs typeface="Rockwell"/>
+            </a:endParaRPr>
+          </a:p>
+        </p:txBody>
+      </p:sp>
+      <p:sp>
+        <p:nvSpPr>
+          <p:cNvPr id="21" name="Rectangle 20"/>
+          <p:cNvSpPr/>
+          <p:nvPr/>
+        </p:nvSpPr>
+        <p:spPr>
+          <a:xfrm>
+            <a:off x="4567817" y="6332355"/>
+            <a:ext cx="1428245" cy="539114"/>
+          </a:xfrm>
+          <a:prstGeom prst="rect">
+            <a:avLst/>
+          </a:prstGeom>
+          <a:solidFill>
+            <a:schemeClr val="accent3">
+              <a:lumMod val="60000"/>
+              <a:lumOff val="40000"/>
+            </a:schemeClr>
+          </a:solidFill>
+          <a:ln>
+            <a:solidFill>
+              <a:schemeClr val="tx1"/>
+            </a:solidFill>
+          </a:ln>
+          <a:effectLst/>
+        </p:spPr>
+        <p:style>
+          <a:lnRef idx="1">
+            <a:schemeClr val="accent1"/>
+          </a:lnRef>
+          <a:fillRef idx="3">
+            <a:schemeClr val="accent1"/>
+          </a:fillRef>
+          <a:effectRef idx="2">
+            <a:schemeClr val="accent1"/>
+          </a:effectRef>
+          <a:fontRef idx="minor">
+            <a:schemeClr val="lt1"/>
+          </a:fontRef>
+        </p:style>
+        <p:txBody>
+          <a:bodyPr rtlCol="0" anchor="ctr"/>
+          <a:lstStyle/>
+          <a:p>
+            <a:pPr algn="ctr"/>
+            <a:r>
+              <a:rPr lang="en-US" sz="1400" dirty="0" smtClean="0">
+                <a:solidFill>
+                  <a:srgbClr val="FFFFFF"/>
+                </a:solidFill>
+                <a:latin typeface="Rockwell"/>
+                <a:cs typeface="Rockwell"/>
+              </a:rPr>
+              <a:t>ANOVA</a:t>
+            </a:r>
+            <a:endParaRPr lang="en-US" sz="1400" dirty="0">
+              <a:solidFill>
+                <a:srgbClr val="FFFFFF"/>
+              </a:solidFill>
+              <a:latin typeface="Rockwell"/>
+              <a:cs typeface="Rockwell"/>
+            </a:endParaRPr>
+          </a:p>
+        </p:txBody>
+      </p:sp>
+      <p:sp>
+        <p:nvSpPr>
+          <p:cNvPr id="22" name="TextBox 21"/>
+          <p:cNvSpPr txBox="1"/>
+          <p:nvPr/>
+        </p:nvSpPr>
+        <p:spPr>
+          <a:xfrm>
+            <a:off x="1" y="6435277"/>
+            <a:ext cx="1014934" cy="307777"/>
+          </a:xfrm>
+          <a:prstGeom prst="rect">
+            <a:avLst/>
+          </a:prstGeom>
+          <a:noFill/>
+        </p:spPr>
+        <p:txBody>
+          <a:bodyPr wrap="none" rtlCol="0" anchor="ctr">
+            <a:spAutoFit/>
+          </a:bodyPr>
+          <a:lstStyle/>
+          <a:p>
+            <a:r>
+              <a:rPr lang="en-US" sz="1400" dirty="0" smtClean="0">
+                <a:solidFill>
+                  <a:schemeClr val="bg1">
+                    <a:lumMod val="85000"/>
+                  </a:schemeClr>
+                </a:solidFill>
+                <a:latin typeface="Rockwell"/>
+                <a:cs typeface="Rockwell"/>
+              </a:rPr>
+              <a:t>MCB 293S</a:t>
+            </a:r>
+          </a:p>
+        </p:txBody>
+      </p:sp>
+      <p:sp>
+        <p:nvSpPr>
+          <p:cNvPr id="23" name="TextBox 22"/>
+          <p:cNvSpPr txBox="1"/>
+          <p:nvPr/>
+        </p:nvSpPr>
+        <p:spPr>
+          <a:xfrm>
+            <a:off x="8344983" y="6435277"/>
+            <a:ext cx="799017" cy="307777"/>
+          </a:xfrm>
+          <a:prstGeom prst="rect">
+            <a:avLst/>
+          </a:prstGeom>
+          <a:noFill/>
+        </p:spPr>
+        <p:txBody>
+          <a:bodyPr wrap="none" rtlCol="0" anchor="ctr">
+            <a:spAutoFit/>
+          </a:bodyPr>
+          <a:lstStyle/>
+          <a:p>
+            <a:pPr algn="r"/>
+            <a:r>
+              <a:rPr lang="en-US" sz="1400" dirty="0" smtClean="0">
+                <a:solidFill>
+                  <a:schemeClr val="bg1">
+                    <a:lumMod val="85000"/>
+                  </a:schemeClr>
+                </a:solidFill>
+                <a:latin typeface="Rockwell"/>
+                <a:cs typeface="Rockwell"/>
+              </a:rPr>
+              <a:t>Week </a:t>
+            </a:r>
+            <a:r>
+              <a:rPr lang="en-US" sz="1400" dirty="0" smtClean="0">
+                <a:solidFill>
+                  <a:schemeClr val="bg1">
+                    <a:lumMod val="85000"/>
+                  </a:schemeClr>
+                </a:solidFill>
+                <a:latin typeface="Rockwell"/>
+                <a:cs typeface="Rockwell"/>
+              </a:rPr>
+              <a:t>4</a:t>
+            </a:r>
+            <a:endParaRPr lang="en-US" sz="1400" dirty="0" smtClean="0">
+              <a:solidFill>
+                <a:schemeClr val="bg1">
+                  <a:lumMod val="85000"/>
+                </a:schemeClr>
+              </a:solidFill>
+              <a:latin typeface="Rockwell"/>
+              <a:cs typeface="Rockwell"/>
             </a:endParaRPr>
           </a:p>
         </p:txBody>
@@ -7573,6 +8458,233 @@
           </a:p>
         </p:txBody>
       </p:sp>
+      <p:sp>
+        <p:nvSpPr>
+          <p:cNvPr id="10" name="Rectangle 9"/>
+          <p:cNvSpPr/>
+          <p:nvPr/>
+        </p:nvSpPr>
+        <p:spPr>
+          <a:xfrm>
+            <a:off x="3139571" y="6332355"/>
+            <a:ext cx="1428245" cy="539114"/>
+          </a:xfrm>
+          <a:prstGeom prst="rect">
+            <a:avLst/>
+          </a:prstGeom>
+          <a:solidFill>
+            <a:schemeClr val="accent3">
+              <a:lumMod val="50000"/>
+            </a:schemeClr>
+          </a:solidFill>
+          <a:ln>
+            <a:solidFill>
+              <a:srgbClr val="000000"/>
+            </a:solidFill>
+          </a:ln>
+          <a:effectLst/>
+        </p:spPr>
+        <p:style>
+          <a:lnRef idx="1">
+            <a:schemeClr val="accent1"/>
+          </a:lnRef>
+          <a:fillRef idx="3">
+            <a:schemeClr val="accent1"/>
+          </a:fillRef>
+          <a:effectRef idx="2">
+            <a:schemeClr val="accent1"/>
+          </a:effectRef>
+          <a:fontRef idx="minor">
+            <a:schemeClr val="lt1"/>
+          </a:fontRef>
+        </p:style>
+        <p:txBody>
+          <a:bodyPr rtlCol="0" anchor="ctr"/>
+          <a:lstStyle/>
+          <a:p>
+            <a:pPr algn="ctr"/>
+            <a:r>
+              <a:rPr lang="en-US" sz="1400" dirty="0" smtClean="0">
+                <a:solidFill>
+                  <a:srgbClr val="FFFFFF"/>
+                </a:solidFill>
+                <a:latin typeface="Rockwell"/>
+                <a:cs typeface="Rockwell"/>
+              </a:rPr>
+              <a:t>Multiple Linear Regression</a:t>
+            </a:r>
+            <a:endParaRPr lang="en-US" sz="1400" dirty="0">
+              <a:solidFill>
+                <a:srgbClr val="FFFFFF"/>
+              </a:solidFill>
+              <a:latin typeface="Rockwell"/>
+              <a:cs typeface="Rockwell"/>
+            </a:endParaRPr>
+          </a:p>
+        </p:txBody>
+      </p:sp>
+      <p:sp>
+        <p:nvSpPr>
+          <p:cNvPr id="11" name="Rectangle 10"/>
+          <p:cNvSpPr/>
+          <p:nvPr/>
+        </p:nvSpPr>
+        <p:spPr>
+          <a:xfrm>
+            <a:off x="4567817" y="6332355"/>
+            <a:ext cx="1428245" cy="539114"/>
+          </a:xfrm>
+          <a:prstGeom prst="rect">
+            <a:avLst/>
+          </a:prstGeom>
+          <a:solidFill>
+            <a:schemeClr val="accent3">
+              <a:lumMod val="60000"/>
+              <a:lumOff val="40000"/>
+            </a:schemeClr>
+          </a:solidFill>
+          <a:ln>
+            <a:solidFill>
+              <a:schemeClr val="tx1"/>
+            </a:solidFill>
+          </a:ln>
+          <a:effectLst/>
+        </p:spPr>
+        <p:style>
+          <a:lnRef idx="1">
+            <a:schemeClr val="accent1"/>
+          </a:lnRef>
+          <a:fillRef idx="3">
+            <a:schemeClr val="accent1"/>
+          </a:fillRef>
+          <a:effectRef idx="2">
+            <a:schemeClr val="accent1"/>
+          </a:effectRef>
+          <a:fontRef idx="minor">
+            <a:schemeClr val="lt1"/>
+          </a:fontRef>
+        </p:style>
+        <p:txBody>
+          <a:bodyPr rtlCol="0" anchor="ctr"/>
+          <a:lstStyle/>
+          <a:p>
+            <a:pPr algn="ctr"/>
+            <a:r>
+              <a:rPr lang="en-US" sz="1400" dirty="0" smtClean="0">
+                <a:solidFill>
+                  <a:srgbClr val="FFFFFF"/>
+                </a:solidFill>
+                <a:latin typeface="Rockwell"/>
+                <a:cs typeface="Rockwell"/>
+              </a:rPr>
+              <a:t>ANOVA</a:t>
+            </a:r>
+            <a:endParaRPr lang="en-US" sz="1400" dirty="0">
+              <a:solidFill>
+                <a:srgbClr val="FFFFFF"/>
+              </a:solidFill>
+              <a:latin typeface="Rockwell"/>
+              <a:cs typeface="Rockwell"/>
+            </a:endParaRPr>
+          </a:p>
+        </p:txBody>
+      </p:sp>
+      <p:sp>
+        <p:nvSpPr>
+          <p:cNvPr id="12" name="TextBox 11"/>
+          <p:cNvSpPr txBox="1"/>
+          <p:nvPr/>
+        </p:nvSpPr>
+        <p:spPr>
+          <a:xfrm>
+            <a:off x="1" y="6435277"/>
+            <a:ext cx="1014934" cy="307777"/>
+          </a:xfrm>
+          <a:prstGeom prst="rect">
+            <a:avLst/>
+          </a:prstGeom>
+          <a:noFill/>
+        </p:spPr>
+        <p:txBody>
+          <a:bodyPr wrap="none" rtlCol="0" anchor="ctr">
+            <a:spAutoFit/>
+          </a:bodyPr>
+          <a:lstStyle/>
+          <a:p>
+            <a:r>
+              <a:rPr lang="en-US" sz="1400" dirty="0" smtClean="0">
+                <a:solidFill>
+                  <a:schemeClr val="bg1">
+                    <a:lumMod val="85000"/>
+                  </a:schemeClr>
+                </a:solidFill>
+                <a:latin typeface="Rockwell"/>
+                <a:cs typeface="Rockwell"/>
+              </a:rPr>
+              <a:t>MCB 293S</a:t>
+            </a:r>
+          </a:p>
+        </p:txBody>
+      </p:sp>
+      <p:sp>
+        <p:nvSpPr>
+          <p:cNvPr id="13" name="TextBox 12"/>
+          <p:cNvSpPr txBox="1"/>
+          <p:nvPr/>
+        </p:nvSpPr>
+        <p:spPr>
+          <a:xfrm>
+            <a:off x="8344983" y="6435277"/>
+            <a:ext cx="799017" cy="307777"/>
+          </a:xfrm>
+          <a:prstGeom prst="rect">
+            <a:avLst/>
+          </a:prstGeom>
+          <a:noFill/>
+        </p:spPr>
+        <p:txBody>
+          <a:bodyPr wrap="none" rtlCol="0" anchor="ctr">
+            <a:spAutoFit/>
+          </a:bodyPr>
+          <a:lstStyle/>
+          <a:p>
+            <a:pPr algn="r"/>
+            <a:r>
+              <a:rPr lang="en-US" sz="1400" dirty="0" smtClean="0">
+                <a:solidFill>
+                  <a:schemeClr val="bg1">
+                    <a:lumMod val="85000"/>
+                  </a:schemeClr>
+                </a:solidFill>
+                <a:latin typeface="Rockwell"/>
+                <a:cs typeface="Rockwell"/>
+              </a:rPr>
+              <a:t>Week </a:t>
+            </a:r>
+            <a:r>
+              <a:rPr lang="en-US" sz="1400" dirty="0" smtClean="0">
+                <a:solidFill>
+                  <a:schemeClr val="bg1">
+                    <a:lumMod val="85000"/>
+                  </a:schemeClr>
+                </a:solidFill>
+                <a:latin typeface="Rockwell"/>
+                <a:cs typeface="Rockwell"/>
+              </a:rPr>
+              <a:t>4</a:t>
+            </a:r>
+            <a:endParaRPr lang="en-US" sz="1400" dirty="0" smtClean="0">
+              <a:solidFill>
+                <a:schemeClr val="bg1">
+                  <a:lumMod val="85000"/>
+                </a:schemeClr>
+              </a:solidFill>
+              <a:latin typeface="Rockwell"/>
+              <a:cs typeface="Rockwell"/>
+            </a:endParaRPr>
+          </a:p>
+        </p:txBody>
+      </p:sp>
     </p:spTree>
     <p:extLst>
       <p:ext uri="{BB962C8B-B14F-4D97-AF65-F5344CB8AC3E}">
@@ -8182,6 +9294,233 @@
           </a:p>
         </p:txBody>
       </p:sp>
+      <p:sp>
+        <p:nvSpPr>
+          <p:cNvPr id="17" name="Rectangle 16"/>
+          <p:cNvSpPr/>
+          <p:nvPr/>
+        </p:nvSpPr>
+        <p:spPr>
+          <a:xfrm>
+            <a:off x="3139571" y="6332355"/>
+            <a:ext cx="1428245" cy="539114"/>
+          </a:xfrm>
+          <a:prstGeom prst="rect">
+            <a:avLst/>
+          </a:prstGeom>
+          <a:solidFill>
+            <a:schemeClr val="accent3">
+              <a:lumMod val="50000"/>
+            </a:schemeClr>
+          </a:solidFill>
+          <a:ln>
+            <a:solidFill>
+              <a:srgbClr val="000000"/>
+            </a:solidFill>
+          </a:ln>
+          <a:effectLst/>
+        </p:spPr>
+        <p:style>
+          <a:lnRef idx="1">
+            <a:schemeClr val="accent1"/>
+          </a:lnRef>
+          <a:fillRef idx="3">
+            <a:schemeClr val="accent1"/>
+          </a:fillRef>
+          <a:effectRef idx="2">
+            <a:schemeClr val="accent1"/>
+          </a:effectRef>
+          <a:fontRef idx="minor">
+            <a:schemeClr val="lt1"/>
+          </a:fontRef>
+        </p:style>
+        <p:txBody>
+          <a:bodyPr rtlCol="0" anchor="ctr"/>
+          <a:lstStyle/>
+          <a:p>
+            <a:pPr algn="ctr"/>
+            <a:r>
+              <a:rPr lang="en-US" sz="1400" dirty="0" smtClean="0">
+                <a:solidFill>
+                  <a:srgbClr val="FFFFFF"/>
+                </a:solidFill>
+                <a:latin typeface="Rockwell"/>
+                <a:cs typeface="Rockwell"/>
+              </a:rPr>
+              <a:t>Multiple Linear Regression</a:t>
+            </a:r>
+            <a:endParaRPr lang="en-US" sz="1400" dirty="0">
+              <a:solidFill>
+                <a:srgbClr val="FFFFFF"/>
+              </a:solidFill>
+              <a:latin typeface="Rockwell"/>
+              <a:cs typeface="Rockwell"/>
+            </a:endParaRPr>
+          </a:p>
+        </p:txBody>
+      </p:sp>
+      <p:sp>
+        <p:nvSpPr>
+          <p:cNvPr id="18" name="Rectangle 17"/>
+          <p:cNvSpPr/>
+          <p:nvPr/>
+        </p:nvSpPr>
+        <p:spPr>
+          <a:xfrm>
+            <a:off x="4567817" y="6332355"/>
+            <a:ext cx="1428245" cy="539114"/>
+          </a:xfrm>
+          <a:prstGeom prst="rect">
+            <a:avLst/>
+          </a:prstGeom>
+          <a:solidFill>
+            <a:schemeClr val="accent3">
+              <a:lumMod val="60000"/>
+              <a:lumOff val="40000"/>
+            </a:schemeClr>
+          </a:solidFill>
+          <a:ln>
+            <a:solidFill>
+              <a:schemeClr val="tx1"/>
+            </a:solidFill>
+          </a:ln>
+          <a:effectLst/>
+        </p:spPr>
+        <p:style>
+          <a:lnRef idx="1">
+            <a:schemeClr val="accent1"/>
+          </a:lnRef>
+          <a:fillRef idx="3">
+            <a:schemeClr val="accent1"/>
+          </a:fillRef>
+          <a:effectRef idx="2">
+            <a:schemeClr val="accent1"/>
+          </a:effectRef>
+          <a:fontRef idx="minor">
+            <a:schemeClr val="lt1"/>
+          </a:fontRef>
+        </p:style>
+        <p:txBody>
+          <a:bodyPr rtlCol="0" anchor="ctr"/>
+          <a:lstStyle/>
+          <a:p>
+            <a:pPr algn="ctr"/>
+            <a:r>
+              <a:rPr lang="en-US" sz="1400" dirty="0" smtClean="0">
+                <a:solidFill>
+                  <a:srgbClr val="FFFFFF"/>
+                </a:solidFill>
+                <a:latin typeface="Rockwell"/>
+                <a:cs typeface="Rockwell"/>
+              </a:rPr>
+              <a:t>ANOVA</a:t>
+            </a:r>
+            <a:endParaRPr lang="en-US" sz="1400" dirty="0">
+              <a:solidFill>
+                <a:srgbClr val="FFFFFF"/>
+              </a:solidFill>
+              <a:latin typeface="Rockwell"/>
+              <a:cs typeface="Rockwell"/>
+            </a:endParaRPr>
+          </a:p>
+        </p:txBody>
+      </p:sp>
+      <p:sp>
+        <p:nvSpPr>
+          <p:cNvPr id="19" name="TextBox 18"/>
+          <p:cNvSpPr txBox="1"/>
+          <p:nvPr/>
+        </p:nvSpPr>
+        <p:spPr>
+          <a:xfrm>
+            <a:off x="1" y="6435277"/>
+            <a:ext cx="1014934" cy="307777"/>
+          </a:xfrm>
+          <a:prstGeom prst="rect">
+            <a:avLst/>
+          </a:prstGeom>
+          <a:noFill/>
+        </p:spPr>
+        <p:txBody>
+          <a:bodyPr wrap="none" rtlCol="0" anchor="ctr">
+            <a:spAutoFit/>
+          </a:bodyPr>
+          <a:lstStyle/>
+          <a:p>
+            <a:r>
+              <a:rPr lang="en-US" sz="1400" dirty="0" smtClean="0">
+                <a:solidFill>
+                  <a:schemeClr val="bg1">
+                    <a:lumMod val="85000"/>
+                  </a:schemeClr>
+                </a:solidFill>
+                <a:latin typeface="Rockwell"/>
+                <a:cs typeface="Rockwell"/>
+              </a:rPr>
+              <a:t>MCB 293S</a:t>
+            </a:r>
+          </a:p>
+        </p:txBody>
+      </p:sp>
+      <p:sp>
+        <p:nvSpPr>
+          <p:cNvPr id="22" name="TextBox 21"/>
+          <p:cNvSpPr txBox="1"/>
+          <p:nvPr/>
+        </p:nvSpPr>
+        <p:spPr>
+          <a:xfrm>
+            <a:off x="8344983" y="6435277"/>
+            <a:ext cx="799017" cy="307777"/>
+          </a:xfrm>
+          <a:prstGeom prst="rect">
+            <a:avLst/>
+          </a:prstGeom>
+          <a:noFill/>
+        </p:spPr>
+        <p:txBody>
+          <a:bodyPr wrap="none" rtlCol="0" anchor="ctr">
+            <a:spAutoFit/>
+          </a:bodyPr>
+          <a:lstStyle/>
+          <a:p>
+            <a:pPr algn="r"/>
+            <a:r>
+              <a:rPr lang="en-US" sz="1400" dirty="0" smtClean="0">
+                <a:solidFill>
+                  <a:schemeClr val="bg1">
+                    <a:lumMod val="85000"/>
+                  </a:schemeClr>
+                </a:solidFill>
+                <a:latin typeface="Rockwell"/>
+                <a:cs typeface="Rockwell"/>
+              </a:rPr>
+              <a:t>Week </a:t>
+            </a:r>
+            <a:r>
+              <a:rPr lang="en-US" sz="1400" dirty="0" smtClean="0">
+                <a:solidFill>
+                  <a:schemeClr val="bg1">
+                    <a:lumMod val="85000"/>
+                  </a:schemeClr>
+                </a:solidFill>
+                <a:latin typeface="Rockwell"/>
+                <a:cs typeface="Rockwell"/>
+              </a:rPr>
+              <a:t>4</a:t>
+            </a:r>
+            <a:endParaRPr lang="en-US" sz="1400" dirty="0" smtClean="0">
+              <a:solidFill>
+                <a:schemeClr val="bg1">
+                  <a:lumMod val="85000"/>
+                </a:schemeClr>
+              </a:solidFill>
+              <a:latin typeface="Rockwell"/>
+              <a:cs typeface="Rockwell"/>
+            </a:endParaRPr>
+          </a:p>
+        </p:txBody>
+      </p:sp>
     </p:spTree>
     <p:extLst>
       <p:ext uri="{BB962C8B-B14F-4D97-AF65-F5344CB8AC3E}">
@@ -9076,6 +10415,233 @@
             <a:endParaRPr lang="en-US" sz="1600" dirty="0">
               <a:latin typeface="Helvetica"/>
               <a:cs typeface="Helvetica"/>
+            </a:endParaRPr>
+          </a:p>
+        </p:txBody>
+      </p:sp>
+      <p:sp>
+        <p:nvSpPr>
+          <p:cNvPr id="13" name="Rectangle 12"/>
+          <p:cNvSpPr/>
+          <p:nvPr/>
+        </p:nvSpPr>
+        <p:spPr>
+          <a:xfrm>
+            <a:off x="3139571" y="6332355"/>
+            <a:ext cx="1428245" cy="539114"/>
+          </a:xfrm>
+          <a:prstGeom prst="rect">
+            <a:avLst/>
+          </a:prstGeom>
+          <a:solidFill>
+            <a:schemeClr val="accent3">
+              <a:lumMod val="60000"/>
+              <a:lumOff val="40000"/>
+            </a:schemeClr>
+          </a:solidFill>
+          <a:ln>
+            <a:solidFill>
+              <a:srgbClr val="000000"/>
+            </a:solidFill>
+          </a:ln>
+          <a:effectLst/>
+        </p:spPr>
+        <p:style>
+          <a:lnRef idx="1">
+            <a:schemeClr val="accent1"/>
+          </a:lnRef>
+          <a:fillRef idx="3">
+            <a:schemeClr val="accent1"/>
+          </a:fillRef>
+          <a:effectRef idx="2">
+            <a:schemeClr val="accent1"/>
+          </a:effectRef>
+          <a:fontRef idx="minor">
+            <a:schemeClr val="lt1"/>
+          </a:fontRef>
+        </p:style>
+        <p:txBody>
+          <a:bodyPr rtlCol="0" anchor="ctr"/>
+          <a:lstStyle/>
+          <a:p>
+            <a:pPr algn="ctr"/>
+            <a:r>
+              <a:rPr lang="en-US" sz="1400" dirty="0" smtClean="0">
+                <a:solidFill>
+                  <a:srgbClr val="FFFFFF"/>
+                </a:solidFill>
+                <a:latin typeface="Rockwell"/>
+                <a:cs typeface="Rockwell"/>
+              </a:rPr>
+              <a:t>Multiple Linear Regression</a:t>
+            </a:r>
+            <a:endParaRPr lang="en-US" sz="1400" dirty="0">
+              <a:solidFill>
+                <a:srgbClr val="FFFFFF"/>
+              </a:solidFill>
+              <a:latin typeface="Rockwell"/>
+              <a:cs typeface="Rockwell"/>
+            </a:endParaRPr>
+          </a:p>
+        </p:txBody>
+      </p:sp>
+      <p:sp>
+        <p:nvSpPr>
+          <p:cNvPr id="14" name="Rectangle 13"/>
+          <p:cNvSpPr/>
+          <p:nvPr/>
+        </p:nvSpPr>
+        <p:spPr>
+          <a:xfrm>
+            <a:off x="4567817" y="6332355"/>
+            <a:ext cx="1428245" cy="539114"/>
+          </a:xfrm>
+          <a:prstGeom prst="rect">
+            <a:avLst/>
+          </a:prstGeom>
+          <a:solidFill>
+            <a:schemeClr val="accent3">
+              <a:lumMod val="50000"/>
+            </a:schemeClr>
+          </a:solidFill>
+          <a:ln>
+            <a:solidFill>
+              <a:schemeClr val="tx1"/>
+            </a:solidFill>
+          </a:ln>
+          <a:effectLst/>
+        </p:spPr>
+        <p:style>
+          <a:lnRef idx="1">
+            <a:schemeClr val="accent1"/>
+          </a:lnRef>
+          <a:fillRef idx="3">
+            <a:schemeClr val="accent1"/>
+          </a:fillRef>
+          <a:effectRef idx="2">
+            <a:schemeClr val="accent1"/>
+          </a:effectRef>
+          <a:fontRef idx="minor">
+            <a:schemeClr val="lt1"/>
+          </a:fontRef>
+        </p:style>
+        <p:txBody>
+          <a:bodyPr rtlCol="0" anchor="ctr"/>
+          <a:lstStyle/>
+          <a:p>
+            <a:pPr algn="ctr"/>
+            <a:r>
+              <a:rPr lang="en-US" sz="1400" dirty="0" smtClean="0">
+                <a:solidFill>
+                  <a:srgbClr val="FFFFFF"/>
+                </a:solidFill>
+                <a:latin typeface="Rockwell"/>
+                <a:cs typeface="Rockwell"/>
+              </a:rPr>
+              <a:t>ANOVA</a:t>
+            </a:r>
+            <a:endParaRPr lang="en-US" sz="1400" dirty="0">
+              <a:solidFill>
+                <a:srgbClr val="FFFFFF"/>
+              </a:solidFill>
+              <a:latin typeface="Rockwell"/>
+              <a:cs typeface="Rockwell"/>
+            </a:endParaRPr>
+          </a:p>
+        </p:txBody>
+      </p:sp>
+      <p:sp>
+        <p:nvSpPr>
+          <p:cNvPr id="15" name="TextBox 14"/>
+          <p:cNvSpPr txBox="1"/>
+          <p:nvPr/>
+        </p:nvSpPr>
+        <p:spPr>
+          <a:xfrm>
+            <a:off x="1" y="6435277"/>
+            <a:ext cx="1014934" cy="307777"/>
+          </a:xfrm>
+          <a:prstGeom prst="rect">
+            <a:avLst/>
+          </a:prstGeom>
+          <a:noFill/>
+        </p:spPr>
+        <p:txBody>
+          <a:bodyPr wrap="none" rtlCol="0" anchor="ctr">
+            <a:spAutoFit/>
+          </a:bodyPr>
+          <a:lstStyle/>
+          <a:p>
+            <a:r>
+              <a:rPr lang="en-US" sz="1400" dirty="0" smtClean="0">
+                <a:solidFill>
+                  <a:schemeClr val="bg1">
+                    <a:lumMod val="85000"/>
+                  </a:schemeClr>
+                </a:solidFill>
+                <a:latin typeface="Rockwell"/>
+                <a:cs typeface="Rockwell"/>
+              </a:rPr>
+              <a:t>MCB 293S</a:t>
+            </a:r>
+          </a:p>
+        </p:txBody>
+      </p:sp>
+      <p:sp>
+        <p:nvSpPr>
+          <p:cNvPr id="22" name="TextBox 21"/>
+          <p:cNvSpPr txBox="1"/>
+          <p:nvPr/>
+        </p:nvSpPr>
+        <p:spPr>
+          <a:xfrm>
+            <a:off x="8344983" y="6435277"/>
+            <a:ext cx="799017" cy="307777"/>
+          </a:xfrm>
+          <a:prstGeom prst="rect">
+            <a:avLst/>
+          </a:prstGeom>
+          <a:noFill/>
+        </p:spPr>
+        <p:txBody>
+          <a:bodyPr wrap="none" rtlCol="0" anchor="ctr">
+            <a:spAutoFit/>
+          </a:bodyPr>
+          <a:lstStyle/>
+          <a:p>
+            <a:pPr algn="r"/>
+            <a:r>
+              <a:rPr lang="en-US" sz="1400" dirty="0" smtClean="0">
+                <a:solidFill>
+                  <a:schemeClr val="bg1">
+                    <a:lumMod val="85000"/>
+                  </a:schemeClr>
+                </a:solidFill>
+                <a:latin typeface="Rockwell"/>
+                <a:cs typeface="Rockwell"/>
+              </a:rPr>
+              <a:t>Week </a:t>
+            </a:r>
+            <a:r>
+              <a:rPr lang="en-US" sz="1400" dirty="0" smtClean="0">
+                <a:solidFill>
+                  <a:schemeClr val="bg1">
+                    <a:lumMod val="85000"/>
+                  </a:schemeClr>
+                </a:solidFill>
+                <a:latin typeface="Rockwell"/>
+                <a:cs typeface="Rockwell"/>
+              </a:rPr>
+              <a:t>4</a:t>
+            </a:r>
+            <a:endParaRPr lang="en-US" sz="1400" dirty="0" smtClean="0">
+              <a:solidFill>
+                <a:schemeClr val="bg1">
+                  <a:lumMod val="85000"/>
+                </a:schemeClr>
+              </a:solidFill>
+              <a:latin typeface="Rockwell"/>
+              <a:cs typeface="Rockwell"/>
             </a:endParaRPr>
           </a:p>
         </p:txBody>
@@ -9849,6 +11415,233 @@
           </a:p>
         </p:txBody>
       </p:sp>
+      <p:sp>
+        <p:nvSpPr>
+          <p:cNvPr id="16" name="Rectangle 15"/>
+          <p:cNvSpPr/>
+          <p:nvPr/>
+        </p:nvSpPr>
+        <p:spPr>
+          <a:xfrm>
+            <a:off x="3139571" y="6332355"/>
+            <a:ext cx="1428245" cy="539114"/>
+          </a:xfrm>
+          <a:prstGeom prst="rect">
+            <a:avLst/>
+          </a:prstGeom>
+          <a:solidFill>
+            <a:schemeClr val="accent3">
+              <a:lumMod val="60000"/>
+              <a:lumOff val="40000"/>
+            </a:schemeClr>
+          </a:solidFill>
+          <a:ln>
+            <a:solidFill>
+              <a:srgbClr val="000000"/>
+            </a:solidFill>
+          </a:ln>
+          <a:effectLst/>
+        </p:spPr>
+        <p:style>
+          <a:lnRef idx="1">
+            <a:schemeClr val="accent1"/>
+          </a:lnRef>
+          <a:fillRef idx="3">
+            <a:schemeClr val="accent1"/>
+          </a:fillRef>
+          <a:effectRef idx="2">
+            <a:schemeClr val="accent1"/>
+          </a:effectRef>
+          <a:fontRef idx="minor">
+            <a:schemeClr val="lt1"/>
+          </a:fontRef>
+        </p:style>
+        <p:txBody>
+          <a:bodyPr rtlCol="0" anchor="ctr"/>
+          <a:lstStyle/>
+          <a:p>
+            <a:pPr algn="ctr"/>
+            <a:r>
+              <a:rPr lang="en-US" sz="1400" dirty="0" smtClean="0">
+                <a:solidFill>
+                  <a:srgbClr val="FFFFFF"/>
+                </a:solidFill>
+                <a:latin typeface="Rockwell"/>
+                <a:cs typeface="Rockwell"/>
+              </a:rPr>
+              <a:t>Multiple Linear Regression</a:t>
+            </a:r>
+            <a:endParaRPr lang="en-US" sz="1400" dirty="0">
+              <a:solidFill>
+                <a:srgbClr val="FFFFFF"/>
+              </a:solidFill>
+              <a:latin typeface="Rockwell"/>
+              <a:cs typeface="Rockwell"/>
+            </a:endParaRPr>
+          </a:p>
+        </p:txBody>
+      </p:sp>
+      <p:sp>
+        <p:nvSpPr>
+          <p:cNvPr id="17" name="Rectangle 16"/>
+          <p:cNvSpPr/>
+          <p:nvPr/>
+        </p:nvSpPr>
+        <p:spPr>
+          <a:xfrm>
+            <a:off x="4567817" y="6332355"/>
+            <a:ext cx="1428245" cy="539114"/>
+          </a:xfrm>
+          <a:prstGeom prst="rect">
+            <a:avLst/>
+          </a:prstGeom>
+          <a:solidFill>
+            <a:schemeClr val="accent3">
+              <a:lumMod val="50000"/>
+            </a:schemeClr>
+          </a:solidFill>
+          <a:ln>
+            <a:solidFill>
+              <a:schemeClr val="tx1"/>
+            </a:solidFill>
+          </a:ln>
+          <a:effectLst/>
+        </p:spPr>
+        <p:style>
+          <a:lnRef idx="1">
+            <a:schemeClr val="accent1"/>
+          </a:lnRef>
+          <a:fillRef idx="3">
+            <a:schemeClr val="accent1"/>
+          </a:fillRef>
+          <a:effectRef idx="2">
+            <a:schemeClr val="accent1"/>
+          </a:effectRef>
+          <a:fontRef idx="minor">
+            <a:schemeClr val="lt1"/>
+          </a:fontRef>
+        </p:style>
+        <p:txBody>
+          <a:bodyPr rtlCol="0" anchor="ctr"/>
+          <a:lstStyle/>
+          <a:p>
+            <a:pPr algn="ctr"/>
+            <a:r>
+              <a:rPr lang="en-US" sz="1400" dirty="0" smtClean="0">
+                <a:solidFill>
+                  <a:srgbClr val="FFFFFF"/>
+                </a:solidFill>
+                <a:latin typeface="Rockwell"/>
+                <a:cs typeface="Rockwell"/>
+              </a:rPr>
+              <a:t>ANOVA</a:t>
+            </a:r>
+            <a:endParaRPr lang="en-US" sz="1400" dirty="0">
+              <a:solidFill>
+                <a:srgbClr val="FFFFFF"/>
+              </a:solidFill>
+              <a:latin typeface="Rockwell"/>
+              <a:cs typeface="Rockwell"/>
+            </a:endParaRPr>
+          </a:p>
+        </p:txBody>
+      </p:sp>
+      <p:sp>
+        <p:nvSpPr>
+          <p:cNvPr id="18" name="TextBox 17"/>
+          <p:cNvSpPr txBox="1"/>
+          <p:nvPr/>
+        </p:nvSpPr>
+        <p:spPr>
+          <a:xfrm>
+            <a:off x="1" y="6435277"/>
+            <a:ext cx="1014934" cy="307777"/>
+          </a:xfrm>
+          <a:prstGeom prst="rect">
+            <a:avLst/>
+          </a:prstGeom>
+          <a:noFill/>
+        </p:spPr>
+        <p:txBody>
+          <a:bodyPr wrap="none" rtlCol="0" anchor="ctr">
+            <a:spAutoFit/>
+          </a:bodyPr>
+          <a:lstStyle/>
+          <a:p>
+            <a:r>
+              <a:rPr lang="en-US" sz="1400" dirty="0" smtClean="0">
+                <a:solidFill>
+                  <a:schemeClr val="bg1">
+                    <a:lumMod val="85000"/>
+                  </a:schemeClr>
+                </a:solidFill>
+                <a:latin typeface="Rockwell"/>
+                <a:cs typeface="Rockwell"/>
+              </a:rPr>
+              <a:t>MCB 293S</a:t>
+            </a:r>
+          </a:p>
+        </p:txBody>
+      </p:sp>
+      <p:sp>
+        <p:nvSpPr>
+          <p:cNvPr id="19" name="TextBox 18"/>
+          <p:cNvSpPr txBox="1"/>
+          <p:nvPr/>
+        </p:nvSpPr>
+        <p:spPr>
+          <a:xfrm>
+            <a:off x="8344983" y="6435277"/>
+            <a:ext cx="799017" cy="307777"/>
+          </a:xfrm>
+          <a:prstGeom prst="rect">
+            <a:avLst/>
+          </a:prstGeom>
+          <a:noFill/>
+        </p:spPr>
+        <p:txBody>
+          <a:bodyPr wrap="none" rtlCol="0" anchor="ctr">
+            <a:spAutoFit/>
+          </a:bodyPr>
+          <a:lstStyle/>
+          <a:p>
+            <a:pPr algn="r"/>
+            <a:r>
+              <a:rPr lang="en-US" sz="1400" dirty="0" smtClean="0">
+                <a:solidFill>
+                  <a:schemeClr val="bg1">
+                    <a:lumMod val="85000"/>
+                  </a:schemeClr>
+                </a:solidFill>
+                <a:latin typeface="Rockwell"/>
+                <a:cs typeface="Rockwell"/>
+              </a:rPr>
+              <a:t>Week </a:t>
+            </a:r>
+            <a:r>
+              <a:rPr lang="en-US" sz="1400" dirty="0" smtClean="0">
+                <a:solidFill>
+                  <a:schemeClr val="bg1">
+                    <a:lumMod val="85000"/>
+                  </a:schemeClr>
+                </a:solidFill>
+                <a:latin typeface="Rockwell"/>
+                <a:cs typeface="Rockwell"/>
+              </a:rPr>
+              <a:t>4</a:t>
+            </a:r>
+            <a:endParaRPr lang="en-US" sz="1400" dirty="0" smtClean="0">
+              <a:solidFill>
+                <a:schemeClr val="bg1">
+                  <a:lumMod val="85000"/>
+                </a:schemeClr>
+              </a:solidFill>
+              <a:latin typeface="Rockwell"/>
+              <a:cs typeface="Rockwell"/>
+            </a:endParaRPr>
+          </a:p>
+        </p:txBody>
+      </p:sp>
     </p:spTree>
     <p:extLst>
       <p:ext uri="{BB962C8B-B14F-4D97-AF65-F5344CB8AC3E}">
@@ -10253,6 +12046,233 @@
           </a:p>
         </p:txBody>
       </p:sp>
+      <p:sp>
+        <p:nvSpPr>
+          <p:cNvPr id="8" name="Rectangle 7"/>
+          <p:cNvSpPr/>
+          <p:nvPr/>
+        </p:nvSpPr>
+        <p:spPr>
+          <a:xfrm>
+            <a:off x="3139571" y="6332355"/>
+            <a:ext cx="1428245" cy="539114"/>
+          </a:xfrm>
+          <a:prstGeom prst="rect">
+            <a:avLst/>
+          </a:prstGeom>
+          <a:solidFill>
+            <a:schemeClr val="accent3">
+              <a:lumMod val="60000"/>
+              <a:lumOff val="40000"/>
+            </a:schemeClr>
+          </a:solidFill>
+          <a:ln>
+            <a:solidFill>
+              <a:srgbClr val="000000"/>
+            </a:solidFill>
+          </a:ln>
+          <a:effectLst/>
+        </p:spPr>
+        <p:style>
+          <a:lnRef idx="1">
+            <a:schemeClr val="accent1"/>
+          </a:lnRef>
+          <a:fillRef idx="3">
+            <a:schemeClr val="accent1"/>
+          </a:fillRef>
+          <a:effectRef idx="2">
+            <a:schemeClr val="accent1"/>
+          </a:effectRef>
+          <a:fontRef idx="minor">
+            <a:schemeClr val="lt1"/>
+          </a:fontRef>
+        </p:style>
+        <p:txBody>
+          <a:bodyPr rtlCol="0" anchor="ctr"/>
+          <a:lstStyle/>
+          <a:p>
+            <a:pPr algn="ctr"/>
+            <a:r>
+              <a:rPr lang="en-US" sz="1400" dirty="0" smtClean="0">
+                <a:solidFill>
+                  <a:srgbClr val="FFFFFF"/>
+                </a:solidFill>
+                <a:latin typeface="Rockwell"/>
+                <a:cs typeface="Rockwell"/>
+              </a:rPr>
+              <a:t>Multiple Linear Regression</a:t>
+            </a:r>
+            <a:endParaRPr lang="en-US" sz="1400" dirty="0">
+              <a:solidFill>
+                <a:srgbClr val="FFFFFF"/>
+              </a:solidFill>
+              <a:latin typeface="Rockwell"/>
+              <a:cs typeface="Rockwell"/>
+            </a:endParaRPr>
+          </a:p>
+        </p:txBody>
+      </p:sp>
+      <p:sp>
+        <p:nvSpPr>
+          <p:cNvPr id="10" name="Rectangle 9"/>
+          <p:cNvSpPr/>
+          <p:nvPr/>
+        </p:nvSpPr>
+        <p:spPr>
+          <a:xfrm>
+            <a:off x="4567817" y="6332355"/>
+            <a:ext cx="1428245" cy="539114"/>
+          </a:xfrm>
+          <a:prstGeom prst="rect">
+            <a:avLst/>
+          </a:prstGeom>
+          <a:solidFill>
+            <a:schemeClr val="accent3">
+              <a:lumMod val="50000"/>
+            </a:schemeClr>
+          </a:solidFill>
+          <a:ln>
+            <a:solidFill>
+              <a:schemeClr val="tx1"/>
+            </a:solidFill>
+          </a:ln>
+          <a:effectLst/>
+        </p:spPr>
+        <p:style>
+          <a:lnRef idx="1">
+            <a:schemeClr val="accent1"/>
+          </a:lnRef>
+          <a:fillRef idx="3">
+            <a:schemeClr val="accent1"/>
+          </a:fillRef>
+          <a:effectRef idx="2">
+            <a:schemeClr val="accent1"/>
+          </a:effectRef>
+          <a:fontRef idx="minor">
+            <a:schemeClr val="lt1"/>
+          </a:fontRef>
+        </p:style>
+        <p:txBody>
+          <a:bodyPr rtlCol="0" anchor="ctr"/>
+          <a:lstStyle/>
+          <a:p>
+            <a:pPr algn="ctr"/>
+            <a:r>
+              <a:rPr lang="en-US" sz="1400" dirty="0" smtClean="0">
+                <a:solidFill>
+                  <a:srgbClr val="FFFFFF"/>
+                </a:solidFill>
+                <a:latin typeface="Rockwell"/>
+                <a:cs typeface="Rockwell"/>
+              </a:rPr>
+              <a:t>ANOVA</a:t>
+            </a:r>
+            <a:endParaRPr lang="en-US" sz="1400" dirty="0">
+              <a:solidFill>
+                <a:srgbClr val="FFFFFF"/>
+              </a:solidFill>
+              <a:latin typeface="Rockwell"/>
+              <a:cs typeface="Rockwell"/>
+            </a:endParaRPr>
+          </a:p>
+        </p:txBody>
+      </p:sp>
+      <p:sp>
+        <p:nvSpPr>
+          <p:cNvPr id="11" name="TextBox 10"/>
+          <p:cNvSpPr txBox="1"/>
+          <p:nvPr/>
+        </p:nvSpPr>
+        <p:spPr>
+          <a:xfrm>
+            <a:off x="1" y="6435277"/>
+            <a:ext cx="1014934" cy="307777"/>
+          </a:xfrm>
+          <a:prstGeom prst="rect">
+            <a:avLst/>
+          </a:prstGeom>
+          <a:noFill/>
+        </p:spPr>
+        <p:txBody>
+          <a:bodyPr wrap="none" rtlCol="0" anchor="ctr">
+            <a:spAutoFit/>
+          </a:bodyPr>
+          <a:lstStyle/>
+          <a:p>
+            <a:r>
+              <a:rPr lang="en-US" sz="1400" dirty="0" smtClean="0">
+                <a:solidFill>
+                  <a:schemeClr val="bg1">
+                    <a:lumMod val="85000"/>
+                  </a:schemeClr>
+                </a:solidFill>
+                <a:latin typeface="Rockwell"/>
+                <a:cs typeface="Rockwell"/>
+              </a:rPr>
+              <a:t>MCB 293S</a:t>
+            </a:r>
+          </a:p>
+        </p:txBody>
+      </p:sp>
+      <p:sp>
+        <p:nvSpPr>
+          <p:cNvPr id="12" name="TextBox 11"/>
+          <p:cNvSpPr txBox="1"/>
+          <p:nvPr/>
+        </p:nvSpPr>
+        <p:spPr>
+          <a:xfrm>
+            <a:off x="8344983" y="6435277"/>
+            <a:ext cx="799017" cy="307777"/>
+          </a:xfrm>
+          <a:prstGeom prst="rect">
+            <a:avLst/>
+          </a:prstGeom>
+          <a:noFill/>
+        </p:spPr>
+        <p:txBody>
+          <a:bodyPr wrap="none" rtlCol="0" anchor="ctr">
+            <a:spAutoFit/>
+          </a:bodyPr>
+          <a:lstStyle/>
+          <a:p>
+            <a:pPr algn="r"/>
+            <a:r>
+              <a:rPr lang="en-US" sz="1400" dirty="0" smtClean="0">
+                <a:solidFill>
+                  <a:schemeClr val="bg1">
+                    <a:lumMod val="85000"/>
+                  </a:schemeClr>
+                </a:solidFill>
+                <a:latin typeface="Rockwell"/>
+                <a:cs typeface="Rockwell"/>
+              </a:rPr>
+              <a:t>Week </a:t>
+            </a:r>
+            <a:r>
+              <a:rPr lang="en-US" sz="1400" dirty="0" smtClean="0">
+                <a:solidFill>
+                  <a:schemeClr val="bg1">
+                    <a:lumMod val="85000"/>
+                  </a:schemeClr>
+                </a:solidFill>
+                <a:latin typeface="Rockwell"/>
+                <a:cs typeface="Rockwell"/>
+              </a:rPr>
+              <a:t>4</a:t>
+            </a:r>
+            <a:endParaRPr lang="en-US" sz="1400" dirty="0" smtClean="0">
+              <a:solidFill>
+                <a:schemeClr val="bg1">
+                  <a:lumMod val="85000"/>
+                </a:schemeClr>
+              </a:solidFill>
+              <a:latin typeface="Rockwell"/>
+              <a:cs typeface="Rockwell"/>
+            </a:endParaRPr>
+          </a:p>
+        </p:txBody>
+      </p:sp>
     </p:spTree>
     <p:extLst>
       <p:ext uri="{BB962C8B-B14F-4D97-AF65-F5344CB8AC3E}">
@@ -10763,6 +12783,233 @@
               </a:solidFill>
               <a:latin typeface="Consolas"/>
               <a:cs typeface="Consolas"/>
+            </a:endParaRPr>
+          </a:p>
+        </p:txBody>
+      </p:sp>
+      <p:sp>
+        <p:nvSpPr>
+          <p:cNvPr id="8" name="Rectangle 7"/>
+          <p:cNvSpPr/>
+          <p:nvPr/>
+        </p:nvSpPr>
+        <p:spPr>
+          <a:xfrm>
+            <a:off x="3139571" y="6332355"/>
+            <a:ext cx="1428245" cy="539114"/>
+          </a:xfrm>
+          <a:prstGeom prst="rect">
+            <a:avLst/>
+          </a:prstGeom>
+          <a:solidFill>
+            <a:schemeClr val="accent3">
+              <a:lumMod val="60000"/>
+              <a:lumOff val="40000"/>
+            </a:schemeClr>
+          </a:solidFill>
+          <a:ln>
+            <a:solidFill>
+              <a:srgbClr val="000000"/>
+            </a:solidFill>
+          </a:ln>
+          <a:effectLst/>
+        </p:spPr>
+        <p:style>
+          <a:lnRef idx="1">
+            <a:schemeClr val="accent1"/>
+          </a:lnRef>
+          <a:fillRef idx="3">
+            <a:schemeClr val="accent1"/>
+          </a:fillRef>
+          <a:effectRef idx="2">
+            <a:schemeClr val="accent1"/>
+          </a:effectRef>
+          <a:fontRef idx="minor">
+            <a:schemeClr val="lt1"/>
+          </a:fontRef>
+        </p:style>
+        <p:txBody>
+          <a:bodyPr rtlCol="0" anchor="ctr"/>
+          <a:lstStyle/>
+          <a:p>
+            <a:pPr algn="ctr"/>
+            <a:r>
+              <a:rPr lang="en-US" sz="1400" dirty="0" smtClean="0">
+                <a:solidFill>
+                  <a:srgbClr val="FFFFFF"/>
+                </a:solidFill>
+                <a:latin typeface="Rockwell"/>
+                <a:cs typeface="Rockwell"/>
+              </a:rPr>
+              <a:t>Multiple Linear Regression</a:t>
+            </a:r>
+            <a:endParaRPr lang="en-US" sz="1400" dirty="0">
+              <a:solidFill>
+                <a:srgbClr val="FFFFFF"/>
+              </a:solidFill>
+              <a:latin typeface="Rockwell"/>
+              <a:cs typeface="Rockwell"/>
+            </a:endParaRPr>
+          </a:p>
+        </p:txBody>
+      </p:sp>
+      <p:sp>
+        <p:nvSpPr>
+          <p:cNvPr id="9" name="Rectangle 8"/>
+          <p:cNvSpPr/>
+          <p:nvPr/>
+        </p:nvSpPr>
+        <p:spPr>
+          <a:xfrm>
+            <a:off x="4567817" y="6332355"/>
+            <a:ext cx="1428245" cy="539114"/>
+          </a:xfrm>
+          <a:prstGeom prst="rect">
+            <a:avLst/>
+          </a:prstGeom>
+          <a:solidFill>
+            <a:schemeClr val="accent3">
+              <a:lumMod val="50000"/>
+            </a:schemeClr>
+          </a:solidFill>
+          <a:ln>
+            <a:solidFill>
+              <a:schemeClr val="tx1"/>
+            </a:solidFill>
+          </a:ln>
+          <a:effectLst/>
+        </p:spPr>
+        <p:style>
+          <a:lnRef idx="1">
+            <a:schemeClr val="accent1"/>
+          </a:lnRef>
+          <a:fillRef idx="3">
+            <a:schemeClr val="accent1"/>
+          </a:fillRef>
+          <a:effectRef idx="2">
+            <a:schemeClr val="accent1"/>
+          </a:effectRef>
+          <a:fontRef idx="minor">
+            <a:schemeClr val="lt1"/>
+          </a:fontRef>
+        </p:style>
+        <p:txBody>
+          <a:bodyPr rtlCol="0" anchor="ctr"/>
+          <a:lstStyle/>
+          <a:p>
+            <a:pPr algn="ctr"/>
+            <a:r>
+              <a:rPr lang="en-US" sz="1400" dirty="0" smtClean="0">
+                <a:solidFill>
+                  <a:srgbClr val="FFFFFF"/>
+                </a:solidFill>
+                <a:latin typeface="Rockwell"/>
+                <a:cs typeface="Rockwell"/>
+              </a:rPr>
+              <a:t>ANOVA</a:t>
+            </a:r>
+            <a:endParaRPr lang="en-US" sz="1400" dirty="0">
+              <a:solidFill>
+                <a:srgbClr val="FFFFFF"/>
+              </a:solidFill>
+              <a:latin typeface="Rockwell"/>
+              <a:cs typeface="Rockwell"/>
+            </a:endParaRPr>
+          </a:p>
+        </p:txBody>
+      </p:sp>
+      <p:sp>
+        <p:nvSpPr>
+          <p:cNvPr id="10" name="TextBox 9"/>
+          <p:cNvSpPr txBox="1"/>
+          <p:nvPr/>
+        </p:nvSpPr>
+        <p:spPr>
+          <a:xfrm>
+            <a:off x="1" y="6435277"/>
+            <a:ext cx="1014934" cy="307777"/>
+          </a:xfrm>
+          <a:prstGeom prst="rect">
+            <a:avLst/>
+          </a:prstGeom>
+          <a:noFill/>
+        </p:spPr>
+        <p:txBody>
+          <a:bodyPr wrap="none" rtlCol="0" anchor="ctr">
+            <a:spAutoFit/>
+          </a:bodyPr>
+          <a:lstStyle/>
+          <a:p>
+            <a:r>
+              <a:rPr lang="en-US" sz="1400" dirty="0" smtClean="0">
+                <a:solidFill>
+                  <a:schemeClr val="bg1">
+                    <a:lumMod val="85000"/>
+                  </a:schemeClr>
+                </a:solidFill>
+                <a:latin typeface="Rockwell"/>
+                <a:cs typeface="Rockwell"/>
+              </a:rPr>
+              <a:t>MCB 293S</a:t>
+            </a:r>
+          </a:p>
+        </p:txBody>
+      </p:sp>
+      <p:sp>
+        <p:nvSpPr>
+          <p:cNvPr id="11" name="TextBox 10"/>
+          <p:cNvSpPr txBox="1"/>
+          <p:nvPr/>
+        </p:nvSpPr>
+        <p:spPr>
+          <a:xfrm>
+            <a:off x="8344983" y="6435277"/>
+            <a:ext cx="799017" cy="307777"/>
+          </a:xfrm>
+          <a:prstGeom prst="rect">
+            <a:avLst/>
+          </a:prstGeom>
+          <a:noFill/>
+        </p:spPr>
+        <p:txBody>
+          <a:bodyPr wrap="none" rtlCol="0" anchor="ctr">
+            <a:spAutoFit/>
+          </a:bodyPr>
+          <a:lstStyle/>
+          <a:p>
+            <a:pPr algn="r"/>
+            <a:r>
+              <a:rPr lang="en-US" sz="1400" dirty="0" smtClean="0">
+                <a:solidFill>
+                  <a:schemeClr val="bg1">
+                    <a:lumMod val="85000"/>
+                  </a:schemeClr>
+                </a:solidFill>
+                <a:latin typeface="Rockwell"/>
+                <a:cs typeface="Rockwell"/>
+              </a:rPr>
+              <a:t>Week </a:t>
+            </a:r>
+            <a:r>
+              <a:rPr lang="en-US" sz="1400" dirty="0" smtClean="0">
+                <a:solidFill>
+                  <a:schemeClr val="bg1">
+                    <a:lumMod val="85000"/>
+                  </a:schemeClr>
+                </a:solidFill>
+                <a:latin typeface="Rockwell"/>
+                <a:cs typeface="Rockwell"/>
+              </a:rPr>
+              <a:t>4</a:t>
+            </a:r>
+            <a:endParaRPr lang="en-US" sz="1400" dirty="0" smtClean="0">
+              <a:solidFill>
+                <a:schemeClr val="bg1">
+                  <a:lumMod val="85000"/>
+                </a:schemeClr>
+              </a:solidFill>
+              <a:latin typeface="Rockwell"/>
+              <a:cs typeface="Rockwell"/>
             </a:endParaRPr>
           </a:p>
         </p:txBody>
@@ -11517,6 +13764,233 @@
               </a:rPr>
               <a:t>Total Counts</a:t>
             </a:r>
+          </a:p>
+        </p:txBody>
+      </p:sp>
+      <p:sp>
+        <p:nvSpPr>
+          <p:cNvPr id="22" name="Rectangle 21"/>
+          <p:cNvSpPr/>
+          <p:nvPr/>
+        </p:nvSpPr>
+        <p:spPr>
+          <a:xfrm>
+            <a:off x="3139571" y="6332355"/>
+            <a:ext cx="1428245" cy="539114"/>
+          </a:xfrm>
+          <a:prstGeom prst="rect">
+            <a:avLst/>
+          </a:prstGeom>
+          <a:solidFill>
+            <a:schemeClr val="accent3">
+              <a:lumMod val="60000"/>
+              <a:lumOff val="40000"/>
+            </a:schemeClr>
+          </a:solidFill>
+          <a:ln>
+            <a:solidFill>
+              <a:srgbClr val="000000"/>
+            </a:solidFill>
+          </a:ln>
+          <a:effectLst/>
+        </p:spPr>
+        <p:style>
+          <a:lnRef idx="1">
+            <a:schemeClr val="accent1"/>
+          </a:lnRef>
+          <a:fillRef idx="3">
+            <a:schemeClr val="accent1"/>
+          </a:fillRef>
+          <a:effectRef idx="2">
+            <a:schemeClr val="accent1"/>
+          </a:effectRef>
+          <a:fontRef idx="minor">
+            <a:schemeClr val="lt1"/>
+          </a:fontRef>
+        </p:style>
+        <p:txBody>
+          <a:bodyPr rtlCol="0" anchor="ctr"/>
+          <a:lstStyle/>
+          <a:p>
+            <a:pPr algn="ctr"/>
+            <a:r>
+              <a:rPr lang="en-US" sz="1400" dirty="0" smtClean="0">
+                <a:solidFill>
+                  <a:srgbClr val="FFFFFF"/>
+                </a:solidFill>
+                <a:latin typeface="Rockwell"/>
+                <a:cs typeface="Rockwell"/>
+              </a:rPr>
+              <a:t>Multiple Linear Regression</a:t>
+            </a:r>
+            <a:endParaRPr lang="en-US" sz="1400" dirty="0">
+              <a:solidFill>
+                <a:srgbClr val="FFFFFF"/>
+              </a:solidFill>
+              <a:latin typeface="Rockwell"/>
+              <a:cs typeface="Rockwell"/>
+            </a:endParaRPr>
+          </a:p>
+        </p:txBody>
+      </p:sp>
+      <p:sp>
+        <p:nvSpPr>
+          <p:cNvPr id="26" name="Rectangle 25"/>
+          <p:cNvSpPr/>
+          <p:nvPr/>
+        </p:nvSpPr>
+        <p:spPr>
+          <a:xfrm>
+            <a:off x="4567817" y="6332355"/>
+            <a:ext cx="1428245" cy="539114"/>
+          </a:xfrm>
+          <a:prstGeom prst="rect">
+            <a:avLst/>
+          </a:prstGeom>
+          <a:solidFill>
+            <a:schemeClr val="accent3">
+              <a:lumMod val="50000"/>
+            </a:schemeClr>
+          </a:solidFill>
+          <a:ln>
+            <a:solidFill>
+              <a:schemeClr val="tx1"/>
+            </a:solidFill>
+          </a:ln>
+          <a:effectLst/>
+        </p:spPr>
+        <p:style>
+          <a:lnRef idx="1">
+            <a:schemeClr val="accent1"/>
+          </a:lnRef>
+          <a:fillRef idx="3">
+            <a:schemeClr val="accent1"/>
+          </a:fillRef>
+          <a:effectRef idx="2">
+            <a:schemeClr val="accent1"/>
+          </a:effectRef>
+          <a:fontRef idx="minor">
+            <a:schemeClr val="lt1"/>
+          </a:fontRef>
+        </p:style>
+        <p:txBody>
+          <a:bodyPr rtlCol="0" anchor="ctr"/>
+          <a:lstStyle/>
+          <a:p>
+            <a:pPr algn="ctr"/>
+            <a:r>
+              <a:rPr lang="en-US" sz="1400" dirty="0" smtClean="0">
+                <a:solidFill>
+                  <a:srgbClr val="FFFFFF"/>
+                </a:solidFill>
+                <a:latin typeface="Rockwell"/>
+                <a:cs typeface="Rockwell"/>
+              </a:rPr>
+              <a:t>ANOVA</a:t>
+            </a:r>
+            <a:endParaRPr lang="en-US" sz="1400" dirty="0">
+              <a:solidFill>
+                <a:srgbClr val="FFFFFF"/>
+              </a:solidFill>
+              <a:latin typeface="Rockwell"/>
+              <a:cs typeface="Rockwell"/>
+            </a:endParaRPr>
+          </a:p>
+        </p:txBody>
+      </p:sp>
+      <p:sp>
+        <p:nvSpPr>
+          <p:cNvPr id="27" name="TextBox 26"/>
+          <p:cNvSpPr txBox="1"/>
+          <p:nvPr/>
+        </p:nvSpPr>
+        <p:spPr>
+          <a:xfrm>
+            <a:off x="1" y="6435277"/>
+            <a:ext cx="1014934" cy="307777"/>
+          </a:xfrm>
+          <a:prstGeom prst="rect">
+            <a:avLst/>
+          </a:prstGeom>
+          <a:noFill/>
+        </p:spPr>
+        <p:txBody>
+          <a:bodyPr wrap="none" rtlCol="0" anchor="ctr">
+            <a:spAutoFit/>
+          </a:bodyPr>
+          <a:lstStyle/>
+          <a:p>
+            <a:r>
+              <a:rPr lang="en-US" sz="1400" dirty="0" smtClean="0">
+                <a:solidFill>
+                  <a:schemeClr val="bg1">
+                    <a:lumMod val="85000"/>
+                  </a:schemeClr>
+                </a:solidFill>
+                <a:latin typeface="Rockwell"/>
+                <a:cs typeface="Rockwell"/>
+              </a:rPr>
+              <a:t>MCB 293S</a:t>
+            </a:r>
+          </a:p>
+        </p:txBody>
+      </p:sp>
+      <p:sp>
+        <p:nvSpPr>
+          <p:cNvPr id="28" name="TextBox 27"/>
+          <p:cNvSpPr txBox="1"/>
+          <p:nvPr/>
+        </p:nvSpPr>
+        <p:spPr>
+          <a:xfrm>
+            <a:off x="8344983" y="6435277"/>
+            <a:ext cx="799017" cy="307777"/>
+          </a:xfrm>
+          <a:prstGeom prst="rect">
+            <a:avLst/>
+          </a:prstGeom>
+          <a:noFill/>
+        </p:spPr>
+        <p:txBody>
+          <a:bodyPr wrap="none" rtlCol="0" anchor="ctr">
+            <a:spAutoFit/>
+          </a:bodyPr>
+          <a:lstStyle/>
+          <a:p>
+            <a:pPr algn="r"/>
+            <a:r>
+              <a:rPr lang="en-US" sz="1400" dirty="0" smtClean="0">
+                <a:solidFill>
+                  <a:schemeClr val="bg1">
+                    <a:lumMod val="85000"/>
+                  </a:schemeClr>
+                </a:solidFill>
+                <a:latin typeface="Rockwell"/>
+                <a:cs typeface="Rockwell"/>
+              </a:rPr>
+              <a:t>Week </a:t>
+            </a:r>
+            <a:r>
+              <a:rPr lang="en-US" sz="1400" dirty="0" smtClean="0">
+                <a:solidFill>
+                  <a:schemeClr val="bg1">
+                    <a:lumMod val="85000"/>
+                  </a:schemeClr>
+                </a:solidFill>
+                <a:latin typeface="Rockwell"/>
+                <a:cs typeface="Rockwell"/>
+              </a:rPr>
+              <a:t>4</a:t>
+            </a:r>
+            <a:endParaRPr lang="en-US" sz="1400" dirty="0" smtClean="0">
+              <a:solidFill>
+                <a:schemeClr val="bg1">
+                  <a:lumMod val="85000"/>
+                </a:schemeClr>
+              </a:solidFill>
+              <a:latin typeface="Rockwell"/>
+              <a:cs typeface="Rockwell"/>
+            </a:endParaRPr>
           </a:p>
         </p:txBody>
       </p:sp>
@@ -13053,6 +15527,233 @@
           </a:p>
         </p:txBody>
       </p:sp>
+      <p:sp>
+        <p:nvSpPr>
+          <p:cNvPr id="22" name="Rectangle 21"/>
+          <p:cNvSpPr/>
+          <p:nvPr/>
+        </p:nvSpPr>
+        <p:spPr>
+          <a:xfrm>
+            <a:off x="3139571" y="6332355"/>
+            <a:ext cx="1428245" cy="539114"/>
+          </a:xfrm>
+          <a:prstGeom prst="rect">
+            <a:avLst/>
+          </a:prstGeom>
+          <a:solidFill>
+            <a:schemeClr val="accent3">
+              <a:lumMod val="60000"/>
+              <a:lumOff val="40000"/>
+            </a:schemeClr>
+          </a:solidFill>
+          <a:ln>
+            <a:solidFill>
+              <a:srgbClr val="000000"/>
+            </a:solidFill>
+          </a:ln>
+          <a:effectLst/>
+        </p:spPr>
+        <p:style>
+          <a:lnRef idx="1">
+            <a:schemeClr val="accent1"/>
+          </a:lnRef>
+          <a:fillRef idx="3">
+            <a:schemeClr val="accent1"/>
+          </a:fillRef>
+          <a:effectRef idx="2">
+            <a:schemeClr val="accent1"/>
+          </a:effectRef>
+          <a:fontRef idx="minor">
+            <a:schemeClr val="lt1"/>
+          </a:fontRef>
+        </p:style>
+        <p:txBody>
+          <a:bodyPr rtlCol="0" anchor="ctr"/>
+          <a:lstStyle/>
+          <a:p>
+            <a:pPr algn="ctr"/>
+            <a:r>
+              <a:rPr lang="en-US" sz="1400" dirty="0" smtClean="0">
+                <a:solidFill>
+                  <a:srgbClr val="FFFFFF"/>
+                </a:solidFill>
+                <a:latin typeface="Rockwell"/>
+                <a:cs typeface="Rockwell"/>
+              </a:rPr>
+              <a:t>Multiple Linear Regression</a:t>
+            </a:r>
+            <a:endParaRPr lang="en-US" sz="1400" dirty="0">
+              <a:solidFill>
+                <a:srgbClr val="FFFFFF"/>
+              </a:solidFill>
+              <a:latin typeface="Rockwell"/>
+              <a:cs typeface="Rockwell"/>
+            </a:endParaRPr>
+          </a:p>
+        </p:txBody>
+      </p:sp>
+      <p:sp>
+        <p:nvSpPr>
+          <p:cNvPr id="24" name="Rectangle 23"/>
+          <p:cNvSpPr/>
+          <p:nvPr/>
+        </p:nvSpPr>
+        <p:spPr>
+          <a:xfrm>
+            <a:off x="4567817" y="6332355"/>
+            <a:ext cx="1428245" cy="539114"/>
+          </a:xfrm>
+          <a:prstGeom prst="rect">
+            <a:avLst/>
+          </a:prstGeom>
+          <a:solidFill>
+            <a:schemeClr val="accent3">
+              <a:lumMod val="50000"/>
+            </a:schemeClr>
+          </a:solidFill>
+          <a:ln>
+            <a:solidFill>
+              <a:schemeClr val="tx1"/>
+            </a:solidFill>
+          </a:ln>
+          <a:effectLst/>
+        </p:spPr>
+        <p:style>
+          <a:lnRef idx="1">
+            <a:schemeClr val="accent1"/>
+          </a:lnRef>
+          <a:fillRef idx="3">
+            <a:schemeClr val="accent1"/>
+          </a:fillRef>
+          <a:effectRef idx="2">
+            <a:schemeClr val="accent1"/>
+          </a:effectRef>
+          <a:fontRef idx="minor">
+            <a:schemeClr val="lt1"/>
+          </a:fontRef>
+        </p:style>
+        <p:txBody>
+          <a:bodyPr rtlCol="0" anchor="ctr"/>
+          <a:lstStyle/>
+          <a:p>
+            <a:pPr algn="ctr"/>
+            <a:r>
+              <a:rPr lang="en-US" sz="1400" dirty="0" smtClean="0">
+                <a:solidFill>
+                  <a:srgbClr val="FFFFFF"/>
+                </a:solidFill>
+                <a:latin typeface="Rockwell"/>
+                <a:cs typeface="Rockwell"/>
+              </a:rPr>
+              <a:t>ANOVA</a:t>
+            </a:r>
+            <a:endParaRPr lang="en-US" sz="1400" dirty="0">
+              <a:solidFill>
+                <a:srgbClr val="FFFFFF"/>
+              </a:solidFill>
+              <a:latin typeface="Rockwell"/>
+              <a:cs typeface="Rockwell"/>
+            </a:endParaRPr>
+          </a:p>
+        </p:txBody>
+      </p:sp>
+      <p:sp>
+        <p:nvSpPr>
+          <p:cNvPr id="25" name="TextBox 24"/>
+          <p:cNvSpPr txBox="1"/>
+          <p:nvPr/>
+        </p:nvSpPr>
+        <p:spPr>
+          <a:xfrm>
+            <a:off x="1" y="6435277"/>
+            <a:ext cx="1014934" cy="307777"/>
+          </a:xfrm>
+          <a:prstGeom prst="rect">
+            <a:avLst/>
+          </a:prstGeom>
+          <a:noFill/>
+        </p:spPr>
+        <p:txBody>
+          <a:bodyPr wrap="none" rtlCol="0" anchor="ctr">
+            <a:spAutoFit/>
+          </a:bodyPr>
+          <a:lstStyle/>
+          <a:p>
+            <a:r>
+              <a:rPr lang="en-US" sz="1400" dirty="0" smtClean="0">
+                <a:solidFill>
+                  <a:schemeClr val="bg1">
+                    <a:lumMod val="85000"/>
+                  </a:schemeClr>
+                </a:solidFill>
+                <a:latin typeface="Rockwell"/>
+                <a:cs typeface="Rockwell"/>
+              </a:rPr>
+              <a:t>MCB 293S</a:t>
+            </a:r>
+          </a:p>
+        </p:txBody>
+      </p:sp>
+      <p:sp>
+        <p:nvSpPr>
+          <p:cNvPr id="27" name="TextBox 26"/>
+          <p:cNvSpPr txBox="1"/>
+          <p:nvPr/>
+        </p:nvSpPr>
+        <p:spPr>
+          <a:xfrm>
+            <a:off x="8344983" y="6435277"/>
+            <a:ext cx="799017" cy="307777"/>
+          </a:xfrm>
+          <a:prstGeom prst="rect">
+            <a:avLst/>
+          </a:prstGeom>
+          <a:noFill/>
+        </p:spPr>
+        <p:txBody>
+          <a:bodyPr wrap="none" rtlCol="0" anchor="ctr">
+            <a:spAutoFit/>
+          </a:bodyPr>
+          <a:lstStyle/>
+          <a:p>
+            <a:pPr algn="r"/>
+            <a:r>
+              <a:rPr lang="en-US" sz="1400" dirty="0" smtClean="0">
+                <a:solidFill>
+                  <a:schemeClr val="bg1">
+                    <a:lumMod val="85000"/>
+                  </a:schemeClr>
+                </a:solidFill>
+                <a:latin typeface="Rockwell"/>
+                <a:cs typeface="Rockwell"/>
+              </a:rPr>
+              <a:t>Week </a:t>
+            </a:r>
+            <a:r>
+              <a:rPr lang="en-US" sz="1400" dirty="0" smtClean="0">
+                <a:solidFill>
+                  <a:schemeClr val="bg1">
+                    <a:lumMod val="85000"/>
+                  </a:schemeClr>
+                </a:solidFill>
+                <a:latin typeface="Rockwell"/>
+                <a:cs typeface="Rockwell"/>
+              </a:rPr>
+              <a:t>4</a:t>
+            </a:r>
+            <a:endParaRPr lang="en-US" sz="1400" dirty="0" smtClean="0">
+              <a:solidFill>
+                <a:schemeClr val="bg1">
+                  <a:lumMod val="85000"/>
+                </a:schemeClr>
+              </a:solidFill>
+              <a:latin typeface="Rockwell"/>
+              <a:cs typeface="Rockwell"/>
+            </a:endParaRPr>
+          </a:p>
+        </p:txBody>
+      </p:sp>
     </p:spTree>
     <p:extLst>
       <p:ext uri="{BB962C8B-B14F-4D97-AF65-F5344CB8AC3E}">
@@ -13958,6 +16659,233 @@
             <a:endParaRPr lang="en-US" sz="1200" dirty="0">
               <a:latin typeface="Times"/>
               <a:cs typeface="Times"/>
+            </a:endParaRPr>
+          </a:p>
+        </p:txBody>
+      </p:sp>
+      <p:sp>
+        <p:nvSpPr>
+          <p:cNvPr id="12" name="Rectangle 11"/>
+          <p:cNvSpPr/>
+          <p:nvPr/>
+        </p:nvSpPr>
+        <p:spPr>
+          <a:xfrm>
+            <a:off x="3139571" y="6332355"/>
+            <a:ext cx="1428245" cy="539114"/>
+          </a:xfrm>
+          <a:prstGeom prst="rect">
+            <a:avLst/>
+          </a:prstGeom>
+          <a:solidFill>
+            <a:schemeClr val="accent3">
+              <a:lumMod val="60000"/>
+              <a:lumOff val="40000"/>
+            </a:schemeClr>
+          </a:solidFill>
+          <a:ln>
+            <a:solidFill>
+              <a:srgbClr val="000000"/>
+            </a:solidFill>
+          </a:ln>
+          <a:effectLst/>
+        </p:spPr>
+        <p:style>
+          <a:lnRef idx="1">
+            <a:schemeClr val="accent1"/>
+          </a:lnRef>
+          <a:fillRef idx="3">
+            <a:schemeClr val="accent1"/>
+          </a:fillRef>
+          <a:effectRef idx="2">
+            <a:schemeClr val="accent1"/>
+          </a:effectRef>
+          <a:fontRef idx="minor">
+            <a:schemeClr val="lt1"/>
+          </a:fontRef>
+        </p:style>
+        <p:txBody>
+          <a:bodyPr rtlCol="0" anchor="ctr"/>
+          <a:lstStyle/>
+          <a:p>
+            <a:pPr algn="ctr"/>
+            <a:r>
+              <a:rPr lang="en-US" sz="1400" dirty="0" smtClean="0">
+                <a:solidFill>
+                  <a:srgbClr val="FFFFFF"/>
+                </a:solidFill>
+                <a:latin typeface="Rockwell"/>
+                <a:cs typeface="Rockwell"/>
+              </a:rPr>
+              <a:t>Multiple Linear Regression</a:t>
+            </a:r>
+            <a:endParaRPr lang="en-US" sz="1400" dirty="0">
+              <a:solidFill>
+                <a:srgbClr val="FFFFFF"/>
+              </a:solidFill>
+              <a:latin typeface="Rockwell"/>
+              <a:cs typeface="Rockwell"/>
+            </a:endParaRPr>
+          </a:p>
+        </p:txBody>
+      </p:sp>
+      <p:sp>
+        <p:nvSpPr>
+          <p:cNvPr id="14" name="Rectangle 13"/>
+          <p:cNvSpPr/>
+          <p:nvPr/>
+        </p:nvSpPr>
+        <p:spPr>
+          <a:xfrm>
+            <a:off x="4567817" y="6332355"/>
+            <a:ext cx="1428245" cy="539114"/>
+          </a:xfrm>
+          <a:prstGeom prst="rect">
+            <a:avLst/>
+          </a:prstGeom>
+          <a:solidFill>
+            <a:schemeClr val="accent3">
+              <a:lumMod val="50000"/>
+            </a:schemeClr>
+          </a:solidFill>
+          <a:ln>
+            <a:solidFill>
+              <a:schemeClr val="tx1"/>
+            </a:solidFill>
+          </a:ln>
+          <a:effectLst/>
+        </p:spPr>
+        <p:style>
+          <a:lnRef idx="1">
+            <a:schemeClr val="accent1"/>
+          </a:lnRef>
+          <a:fillRef idx="3">
+            <a:schemeClr val="accent1"/>
+          </a:fillRef>
+          <a:effectRef idx="2">
+            <a:schemeClr val="accent1"/>
+          </a:effectRef>
+          <a:fontRef idx="minor">
+            <a:schemeClr val="lt1"/>
+          </a:fontRef>
+        </p:style>
+        <p:txBody>
+          <a:bodyPr rtlCol="0" anchor="ctr"/>
+          <a:lstStyle/>
+          <a:p>
+            <a:pPr algn="ctr"/>
+            <a:r>
+              <a:rPr lang="en-US" sz="1400" dirty="0" smtClean="0">
+                <a:solidFill>
+                  <a:srgbClr val="FFFFFF"/>
+                </a:solidFill>
+                <a:latin typeface="Rockwell"/>
+                <a:cs typeface="Rockwell"/>
+              </a:rPr>
+              <a:t>ANOVA</a:t>
+            </a:r>
+            <a:endParaRPr lang="en-US" sz="1400" dirty="0">
+              <a:solidFill>
+                <a:srgbClr val="FFFFFF"/>
+              </a:solidFill>
+              <a:latin typeface="Rockwell"/>
+              <a:cs typeface="Rockwell"/>
+            </a:endParaRPr>
+          </a:p>
+        </p:txBody>
+      </p:sp>
+      <p:sp>
+        <p:nvSpPr>
+          <p:cNvPr id="15" name="TextBox 14"/>
+          <p:cNvSpPr txBox="1"/>
+          <p:nvPr/>
+        </p:nvSpPr>
+        <p:spPr>
+          <a:xfrm>
+            <a:off x="1" y="6435277"/>
+            <a:ext cx="1014934" cy="307777"/>
+          </a:xfrm>
+          <a:prstGeom prst="rect">
+            <a:avLst/>
+          </a:prstGeom>
+          <a:noFill/>
+        </p:spPr>
+        <p:txBody>
+          <a:bodyPr wrap="none" rtlCol="0" anchor="ctr">
+            <a:spAutoFit/>
+          </a:bodyPr>
+          <a:lstStyle/>
+          <a:p>
+            <a:r>
+              <a:rPr lang="en-US" sz="1400" dirty="0" smtClean="0">
+                <a:solidFill>
+                  <a:schemeClr val="bg1">
+                    <a:lumMod val="85000"/>
+                  </a:schemeClr>
+                </a:solidFill>
+                <a:latin typeface="Rockwell"/>
+                <a:cs typeface="Rockwell"/>
+              </a:rPr>
+              <a:t>MCB 293S</a:t>
+            </a:r>
+          </a:p>
+        </p:txBody>
+      </p:sp>
+      <p:sp>
+        <p:nvSpPr>
+          <p:cNvPr id="16" name="TextBox 15"/>
+          <p:cNvSpPr txBox="1"/>
+          <p:nvPr/>
+        </p:nvSpPr>
+        <p:spPr>
+          <a:xfrm>
+            <a:off x="8344983" y="6435277"/>
+            <a:ext cx="799017" cy="307777"/>
+          </a:xfrm>
+          <a:prstGeom prst="rect">
+            <a:avLst/>
+          </a:prstGeom>
+          <a:noFill/>
+        </p:spPr>
+        <p:txBody>
+          <a:bodyPr wrap="none" rtlCol="0" anchor="ctr">
+            <a:spAutoFit/>
+          </a:bodyPr>
+          <a:lstStyle/>
+          <a:p>
+            <a:pPr algn="r"/>
+            <a:r>
+              <a:rPr lang="en-US" sz="1400" dirty="0" smtClean="0">
+                <a:solidFill>
+                  <a:schemeClr val="bg1">
+                    <a:lumMod val="85000"/>
+                  </a:schemeClr>
+                </a:solidFill>
+                <a:latin typeface="Rockwell"/>
+                <a:cs typeface="Rockwell"/>
+              </a:rPr>
+              <a:t>Week </a:t>
+            </a:r>
+            <a:r>
+              <a:rPr lang="en-US" sz="1400" dirty="0" smtClean="0">
+                <a:solidFill>
+                  <a:schemeClr val="bg1">
+                    <a:lumMod val="85000"/>
+                  </a:schemeClr>
+                </a:solidFill>
+                <a:latin typeface="Rockwell"/>
+                <a:cs typeface="Rockwell"/>
+              </a:rPr>
+              <a:t>4</a:t>
+            </a:r>
+            <a:endParaRPr lang="en-US" sz="1400" dirty="0" smtClean="0">
+              <a:solidFill>
+                <a:schemeClr val="bg1">
+                  <a:lumMod val="85000"/>
+                </a:schemeClr>
+              </a:solidFill>
+              <a:latin typeface="Rockwell"/>
+              <a:cs typeface="Rockwell"/>
             </a:endParaRPr>
           </a:p>
         </p:txBody>
